--- a/diplom/diplom_prezentation.pptx
+++ b/diplom/diplom_prezentation.pptx
@@ -2,10 +2,10 @@
 <file path=ppt/presentation.xml><?xml version="1.0" encoding="utf-8"?>
 <p:presentation xmlns:a="http://schemas.openxmlformats.org/drawingml/2006/main" xmlns:r="http://schemas.openxmlformats.org/officeDocument/2006/relationships" xmlns:p="http://schemas.openxmlformats.org/presentationml/2006/main" saveSubsetFonts="1">
   <p:sldMasterIdLst>
-    <p:sldMasterId id="2147483648" r:id="rId1"/>
+    <p:sldMasterId id="2147483660" r:id="rId1"/>
   </p:sldMasterIdLst>
   <p:notesMasterIdLst>
-    <p:notesMasterId r:id="rId19"/>
+    <p:notesMasterId r:id="rId17"/>
   </p:notesMasterIdLst>
   <p:sldIdLst>
     <p:sldId id="256" r:id="rId2"/>
@@ -23,16 +23,14 @@
     <p:sldId id="268" r:id="rId14"/>
     <p:sldId id="269" r:id="rId15"/>
     <p:sldId id="270" r:id="rId16"/>
-    <p:sldId id="271" r:id="rId17"/>
-    <p:sldId id="272" r:id="rId18"/>
   </p:sldIdLst>
   <p:sldSz cx="12192000" cy="6858000"/>
   <p:notesSz cx="6858000" cy="9144000"/>
   <p:defaultTextStyle>
     <a:defPPr>
-      <a:defRPr lang="ru-RU"/>
+      <a:defRPr lang="en-US"/>
     </a:defPPr>
-    <a:lvl1pPr marL="0" algn="l" defTabSz="914400" rtl="0" eaLnBrk="1" latinLnBrk="0" hangingPunct="1">
+    <a:lvl1pPr marL="0" algn="l" defTabSz="457200" rtl="0" eaLnBrk="1" latinLnBrk="0" hangingPunct="1">
       <a:defRPr sz="1800" kern="1200">
         <a:solidFill>
           <a:schemeClr val="tx1"/>
@@ -42,7 +40,7 @@
         <a:cs typeface="+mn-cs"/>
       </a:defRPr>
     </a:lvl1pPr>
-    <a:lvl2pPr marL="457200" algn="l" defTabSz="914400" rtl="0" eaLnBrk="1" latinLnBrk="0" hangingPunct="1">
+    <a:lvl2pPr marL="457200" algn="l" defTabSz="457200" rtl="0" eaLnBrk="1" latinLnBrk="0" hangingPunct="1">
       <a:defRPr sz="1800" kern="1200">
         <a:solidFill>
           <a:schemeClr val="tx1"/>
@@ -52,7 +50,7 @@
         <a:cs typeface="+mn-cs"/>
       </a:defRPr>
     </a:lvl2pPr>
-    <a:lvl3pPr marL="914400" algn="l" defTabSz="914400" rtl="0" eaLnBrk="1" latinLnBrk="0" hangingPunct="1">
+    <a:lvl3pPr marL="914400" algn="l" defTabSz="457200" rtl="0" eaLnBrk="1" latinLnBrk="0" hangingPunct="1">
       <a:defRPr sz="1800" kern="1200">
         <a:solidFill>
           <a:schemeClr val="tx1"/>
@@ -62,7 +60,7 @@
         <a:cs typeface="+mn-cs"/>
       </a:defRPr>
     </a:lvl3pPr>
-    <a:lvl4pPr marL="1371600" algn="l" defTabSz="914400" rtl="0" eaLnBrk="1" latinLnBrk="0" hangingPunct="1">
+    <a:lvl4pPr marL="1371600" algn="l" defTabSz="457200" rtl="0" eaLnBrk="1" latinLnBrk="0" hangingPunct="1">
       <a:defRPr sz="1800" kern="1200">
         <a:solidFill>
           <a:schemeClr val="tx1"/>
@@ -72,7 +70,7 @@
         <a:cs typeface="+mn-cs"/>
       </a:defRPr>
     </a:lvl4pPr>
-    <a:lvl5pPr marL="1828800" algn="l" defTabSz="914400" rtl="0" eaLnBrk="1" latinLnBrk="0" hangingPunct="1">
+    <a:lvl5pPr marL="1828800" algn="l" defTabSz="457200" rtl="0" eaLnBrk="1" latinLnBrk="0" hangingPunct="1">
       <a:defRPr sz="1800" kern="1200">
         <a:solidFill>
           <a:schemeClr val="tx1"/>
@@ -82,7 +80,7 @@
         <a:cs typeface="+mn-cs"/>
       </a:defRPr>
     </a:lvl5pPr>
-    <a:lvl6pPr marL="2286000" algn="l" defTabSz="914400" rtl="0" eaLnBrk="1" latinLnBrk="0" hangingPunct="1">
+    <a:lvl6pPr marL="2286000" algn="l" defTabSz="457200" rtl="0" eaLnBrk="1" latinLnBrk="0" hangingPunct="1">
       <a:defRPr sz="1800" kern="1200">
         <a:solidFill>
           <a:schemeClr val="tx1"/>
@@ -92,7 +90,7 @@
         <a:cs typeface="+mn-cs"/>
       </a:defRPr>
     </a:lvl6pPr>
-    <a:lvl7pPr marL="2743200" algn="l" defTabSz="914400" rtl="0" eaLnBrk="1" latinLnBrk="0" hangingPunct="1">
+    <a:lvl7pPr marL="2743200" algn="l" defTabSz="457200" rtl="0" eaLnBrk="1" latinLnBrk="0" hangingPunct="1">
       <a:defRPr sz="1800" kern="1200">
         <a:solidFill>
           <a:schemeClr val="tx1"/>
@@ -102,7 +100,7 @@
         <a:cs typeface="+mn-cs"/>
       </a:defRPr>
     </a:lvl7pPr>
-    <a:lvl8pPr marL="3200400" algn="l" defTabSz="914400" rtl="0" eaLnBrk="1" latinLnBrk="0" hangingPunct="1">
+    <a:lvl8pPr marL="3200400" algn="l" defTabSz="457200" rtl="0" eaLnBrk="1" latinLnBrk="0" hangingPunct="1">
       <a:defRPr sz="1800" kern="1200">
         <a:solidFill>
           <a:schemeClr val="tx1"/>
@@ -112,7 +110,7 @@
         <a:cs typeface="+mn-cs"/>
       </a:defRPr>
     </a:lvl8pPr>
-    <a:lvl9pPr marL="3657600" algn="l" defTabSz="914400" rtl="0" eaLnBrk="1" latinLnBrk="0" hangingPunct="1">
+    <a:lvl9pPr marL="3657600" algn="l" defTabSz="457200" rtl="0" eaLnBrk="1" latinLnBrk="0" hangingPunct="1">
       <a:defRPr sz="1800" kern="1200">
         <a:solidFill>
           <a:schemeClr val="tx1"/>
@@ -123,6 +121,11 @@
       </a:defRPr>
     </a:lvl9pPr>
   </p:defaultTextStyle>
+  <p:extLst>
+    <p:ext uri="{EFAFB233-063F-42B5-8137-9DF3F51BA10A}">
+      <p15:sldGuideLst xmlns:p15="http://schemas.microsoft.com/office/powerpoint/2012/main"/>
+    </p:ext>
+  </p:extLst>
 </p:presentation>
 </file>
 
@@ -208,7 +211,7 @@
           <a:p>
             <a:fld id="{CCAF7D9F-B2D0-4828-B492-9B4957A9A668}" type="datetimeFigureOut">
               <a:rPr lang="ru-RU" smtClean="0"/>
-              <a:t>07.05.2023</a:t>
+              <a:t>09.05.2023</a:t>
             </a:fld>
             <a:endParaRPr lang="ru-RU"/>
           </a:p>
@@ -561,7 +564,7 @@
 </file>
 
 <file path=ppt/slideLayouts/slideLayout1.xml><?xml version="1.0" encoding="utf-8"?>
-<p:sldLayout xmlns:a="http://schemas.openxmlformats.org/drawingml/2006/main" xmlns:r="http://schemas.openxmlformats.org/officeDocument/2006/relationships" xmlns:p="http://schemas.openxmlformats.org/presentationml/2006/main" type="title" preserve="1">
+<p:sldLayout xmlns:a="http://schemas.openxmlformats.org/drawingml/2006/main" xmlns:r="http://schemas.openxmlformats.org/officeDocument/2006/relationships" xmlns:p="http://schemas.openxmlformats.org/presentationml/2006/main" showMasterSp="0" type="title" preserve="1">
   <p:cSld name="Title Slide">
     <p:spTree>
       <p:nvGrpSpPr>
@@ -577,6 +580,536 @@
           <a:chExt cx="0" cy="0"/>
         </a:xfrm>
       </p:grpSpPr>
+      <p:grpSp>
+        <p:nvGrpSpPr>
+          <p:cNvPr id="7" name="Group 6"/>
+          <p:cNvGrpSpPr/>
+          <p:nvPr/>
+        </p:nvGrpSpPr>
+        <p:grpSpPr>
+          <a:xfrm>
+            <a:off x="0" y="-8467"/>
+            <a:ext cx="12192000" cy="6866467"/>
+            <a:chOff x="0" y="-8467"/>
+            <a:chExt cx="12192000" cy="6866467"/>
+          </a:xfrm>
+        </p:grpSpPr>
+        <p:cxnSp>
+          <p:nvCxnSpPr>
+            <p:cNvPr id="32" name="Straight Connector 31"/>
+            <p:cNvCxnSpPr/>
+            <p:nvPr/>
+          </p:nvCxnSpPr>
+          <p:spPr>
+            <a:xfrm>
+              <a:off x="9371012" y="0"/>
+              <a:ext cx="1219200" cy="6858000"/>
+            </a:xfrm>
+            <a:prstGeom prst="line">
+              <a:avLst/>
+            </a:prstGeom>
+            <a:ln w="9525">
+              <a:solidFill>
+                <a:schemeClr val="bg1">
+                  <a:lumMod val="75000"/>
+                </a:schemeClr>
+              </a:solidFill>
+            </a:ln>
+          </p:spPr>
+          <p:style>
+            <a:lnRef idx="2">
+              <a:schemeClr val="accent1"/>
+            </a:lnRef>
+            <a:fillRef idx="0">
+              <a:schemeClr val="accent1"/>
+            </a:fillRef>
+            <a:effectRef idx="1">
+              <a:schemeClr val="accent1"/>
+            </a:effectRef>
+            <a:fontRef idx="minor">
+              <a:schemeClr val="tx1"/>
+            </a:fontRef>
+          </p:style>
+        </p:cxnSp>
+        <p:cxnSp>
+          <p:nvCxnSpPr>
+            <p:cNvPr id="21" name="Straight Connector 20"/>
+            <p:cNvCxnSpPr/>
+            <p:nvPr/>
+          </p:nvCxnSpPr>
+          <p:spPr>
+            <a:xfrm flipH="1">
+              <a:off x="7425267" y="3681413"/>
+              <a:ext cx="4763558" cy="3176587"/>
+            </a:xfrm>
+            <a:prstGeom prst="line">
+              <a:avLst/>
+            </a:prstGeom>
+            <a:ln w="9525">
+              <a:solidFill>
+                <a:schemeClr val="bg1">
+                  <a:lumMod val="85000"/>
+                </a:schemeClr>
+              </a:solidFill>
+            </a:ln>
+          </p:spPr>
+          <p:style>
+            <a:lnRef idx="2">
+              <a:schemeClr val="accent1"/>
+            </a:lnRef>
+            <a:fillRef idx="0">
+              <a:schemeClr val="accent1"/>
+            </a:fillRef>
+            <a:effectRef idx="1">
+              <a:schemeClr val="accent1"/>
+            </a:effectRef>
+            <a:fontRef idx="minor">
+              <a:schemeClr val="tx1"/>
+            </a:fontRef>
+          </p:style>
+        </p:cxnSp>
+        <p:sp>
+          <p:nvSpPr>
+            <p:cNvPr id="24" name="Rectangle 23"/>
+            <p:cNvSpPr/>
+            <p:nvPr/>
+          </p:nvSpPr>
+          <p:spPr>
+            <a:xfrm>
+              <a:off x="9181476" y="-8467"/>
+              <a:ext cx="3007349" cy="6866467"/>
+            </a:xfrm>
+            <a:custGeom>
+              <a:avLst/>
+              <a:gdLst/>
+              <a:ahLst/>
+              <a:cxnLst/>
+              <a:rect l="l" t="t" r="r" b="b"/>
+              <a:pathLst>
+                <a:path w="3007349" h="6866467">
+                  <a:moveTo>
+                    <a:pt x="2045532" y="0"/>
+                  </a:moveTo>
+                  <a:lnTo>
+                    <a:pt x="3007349" y="0"/>
+                  </a:lnTo>
+                  <a:lnTo>
+                    <a:pt x="3007349" y="6866467"/>
+                  </a:lnTo>
+                  <a:lnTo>
+                    <a:pt x="0" y="6866467"/>
+                  </a:lnTo>
+                  <a:lnTo>
+                    <a:pt x="2045532" y="0"/>
+                  </a:lnTo>
+                  <a:close/>
+                </a:path>
+              </a:pathLst>
+            </a:custGeom>
+            <a:solidFill>
+              <a:schemeClr val="accent1">
+                <a:alpha val="30000"/>
+              </a:schemeClr>
+            </a:solidFill>
+            <a:ln>
+              <a:noFill/>
+            </a:ln>
+            <a:effectLst/>
+          </p:spPr>
+          <p:style>
+            <a:lnRef idx="1">
+              <a:schemeClr val="accent1"/>
+            </a:lnRef>
+            <a:fillRef idx="3">
+              <a:schemeClr val="accent1"/>
+            </a:fillRef>
+            <a:effectRef idx="2">
+              <a:schemeClr val="accent1"/>
+            </a:effectRef>
+            <a:fontRef idx="minor">
+              <a:schemeClr val="lt1"/>
+            </a:fontRef>
+          </p:style>
+        </p:sp>
+        <p:sp>
+          <p:nvSpPr>
+            <p:cNvPr id="26" name="Rectangle 25"/>
+            <p:cNvSpPr/>
+            <p:nvPr/>
+          </p:nvSpPr>
+          <p:spPr>
+            <a:xfrm>
+              <a:off x="9603442" y="-8467"/>
+              <a:ext cx="2588558" cy="6866467"/>
+            </a:xfrm>
+            <a:custGeom>
+              <a:avLst/>
+              <a:gdLst/>
+              <a:ahLst/>
+              <a:cxnLst/>
+              <a:rect l="l" t="t" r="r" b="b"/>
+              <a:pathLst>
+                <a:path w="2573311" h="6866467">
+                  <a:moveTo>
+                    <a:pt x="0" y="0"/>
+                  </a:moveTo>
+                  <a:lnTo>
+                    <a:pt x="2573311" y="0"/>
+                  </a:lnTo>
+                  <a:lnTo>
+                    <a:pt x="2573311" y="6866467"/>
+                  </a:lnTo>
+                  <a:lnTo>
+                    <a:pt x="1202336" y="6866467"/>
+                  </a:lnTo>
+                  <a:lnTo>
+                    <a:pt x="0" y="0"/>
+                  </a:lnTo>
+                  <a:close/>
+                </a:path>
+              </a:pathLst>
+            </a:custGeom>
+            <a:solidFill>
+              <a:schemeClr val="accent1">
+                <a:alpha val="20000"/>
+              </a:schemeClr>
+            </a:solidFill>
+            <a:ln>
+              <a:noFill/>
+            </a:ln>
+            <a:effectLst/>
+          </p:spPr>
+          <p:style>
+            <a:lnRef idx="1">
+              <a:schemeClr val="accent1"/>
+            </a:lnRef>
+            <a:fillRef idx="3">
+              <a:schemeClr val="accent1"/>
+            </a:fillRef>
+            <a:effectRef idx="2">
+              <a:schemeClr val="accent1"/>
+            </a:effectRef>
+            <a:fontRef idx="minor">
+              <a:schemeClr val="lt1"/>
+            </a:fontRef>
+          </p:style>
+        </p:sp>
+        <p:sp>
+          <p:nvSpPr>
+            <p:cNvPr id="27" name="Isosceles Triangle 26"/>
+            <p:cNvSpPr/>
+            <p:nvPr/>
+          </p:nvSpPr>
+          <p:spPr>
+            <a:xfrm>
+              <a:off x="8932333" y="3048000"/>
+              <a:ext cx="3259667" cy="3810000"/>
+            </a:xfrm>
+            <a:prstGeom prst="triangle">
+              <a:avLst>
+                <a:gd name="adj" fmla="val 100000"/>
+              </a:avLst>
+            </a:prstGeom>
+            <a:solidFill>
+              <a:schemeClr val="accent2">
+                <a:alpha val="72000"/>
+              </a:schemeClr>
+            </a:solidFill>
+            <a:ln>
+              <a:noFill/>
+            </a:ln>
+            <a:effectLst/>
+          </p:spPr>
+          <p:style>
+            <a:lnRef idx="1">
+              <a:schemeClr val="accent1"/>
+            </a:lnRef>
+            <a:fillRef idx="3">
+              <a:schemeClr val="accent1"/>
+            </a:fillRef>
+            <a:effectRef idx="2">
+              <a:schemeClr val="accent1"/>
+            </a:effectRef>
+            <a:fontRef idx="minor">
+              <a:schemeClr val="lt1"/>
+            </a:fontRef>
+          </p:style>
+        </p:sp>
+        <p:sp>
+          <p:nvSpPr>
+            <p:cNvPr id="28" name="Rectangle 27"/>
+            <p:cNvSpPr/>
+            <p:nvPr/>
+          </p:nvSpPr>
+          <p:spPr>
+            <a:xfrm>
+              <a:off x="9334500" y="-8467"/>
+              <a:ext cx="2854326" cy="6866467"/>
+            </a:xfrm>
+            <a:custGeom>
+              <a:avLst/>
+              <a:gdLst/>
+              <a:ahLst/>
+              <a:cxnLst/>
+              <a:rect l="l" t="t" r="r" b="b"/>
+              <a:pathLst>
+                <a:path w="2858013" h="6866467">
+                  <a:moveTo>
+                    <a:pt x="0" y="0"/>
+                  </a:moveTo>
+                  <a:lnTo>
+                    <a:pt x="2858013" y="0"/>
+                  </a:lnTo>
+                  <a:lnTo>
+                    <a:pt x="2858013" y="6866467"/>
+                  </a:lnTo>
+                  <a:lnTo>
+                    <a:pt x="2473942" y="6866467"/>
+                  </a:lnTo>
+                  <a:lnTo>
+                    <a:pt x="0" y="0"/>
+                  </a:lnTo>
+                  <a:close/>
+                </a:path>
+              </a:pathLst>
+            </a:custGeom>
+            <a:solidFill>
+              <a:schemeClr val="accent2">
+                <a:lumMod val="75000"/>
+                <a:alpha val="70000"/>
+              </a:schemeClr>
+            </a:solidFill>
+            <a:ln>
+              <a:noFill/>
+            </a:ln>
+            <a:effectLst/>
+          </p:spPr>
+          <p:style>
+            <a:lnRef idx="1">
+              <a:schemeClr val="accent1"/>
+            </a:lnRef>
+            <a:fillRef idx="3">
+              <a:schemeClr val="accent1"/>
+            </a:fillRef>
+            <a:effectRef idx="2">
+              <a:schemeClr val="accent1"/>
+            </a:effectRef>
+            <a:fontRef idx="minor">
+              <a:schemeClr val="lt1"/>
+            </a:fontRef>
+          </p:style>
+        </p:sp>
+        <p:sp>
+          <p:nvSpPr>
+            <p:cNvPr id="29" name="Rectangle 28"/>
+            <p:cNvSpPr/>
+            <p:nvPr/>
+          </p:nvSpPr>
+          <p:spPr>
+            <a:xfrm>
+              <a:off x="10898730" y="-8467"/>
+              <a:ext cx="1290094" cy="6866467"/>
+            </a:xfrm>
+            <a:custGeom>
+              <a:avLst/>
+              <a:gdLst/>
+              <a:ahLst/>
+              <a:cxnLst/>
+              <a:rect l="l" t="t" r="r" b="b"/>
+              <a:pathLst>
+                <a:path w="1290094" h="6858000">
+                  <a:moveTo>
+                    <a:pt x="1019735" y="0"/>
+                  </a:moveTo>
+                  <a:lnTo>
+                    <a:pt x="1290094" y="0"/>
+                  </a:lnTo>
+                  <a:lnTo>
+                    <a:pt x="1290094" y="6858000"/>
+                  </a:lnTo>
+                  <a:lnTo>
+                    <a:pt x="0" y="6858000"/>
+                  </a:lnTo>
+                  <a:lnTo>
+                    <a:pt x="1019735" y="0"/>
+                  </a:lnTo>
+                  <a:close/>
+                </a:path>
+              </a:pathLst>
+            </a:custGeom>
+            <a:solidFill>
+              <a:schemeClr val="accent1">
+                <a:lumMod val="60000"/>
+                <a:lumOff val="40000"/>
+                <a:alpha val="70000"/>
+              </a:schemeClr>
+            </a:solidFill>
+            <a:ln>
+              <a:noFill/>
+            </a:ln>
+            <a:effectLst/>
+          </p:spPr>
+          <p:style>
+            <a:lnRef idx="1">
+              <a:schemeClr val="accent1"/>
+            </a:lnRef>
+            <a:fillRef idx="3">
+              <a:schemeClr val="accent1"/>
+            </a:fillRef>
+            <a:effectRef idx="2">
+              <a:schemeClr val="accent1"/>
+            </a:effectRef>
+            <a:fontRef idx="minor">
+              <a:schemeClr val="lt1"/>
+            </a:fontRef>
+          </p:style>
+        </p:sp>
+        <p:sp>
+          <p:nvSpPr>
+            <p:cNvPr id="30" name="Rectangle 29"/>
+            <p:cNvSpPr/>
+            <p:nvPr/>
+          </p:nvSpPr>
+          <p:spPr>
+            <a:xfrm>
+              <a:off x="10938999" y="-8467"/>
+              <a:ext cx="1249825" cy="6866467"/>
+            </a:xfrm>
+            <a:custGeom>
+              <a:avLst/>
+              <a:gdLst/>
+              <a:ahLst/>
+              <a:cxnLst/>
+              <a:rect l="l" t="t" r="r" b="b"/>
+              <a:pathLst>
+                <a:path w="1249825" h="6858000">
+                  <a:moveTo>
+                    <a:pt x="0" y="0"/>
+                  </a:moveTo>
+                  <a:lnTo>
+                    <a:pt x="1249825" y="0"/>
+                  </a:lnTo>
+                  <a:lnTo>
+                    <a:pt x="1249825" y="6858000"/>
+                  </a:lnTo>
+                  <a:lnTo>
+                    <a:pt x="1109382" y="6858000"/>
+                  </a:lnTo>
+                  <a:lnTo>
+                    <a:pt x="0" y="0"/>
+                  </a:lnTo>
+                  <a:close/>
+                </a:path>
+              </a:pathLst>
+            </a:custGeom>
+            <a:solidFill>
+              <a:schemeClr val="accent1">
+                <a:alpha val="65000"/>
+              </a:schemeClr>
+            </a:solidFill>
+            <a:ln>
+              <a:noFill/>
+            </a:ln>
+            <a:effectLst/>
+          </p:spPr>
+          <p:style>
+            <a:lnRef idx="1">
+              <a:schemeClr val="accent1"/>
+            </a:lnRef>
+            <a:fillRef idx="3">
+              <a:schemeClr val="accent1"/>
+            </a:fillRef>
+            <a:effectRef idx="2">
+              <a:schemeClr val="accent1"/>
+            </a:effectRef>
+            <a:fontRef idx="minor">
+              <a:schemeClr val="lt1"/>
+            </a:fontRef>
+          </p:style>
+        </p:sp>
+        <p:sp>
+          <p:nvSpPr>
+            <p:cNvPr id="31" name="Isosceles Triangle 30"/>
+            <p:cNvSpPr/>
+            <p:nvPr/>
+          </p:nvSpPr>
+          <p:spPr>
+            <a:xfrm>
+              <a:off x="10371666" y="3589867"/>
+              <a:ext cx="1817159" cy="3268133"/>
+            </a:xfrm>
+            <a:prstGeom prst="triangle">
+              <a:avLst>
+                <a:gd name="adj" fmla="val 100000"/>
+              </a:avLst>
+            </a:prstGeom>
+            <a:solidFill>
+              <a:schemeClr val="accent1">
+                <a:alpha val="80000"/>
+              </a:schemeClr>
+            </a:solidFill>
+            <a:ln>
+              <a:noFill/>
+            </a:ln>
+            <a:effectLst/>
+          </p:spPr>
+          <p:style>
+            <a:lnRef idx="1">
+              <a:schemeClr val="accent1"/>
+            </a:lnRef>
+            <a:fillRef idx="3">
+              <a:schemeClr val="accent1"/>
+            </a:fillRef>
+            <a:effectRef idx="2">
+              <a:schemeClr val="accent1"/>
+            </a:effectRef>
+            <a:fontRef idx="minor">
+              <a:schemeClr val="lt1"/>
+            </a:fontRef>
+          </p:style>
+        </p:sp>
+        <p:sp>
+          <p:nvSpPr>
+            <p:cNvPr id="19" name="Isosceles Triangle 18"/>
+            <p:cNvSpPr/>
+            <p:nvPr/>
+          </p:nvSpPr>
+          <p:spPr>
+            <a:xfrm rot="10800000">
+              <a:off x="0" y="0"/>
+              <a:ext cx="842596" cy="5666154"/>
+            </a:xfrm>
+            <a:prstGeom prst="triangle">
+              <a:avLst>
+                <a:gd name="adj" fmla="val 100000"/>
+              </a:avLst>
+            </a:prstGeom>
+            <a:solidFill>
+              <a:schemeClr val="accent1">
+                <a:alpha val="85000"/>
+              </a:schemeClr>
+            </a:solidFill>
+            <a:ln>
+              <a:noFill/>
+            </a:ln>
+            <a:effectLst/>
+          </p:spPr>
+          <p:style>
+            <a:lnRef idx="1">
+              <a:schemeClr val="accent1"/>
+            </a:lnRef>
+            <a:fillRef idx="3">
+              <a:schemeClr val="accent1"/>
+            </a:fillRef>
+            <a:effectRef idx="2">
+              <a:schemeClr val="accent1"/>
+            </a:effectRef>
+            <a:fontRef idx="minor">
+              <a:schemeClr val="lt1"/>
+            </a:fontRef>
+          </p:style>
+        </p:sp>
+      </p:grpSp>
       <p:sp>
         <p:nvSpPr>
           <p:cNvPr id="2" name="Title 1"/>
@@ -589,15 +1122,21 @@
         </p:nvSpPr>
         <p:spPr>
           <a:xfrm>
-            <a:off x="1524000" y="1122363"/>
-            <a:ext cx="9144000" cy="2387600"/>
+            <a:off x="1507067" y="2404534"/>
+            <a:ext cx="7766936" cy="1646302"/>
           </a:xfrm>
         </p:spPr>
         <p:txBody>
-          <a:bodyPr anchor="b"/>
+          <a:bodyPr anchor="b">
+            <a:noAutofit/>
+          </a:bodyPr>
           <a:lstStyle>
-            <a:lvl1pPr algn="ctr">
-              <a:defRPr sz="6000"/>
+            <a:lvl1pPr algn="r">
+              <a:defRPr sz="5400">
+                <a:solidFill>
+                  <a:schemeClr val="accent1"/>
+                </a:solidFill>
+              </a:defRPr>
             </a:lvl1pPr>
           </a:lstStyle>
           <a:p>
@@ -605,7 +1144,7 @@
               <a:rPr lang="en-US" smtClean="0"/>
               <a:t>Click to edit Master title style</a:t>
             </a:r>
-            <a:endParaRPr lang="ru-RU"/>
+            <a:endParaRPr lang="en-US" dirty="0"/>
           </a:p>
         </p:txBody>
       </p:sp>
@@ -621,48 +1160,103 @@
         </p:nvSpPr>
         <p:spPr>
           <a:xfrm>
-            <a:off x="1524000" y="3602038"/>
-            <a:ext cx="9144000" cy="1655762"/>
+            <a:off x="1507067" y="4050833"/>
+            <a:ext cx="7766936" cy="1096899"/>
           </a:xfrm>
         </p:spPr>
         <p:txBody>
-          <a:bodyPr/>
+          <a:bodyPr anchor="t"/>
           <a:lstStyle>
-            <a:lvl1pPr marL="0" indent="0" algn="ctr">
-              <a:buNone/>
-              <a:defRPr sz="2400"/>
+            <a:lvl1pPr marL="0" indent="0" algn="r">
+              <a:buNone/>
+              <a:defRPr>
+                <a:solidFill>
+                  <a:schemeClr val="tx1">
+                    <a:lumMod val="50000"/>
+                    <a:lumOff val="50000"/>
+                  </a:schemeClr>
+                </a:solidFill>
+              </a:defRPr>
             </a:lvl1pPr>
             <a:lvl2pPr marL="457200" indent="0" algn="ctr">
               <a:buNone/>
-              <a:defRPr sz="2000"/>
+              <a:defRPr>
+                <a:solidFill>
+                  <a:schemeClr val="tx1">
+                    <a:tint val="75000"/>
+                  </a:schemeClr>
+                </a:solidFill>
+              </a:defRPr>
             </a:lvl2pPr>
             <a:lvl3pPr marL="914400" indent="0" algn="ctr">
               <a:buNone/>
-              <a:defRPr sz="1800"/>
+              <a:defRPr>
+                <a:solidFill>
+                  <a:schemeClr val="tx1">
+                    <a:tint val="75000"/>
+                  </a:schemeClr>
+                </a:solidFill>
+              </a:defRPr>
             </a:lvl3pPr>
             <a:lvl4pPr marL="1371600" indent="0" algn="ctr">
               <a:buNone/>
-              <a:defRPr sz="1600"/>
+              <a:defRPr>
+                <a:solidFill>
+                  <a:schemeClr val="tx1">
+                    <a:tint val="75000"/>
+                  </a:schemeClr>
+                </a:solidFill>
+              </a:defRPr>
             </a:lvl4pPr>
             <a:lvl5pPr marL="1828800" indent="0" algn="ctr">
               <a:buNone/>
-              <a:defRPr sz="1600"/>
+              <a:defRPr>
+                <a:solidFill>
+                  <a:schemeClr val="tx1">
+                    <a:tint val="75000"/>
+                  </a:schemeClr>
+                </a:solidFill>
+              </a:defRPr>
             </a:lvl5pPr>
             <a:lvl6pPr marL="2286000" indent="0" algn="ctr">
               <a:buNone/>
-              <a:defRPr sz="1600"/>
+              <a:defRPr>
+                <a:solidFill>
+                  <a:schemeClr val="tx1">
+                    <a:tint val="75000"/>
+                  </a:schemeClr>
+                </a:solidFill>
+              </a:defRPr>
             </a:lvl6pPr>
             <a:lvl7pPr marL="2743200" indent="0" algn="ctr">
               <a:buNone/>
-              <a:defRPr sz="1600"/>
+              <a:defRPr>
+                <a:solidFill>
+                  <a:schemeClr val="tx1">
+                    <a:tint val="75000"/>
+                  </a:schemeClr>
+                </a:solidFill>
+              </a:defRPr>
             </a:lvl7pPr>
             <a:lvl8pPr marL="3200400" indent="0" algn="ctr">
               <a:buNone/>
-              <a:defRPr sz="1600"/>
+              <a:defRPr>
+                <a:solidFill>
+                  <a:schemeClr val="tx1">
+                    <a:tint val="75000"/>
+                  </a:schemeClr>
+                </a:solidFill>
+              </a:defRPr>
             </a:lvl8pPr>
             <a:lvl9pPr marL="3657600" indent="0" algn="ctr">
               <a:buNone/>
-              <a:defRPr sz="1600"/>
+              <a:defRPr>
+                <a:solidFill>
+                  <a:schemeClr val="tx1">
+                    <a:tint val="75000"/>
+                  </a:schemeClr>
+                </a:solidFill>
+              </a:defRPr>
             </a:lvl9pPr>
           </a:lstStyle>
           <a:p>
@@ -670,7 +1264,7 @@
               <a:rPr lang="en-US" smtClean="0"/>
               <a:t>Click to edit Master subtitle style</a:t>
             </a:r>
-            <a:endParaRPr lang="ru-RU"/>
+            <a:endParaRPr lang="en-US" dirty="0"/>
           </a:p>
         </p:txBody>
       </p:sp>
@@ -691,7 +1285,7 @@
           <a:p>
             <a:fld id="{FAB45EC3-6C6F-4658-B0D2-509166C41EDB}" type="datetimeFigureOut">
               <a:rPr lang="ru-RU" smtClean="0"/>
-              <a:t>07.05.2023</a:t>
+              <a:t>09.05.2023</a:t>
             </a:fld>
             <a:endParaRPr lang="ru-RU"/>
           </a:p>
@@ -742,7 +1336,7 @@
     </p:spTree>
     <p:extLst>
       <p:ext uri="{BB962C8B-B14F-4D97-AF65-F5344CB8AC3E}">
-        <p14:creationId xmlns:p14="http://schemas.microsoft.com/office/powerpoint/2010/main" val="3792902699"/>
+        <p14:creationId xmlns:p14="http://schemas.microsoft.com/office/powerpoint/2010/main" val="4207736186"/>
       </p:ext>
     </p:extLst>
   </p:cSld>
@@ -753,6 +1347,1619 @@
 </file>
 
 <file path=ppt/slideLayouts/slideLayout10.xml><?xml version="1.0" encoding="utf-8"?>
+<p:sldLayout xmlns:a="http://schemas.openxmlformats.org/drawingml/2006/main" xmlns:r="http://schemas.openxmlformats.org/officeDocument/2006/relationships" xmlns:p="http://schemas.openxmlformats.org/presentationml/2006/main" preserve="1">
+  <p:cSld name="Title and Caption">
+    <p:spTree>
+      <p:nvGrpSpPr>
+        <p:cNvPr id="1" name=""/>
+        <p:cNvGrpSpPr/>
+        <p:nvPr/>
+      </p:nvGrpSpPr>
+      <p:grpSpPr>
+        <a:xfrm>
+          <a:off x="0" y="0"/>
+          <a:ext cx="0" cy="0"/>
+          <a:chOff x="0" y="0"/>
+          <a:chExt cx="0" cy="0"/>
+        </a:xfrm>
+      </p:grpSpPr>
+      <p:sp>
+        <p:nvSpPr>
+          <p:cNvPr id="2" name="Title 1"/>
+          <p:cNvSpPr>
+            <a:spLocks noGrp="1"/>
+          </p:cNvSpPr>
+          <p:nvPr>
+            <p:ph type="title"/>
+          </p:nvPr>
+        </p:nvSpPr>
+        <p:spPr>
+          <a:xfrm>
+            <a:off x="677335" y="609600"/>
+            <a:ext cx="8596668" cy="3403600"/>
+          </a:xfrm>
+        </p:spPr>
+        <p:txBody>
+          <a:bodyPr anchor="ctr">
+            <a:normAutofit/>
+          </a:bodyPr>
+          <a:lstStyle>
+            <a:lvl1pPr algn="l">
+              <a:defRPr sz="4400" b="0" cap="none"/>
+            </a:lvl1pPr>
+          </a:lstStyle>
+          <a:p>
+            <a:r>
+              <a:rPr lang="en-US" smtClean="0"/>
+              <a:t>Click to edit Master title style</a:t>
+            </a:r>
+            <a:endParaRPr lang="en-US" dirty="0"/>
+          </a:p>
+        </p:txBody>
+      </p:sp>
+      <p:sp>
+        <p:nvSpPr>
+          <p:cNvPr id="3" name="Text Placeholder 2"/>
+          <p:cNvSpPr>
+            <a:spLocks noGrp="1"/>
+          </p:cNvSpPr>
+          <p:nvPr>
+            <p:ph type="body" idx="1"/>
+          </p:nvPr>
+        </p:nvSpPr>
+        <p:spPr>
+          <a:xfrm>
+            <a:off x="677335" y="4470400"/>
+            <a:ext cx="8596668" cy="1570962"/>
+          </a:xfrm>
+        </p:spPr>
+        <p:txBody>
+          <a:bodyPr anchor="ctr">
+            <a:normAutofit/>
+          </a:bodyPr>
+          <a:lstStyle>
+            <a:lvl1pPr marL="0" indent="0" algn="l">
+              <a:buNone/>
+              <a:defRPr sz="1800">
+                <a:solidFill>
+                  <a:schemeClr val="tx1">
+                    <a:lumMod val="75000"/>
+                    <a:lumOff val="25000"/>
+                  </a:schemeClr>
+                </a:solidFill>
+              </a:defRPr>
+            </a:lvl1pPr>
+            <a:lvl2pPr marL="457200" indent="0">
+              <a:buNone/>
+              <a:defRPr sz="1800">
+                <a:solidFill>
+                  <a:schemeClr val="tx1">
+                    <a:tint val="75000"/>
+                  </a:schemeClr>
+                </a:solidFill>
+              </a:defRPr>
+            </a:lvl2pPr>
+            <a:lvl3pPr marL="914400" indent="0">
+              <a:buNone/>
+              <a:defRPr sz="1600">
+                <a:solidFill>
+                  <a:schemeClr val="tx1">
+                    <a:tint val="75000"/>
+                  </a:schemeClr>
+                </a:solidFill>
+              </a:defRPr>
+            </a:lvl3pPr>
+            <a:lvl4pPr marL="1371600" indent="0">
+              <a:buNone/>
+              <a:defRPr sz="1400">
+                <a:solidFill>
+                  <a:schemeClr val="tx1">
+                    <a:tint val="75000"/>
+                  </a:schemeClr>
+                </a:solidFill>
+              </a:defRPr>
+            </a:lvl4pPr>
+            <a:lvl5pPr marL="1828800" indent="0">
+              <a:buNone/>
+              <a:defRPr sz="1400">
+                <a:solidFill>
+                  <a:schemeClr val="tx1">
+                    <a:tint val="75000"/>
+                  </a:schemeClr>
+                </a:solidFill>
+              </a:defRPr>
+            </a:lvl5pPr>
+            <a:lvl6pPr marL="2286000" indent="0">
+              <a:buNone/>
+              <a:defRPr sz="1400">
+                <a:solidFill>
+                  <a:schemeClr val="tx1">
+                    <a:tint val="75000"/>
+                  </a:schemeClr>
+                </a:solidFill>
+              </a:defRPr>
+            </a:lvl6pPr>
+            <a:lvl7pPr marL="2743200" indent="0">
+              <a:buNone/>
+              <a:defRPr sz="1400">
+                <a:solidFill>
+                  <a:schemeClr val="tx1">
+                    <a:tint val="75000"/>
+                  </a:schemeClr>
+                </a:solidFill>
+              </a:defRPr>
+            </a:lvl7pPr>
+            <a:lvl8pPr marL="3200400" indent="0">
+              <a:buNone/>
+              <a:defRPr sz="1400">
+                <a:solidFill>
+                  <a:schemeClr val="tx1">
+                    <a:tint val="75000"/>
+                  </a:schemeClr>
+                </a:solidFill>
+              </a:defRPr>
+            </a:lvl8pPr>
+            <a:lvl9pPr marL="3657600" indent="0">
+              <a:buNone/>
+              <a:defRPr sz="1400">
+                <a:solidFill>
+                  <a:schemeClr val="tx1">
+                    <a:tint val="75000"/>
+                  </a:schemeClr>
+                </a:solidFill>
+              </a:defRPr>
+            </a:lvl9pPr>
+          </a:lstStyle>
+          <a:p>
+            <a:pPr lvl="0"/>
+            <a:r>
+              <a:rPr lang="en-US" smtClean="0"/>
+              <a:t>Edit Master text styles</a:t>
+            </a:r>
+          </a:p>
+        </p:txBody>
+      </p:sp>
+      <p:sp>
+        <p:nvSpPr>
+          <p:cNvPr id="4" name="Date Placeholder 3"/>
+          <p:cNvSpPr>
+            <a:spLocks noGrp="1"/>
+          </p:cNvSpPr>
+          <p:nvPr>
+            <p:ph type="dt" sz="half" idx="10"/>
+          </p:nvPr>
+        </p:nvSpPr>
+        <p:spPr/>
+        <p:txBody>
+          <a:bodyPr/>
+          <a:lstStyle/>
+          <a:p>
+            <a:fld id="{FAB45EC3-6C6F-4658-B0D2-509166C41EDB}" type="datetimeFigureOut">
+              <a:rPr lang="ru-RU" smtClean="0"/>
+              <a:t>09.05.2023</a:t>
+            </a:fld>
+            <a:endParaRPr lang="ru-RU"/>
+          </a:p>
+        </p:txBody>
+      </p:sp>
+      <p:sp>
+        <p:nvSpPr>
+          <p:cNvPr id="5" name="Footer Placeholder 4"/>
+          <p:cNvSpPr>
+            <a:spLocks noGrp="1"/>
+          </p:cNvSpPr>
+          <p:nvPr>
+            <p:ph type="ftr" sz="quarter" idx="11"/>
+          </p:nvPr>
+        </p:nvSpPr>
+        <p:spPr/>
+        <p:txBody>
+          <a:bodyPr/>
+          <a:lstStyle/>
+          <a:p>
+            <a:endParaRPr lang="ru-RU"/>
+          </a:p>
+        </p:txBody>
+      </p:sp>
+      <p:sp>
+        <p:nvSpPr>
+          <p:cNvPr id="6" name="Slide Number Placeholder 5"/>
+          <p:cNvSpPr>
+            <a:spLocks noGrp="1"/>
+          </p:cNvSpPr>
+          <p:nvPr>
+            <p:ph type="sldNum" sz="quarter" idx="12"/>
+          </p:nvPr>
+        </p:nvSpPr>
+        <p:spPr/>
+        <p:txBody>
+          <a:bodyPr/>
+          <a:lstStyle/>
+          <a:p>
+            <a:fld id="{9A0DF294-C49C-4294-AF8F-564FEA5334DB}" type="slidenum">
+              <a:rPr lang="ru-RU" smtClean="0"/>
+              <a:t>‹#›</a:t>
+            </a:fld>
+            <a:endParaRPr lang="ru-RU"/>
+          </a:p>
+        </p:txBody>
+      </p:sp>
+    </p:spTree>
+    <p:extLst>
+      <p:ext uri="{BB962C8B-B14F-4D97-AF65-F5344CB8AC3E}">
+        <p14:creationId xmlns:p14="http://schemas.microsoft.com/office/powerpoint/2010/main" val="2903083835"/>
+      </p:ext>
+    </p:extLst>
+  </p:cSld>
+  <p:clrMapOvr>
+    <a:masterClrMapping/>
+  </p:clrMapOvr>
+</p:sldLayout>
+</file>
+
+<file path=ppt/slideLayouts/slideLayout11.xml><?xml version="1.0" encoding="utf-8"?>
+<p:sldLayout xmlns:a="http://schemas.openxmlformats.org/drawingml/2006/main" xmlns:r="http://schemas.openxmlformats.org/officeDocument/2006/relationships" xmlns:p="http://schemas.openxmlformats.org/presentationml/2006/main" preserve="1">
+  <p:cSld name="Quote with Caption">
+    <p:spTree>
+      <p:nvGrpSpPr>
+        <p:cNvPr id="1" name=""/>
+        <p:cNvGrpSpPr/>
+        <p:nvPr/>
+      </p:nvGrpSpPr>
+      <p:grpSpPr>
+        <a:xfrm>
+          <a:off x="0" y="0"/>
+          <a:ext cx="0" cy="0"/>
+          <a:chOff x="0" y="0"/>
+          <a:chExt cx="0" cy="0"/>
+        </a:xfrm>
+      </p:grpSpPr>
+      <p:sp>
+        <p:nvSpPr>
+          <p:cNvPr id="2" name="Title 1"/>
+          <p:cNvSpPr>
+            <a:spLocks noGrp="1"/>
+          </p:cNvSpPr>
+          <p:nvPr>
+            <p:ph type="title"/>
+          </p:nvPr>
+        </p:nvSpPr>
+        <p:spPr>
+          <a:xfrm>
+            <a:off x="931334" y="609600"/>
+            <a:ext cx="8094134" cy="3022600"/>
+          </a:xfrm>
+        </p:spPr>
+        <p:txBody>
+          <a:bodyPr anchor="ctr">
+            <a:normAutofit/>
+          </a:bodyPr>
+          <a:lstStyle>
+            <a:lvl1pPr algn="l">
+              <a:defRPr sz="4400" b="0" cap="none"/>
+            </a:lvl1pPr>
+          </a:lstStyle>
+          <a:p>
+            <a:r>
+              <a:rPr lang="en-US" smtClean="0"/>
+              <a:t>Click to edit Master title style</a:t>
+            </a:r>
+            <a:endParaRPr lang="en-US" dirty="0"/>
+          </a:p>
+        </p:txBody>
+      </p:sp>
+      <p:sp>
+        <p:nvSpPr>
+          <p:cNvPr id="23" name="Text Placeholder 9"/>
+          <p:cNvSpPr>
+            <a:spLocks noGrp="1"/>
+          </p:cNvSpPr>
+          <p:nvPr>
+            <p:ph type="body" sz="quarter" idx="13"/>
+          </p:nvPr>
+        </p:nvSpPr>
+        <p:spPr>
+          <a:xfrm>
+            <a:off x="1366139" y="3632200"/>
+            <a:ext cx="7224524" cy="381000"/>
+          </a:xfrm>
+        </p:spPr>
+        <p:txBody>
+          <a:bodyPr anchor="ctr">
+            <a:noAutofit/>
+          </a:bodyPr>
+          <a:lstStyle>
+            <a:lvl1pPr marL="0" indent="0">
+              <a:buFontTx/>
+              <a:buNone/>
+              <a:defRPr sz="1600">
+                <a:solidFill>
+                  <a:schemeClr val="tx1">
+                    <a:lumMod val="50000"/>
+                    <a:lumOff val="50000"/>
+                  </a:schemeClr>
+                </a:solidFill>
+              </a:defRPr>
+            </a:lvl1pPr>
+            <a:lvl2pPr marL="457200" indent="0">
+              <a:buFontTx/>
+              <a:buNone/>
+              <a:defRPr/>
+            </a:lvl2pPr>
+            <a:lvl3pPr marL="914400" indent="0">
+              <a:buFontTx/>
+              <a:buNone/>
+              <a:defRPr/>
+            </a:lvl3pPr>
+            <a:lvl4pPr marL="1371600" indent="0">
+              <a:buFontTx/>
+              <a:buNone/>
+              <a:defRPr/>
+            </a:lvl4pPr>
+            <a:lvl5pPr marL="1828800" indent="0">
+              <a:buFontTx/>
+              <a:buNone/>
+              <a:defRPr/>
+            </a:lvl5pPr>
+          </a:lstStyle>
+          <a:p>
+            <a:pPr lvl="0"/>
+            <a:r>
+              <a:rPr lang="en-US" smtClean="0"/>
+              <a:t>Edit Master text styles</a:t>
+            </a:r>
+          </a:p>
+        </p:txBody>
+      </p:sp>
+      <p:sp>
+        <p:nvSpPr>
+          <p:cNvPr id="3" name="Text Placeholder 2"/>
+          <p:cNvSpPr>
+            <a:spLocks noGrp="1"/>
+          </p:cNvSpPr>
+          <p:nvPr>
+            <p:ph type="body" idx="1"/>
+          </p:nvPr>
+        </p:nvSpPr>
+        <p:spPr>
+          <a:xfrm>
+            <a:off x="677335" y="4470400"/>
+            <a:ext cx="8596668" cy="1570962"/>
+          </a:xfrm>
+        </p:spPr>
+        <p:txBody>
+          <a:bodyPr anchor="ctr">
+            <a:normAutofit/>
+          </a:bodyPr>
+          <a:lstStyle>
+            <a:lvl1pPr marL="0" indent="0" algn="l">
+              <a:buNone/>
+              <a:defRPr sz="1800">
+                <a:solidFill>
+                  <a:schemeClr val="tx1">
+                    <a:lumMod val="75000"/>
+                    <a:lumOff val="25000"/>
+                  </a:schemeClr>
+                </a:solidFill>
+              </a:defRPr>
+            </a:lvl1pPr>
+            <a:lvl2pPr marL="457200" indent="0">
+              <a:buNone/>
+              <a:defRPr sz="1800">
+                <a:solidFill>
+                  <a:schemeClr val="tx1">
+                    <a:tint val="75000"/>
+                  </a:schemeClr>
+                </a:solidFill>
+              </a:defRPr>
+            </a:lvl2pPr>
+            <a:lvl3pPr marL="914400" indent="0">
+              <a:buNone/>
+              <a:defRPr sz="1600">
+                <a:solidFill>
+                  <a:schemeClr val="tx1">
+                    <a:tint val="75000"/>
+                  </a:schemeClr>
+                </a:solidFill>
+              </a:defRPr>
+            </a:lvl3pPr>
+            <a:lvl4pPr marL="1371600" indent="0">
+              <a:buNone/>
+              <a:defRPr sz="1400">
+                <a:solidFill>
+                  <a:schemeClr val="tx1">
+                    <a:tint val="75000"/>
+                  </a:schemeClr>
+                </a:solidFill>
+              </a:defRPr>
+            </a:lvl4pPr>
+            <a:lvl5pPr marL="1828800" indent="0">
+              <a:buNone/>
+              <a:defRPr sz="1400">
+                <a:solidFill>
+                  <a:schemeClr val="tx1">
+                    <a:tint val="75000"/>
+                  </a:schemeClr>
+                </a:solidFill>
+              </a:defRPr>
+            </a:lvl5pPr>
+            <a:lvl6pPr marL="2286000" indent="0">
+              <a:buNone/>
+              <a:defRPr sz="1400">
+                <a:solidFill>
+                  <a:schemeClr val="tx1">
+                    <a:tint val="75000"/>
+                  </a:schemeClr>
+                </a:solidFill>
+              </a:defRPr>
+            </a:lvl6pPr>
+            <a:lvl7pPr marL="2743200" indent="0">
+              <a:buNone/>
+              <a:defRPr sz="1400">
+                <a:solidFill>
+                  <a:schemeClr val="tx1">
+                    <a:tint val="75000"/>
+                  </a:schemeClr>
+                </a:solidFill>
+              </a:defRPr>
+            </a:lvl7pPr>
+            <a:lvl8pPr marL="3200400" indent="0">
+              <a:buNone/>
+              <a:defRPr sz="1400">
+                <a:solidFill>
+                  <a:schemeClr val="tx1">
+                    <a:tint val="75000"/>
+                  </a:schemeClr>
+                </a:solidFill>
+              </a:defRPr>
+            </a:lvl8pPr>
+            <a:lvl9pPr marL="3657600" indent="0">
+              <a:buNone/>
+              <a:defRPr sz="1400">
+                <a:solidFill>
+                  <a:schemeClr val="tx1">
+                    <a:tint val="75000"/>
+                  </a:schemeClr>
+                </a:solidFill>
+              </a:defRPr>
+            </a:lvl9pPr>
+          </a:lstStyle>
+          <a:p>
+            <a:pPr lvl="0"/>
+            <a:r>
+              <a:rPr lang="en-US" smtClean="0"/>
+              <a:t>Edit Master text styles</a:t>
+            </a:r>
+          </a:p>
+        </p:txBody>
+      </p:sp>
+      <p:sp>
+        <p:nvSpPr>
+          <p:cNvPr id="4" name="Date Placeholder 3"/>
+          <p:cNvSpPr>
+            <a:spLocks noGrp="1"/>
+          </p:cNvSpPr>
+          <p:nvPr>
+            <p:ph type="dt" sz="half" idx="10"/>
+          </p:nvPr>
+        </p:nvSpPr>
+        <p:spPr/>
+        <p:txBody>
+          <a:bodyPr/>
+          <a:lstStyle/>
+          <a:p>
+            <a:fld id="{FAB45EC3-6C6F-4658-B0D2-509166C41EDB}" type="datetimeFigureOut">
+              <a:rPr lang="ru-RU" smtClean="0"/>
+              <a:t>09.05.2023</a:t>
+            </a:fld>
+            <a:endParaRPr lang="ru-RU"/>
+          </a:p>
+        </p:txBody>
+      </p:sp>
+      <p:sp>
+        <p:nvSpPr>
+          <p:cNvPr id="5" name="Footer Placeholder 4"/>
+          <p:cNvSpPr>
+            <a:spLocks noGrp="1"/>
+          </p:cNvSpPr>
+          <p:nvPr>
+            <p:ph type="ftr" sz="quarter" idx="11"/>
+          </p:nvPr>
+        </p:nvSpPr>
+        <p:spPr/>
+        <p:txBody>
+          <a:bodyPr/>
+          <a:lstStyle/>
+          <a:p>
+            <a:endParaRPr lang="ru-RU"/>
+          </a:p>
+        </p:txBody>
+      </p:sp>
+      <p:sp>
+        <p:nvSpPr>
+          <p:cNvPr id="6" name="Slide Number Placeholder 5"/>
+          <p:cNvSpPr>
+            <a:spLocks noGrp="1"/>
+          </p:cNvSpPr>
+          <p:nvPr>
+            <p:ph type="sldNum" sz="quarter" idx="12"/>
+          </p:nvPr>
+        </p:nvSpPr>
+        <p:spPr/>
+        <p:txBody>
+          <a:bodyPr/>
+          <a:lstStyle/>
+          <a:p>
+            <a:fld id="{9A0DF294-C49C-4294-AF8F-564FEA5334DB}" type="slidenum">
+              <a:rPr lang="ru-RU" smtClean="0"/>
+              <a:t>‹#›</a:t>
+            </a:fld>
+            <a:endParaRPr lang="ru-RU"/>
+          </a:p>
+        </p:txBody>
+      </p:sp>
+      <p:sp>
+        <p:nvSpPr>
+          <p:cNvPr id="20" name="TextBox 19"/>
+          <p:cNvSpPr txBox="1"/>
+          <p:nvPr/>
+        </p:nvSpPr>
+        <p:spPr>
+          <a:xfrm>
+            <a:off x="541870" y="790378"/>
+            <a:ext cx="609600" cy="584776"/>
+          </a:xfrm>
+          <a:prstGeom prst="rect">
+            <a:avLst/>
+          </a:prstGeom>
+        </p:spPr>
+        <p:txBody>
+          <a:bodyPr vert="horz" lIns="91440" tIns="45720" rIns="91440" bIns="45720" rtlCol="0" anchor="ctr">
+            <a:noAutofit/>
+          </a:bodyPr>
+          <a:lstStyle/>
+          <a:p>
+            <a:pPr lvl="0"/>
+            <a:r>
+              <a:rPr lang="en-US" sz="8000" baseline="0" dirty="0">
+                <a:ln w="3175" cmpd="sng">
+                  <a:noFill/>
+                </a:ln>
+                <a:solidFill>
+                  <a:schemeClr val="accent1">
+                    <a:lumMod val="60000"/>
+                    <a:lumOff val="40000"/>
+                  </a:schemeClr>
+                </a:solidFill>
+                <a:effectLst/>
+                <a:latin typeface="Arial"/>
+              </a:rPr>
+              <a:t>“</a:t>
+            </a:r>
+          </a:p>
+        </p:txBody>
+      </p:sp>
+      <p:sp>
+        <p:nvSpPr>
+          <p:cNvPr id="22" name="TextBox 21"/>
+          <p:cNvSpPr txBox="1"/>
+          <p:nvPr/>
+        </p:nvSpPr>
+        <p:spPr>
+          <a:xfrm>
+            <a:off x="8893011" y="2886556"/>
+            <a:ext cx="609600" cy="584776"/>
+          </a:xfrm>
+          <a:prstGeom prst="rect">
+            <a:avLst/>
+          </a:prstGeom>
+        </p:spPr>
+        <p:txBody>
+          <a:bodyPr vert="horz" lIns="91440" tIns="45720" rIns="91440" bIns="45720" rtlCol="0" anchor="ctr">
+            <a:noAutofit/>
+          </a:bodyPr>
+          <a:lstStyle/>
+          <a:p>
+            <a:pPr lvl="0"/>
+            <a:r>
+              <a:rPr lang="en-US" sz="8000" baseline="0" dirty="0">
+                <a:ln w="3175" cmpd="sng">
+                  <a:noFill/>
+                </a:ln>
+                <a:solidFill>
+                  <a:schemeClr val="accent1">
+                    <a:lumMod val="60000"/>
+                    <a:lumOff val="40000"/>
+                  </a:schemeClr>
+                </a:solidFill>
+                <a:latin typeface="Arial"/>
+              </a:rPr>
+              <a:t>”</a:t>
+            </a:r>
+            <a:endParaRPr lang="en-US" dirty="0">
+              <a:solidFill>
+                <a:schemeClr val="accent1">
+                  <a:lumMod val="60000"/>
+                  <a:lumOff val="40000"/>
+                </a:schemeClr>
+              </a:solidFill>
+              <a:latin typeface="Arial"/>
+            </a:endParaRPr>
+          </a:p>
+        </p:txBody>
+      </p:sp>
+    </p:spTree>
+    <p:extLst>
+      <p:ext uri="{BB962C8B-B14F-4D97-AF65-F5344CB8AC3E}">
+        <p14:creationId xmlns:p14="http://schemas.microsoft.com/office/powerpoint/2010/main" val="1951795854"/>
+      </p:ext>
+    </p:extLst>
+  </p:cSld>
+  <p:clrMapOvr>
+    <a:masterClrMapping/>
+  </p:clrMapOvr>
+</p:sldLayout>
+</file>
+
+<file path=ppt/slideLayouts/slideLayout12.xml><?xml version="1.0" encoding="utf-8"?>
+<p:sldLayout xmlns:a="http://schemas.openxmlformats.org/drawingml/2006/main" xmlns:r="http://schemas.openxmlformats.org/officeDocument/2006/relationships" xmlns:p="http://schemas.openxmlformats.org/presentationml/2006/main" preserve="1">
+  <p:cSld name="Name Card">
+    <p:spTree>
+      <p:nvGrpSpPr>
+        <p:cNvPr id="1" name=""/>
+        <p:cNvGrpSpPr/>
+        <p:nvPr/>
+      </p:nvGrpSpPr>
+      <p:grpSpPr>
+        <a:xfrm>
+          <a:off x="0" y="0"/>
+          <a:ext cx="0" cy="0"/>
+          <a:chOff x="0" y="0"/>
+          <a:chExt cx="0" cy="0"/>
+        </a:xfrm>
+      </p:grpSpPr>
+      <p:sp>
+        <p:nvSpPr>
+          <p:cNvPr id="2" name="Title 1"/>
+          <p:cNvSpPr>
+            <a:spLocks noGrp="1"/>
+          </p:cNvSpPr>
+          <p:nvPr>
+            <p:ph type="title"/>
+          </p:nvPr>
+        </p:nvSpPr>
+        <p:spPr>
+          <a:xfrm>
+            <a:off x="677335" y="1931988"/>
+            <a:ext cx="8596668" cy="2595460"/>
+          </a:xfrm>
+        </p:spPr>
+        <p:txBody>
+          <a:bodyPr anchor="b">
+            <a:normAutofit/>
+          </a:bodyPr>
+          <a:lstStyle>
+            <a:lvl1pPr algn="l">
+              <a:defRPr sz="4400" b="0" cap="none"/>
+            </a:lvl1pPr>
+          </a:lstStyle>
+          <a:p>
+            <a:r>
+              <a:rPr lang="en-US" smtClean="0"/>
+              <a:t>Click to edit Master title style</a:t>
+            </a:r>
+            <a:endParaRPr lang="en-US" dirty="0"/>
+          </a:p>
+        </p:txBody>
+      </p:sp>
+      <p:sp>
+        <p:nvSpPr>
+          <p:cNvPr id="3" name="Text Placeholder 2"/>
+          <p:cNvSpPr>
+            <a:spLocks noGrp="1"/>
+          </p:cNvSpPr>
+          <p:nvPr>
+            <p:ph type="body" idx="1"/>
+          </p:nvPr>
+        </p:nvSpPr>
+        <p:spPr>
+          <a:xfrm>
+            <a:off x="677335" y="4527448"/>
+            <a:ext cx="8596668" cy="1513914"/>
+          </a:xfrm>
+        </p:spPr>
+        <p:txBody>
+          <a:bodyPr anchor="t">
+            <a:normAutofit/>
+          </a:bodyPr>
+          <a:lstStyle>
+            <a:lvl1pPr marL="0" indent="0" algn="l">
+              <a:buNone/>
+              <a:defRPr sz="1800">
+                <a:solidFill>
+                  <a:schemeClr val="tx1">
+                    <a:lumMod val="75000"/>
+                    <a:lumOff val="25000"/>
+                  </a:schemeClr>
+                </a:solidFill>
+              </a:defRPr>
+            </a:lvl1pPr>
+            <a:lvl2pPr marL="457200" indent="0">
+              <a:buNone/>
+              <a:defRPr sz="1800">
+                <a:solidFill>
+                  <a:schemeClr val="tx1">
+                    <a:tint val="75000"/>
+                  </a:schemeClr>
+                </a:solidFill>
+              </a:defRPr>
+            </a:lvl2pPr>
+            <a:lvl3pPr marL="914400" indent="0">
+              <a:buNone/>
+              <a:defRPr sz="1600">
+                <a:solidFill>
+                  <a:schemeClr val="tx1">
+                    <a:tint val="75000"/>
+                  </a:schemeClr>
+                </a:solidFill>
+              </a:defRPr>
+            </a:lvl3pPr>
+            <a:lvl4pPr marL="1371600" indent="0">
+              <a:buNone/>
+              <a:defRPr sz="1400">
+                <a:solidFill>
+                  <a:schemeClr val="tx1">
+                    <a:tint val="75000"/>
+                  </a:schemeClr>
+                </a:solidFill>
+              </a:defRPr>
+            </a:lvl4pPr>
+            <a:lvl5pPr marL="1828800" indent="0">
+              <a:buNone/>
+              <a:defRPr sz="1400">
+                <a:solidFill>
+                  <a:schemeClr val="tx1">
+                    <a:tint val="75000"/>
+                  </a:schemeClr>
+                </a:solidFill>
+              </a:defRPr>
+            </a:lvl5pPr>
+            <a:lvl6pPr marL="2286000" indent="0">
+              <a:buNone/>
+              <a:defRPr sz="1400">
+                <a:solidFill>
+                  <a:schemeClr val="tx1">
+                    <a:tint val="75000"/>
+                  </a:schemeClr>
+                </a:solidFill>
+              </a:defRPr>
+            </a:lvl6pPr>
+            <a:lvl7pPr marL="2743200" indent="0">
+              <a:buNone/>
+              <a:defRPr sz="1400">
+                <a:solidFill>
+                  <a:schemeClr val="tx1">
+                    <a:tint val="75000"/>
+                  </a:schemeClr>
+                </a:solidFill>
+              </a:defRPr>
+            </a:lvl7pPr>
+            <a:lvl8pPr marL="3200400" indent="0">
+              <a:buNone/>
+              <a:defRPr sz="1400">
+                <a:solidFill>
+                  <a:schemeClr val="tx1">
+                    <a:tint val="75000"/>
+                  </a:schemeClr>
+                </a:solidFill>
+              </a:defRPr>
+            </a:lvl8pPr>
+            <a:lvl9pPr marL="3657600" indent="0">
+              <a:buNone/>
+              <a:defRPr sz="1400">
+                <a:solidFill>
+                  <a:schemeClr val="tx1">
+                    <a:tint val="75000"/>
+                  </a:schemeClr>
+                </a:solidFill>
+              </a:defRPr>
+            </a:lvl9pPr>
+          </a:lstStyle>
+          <a:p>
+            <a:pPr lvl="0"/>
+            <a:r>
+              <a:rPr lang="en-US" smtClean="0"/>
+              <a:t>Edit Master text styles</a:t>
+            </a:r>
+          </a:p>
+        </p:txBody>
+      </p:sp>
+      <p:sp>
+        <p:nvSpPr>
+          <p:cNvPr id="4" name="Date Placeholder 3"/>
+          <p:cNvSpPr>
+            <a:spLocks noGrp="1"/>
+          </p:cNvSpPr>
+          <p:nvPr>
+            <p:ph type="dt" sz="half" idx="10"/>
+          </p:nvPr>
+        </p:nvSpPr>
+        <p:spPr/>
+        <p:txBody>
+          <a:bodyPr/>
+          <a:lstStyle/>
+          <a:p>
+            <a:fld id="{FAB45EC3-6C6F-4658-B0D2-509166C41EDB}" type="datetimeFigureOut">
+              <a:rPr lang="ru-RU" smtClean="0"/>
+              <a:t>09.05.2023</a:t>
+            </a:fld>
+            <a:endParaRPr lang="ru-RU"/>
+          </a:p>
+        </p:txBody>
+      </p:sp>
+      <p:sp>
+        <p:nvSpPr>
+          <p:cNvPr id="5" name="Footer Placeholder 4"/>
+          <p:cNvSpPr>
+            <a:spLocks noGrp="1"/>
+          </p:cNvSpPr>
+          <p:nvPr>
+            <p:ph type="ftr" sz="quarter" idx="11"/>
+          </p:nvPr>
+        </p:nvSpPr>
+        <p:spPr/>
+        <p:txBody>
+          <a:bodyPr/>
+          <a:lstStyle/>
+          <a:p>
+            <a:endParaRPr lang="ru-RU"/>
+          </a:p>
+        </p:txBody>
+      </p:sp>
+      <p:sp>
+        <p:nvSpPr>
+          <p:cNvPr id="6" name="Slide Number Placeholder 5"/>
+          <p:cNvSpPr>
+            <a:spLocks noGrp="1"/>
+          </p:cNvSpPr>
+          <p:nvPr>
+            <p:ph type="sldNum" sz="quarter" idx="12"/>
+          </p:nvPr>
+        </p:nvSpPr>
+        <p:spPr/>
+        <p:txBody>
+          <a:bodyPr/>
+          <a:lstStyle/>
+          <a:p>
+            <a:fld id="{9A0DF294-C49C-4294-AF8F-564FEA5334DB}" type="slidenum">
+              <a:rPr lang="ru-RU" smtClean="0"/>
+              <a:t>‹#›</a:t>
+            </a:fld>
+            <a:endParaRPr lang="ru-RU"/>
+          </a:p>
+        </p:txBody>
+      </p:sp>
+    </p:spTree>
+    <p:extLst>
+      <p:ext uri="{BB962C8B-B14F-4D97-AF65-F5344CB8AC3E}">
+        <p14:creationId xmlns:p14="http://schemas.microsoft.com/office/powerpoint/2010/main" val="2333626511"/>
+      </p:ext>
+    </p:extLst>
+  </p:cSld>
+  <p:clrMapOvr>
+    <a:masterClrMapping/>
+  </p:clrMapOvr>
+</p:sldLayout>
+</file>
+
+<file path=ppt/slideLayouts/slideLayout13.xml><?xml version="1.0" encoding="utf-8"?>
+<p:sldLayout xmlns:a="http://schemas.openxmlformats.org/drawingml/2006/main" xmlns:r="http://schemas.openxmlformats.org/officeDocument/2006/relationships" xmlns:p="http://schemas.openxmlformats.org/presentationml/2006/main" preserve="1">
+  <p:cSld name="Quote Name Card">
+    <p:spTree>
+      <p:nvGrpSpPr>
+        <p:cNvPr id="1" name=""/>
+        <p:cNvGrpSpPr/>
+        <p:nvPr/>
+      </p:nvGrpSpPr>
+      <p:grpSpPr>
+        <a:xfrm>
+          <a:off x="0" y="0"/>
+          <a:ext cx="0" cy="0"/>
+          <a:chOff x="0" y="0"/>
+          <a:chExt cx="0" cy="0"/>
+        </a:xfrm>
+      </p:grpSpPr>
+      <p:sp>
+        <p:nvSpPr>
+          <p:cNvPr id="2" name="Title 1"/>
+          <p:cNvSpPr>
+            <a:spLocks noGrp="1"/>
+          </p:cNvSpPr>
+          <p:nvPr>
+            <p:ph type="title"/>
+          </p:nvPr>
+        </p:nvSpPr>
+        <p:spPr>
+          <a:xfrm>
+            <a:off x="931334" y="609600"/>
+            <a:ext cx="8094134" cy="3022600"/>
+          </a:xfrm>
+        </p:spPr>
+        <p:txBody>
+          <a:bodyPr anchor="ctr">
+            <a:normAutofit/>
+          </a:bodyPr>
+          <a:lstStyle>
+            <a:lvl1pPr algn="l">
+              <a:defRPr sz="4400" b="0" cap="none"/>
+            </a:lvl1pPr>
+          </a:lstStyle>
+          <a:p>
+            <a:r>
+              <a:rPr lang="en-US" smtClean="0"/>
+              <a:t>Click to edit Master title style</a:t>
+            </a:r>
+            <a:endParaRPr lang="en-US" dirty="0"/>
+          </a:p>
+        </p:txBody>
+      </p:sp>
+      <p:sp>
+        <p:nvSpPr>
+          <p:cNvPr id="23" name="Text Placeholder 9"/>
+          <p:cNvSpPr>
+            <a:spLocks noGrp="1"/>
+          </p:cNvSpPr>
+          <p:nvPr>
+            <p:ph type="body" sz="quarter" idx="13"/>
+          </p:nvPr>
+        </p:nvSpPr>
+        <p:spPr>
+          <a:xfrm>
+            <a:off x="677332" y="4013200"/>
+            <a:ext cx="8596669" cy="514248"/>
+          </a:xfrm>
+        </p:spPr>
+        <p:txBody>
+          <a:bodyPr anchor="b">
+            <a:noAutofit/>
+          </a:bodyPr>
+          <a:lstStyle>
+            <a:lvl1pPr marL="0" indent="0">
+              <a:buFontTx/>
+              <a:buNone/>
+              <a:defRPr sz="2400">
+                <a:solidFill>
+                  <a:schemeClr val="tx1">
+                    <a:lumMod val="75000"/>
+                    <a:lumOff val="25000"/>
+                  </a:schemeClr>
+                </a:solidFill>
+              </a:defRPr>
+            </a:lvl1pPr>
+            <a:lvl2pPr marL="457200" indent="0">
+              <a:buFontTx/>
+              <a:buNone/>
+              <a:defRPr/>
+            </a:lvl2pPr>
+            <a:lvl3pPr marL="914400" indent="0">
+              <a:buFontTx/>
+              <a:buNone/>
+              <a:defRPr/>
+            </a:lvl3pPr>
+            <a:lvl4pPr marL="1371600" indent="0">
+              <a:buFontTx/>
+              <a:buNone/>
+              <a:defRPr/>
+            </a:lvl4pPr>
+            <a:lvl5pPr marL="1828800" indent="0">
+              <a:buFontTx/>
+              <a:buNone/>
+              <a:defRPr/>
+            </a:lvl5pPr>
+          </a:lstStyle>
+          <a:p>
+            <a:pPr lvl="0"/>
+            <a:r>
+              <a:rPr lang="en-US" smtClean="0"/>
+              <a:t>Edit Master text styles</a:t>
+            </a:r>
+          </a:p>
+        </p:txBody>
+      </p:sp>
+      <p:sp>
+        <p:nvSpPr>
+          <p:cNvPr id="3" name="Text Placeholder 2"/>
+          <p:cNvSpPr>
+            <a:spLocks noGrp="1"/>
+          </p:cNvSpPr>
+          <p:nvPr>
+            <p:ph type="body" idx="1"/>
+          </p:nvPr>
+        </p:nvSpPr>
+        <p:spPr>
+          <a:xfrm>
+            <a:off x="677335" y="4527448"/>
+            <a:ext cx="8596668" cy="1513914"/>
+          </a:xfrm>
+        </p:spPr>
+        <p:txBody>
+          <a:bodyPr anchor="t">
+            <a:normAutofit/>
+          </a:bodyPr>
+          <a:lstStyle>
+            <a:lvl1pPr marL="0" indent="0" algn="l">
+              <a:buNone/>
+              <a:defRPr sz="1800">
+                <a:solidFill>
+                  <a:schemeClr val="tx1">
+                    <a:lumMod val="50000"/>
+                    <a:lumOff val="50000"/>
+                  </a:schemeClr>
+                </a:solidFill>
+              </a:defRPr>
+            </a:lvl1pPr>
+            <a:lvl2pPr marL="457200" indent="0">
+              <a:buNone/>
+              <a:defRPr sz="1800">
+                <a:solidFill>
+                  <a:schemeClr val="tx1">
+                    <a:tint val="75000"/>
+                  </a:schemeClr>
+                </a:solidFill>
+              </a:defRPr>
+            </a:lvl2pPr>
+            <a:lvl3pPr marL="914400" indent="0">
+              <a:buNone/>
+              <a:defRPr sz="1600">
+                <a:solidFill>
+                  <a:schemeClr val="tx1">
+                    <a:tint val="75000"/>
+                  </a:schemeClr>
+                </a:solidFill>
+              </a:defRPr>
+            </a:lvl3pPr>
+            <a:lvl4pPr marL="1371600" indent="0">
+              <a:buNone/>
+              <a:defRPr sz="1400">
+                <a:solidFill>
+                  <a:schemeClr val="tx1">
+                    <a:tint val="75000"/>
+                  </a:schemeClr>
+                </a:solidFill>
+              </a:defRPr>
+            </a:lvl4pPr>
+            <a:lvl5pPr marL="1828800" indent="0">
+              <a:buNone/>
+              <a:defRPr sz="1400">
+                <a:solidFill>
+                  <a:schemeClr val="tx1">
+                    <a:tint val="75000"/>
+                  </a:schemeClr>
+                </a:solidFill>
+              </a:defRPr>
+            </a:lvl5pPr>
+            <a:lvl6pPr marL="2286000" indent="0">
+              <a:buNone/>
+              <a:defRPr sz="1400">
+                <a:solidFill>
+                  <a:schemeClr val="tx1">
+                    <a:tint val="75000"/>
+                  </a:schemeClr>
+                </a:solidFill>
+              </a:defRPr>
+            </a:lvl6pPr>
+            <a:lvl7pPr marL="2743200" indent="0">
+              <a:buNone/>
+              <a:defRPr sz="1400">
+                <a:solidFill>
+                  <a:schemeClr val="tx1">
+                    <a:tint val="75000"/>
+                  </a:schemeClr>
+                </a:solidFill>
+              </a:defRPr>
+            </a:lvl7pPr>
+            <a:lvl8pPr marL="3200400" indent="0">
+              <a:buNone/>
+              <a:defRPr sz="1400">
+                <a:solidFill>
+                  <a:schemeClr val="tx1">
+                    <a:tint val="75000"/>
+                  </a:schemeClr>
+                </a:solidFill>
+              </a:defRPr>
+            </a:lvl8pPr>
+            <a:lvl9pPr marL="3657600" indent="0">
+              <a:buNone/>
+              <a:defRPr sz="1400">
+                <a:solidFill>
+                  <a:schemeClr val="tx1">
+                    <a:tint val="75000"/>
+                  </a:schemeClr>
+                </a:solidFill>
+              </a:defRPr>
+            </a:lvl9pPr>
+          </a:lstStyle>
+          <a:p>
+            <a:pPr lvl="0"/>
+            <a:r>
+              <a:rPr lang="en-US" smtClean="0"/>
+              <a:t>Edit Master text styles</a:t>
+            </a:r>
+          </a:p>
+        </p:txBody>
+      </p:sp>
+      <p:sp>
+        <p:nvSpPr>
+          <p:cNvPr id="4" name="Date Placeholder 3"/>
+          <p:cNvSpPr>
+            <a:spLocks noGrp="1"/>
+          </p:cNvSpPr>
+          <p:nvPr>
+            <p:ph type="dt" sz="half" idx="10"/>
+          </p:nvPr>
+        </p:nvSpPr>
+        <p:spPr/>
+        <p:txBody>
+          <a:bodyPr/>
+          <a:lstStyle/>
+          <a:p>
+            <a:fld id="{FAB45EC3-6C6F-4658-B0D2-509166C41EDB}" type="datetimeFigureOut">
+              <a:rPr lang="ru-RU" smtClean="0"/>
+              <a:t>09.05.2023</a:t>
+            </a:fld>
+            <a:endParaRPr lang="ru-RU"/>
+          </a:p>
+        </p:txBody>
+      </p:sp>
+      <p:sp>
+        <p:nvSpPr>
+          <p:cNvPr id="5" name="Footer Placeholder 4"/>
+          <p:cNvSpPr>
+            <a:spLocks noGrp="1"/>
+          </p:cNvSpPr>
+          <p:nvPr>
+            <p:ph type="ftr" sz="quarter" idx="11"/>
+          </p:nvPr>
+        </p:nvSpPr>
+        <p:spPr/>
+        <p:txBody>
+          <a:bodyPr/>
+          <a:lstStyle/>
+          <a:p>
+            <a:endParaRPr lang="ru-RU"/>
+          </a:p>
+        </p:txBody>
+      </p:sp>
+      <p:sp>
+        <p:nvSpPr>
+          <p:cNvPr id="6" name="Slide Number Placeholder 5"/>
+          <p:cNvSpPr>
+            <a:spLocks noGrp="1"/>
+          </p:cNvSpPr>
+          <p:nvPr>
+            <p:ph type="sldNum" sz="quarter" idx="12"/>
+          </p:nvPr>
+        </p:nvSpPr>
+        <p:spPr/>
+        <p:txBody>
+          <a:bodyPr/>
+          <a:lstStyle/>
+          <a:p>
+            <a:fld id="{9A0DF294-C49C-4294-AF8F-564FEA5334DB}" type="slidenum">
+              <a:rPr lang="ru-RU" smtClean="0"/>
+              <a:t>‹#›</a:t>
+            </a:fld>
+            <a:endParaRPr lang="ru-RU"/>
+          </a:p>
+        </p:txBody>
+      </p:sp>
+      <p:sp>
+        <p:nvSpPr>
+          <p:cNvPr id="24" name="TextBox 23"/>
+          <p:cNvSpPr txBox="1"/>
+          <p:nvPr/>
+        </p:nvSpPr>
+        <p:spPr>
+          <a:xfrm>
+            <a:off x="541870" y="790378"/>
+            <a:ext cx="609600" cy="584776"/>
+          </a:xfrm>
+          <a:prstGeom prst="rect">
+            <a:avLst/>
+          </a:prstGeom>
+        </p:spPr>
+        <p:txBody>
+          <a:bodyPr vert="horz" lIns="91440" tIns="45720" rIns="91440" bIns="45720" rtlCol="0" anchor="ctr">
+            <a:noAutofit/>
+          </a:bodyPr>
+          <a:lstStyle/>
+          <a:p>
+            <a:pPr lvl="0"/>
+            <a:r>
+              <a:rPr lang="en-US" sz="8000" baseline="0" dirty="0">
+                <a:ln w="3175" cmpd="sng">
+                  <a:noFill/>
+                </a:ln>
+                <a:solidFill>
+                  <a:schemeClr val="accent1">
+                    <a:lumMod val="60000"/>
+                    <a:lumOff val="40000"/>
+                  </a:schemeClr>
+                </a:solidFill>
+                <a:effectLst/>
+                <a:latin typeface="Arial"/>
+              </a:rPr>
+              <a:t>“</a:t>
+            </a:r>
+          </a:p>
+        </p:txBody>
+      </p:sp>
+      <p:sp>
+        <p:nvSpPr>
+          <p:cNvPr id="25" name="TextBox 24"/>
+          <p:cNvSpPr txBox="1"/>
+          <p:nvPr/>
+        </p:nvSpPr>
+        <p:spPr>
+          <a:xfrm>
+            <a:off x="8893011" y="2886556"/>
+            <a:ext cx="609600" cy="584776"/>
+          </a:xfrm>
+          <a:prstGeom prst="rect">
+            <a:avLst/>
+          </a:prstGeom>
+        </p:spPr>
+        <p:txBody>
+          <a:bodyPr vert="horz" lIns="91440" tIns="45720" rIns="91440" bIns="45720" rtlCol="0" anchor="ctr">
+            <a:noAutofit/>
+          </a:bodyPr>
+          <a:lstStyle/>
+          <a:p>
+            <a:pPr lvl="0"/>
+            <a:r>
+              <a:rPr lang="en-US" sz="8000" baseline="0" dirty="0">
+                <a:ln w="3175" cmpd="sng">
+                  <a:noFill/>
+                </a:ln>
+                <a:solidFill>
+                  <a:schemeClr val="accent1">
+                    <a:lumMod val="60000"/>
+                    <a:lumOff val="40000"/>
+                  </a:schemeClr>
+                </a:solidFill>
+                <a:effectLst/>
+                <a:latin typeface="Arial"/>
+              </a:rPr>
+              <a:t>”</a:t>
+            </a:r>
+          </a:p>
+        </p:txBody>
+      </p:sp>
+    </p:spTree>
+    <p:extLst>
+      <p:ext uri="{BB962C8B-B14F-4D97-AF65-F5344CB8AC3E}">
+        <p14:creationId xmlns:p14="http://schemas.microsoft.com/office/powerpoint/2010/main" val="971042268"/>
+      </p:ext>
+    </p:extLst>
+  </p:cSld>
+  <p:clrMapOvr>
+    <a:masterClrMapping/>
+  </p:clrMapOvr>
+</p:sldLayout>
+</file>
+
+<file path=ppt/slideLayouts/slideLayout14.xml><?xml version="1.0" encoding="utf-8"?>
+<p:sldLayout xmlns:a="http://schemas.openxmlformats.org/drawingml/2006/main" xmlns:r="http://schemas.openxmlformats.org/officeDocument/2006/relationships" xmlns:p="http://schemas.openxmlformats.org/presentationml/2006/main" preserve="1">
+  <p:cSld name="True or False">
+    <p:spTree>
+      <p:nvGrpSpPr>
+        <p:cNvPr id="1" name=""/>
+        <p:cNvGrpSpPr/>
+        <p:nvPr/>
+      </p:nvGrpSpPr>
+      <p:grpSpPr>
+        <a:xfrm>
+          <a:off x="0" y="0"/>
+          <a:ext cx="0" cy="0"/>
+          <a:chOff x="0" y="0"/>
+          <a:chExt cx="0" cy="0"/>
+        </a:xfrm>
+      </p:grpSpPr>
+      <p:sp>
+        <p:nvSpPr>
+          <p:cNvPr id="2" name="Title 1"/>
+          <p:cNvSpPr>
+            <a:spLocks noGrp="1"/>
+          </p:cNvSpPr>
+          <p:nvPr>
+            <p:ph type="title"/>
+          </p:nvPr>
+        </p:nvSpPr>
+        <p:spPr>
+          <a:xfrm>
+            <a:off x="685799" y="609600"/>
+            <a:ext cx="8588203" cy="3022600"/>
+          </a:xfrm>
+        </p:spPr>
+        <p:txBody>
+          <a:bodyPr anchor="ctr">
+            <a:normAutofit/>
+          </a:bodyPr>
+          <a:lstStyle>
+            <a:lvl1pPr algn="l">
+              <a:defRPr sz="4400" b="0" cap="none"/>
+            </a:lvl1pPr>
+          </a:lstStyle>
+          <a:p>
+            <a:r>
+              <a:rPr lang="en-US" smtClean="0"/>
+              <a:t>Click to edit Master title style</a:t>
+            </a:r>
+            <a:endParaRPr lang="en-US" dirty="0"/>
+          </a:p>
+        </p:txBody>
+      </p:sp>
+      <p:sp>
+        <p:nvSpPr>
+          <p:cNvPr id="23" name="Text Placeholder 9"/>
+          <p:cNvSpPr>
+            <a:spLocks noGrp="1"/>
+          </p:cNvSpPr>
+          <p:nvPr>
+            <p:ph type="body" sz="quarter" idx="13"/>
+          </p:nvPr>
+        </p:nvSpPr>
+        <p:spPr>
+          <a:xfrm>
+            <a:off x="677332" y="4013200"/>
+            <a:ext cx="8596669" cy="514248"/>
+          </a:xfrm>
+        </p:spPr>
+        <p:txBody>
+          <a:bodyPr anchor="b">
+            <a:noAutofit/>
+          </a:bodyPr>
+          <a:lstStyle>
+            <a:lvl1pPr marL="0" indent="0">
+              <a:buFontTx/>
+              <a:buNone/>
+              <a:defRPr sz="2400">
+                <a:solidFill>
+                  <a:schemeClr val="accent1"/>
+                </a:solidFill>
+              </a:defRPr>
+            </a:lvl1pPr>
+            <a:lvl2pPr marL="457200" indent="0">
+              <a:buFontTx/>
+              <a:buNone/>
+              <a:defRPr/>
+            </a:lvl2pPr>
+            <a:lvl3pPr marL="914400" indent="0">
+              <a:buFontTx/>
+              <a:buNone/>
+              <a:defRPr/>
+            </a:lvl3pPr>
+            <a:lvl4pPr marL="1371600" indent="0">
+              <a:buFontTx/>
+              <a:buNone/>
+              <a:defRPr/>
+            </a:lvl4pPr>
+            <a:lvl5pPr marL="1828800" indent="0">
+              <a:buFontTx/>
+              <a:buNone/>
+              <a:defRPr/>
+            </a:lvl5pPr>
+          </a:lstStyle>
+          <a:p>
+            <a:pPr lvl="0"/>
+            <a:r>
+              <a:rPr lang="en-US" smtClean="0"/>
+              <a:t>Edit Master text styles</a:t>
+            </a:r>
+          </a:p>
+        </p:txBody>
+      </p:sp>
+      <p:sp>
+        <p:nvSpPr>
+          <p:cNvPr id="3" name="Text Placeholder 2"/>
+          <p:cNvSpPr>
+            <a:spLocks noGrp="1"/>
+          </p:cNvSpPr>
+          <p:nvPr>
+            <p:ph type="body" idx="1"/>
+          </p:nvPr>
+        </p:nvSpPr>
+        <p:spPr>
+          <a:xfrm>
+            <a:off x="677335" y="4527448"/>
+            <a:ext cx="8596668" cy="1513914"/>
+          </a:xfrm>
+        </p:spPr>
+        <p:txBody>
+          <a:bodyPr anchor="t">
+            <a:normAutofit/>
+          </a:bodyPr>
+          <a:lstStyle>
+            <a:lvl1pPr marL="0" indent="0" algn="l">
+              <a:buNone/>
+              <a:defRPr sz="1800">
+                <a:solidFill>
+                  <a:schemeClr val="tx1">
+                    <a:lumMod val="50000"/>
+                    <a:lumOff val="50000"/>
+                  </a:schemeClr>
+                </a:solidFill>
+              </a:defRPr>
+            </a:lvl1pPr>
+            <a:lvl2pPr marL="457200" indent="0">
+              <a:buNone/>
+              <a:defRPr sz="1800">
+                <a:solidFill>
+                  <a:schemeClr val="tx1">
+                    <a:tint val="75000"/>
+                  </a:schemeClr>
+                </a:solidFill>
+              </a:defRPr>
+            </a:lvl2pPr>
+            <a:lvl3pPr marL="914400" indent="0">
+              <a:buNone/>
+              <a:defRPr sz="1600">
+                <a:solidFill>
+                  <a:schemeClr val="tx1">
+                    <a:tint val="75000"/>
+                  </a:schemeClr>
+                </a:solidFill>
+              </a:defRPr>
+            </a:lvl3pPr>
+            <a:lvl4pPr marL="1371600" indent="0">
+              <a:buNone/>
+              <a:defRPr sz="1400">
+                <a:solidFill>
+                  <a:schemeClr val="tx1">
+                    <a:tint val="75000"/>
+                  </a:schemeClr>
+                </a:solidFill>
+              </a:defRPr>
+            </a:lvl4pPr>
+            <a:lvl5pPr marL="1828800" indent="0">
+              <a:buNone/>
+              <a:defRPr sz="1400">
+                <a:solidFill>
+                  <a:schemeClr val="tx1">
+                    <a:tint val="75000"/>
+                  </a:schemeClr>
+                </a:solidFill>
+              </a:defRPr>
+            </a:lvl5pPr>
+            <a:lvl6pPr marL="2286000" indent="0">
+              <a:buNone/>
+              <a:defRPr sz="1400">
+                <a:solidFill>
+                  <a:schemeClr val="tx1">
+                    <a:tint val="75000"/>
+                  </a:schemeClr>
+                </a:solidFill>
+              </a:defRPr>
+            </a:lvl6pPr>
+            <a:lvl7pPr marL="2743200" indent="0">
+              <a:buNone/>
+              <a:defRPr sz="1400">
+                <a:solidFill>
+                  <a:schemeClr val="tx1">
+                    <a:tint val="75000"/>
+                  </a:schemeClr>
+                </a:solidFill>
+              </a:defRPr>
+            </a:lvl7pPr>
+            <a:lvl8pPr marL="3200400" indent="0">
+              <a:buNone/>
+              <a:defRPr sz="1400">
+                <a:solidFill>
+                  <a:schemeClr val="tx1">
+                    <a:tint val="75000"/>
+                  </a:schemeClr>
+                </a:solidFill>
+              </a:defRPr>
+            </a:lvl8pPr>
+            <a:lvl9pPr marL="3657600" indent="0">
+              <a:buNone/>
+              <a:defRPr sz="1400">
+                <a:solidFill>
+                  <a:schemeClr val="tx1">
+                    <a:tint val="75000"/>
+                  </a:schemeClr>
+                </a:solidFill>
+              </a:defRPr>
+            </a:lvl9pPr>
+          </a:lstStyle>
+          <a:p>
+            <a:pPr lvl="0"/>
+            <a:r>
+              <a:rPr lang="en-US" smtClean="0"/>
+              <a:t>Edit Master text styles</a:t>
+            </a:r>
+          </a:p>
+        </p:txBody>
+      </p:sp>
+      <p:sp>
+        <p:nvSpPr>
+          <p:cNvPr id="4" name="Date Placeholder 3"/>
+          <p:cNvSpPr>
+            <a:spLocks noGrp="1"/>
+          </p:cNvSpPr>
+          <p:nvPr>
+            <p:ph type="dt" sz="half" idx="10"/>
+          </p:nvPr>
+        </p:nvSpPr>
+        <p:spPr/>
+        <p:txBody>
+          <a:bodyPr/>
+          <a:lstStyle/>
+          <a:p>
+            <a:fld id="{FAB45EC3-6C6F-4658-B0D2-509166C41EDB}" type="datetimeFigureOut">
+              <a:rPr lang="ru-RU" smtClean="0"/>
+              <a:t>09.05.2023</a:t>
+            </a:fld>
+            <a:endParaRPr lang="ru-RU"/>
+          </a:p>
+        </p:txBody>
+      </p:sp>
+      <p:sp>
+        <p:nvSpPr>
+          <p:cNvPr id="5" name="Footer Placeholder 4"/>
+          <p:cNvSpPr>
+            <a:spLocks noGrp="1"/>
+          </p:cNvSpPr>
+          <p:nvPr>
+            <p:ph type="ftr" sz="quarter" idx="11"/>
+          </p:nvPr>
+        </p:nvSpPr>
+        <p:spPr/>
+        <p:txBody>
+          <a:bodyPr/>
+          <a:lstStyle/>
+          <a:p>
+            <a:endParaRPr lang="ru-RU"/>
+          </a:p>
+        </p:txBody>
+      </p:sp>
+      <p:sp>
+        <p:nvSpPr>
+          <p:cNvPr id="6" name="Slide Number Placeholder 5"/>
+          <p:cNvSpPr>
+            <a:spLocks noGrp="1"/>
+          </p:cNvSpPr>
+          <p:nvPr>
+            <p:ph type="sldNum" sz="quarter" idx="12"/>
+          </p:nvPr>
+        </p:nvSpPr>
+        <p:spPr/>
+        <p:txBody>
+          <a:bodyPr/>
+          <a:lstStyle/>
+          <a:p>
+            <a:fld id="{9A0DF294-C49C-4294-AF8F-564FEA5334DB}" type="slidenum">
+              <a:rPr lang="ru-RU" smtClean="0"/>
+              <a:t>‹#›</a:t>
+            </a:fld>
+            <a:endParaRPr lang="ru-RU"/>
+          </a:p>
+        </p:txBody>
+      </p:sp>
+    </p:spTree>
+    <p:extLst>
+      <p:ext uri="{BB962C8B-B14F-4D97-AF65-F5344CB8AC3E}">
+        <p14:creationId xmlns:p14="http://schemas.microsoft.com/office/powerpoint/2010/main" val="1752371538"/>
+      </p:ext>
+    </p:extLst>
+  </p:cSld>
+  <p:clrMapOvr>
+    <a:masterClrMapping/>
+  </p:clrMapOvr>
+</p:sldLayout>
+</file>
+
+<file path=ppt/slideLayouts/slideLayout15.xml><?xml version="1.0" encoding="utf-8"?>
 <p:sldLayout xmlns:a="http://schemas.openxmlformats.org/drawingml/2006/main" xmlns:r="http://schemas.openxmlformats.org/officeDocument/2006/relationships" xmlns:p="http://schemas.openxmlformats.org/presentationml/2006/main" type="vertTx" preserve="1">
   <p:cSld name="Title and Vertical Text">
     <p:spTree>
@@ -788,7 +2995,7 @@
               <a:rPr lang="en-US" smtClean="0"/>
               <a:t>Click to edit Master title style</a:t>
             </a:r>
-            <a:endParaRPr lang="ru-RU"/>
+            <a:endParaRPr lang="en-US" dirty="0"/>
           </a:p>
         </p:txBody>
       </p:sp>
@@ -840,7 +3047,7 @@
               <a:rPr lang="en-US" smtClean="0"/>
               <a:t>Fifth level</a:t>
             </a:r>
-            <a:endParaRPr lang="ru-RU"/>
+            <a:endParaRPr lang="en-US" dirty="0"/>
           </a:p>
         </p:txBody>
       </p:sp>
@@ -861,7 +3068,7 @@
           <a:p>
             <a:fld id="{FAB45EC3-6C6F-4658-B0D2-509166C41EDB}" type="datetimeFigureOut">
               <a:rPr lang="ru-RU" smtClean="0"/>
-              <a:t>07.05.2023</a:t>
+              <a:t>09.05.2023</a:t>
             </a:fld>
             <a:endParaRPr lang="ru-RU"/>
           </a:p>
@@ -912,7 +3119,7 @@
     </p:spTree>
     <p:extLst>
       <p:ext uri="{BB962C8B-B14F-4D97-AF65-F5344CB8AC3E}">
-        <p14:creationId xmlns:p14="http://schemas.microsoft.com/office/powerpoint/2010/main" val="4101662742"/>
+        <p14:creationId xmlns:p14="http://schemas.microsoft.com/office/powerpoint/2010/main" val="2201419943"/>
       </p:ext>
     </p:extLst>
   </p:cSld>
@@ -922,7 +3129,7 @@
 </p:sldLayout>
 </file>
 
-<file path=ppt/slideLayouts/slideLayout11.xml><?xml version="1.0" encoding="utf-8"?>
+<file path=ppt/slideLayouts/slideLayout16.xml><?xml version="1.0" encoding="utf-8"?>
 <p:sldLayout xmlns:a="http://schemas.openxmlformats.org/drawingml/2006/main" xmlns:r="http://schemas.openxmlformats.org/officeDocument/2006/relationships" xmlns:p="http://schemas.openxmlformats.org/presentationml/2006/main" type="vertTitleAndTx" preserve="1">
   <p:cSld name="Vertical Title and Text">
     <p:spTree>
@@ -951,42 +3158,42 @@
         </p:nvSpPr>
         <p:spPr>
           <a:xfrm>
-            <a:off x="8724900" y="365125"/>
-            <a:ext cx="2628900" cy="5811838"/>
+            <a:off x="7967673" y="609599"/>
+            <a:ext cx="1304743" cy="5251451"/>
           </a:xfrm>
         </p:spPr>
         <p:txBody>
+          <a:bodyPr vert="eaVert" anchor="ctr"/>
+          <a:lstStyle/>
+          <a:p>
+            <a:r>
+              <a:rPr lang="en-US" smtClean="0"/>
+              <a:t>Click to edit Master title style</a:t>
+            </a:r>
+            <a:endParaRPr lang="en-US" dirty="0"/>
+          </a:p>
+        </p:txBody>
+      </p:sp>
+      <p:sp>
+        <p:nvSpPr>
+          <p:cNvPr id="3" name="Vertical Text Placeholder 2"/>
+          <p:cNvSpPr>
+            <a:spLocks noGrp="1"/>
+          </p:cNvSpPr>
+          <p:nvPr>
+            <p:ph type="body" orient="vert" idx="1"/>
+          </p:nvPr>
+        </p:nvSpPr>
+        <p:spPr>
+          <a:xfrm>
+            <a:off x="677335" y="609600"/>
+            <a:ext cx="7060150" cy="5251450"/>
+          </a:xfrm>
+        </p:spPr>
+        <p:txBody>
           <a:bodyPr vert="eaVert"/>
           <a:lstStyle/>
           <a:p>
-            <a:r>
-              <a:rPr lang="en-US" smtClean="0"/>
-              <a:t>Click to edit Master title style</a:t>
-            </a:r>
-            <a:endParaRPr lang="ru-RU"/>
-          </a:p>
-        </p:txBody>
-      </p:sp>
-      <p:sp>
-        <p:nvSpPr>
-          <p:cNvPr id="3" name="Vertical Text Placeholder 2"/>
-          <p:cNvSpPr>
-            <a:spLocks noGrp="1"/>
-          </p:cNvSpPr>
-          <p:nvPr>
-            <p:ph type="body" orient="vert" idx="1"/>
-          </p:nvPr>
-        </p:nvSpPr>
-        <p:spPr>
-          <a:xfrm>
-            <a:off x="838200" y="365125"/>
-            <a:ext cx="7734300" cy="5811838"/>
-          </a:xfrm>
-        </p:spPr>
-        <p:txBody>
-          <a:bodyPr vert="eaVert"/>
-          <a:lstStyle/>
-          <a:p>
             <a:pPr lvl="0"/>
             <a:r>
               <a:rPr lang="en-US" smtClean="0"/>
@@ -1020,7 +3227,7 @@
               <a:rPr lang="en-US" smtClean="0"/>
               <a:t>Fifth level</a:t>
             </a:r>
-            <a:endParaRPr lang="ru-RU"/>
+            <a:endParaRPr lang="en-US" dirty="0"/>
           </a:p>
         </p:txBody>
       </p:sp>
@@ -1041,7 +3248,7 @@
           <a:p>
             <a:fld id="{FAB45EC3-6C6F-4658-B0D2-509166C41EDB}" type="datetimeFigureOut">
               <a:rPr lang="ru-RU" smtClean="0"/>
-              <a:t>07.05.2023</a:t>
+              <a:t>09.05.2023</a:t>
             </a:fld>
             <a:endParaRPr lang="ru-RU"/>
           </a:p>
@@ -1092,7 +3299,7 @@
     </p:spTree>
     <p:extLst>
       <p:ext uri="{BB962C8B-B14F-4D97-AF65-F5344CB8AC3E}">
-        <p14:creationId xmlns:p14="http://schemas.microsoft.com/office/powerpoint/2010/main" val="2600079386"/>
+        <p14:creationId xmlns:p14="http://schemas.microsoft.com/office/powerpoint/2010/main" val="3007238325"/>
       </p:ext>
     </p:extLst>
   </p:cSld>
@@ -1131,25 +3338,83 @@
         </p:nvSpPr>
         <p:spPr/>
         <p:txBody>
+          <a:bodyPr>
+            <a:normAutofit/>
+          </a:bodyPr>
+          <a:lstStyle>
+            <a:lvl1pPr>
+              <a:defRPr sz="3600"/>
+            </a:lvl1pPr>
+          </a:lstStyle>
+          <a:p>
+            <a:r>
+              <a:rPr lang="en-US" smtClean="0"/>
+              <a:t>Click to edit Master title style</a:t>
+            </a:r>
+            <a:endParaRPr lang="en-US" dirty="0"/>
+          </a:p>
+        </p:txBody>
+      </p:sp>
+      <p:sp>
+        <p:nvSpPr>
+          <p:cNvPr id="3" name="Content Placeholder 2"/>
+          <p:cNvSpPr>
+            <a:spLocks noGrp="1"/>
+          </p:cNvSpPr>
+          <p:nvPr>
+            <p:ph idx="1"/>
+          </p:nvPr>
+        </p:nvSpPr>
+        <p:spPr/>
+        <p:txBody>
           <a:bodyPr/>
           <a:lstStyle/>
           <a:p>
+            <a:pPr lvl="0"/>
             <a:r>
               <a:rPr lang="en-US" smtClean="0"/>
-              <a:t>Click to edit Master title style</a:t>
-            </a:r>
-            <a:endParaRPr lang="ru-RU"/>
-          </a:p>
-        </p:txBody>
-      </p:sp>
-      <p:sp>
-        <p:nvSpPr>
-          <p:cNvPr id="3" name="Content Placeholder 2"/>
-          <p:cNvSpPr>
-            <a:spLocks noGrp="1"/>
-          </p:cNvSpPr>
-          <p:nvPr>
-            <p:ph idx="1"/>
+              <a:t>Edit Master text styles</a:t>
+            </a:r>
+          </a:p>
+          <a:p>
+            <a:pPr lvl="1"/>
+            <a:r>
+              <a:rPr lang="en-US" smtClean="0"/>
+              <a:t>Second level</a:t>
+            </a:r>
+          </a:p>
+          <a:p>
+            <a:pPr lvl="2"/>
+            <a:r>
+              <a:rPr lang="en-US" smtClean="0"/>
+              <a:t>Third level</a:t>
+            </a:r>
+          </a:p>
+          <a:p>
+            <a:pPr lvl="3"/>
+            <a:r>
+              <a:rPr lang="en-US" smtClean="0"/>
+              <a:t>Fourth level</a:t>
+            </a:r>
+          </a:p>
+          <a:p>
+            <a:pPr lvl="4"/>
+            <a:r>
+              <a:rPr lang="en-US" smtClean="0"/>
+              <a:t>Fifth level</a:t>
+            </a:r>
+            <a:endParaRPr lang="en-US" dirty="0"/>
+          </a:p>
+        </p:txBody>
+      </p:sp>
+      <p:sp>
+        <p:nvSpPr>
+          <p:cNvPr id="4" name="Date Placeholder 3"/>
+          <p:cNvSpPr>
+            <a:spLocks noGrp="1"/>
+          </p:cNvSpPr>
+          <p:nvPr>
+            <p:ph type="dt" sz="half" idx="10"/>
           </p:nvPr>
         </p:nvSpPr>
         <p:spPr/>
@@ -1157,61 +3422,9 @@
           <a:bodyPr/>
           <a:lstStyle/>
           <a:p>
-            <a:pPr lvl="0"/>
-            <a:r>
-              <a:rPr lang="en-US" smtClean="0"/>
-              <a:t>Edit Master text styles</a:t>
-            </a:r>
-          </a:p>
-          <a:p>
-            <a:pPr lvl="1"/>
-            <a:r>
-              <a:rPr lang="en-US" smtClean="0"/>
-              <a:t>Second level</a:t>
-            </a:r>
-          </a:p>
-          <a:p>
-            <a:pPr lvl="2"/>
-            <a:r>
-              <a:rPr lang="en-US" smtClean="0"/>
-              <a:t>Third level</a:t>
-            </a:r>
-          </a:p>
-          <a:p>
-            <a:pPr lvl="3"/>
-            <a:r>
-              <a:rPr lang="en-US" smtClean="0"/>
-              <a:t>Fourth level</a:t>
-            </a:r>
-          </a:p>
-          <a:p>
-            <a:pPr lvl="4"/>
-            <a:r>
-              <a:rPr lang="en-US" smtClean="0"/>
-              <a:t>Fifth level</a:t>
-            </a:r>
-            <a:endParaRPr lang="ru-RU"/>
-          </a:p>
-        </p:txBody>
-      </p:sp>
-      <p:sp>
-        <p:nvSpPr>
-          <p:cNvPr id="4" name="Date Placeholder 3"/>
-          <p:cNvSpPr>
-            <a:spLocks noGrp="1"/>
-          </p:cNvSpPr>
-          <p:nvPr>
-            <p:ph type="dt" sz="half" idx="10"/>
-          </p:nvPr>
-        </p:nvSpPr>
-        <p:spPr/>
-        <p:txBody>
-          <a:bodyPr/>
-          <a:lstStyle/>
-          <a:p>
             <a:fld id="{FAB45EC3-6C6F-4658-B0D2-509166C41EDB}" type="datetimeFigureOut">
               <a:rPr lang="ru-RU" smtClean="0"/>
-              <a:t>07.05.2023</a:t>
+              <a:t>09.05.2023</a:t>
             </a:fld>
             <a:endParaRPr lang="ru-RU"/>
           </a:p>
@@ -1262,7 +3475,7 @@
     </p:spTree>
     <p:extLst>
       <p:ext uri="{BB962C8B-B14F-4D97-AF65-F5344CB8AC3E}">
-        <p14:creationId xmlns:p14="http://schemas.microsoft.com/office/powerpoint/2010/main" val="1939210729"/>
+        <p14:creationId xmlns:p14="http://schemas.microsoft.com/office/powerpoint/2010/main" val="4040945773"/>
       </p:ext>
     </p:extLst>
   </p:cSld>
@@ -1301,15 +3514,15 @@
         </p:nvSpPr>
         <p:spPr>
           <a:xfrm>
-            <a:off x="831850" y="1709738"/>
-            <a:ext cx="10515600" cy="2852737"/>
+            <a:off x="677335" y="2700867"/>
+            <a:ext cx="8596668" cy="1826581"/>
           </a:xfrm>
         </p:spPr>
         <p:txBody>
           <a:bodyPr anchor="b"/>
           <a:lstStyle>
-            <a:lvl1pPr>
-              <a:defRPr sz="6000"/>
+            <a:lvl1pPr algn="l">
+              <a:defRPr sz="4000" b="0" cap="none"/>
             </a:lvl1pPr>
           </a:lstStyle>
           <a:p>
@@ -1317,7 +3530,7 @@
               <a:rPr lang="en-US" smtClean="0"/>
               <a:t>Click to edit Master title style</a:t>
             </a:r>
-            <a:endParaRPr lang="ru-RU"/>
+            <a:endParaRPr lang="en-US" dirty="0"/>
           </a:p>
         </p:txBody>
       </p:sp>
@@ -1333,26 +3546,27 @@
         </p:nvSpPr>
         <p:spPr>
           <a:xfrm>
-            <a:off x="831850" y="4589463"/>
-            <a:ext cx="10515600" cy="1500187"/>
+            <a:off x="677335" y="4527448"/>
+            <a:ext cx="8596668" cy="860400"/>
           </a:xfrm>
         </p:spPr>
         <p:txBody>
-          <a:bodyPr/>
+          <a:bodyPr anchor="t"/>
           <a:lstStyle>
-            <a:lvl1pPr marL="0" indent="0">
-              <a:buNone/>
-              <a:defRPr sz="2400">
+            <a:lvl1pPr marL="0" indent="0" algn="l">
+              <a:buNone/>
+              <a:defRPr sz="2000">
                 <a:solidFill>
                   <a:schemeClr val="tx1">
-                    <a:tint val="75000"/>
+                    <a:lumMod val="50000"/>
+                    <a:lumOff val="50000"/>
                   </a:schemeClr>
                 </a:solidFill>
               </a:defRPr>
             </a:lvl1pPr>
             <a:lvl2pPr marL="457200" indent="0">
               <a:buNone/>
-              <a:defRPr sz="2000">
+              <a:defRPr sz="1800">
                 <a:solidFill>
                   <a:schemeClr val="tx1">
                     <a:tint val="75000"/>
@@ -1362,7 +3576,7 @@
             </a:lvl2pPr>
             <a:lvl3pPr marL="914400" indent="0">
               <a:buNone/>
-              <a:defRPr sz="1800">
+              <a:defRPr sz="1600">
                 <a:solidFill>
                   <a:schemeClr val="tx1">
                     <a:tint val="75000"/>
@@ -1372,7 +3586,7 @@
             </a:lvl3pPr>
             <a:lvl4pPr marL="1371600" indent="0">
               <a:buNone/>
-              <a:defRPr sz="1600">
+              <a:defRPr sz="1400">
                 <a:solidFill>
                   <a:schemeClr val="tx1">
                     <a:tint val="75000"/>
@@ -1382,7 +3596,7 @@
             </a:lvl4pPr>
             <a:lvl5pPr marL="1828800" indent="0">
               <a:buNone/>
-              <a:defRPr sz="1600">
+              <a:defRPr sz="1400">
                 <a:solidFill>
                   <a:schemeClr val="tx1">
                     <a:tint val="75000"/>
@@ -1392,7 +3606,7 @@
             </a:lvl5pPr>
             <a:lvl6pPr marL="2286000" indent="0">
               <a:buNone/>
-              <a:defRPr sz="1600">
+              <a:defRPr sz="1400">
                 <a:solidFill>
                   <a:schemeClr val="tx1">
                     <a:tint val="75000"/>
@@ -1402,7 +3616,7 @@
             </a:lvl6pPr>
             <a:lvl7pPr marL="2743200" indent="0">
               <a:buNone/>
-              <a:defRPr sz="1600">
+              <a:defRPr sz="1400">
                 <a:solidFill>
                   <a:schemeClr val="tx1">
                     <a:tint val="75000"/>
@@ -1412,7 +3626,7 @@
             </a:lvl7pPr>
             <a:lvl8pPr marL="3200400" indent="0">
               <a:buNone/>
-              <a:defRPr sz="1600">
+              <a:defRPr sz="1400">
                 <a:solidFill>
                   <a:schemeClr val="tx1">
                     <a:tint val="75000"/>
@@ -1422,7 +3636,7 @@
             </a:lvl8pPr>
             <a:lvl9pPr marL="3657600" indent="0">
               <a:buNone/>
-              <a:defRPr sz="1600">
+              <a:defRPr sz="1400">
                 <a:solidFill>
                   <a:schemeClr val="tx1">
                     <a:tint val="75000"/>
@@ -1457,7 +3671,7 @@
           <a:p>
             <a:fld id="{FAB45EC3-6C6F-4658-B0D2-509166C41EDB}" type="datetimeFigureOut">
               <a:rPr lang="ru-RU" smtClean="0"/>
-              <a:t>07.05.2023</a:t>
+              <a:t>09.05.2023</a:t>
             </a:fld>
             <a:endParaRPr lang="ru-RU"/>
           </a:p>
@@ -1508,7 +3722,7 @@
     </p:spTree>
     <p:extLst>
       <p:ext uri="{BB962C8B-B14F-4D97-AF65-F5344CB8AC3E}">
-        <p14:creationId xmlns:p14="http://schemas.microsoft.com/office/powerpoint/2010/main" val="1196396773"/>
+        <p14:creationId xmlns:p14="http://schemas.microsoft.com/office/powerpoint/2010/main" val="3629861681"/>
       </p:ext>
     </p:extLst>
   </p:cSld>
@@ -1554,7 +3768,7 @@
               <a:rPr lang="en-US" smtClean="0"/>
               <a:t>Click to edit Master title style</a:t>
             </a:r>
-            <a:endParaRPr lang="ru-RU"/>
+            <a:endParaRPr lang="en-US" dirty="0"/>
           </a:p>
         </p:txBody>
       </p:sp>
@@ -1570,8 +3784,8 @@
         </p:nvSpPr>
         <p:spPr>
           <a:xfrm>
-            <a:off x="838200" y="1825625"/>
-            <a:ext cx="5181600" cy="4351338"/>
+            <a:off x="677334" y="2160589"/>
+            <a:ext cx="4184035" cy="3880772"/>
           </a:xfrm>
         </p:spPr>
         <p:txBody>
@@ -1611,7 +3825,7 @@
               <a:rPr lang="en-US" smtClean="0"/>
               <a:t>Fifth level</a:t>
             </a:r>
-            <a:endParaRPr lang="ru-RU"/>
+            <a:endParaRPr lang="en-US" dirty="0"/>
           </a:p>
         </p:txBody>
       </p:sp>
@@ -1627,8 +3841,8 @@
         </p:nvSpPr>
         <p:spPr>
           <a:xfrm>
-            <a:off x="6172200" y="1825625"/>
-            <a:ext cx="5181600" cy="4351338"/>
+            <a:off x="5089970" y="2160589"/>
+            <a:ext cx="4184034" cy="3880773"/>
           </a:xfrm>
         </p:spPr>
         <p:txBody>
@@ -1668,7 +3882,7 @@
               <a:rPr lang="en-US" smtClean="0"/>
               <a:t>Fifth level</a:t>
             </a:r>
-            <a:endParaRPr lang="ru-RU"/>
+            <a:endParaRPr lang="en-US" dirty="0"/>
           </a:p>
         </p:txBody>
       </p:sp>
@@ -1689,7 +3903,7 @@
           <a:p>
             <a:fld id="{FAB45EC3-6C6F-4658-B0D2-509166C41EDB}" type="datetimeFigureOut">
               <a:rPr lang="ru-RU" smtClean="0"/>
-              <a:t>07.05.2023</a:t>
+              <a:t>09.05.2023</a:t>
             </a:fld>
             <a:endParaRPr lang="ru-RU"/>
           </a:p>
@@ -1740,7 +3954,7 @@
     </p:spTree>
     <p:extLst>
       <p:ext uri="{BB962C8B-B14F-4D97-AF65-F5344CB8AC3E}">
-        <p14:creationId xmlns:p14="http://schemas.microsoft.com/office/powerpoint/2010/main" val="2196548207"/>
+        <p14:creationId xmlns:p14="http://schemas.microsoft.com/office/powerpoint/2010/main" val="2737678919"/>
       </p:ext>
     </p:extLst>
   </p:cSld>
@@ -1777,46 +3991,47 @@
             <p:ph type="title"/>
           </p:nvPr>
         </p:nvSpPr>
+        <p:spPr/>
+        <p:txBody>
+          <a:bodyPr/>
+          <a:lstStyle>
+            <a:lvl1pPr>
+              <a:defRPr/>
+            </a:lvl1pPr>
+          </a:lstStyle>
+          <a:p>
+            <a:r>
+              <a:rPr lang="en-US" smtClean="0"/>
+              <a:t>Click to edit Master title style</a:t>
+            </a:r>
+            <a:endParaRPr lang="en-US" dirty="0"/>
+          </a:p>
+        </p:txBody>
+      </p:sp>
+      <p:sp>
+        <p:nvSpPr>
+          <p:cNvPr id="3" name="Text Placeholder 2"/>
+          <p:cNvSpPr>
+            <a:spLocks noGrp="1"/>
+          </p:cNvSpPr>
+          <p:nvPr>
+            <p:ph type="body" idx="1"/>
+          </p:nvPr>
+        </p:nvSpPr>
         <p:spPr>
           <a:xfrm>
-            <a:off x="839788" y="365125"/>
-            <a:ext cx="10515600" cy="1325563"/>
+            <a:off x="675745" y="2160983"/>
+            <a:ext cx="4185623" cy="576262"/>
           </a:xfrm>
         </p:spPr>
         <p:txBody>
-          <a:bodyPr/>
-          <a:lstStyle/>
-          <a:p>
-            <a:r>
-              <a:rPr lang="en-US" smtClean="0"/>
-              <a:t>Click to edit Master title style</a:t>
-            </a:r>
-            <a:endParaRPr lang="ru-RU"/>
-          </a:p>
-        </p:txBody>
-      </p:sp>
-      <p:sp>
-        <p:nvSpPr>
-          <p:cNvPr id="3" name="Text Placeholder 2"/>
-          <p:cNvSpPr>
-            <a:spLocks noGrp="1"/>
-          </p:cNvSpPr>
-          <p:nvPr>
-            <p:ph type="body" idx="1"/>
-          </p:nvPr>
-        </p:nvSpPr>
-        <p:spPr>
-          <a:xfrm>
-            <a:off x="839788" y="1681163"/>
-            <a:ext cx="5157787" cy="823912"/>
-          </a:xfrm>
-        </p:spPr>
-        <p:txBody>
-          <a:bodyPr anchor="b"/>
+          <a:bodyPr anchor="b">
+            <a:noAutofit/>
+          </a:bodyPr>
           <a:lstStyle>
             <a:lvl1pPr marL="0" indent="0">
               <a:buNone/>
-              <a:defRPr sz="2400" b="1"/>
+              <a:defRPr sz="2400" b="0"/>
             </a:lvl1pPr>
             <a:lvl2pPr marL="457200" indent="0">
               <a:buNone/>
@@ -1872,12 +4087,14 @@
         </p:nvSpPr>
         <p:spPr>
           <a:xfrm>
-            <a:off x="839788" y="2505075"/>
-            <a:ext cx="5157787" cy="3684588"/>
+            <a:off x="675745" y="2737245"/>
+            <a:ext cx="4185623" cy="3304117"/>
           </a:xfrm>
         </p:spPr>
         <p:txBody>
-          <a:bodyPr/>
+          <a:bodyPr>
+            <a:normAutofit/>
+          </a:bodyPr>
           <a:lstStyle/>
           <a:p>
             <a:pPr lvl="0"/>
@@ -1913,7 +4130,7 @@
               <a:rPr lang="en-US" smtClean="0"/>
               <a:t>Fifth level</a:t>
             </a:r>
-            <a:endParaRPr lang="ru-RU"/>
+            <a:endParaRPr lang="en-US" dirty="0"/>
           </a:p>
         </p:txBody>
       </p:sp>
@@ -1929,16 +4146,18 @@
         </p:nvSpPr>
         <p:spPr>
           <a:xfrm>
-            <a:off x="6172200" y="1681163"/>
-            <a:ext cx="5183188" cy="823912"/>
+            <a:off x="5088383" y="2160983"/>
+            <a:ext cx="4185618" cy="576262"/>
           </a:xfrm>
         </p:spPr>
         <p:txBody>
-          <a:bodyPr anchor="b"/>
+          <a:bodyPr anchor="b">
+            <a:noAutofit/>
+          </a:bodyPr>
           <a:lstStyle>
             <a:lvl1pPr marL="0" indent="0">
               <a:buNone/>
-              <a:defRPr sz="2400" b="1"/>
+              <a:defRPr sz="2400" b="0"/>
             </a:lvl1pPr>
             <a:lvl2pPr marL="457200" indent="0">
               <a:buNone/>
@@ -1994,69 +4213,71 @@
         </p:nvSpPr>
         <p:spPr>
           <a:xfrm>
-            <a:off x="6172200" y="2505075"/>
-            <a:ext cx="5183188" cy="3684588"/>
+            <a:off x="5088384" y="2737245"/>
+            <a:ext cx="4185617" cy="3304117"/>
           </a:xfrm>
         </p:spPr>
         <p:txBody>
+          <a:bodyPr>
+            <a:normAutofit/>
+          </a:bodyPr>
+          <a:lstStyle/>
+          <a:p>
+            <a:pPr lvl="0"/>
+            <a:r>
+              <a:rPr lang="en-US" smtClean="0"/>
+              <a:t>Edit Master text styles</a:t>
+            </a:r>
+          </a:p>
+          <a:p>
+            <a:pPr lvl="1"/>
+            <a:r>
+              <a:rPr lang="en-US" smtClean="0"/>
+              <a:t>Second level</a:t>
+            </a:r>
+          </a:p>
+          <a:p>
+            <a:pPr lvl="2"/>
+            <a:r>
+              <a:rPr lang="en-US" smtClean="0"/>
+              <a:t>Third level</a:t>
+            </a:r>
+          </a:p>
+          <a:p>
+            <a:pPr lvl="3"/>
+            <a:r>
+              <a:rPr lang="en-US" smtClean="0"/>
+              <a:t>Fourth level</a:t>
+            </a:r>
+          </a:p>
+          <a:p>
+            <a:pPr lvl="4"/>
+            <a:r>
+              <a:rPr lang="en-US" smtClean="0"/>
+              <a:t>Fifth level</a:t>
+            </a:r>
+            <a:endParaRPr lang="en-US" dirty="0"/>
+          </a:p>
+        </p:txBody>
+      </p:sp>
+      <p:sp>
+        <p:nvSpPr>
+          <p:cNvPr id="7" name="Date Placeholder 6"/>
+          <p:cNvSpPr>
+            <a:spLocks noGrp="1"/>
+          </p:cNvSpPr>
+          <p:nvPr>
+            <p:ph type="dt" sz="half" idx="10"/>
+          </p:nvPr>
+        </p:nvSpPr>
+        <p:spPr/>
+        <p:txBody>
           <a:bodyPr/>
           <a:lstStyle/>
           <a:p>
-            <a:pPr lvl="0"/>
-            <a:r>
-              <a:rPr lang="en-US" smtClean="0"/>
-              <a:t>Edit Master text styles</a:t>
-            </a:r>
-          </a:p>
-          <a:p>
-            <a:pPr lvl="1"/>
-            <a:r>
-              <a:rPr lang="en-US" smtClean="0"/>
-              <a:t>Second level</a:t>
-            </a:r>
-          </a:p>
-          <a:p>
-            <a:pPr lvl="2"/>
-            <a:r>
-              <a:rPr lang="en-US" smtClean="0"/>
-              <a:t>Third level</a:t>
-            </a:r>
-          </a:p>
-          <a:p>
-            <a:pPr lvl="3"/>
-            <a:r>
-              <a:rPr lang="en-US" smtClean="0"/>
-              <a:t>Fourth level</a:t>
-            </a:r>
-          </a:p>
-          <a:p>
-            <a:pPr lvl="4"/>
-            <a:r>
-              <a:rPr lang="en-US" smtClean="0"/>
-              <a:t>Fifth level</a:t>
-            </a:r>
-            <a:endParaRPr lang="ru-RU"/>
-          </a:p>
-        </p:txBody>
-      </p:sp>
-      <p:sp>
-        <p:nvSpPr>
-          <p:cNvPr id="7" name="Date Placeholder 6"/>
-          <p:cNvSpPr>
-            <a:spLocks noGrp="1"/>
-          </p:cNvSpPr>
-          <p:nvPr>
-            <p:ph type="dt" sz="half" idx="10"/>
-          </p:nvPr>
-        </p:nvSpPr>
-        <p:spPr/>
-        <p:txBody>
-          <a:bodyPr/>
-          <a:lstStyle/>
-          <a:p>
             <a:fld id="{FAB45EC3-6C6F-4658-B0D2-509166C41EDB}" type="datetimeFigureOut">
               <a:rPr lang="ru-RU" smtClean="0"/>
-              <a:t>07.05.2023</a:t>
+              <a:t>09.05.2023</a:t>
             </a:fld>
             <a:endParaRPr lang="ru-RU"/>
           </a:p>
@@ -2107,7 +4328,7 @@
     </p:spTree>
     <p:extLst>
       <p:ext uri="{BB962C8B-B14F-4D97-AF65-F5344CB8AC3E}">
-        <p14:creationId xmlns:p14="http://schemas.microsoft.com/office/powerpoint/2010/main" val="853202109"/>
+        <p14:creationId xmlns:p14="http://schemas.microsoft.com/office/powerpoint/2010/main" val="3309865803"/>
       </p:ext>
     </p:extLst>
   </p:cSld>
@@ -2144,7 +4365,12 @@
             <p:ph type="title"/>
           </p:nvPr>
         </p:nvSpPr>
-        <p:spPr/>
+        <p:spPr>
+          <a:xfrm>
+            <a:off x="677334" y="609600"/>
+            <a:ext cx="8596668" cy="1320800"/>
+          </a:xfrm>
+        </p:spPr>
         <p:txBody>
           <a:bodyPr/>
           <a:lstStyle/>
@@ -2153,7 +4379,7 @@
               <a:rPr lang="en-US" smtClean="0"/>
               <a:t>Click to edit Master title style</a:t>
             </a:r>
-            <a:endParaRPr lang="ru-RU"/>
+            <a:endParaRPr lang="en-US" dirty="0"/>
           </a:p>
         </p:txBody>
       </p:sp>
@@ -2174,7 +4400,7 @@
           <a:p>
             <a:fld id="{FAB45EC3-6C6F-4658-B0D2-509166C41EDB}" type="datetimeFigureOut">
               <a:rPr lang="ru-RU" smtClean="0"/>
-              <a:t>07.05.2023</a:t>
+              <a:t>09.05.2023</a:t>
             </a:fld>
             <a:endParaRPr lang="ru-RU"/>
           </a:p>
@@ -2225,7 +4451,7 @@
     </p:spTree>
     <p:extLst>
       <p:ext uri="{BB962C8B-B14F-4D97-AF65-F5344CB8AC3E}">
-        <p14:creationId xmlns:p14="http://schemas.microsoft.com/office/powerpoint/2010/main" val="2811461542"/>
+        <p14:creationId xmlns:p14="http://schemas.microsoft.com/office/powerpoint/2010/main" val="2299638992"/>
       </p:ext>
     </p:extLst>
   </p:cSld>
@@ -2269,7 +4495,7 @@
           <a:p>
             <a:fld id="{FAB45EC3-6C6F-4658-B0D2-509166C41EDB}" type="datetimeFigureOut">
               <a:rPr lang="ru-RU" smtClean="0"/>
-              <a:t>07.05.2023</a:t>
+              <a:t>09.05.2023</a:t>
             </a:fld>
             <a:endParaRPr lang="ru-RU"/>
           </a:p>
@@ -2320,7 +4546,7 @@
     </p:spTree>
     <p:extLst>
       <p:ext uri="{BB962C8B-B14F-4D97-AF65-F5344CB8AC3E}">
-        <p14:creationId xmlns:p14="http://schemas.microsoft.com/office/powerpoint/2010/main" val="3047026189"/>
+        <p14:creationId xmlns:p14="http://schemas.microsoft.com/office/powerpoint/2010/main" val="876886537"/>
       </p:ext>
     </p:extLst>
   </p:cSld>
@@ -2359,15 +4585,17 @@
         </p:nvSpPr>
         <p:spPr>
           <a:xfrm>
-            <a:off x="839788" y="457200"/>
-            <a:ext cx="3932237" cy="1600200"/>
+            <a:off x="677334" y="1498604"/>
+            <a:ext cx="3854528" cy="1278466"/>
           </a:xfrm>
         </p:spPr>
         <p:txBody>
-          <a:bodyPr anchor="b"/>
+          <a:bodyPr anchor="b">
+            <a:normAutofit/>
+          </a:bodyPr>
           <a:lstStyle>
             <a:lvl1pPr>
-              <a:defRPr sz="3200"/>
+              <a:defRPr sz="2000"/>
             </a:lvl1pPr>
           </a:lstStyle>
           <a:p>
@@ -2375,7 +4603,7 @@
               <a:rPr lang="en-US" smtClean="0"/>
               <a:t>Click to edit Master title style</a:t>
             </a:r>
-            <a:endParaRPr lang="ru-RU"/>
+            <a:endParaRPr lang="en-US" dirty="0"/>
           </a:p>
         </p:txBody>
       </p:sp>
@@ -2391,41 +4619,15 @@
         </p:nvSpPr>
         <p:spPr>
           <a:xfrm>
-            <a:off x="5183188" y="987425"/>
-            <a:ext cx="6172200" cy="4873625"/>
+            <a:off x="4760461" y="514924"/>
+            <a:ext cx="4513541" cy="5526437"/>
           </a:xfrm>
         </p:spPr>
         <p:txBody>
-          <a:bodyPr/>
-          <a:lstStyle>
-            <a:lvl1pPr>
-              <a:defRPr sz="3200"/>
-            </a:lvl1pPr>
-            <a:lvl2pPr>
-              <a:defRPr sz="2800"/>
-            </a:lvl2pPr>
-            <a:lvl3pPr>
-              <a:defRPr sz="2400"/>
-            </a:lvl3pPr>
-            <a:lvl4pPr>
-              <a:defRPr sz="2000"/>
-            </a:lvl4pPr>
-            <a:lvl5pPr>
-              <a:defRPr sz="2000"/>
-            </a:lvl5pPr>
-            <a:lvl6pPr>
-              <a:defRPr sz="2000"/>
-            </a:lvl6pPr>
-            <a:lvl7pPr>
-              <a:defRPr sz="2000"/>
-            </a:lvl7pPr>
-            <a:lvl8pPr>
-              <a:defRPr sz="2000"/>
-            </a:lvl8pPr>
-            <a:lvl9pPr>
-              <a:defRPr sz="2000"/>
-            </a:lvl9pPr>
-          </a:lstStyle>
+          <a:bodyPr>
+            <a:normAutofit/>
+          </a:bodyPr>
+          <a:lstStyle/>
           <a:p>
             <a:pPr lvl="0"/>
             <a:r>
@@ -2460,7 +4662,7 @@
               <a:rPr lang="en-US" smtClean="0"/>
               <a:t>Fifth level</a:t>
             </a:r>
-            <a:endParaRPr lang="ru-RU"/>
+            <a:endParaRPr lang="en-US" dirty="0"/>
           </a:p>
         </p:txBody>
       </p:sp>
@@ -2476,46 +4678,48 @@
         </p:nvSpPr>
         <p:spPr>
           <a:xfrm>
-            <a:off x="839788" y="2057400"/>
-            <a:ext cx="3932237" cy="3811588"/>
+            <a:off x="677334" y="2777069"/>
+            <a:ext cx="3854528" cy="2584449"/>
           </a:xfrm>
         </p:spPr>
         <p:txBody>
-          <a:bodyPr/>
+          <a:bodyPr>
+            <a:normAutofit/>
+          </a:bodyPr>
           <a:lstStyle>
             <a:lvl1pPr marL="0" indent="0">
               <a:buNone/>
-              <a:defRPr sz="1600"/>
+              <a:defRPr sz="1400"/>
             </a:lvl1pPr>
-            <a:lvl2pPr marL="457200" indent="0">
+            <a:lvl2pPr marL="457063" indent="0">
               <a:buNone/>
               <a:defRPr sz="1400"/>
             </a:lvl2pPr>
-            <a:lvl3pPr marL="914400" indent="0">
+            <a:lvl3pPr marL="914126" indent="0">
               <a:buNone/>
               <a:defRPr sz="1200"/>
             </a:lvl3pPr>
-            <a:lvl4pPr marL="1371600" indent="0">
+            <a:lvl4pPr marL="1371189" indent="0">
               <a:buNone/>
               <a:defRPr sz="1000"/>
             </a:lvl4pPr>
-            <a:lvl5pPr marL="1828800" indent="0">
+            <a:lvl5pPr marL="1828251" indent="0">
               <a:buNone/>
               <a:defRPr sz="1000"/>
             </a:lvl5pPr>
-            <a:lvl6pPr marL="2286000" indent="0">
+            <a:lvl6pPr marL="2285314" indent="0">
               <a:buNone/>
               <a:defRPr sz="1000"/>
             </a:lvl6pPr>
-            <a:lvl7pPr marL="2743200" indent="0">
+            <a:lvl7pPr marL="2742377" indent="0">
               <a:buNone/>
               <a:defRPr sz="1000"/>
             </a:lvl7pPr>
-            <a:lvl8pPr marL="3200400" indent="0">
+            <a:lvl8pPr marL="3199440" indent="0">
               <a:buNone/>
               <a:defRPr sz="1000"/>
             </a:lvl8pPr>
-            <a:lvl9pPr marL="3657600" indent="0">
+            <a:lvl9pPr marL="3656503" indent="0">
               <a:buNone/>
               <a:defRPr sz="1000"/>
             </a:lvl9pPr>
@@ -2546,7 +4750,7 @@
           <a:p>
             <a:fld id="{FAB45EC3-6C6F-4658-B0D2-509166C41EDB}" type="datetimeFigureOut">
               <a:rPr lang="ru-RU" smtClean="0"/>
-              <a:t>07.05.2023</a:t>
+              <a:t>09.05.2023</a:t>
             </a:fld>
             <a:endParaRPr lang="ru-RU"/>
           </a:p>
@@ -2597,7 +4801,7 @@
     </p:spTree>
     <p:extLst>
       <p:ext uri="{BB962C8B-B14F-4D97-AF65-F5344CB8AC3E}">
-        <p14:creationId xmlns:p14="http://schemas.microsoft.com/office/powerpoint/2010/main" val="1341198030"/>
+        <p14:creationId xmlns:p14="http://schemas.microsoft.com/office/powerpoint/2010/main" val="4159881620"/>
       </p:ext>
     </p:extLst>
   </p:cSld>
@@ -2636,15 +4840,17 @@
         </p:nvSpPr>
         <p:spPr>
           <a:xfrm>
-            <a:off x="839788" y="457200"/>
-            <a:ext cx="3932237" cy="1600200"/>
+            <a:off x="677334" y="4800600"/>
+            <a:ext cx="8596667" cy="566738"/>
           </a:xfrm>
         </p:spPr>
         <p:txBody>
-          <a:bodyPr anchor="b"/>
+          <a:bodyPr anchor="b">
+            <a:normAutofit/>
+          </a:bodyPr>
           <a:lstStyle>
-            <a:lvl1pPr>
-              <a:defRPr sz="3200"/>
+            <a:lvl1pPr algn="l">
+              <a:defRPr sz="2400" b="0"/>
             </a:lvl1pPr>
           </a:lstStyle>
           <a:p>
@@ -2652,7 +4858,7 @@
               <a:rPr lang="en-US" smtClean="0"/>
               <a:t>Click to edit Master title style</a:t>
             </a:r>
-            <a:endParaRPr lang="ru-RU"/>
+            <a:endParaRPr lang="en-US" dirty="0"/>
           </a:p>
         </p:txBody>
       </p:sp>
@@ -2660,7 +4866,7 @@
         <p:nvSpPr>
           <p:cNvPr id="3" name="Picture Placeholder 2"/>
           <p:cNvSpPr>
-            <a:spLocks noGrp="1"/>
+            <a:spLocks noGrp="1" noChangeAspect="1"/>
           </p:cNvSpPr>
           <p:nvPr>
             <p:ph type="pic" idx="1"/>
@@ -2668,112 +4874,120 @@
         </p:nvSpPr>
         <p:spPr>
           <a:xfrm>
-            <a:off x="5183188" y="987425"/>
-            <a:ext cx="6172200" cy="4873625"/>
+            <a:off x="677334" y="609600"/>
+            <a:ext cx="8596668" cy="3845718"/>
           </a:xfrm>
         </p:spPr>
         <p:txBody>
-          <a:bodyPr/>
+          <a:bodyPr anchor="t">
+            <a:normAutofit/>
+          </a:bodyPr>
           <a:lstStyle>
-            <a:lvl1pPr marL="0" indent="0">
-              <a:buNone/>
-              <a:defRPr sz="3200"/>
-            </a:lvl1pPr>
-            <a:lvl2pPr marL="457200" indent="0">
-              <a:buNone/>
-              <a:defRPr sz="2800"/>
-            </a:lvl2pPr>
-            <a:lvl3pPr marL="914400" indent="0">
-              <a:buNone/>
-              <a:defRPr sz="2400"/>
-            </a:lvl3pPr>
-            <a:lvl4pPr marL="1371600" indent="0">
-              <a:buNone/>
-              <a:defRPr sz="2000"/>
-            </a:lvl4pPr>
-            <a:lvl5pPr marL="1828800" indent="0">
-              <a:buNone/>
-              <a:defRPr sz="2000"/>
-            </a:lvl5pPr>
-            <a:lvl6pPr marL="2286000" indent="0">
-              <a:buNone/>
-              <a:defRPr sz="2000"/>
-            </a:lvl6pPr>
-            <a:lvl7pPr marL="2743200" indent="0">
-              <a:buNone/>
-              <a:defRPr sz="2000"/>
-            </a:lvl7pPr>
-            <a:lvl8pPr marL="3200400" indent="0">
-              <a:buNone/>
-              <a:defRPr sz="2000"/>
-            </a:lvl8pPr>
-            <a:lvl9pPr marL="3657600" indent="0">
-              <a:buNone/>
-              <a:defRPr sz="2000"/>
-            </a:lvl9pPr>
-          </a:lstStyle>
-          <a:p>
-            <a:endParaRPr lang="ru-RU"/>
-          </a:p>
-        </p:txBody>
-      </p:sp>
-      <p:sp>
-        <p:nvSpPr>
-          <p:cNvPr id="4" name="Text Placeholder 3"/>
-          <p:cNvSpPr>
-            <a:spLocks noGrp="1"/>
-          </p:cNvSpPr>
-          <p:nvPr>
-            <p:ph type="body" sz="half" idx="2"/>
-          </p:nvPr>
-        </p:nvSpPr>
-        <p:spPr>
-          <a:xfrm>
-            <a:off x="839788" y="2057400"/>
-            <a:ext cx="3932237" cy="3811588"/>
-          </a:xfrm>
-        </p:spPr>
-        <p:txBody>
-          <a:bodyPr/>
-          <a:lstStyle>
-            <a:lvl1pPr marL="0" indent="0">
+            <a:lvl1pPr marL="0" indent="0" algn="ctr">
               <a:buNone/>
               <a:defRPr sz="1600"/>
             </a:lvl1pPr>
             <a:lvl2pPr marL="457200" indent="0">
               <a:buNone/>
-              <a:defRPr sz="1400"/>
+              <a:defRPr sz="1600"/>
             </a:lvl2pPr>
             <a:lvl3pPr marL="914400" indent="0">
               <a:buNone/>
-              <a:defRPr sz="1200"/>
+              <a:defRPr sz="1600"/>
             </a:lvl3pPr>
             <a:lvl4pPr marL="1371600" indent="0">
               <a:buNone/>
-              <a:defRPr sz="1000"/>
+              <a:defRPr sz="1600"/>
             </a:lvl4pPr>
             <a:lvl5pPr marL="1828800" indent="0">
               <a:buNone/>
-              <a:defRPr sz="1000"/>
+              <a:defRPr sz="1600"/>
             </a:lvl5pPr>
             <a:lvl6pPr marL="2286000" indent="0">
               <a:buNone/>
-              <a:defRPr sz="1000"/>
+              <a:defRPr sz="1600"/>
             </a:lvl6pPr>
             <a:lvl7pPr marL="2743200" indent="0">
               <a:buNone/>
-              <a:defRPr sz="1000"/>
+              <a:defRPr sz="1600"/>
             </a:lvl7pPr>
             <a:lvl8pPr marL="3200400" indent="0">
               <a:buNone/>
-              <a:defRPr sz="1000"/>
+              <a:defRPr sz="1600"/>
             </a:lvl8pPr>
             <a:lvl9pPr marL="3657600" indent="0">
               <a:buNone/>
-              <a:defRPr sz="1000"/>
+              <a:defRPr sz="1600"/>
             </a:lvl9pPr>
           </a:lstStyle>
           <a:p>
+            <a:r>
+              <a:rPr lang="en-US" smtClean="0"/>
+              <a:t>Click icon to add picture</a:t>
+            </a:r>
+            <a:endParaRPr lang="en-US" dirty="0"/>
+          </a:p>
+        </p:txBody>
+      </p:sp>
+      <p:sp>
+        <p:nvSpPr>
+          <p:cNvPr id="4" name="Text Placeholder 3"/>
+          <p:cNvSpPr>
+            <a:spLocks noGrp="1"/>
+          </p:cNvSpPr>
+          <p:nvPr>
+            <p:ph type="body" sz="half" idx="2"/>
+          </p:nvPr>
+        </p:nvSpPr>
+        <p:spPr>
+          <a:xfrm>
+            <a:off x="677334" y="5367338"/>
+            <a:ext cx="8596667" cy="674024"/>
+          </a:xfrm>
+        </p:spPr>
+        <p:txBody>
+          <a:bodyPr>
+            <a:normAutofit/>
+          </a:bodyPr>
+          <a:lstStyle>
+            <a:lvl1pPr marL="0" indent="0">
+              <a:buNone/>
+              <a:defRPr sz="1200"/>
+            </a:lvl1pPr>
+            <a:lvl2pPr marL="457200" indent="0">
+              <a:buNone/>
+              <a:defRPr sz="1200"/>
+            </a:lvl2pPr>
+            <a:lvl3pPr marL="914400" indent="0">
+              <a:buNone/>
+              <a:defRPr sz="1000"/>
+            </a:lvl3pPr>
+            <a:lvl4pPr marL="1371600" indent="0">
+              <a:buNone/>
+              <a:defRPr sz="900"/>
+            </a:lvl4pPr>
+            <a:lvl5pPr marL="1828800" indent="0">
+              <a:buNone/>
+              <a:defRPr sz="900"/>
+            </a:lvl5pPr>
+            <a:lvl6pPr marL="2286000" indent="0">
+              <a:buNone/>
+              <a:defRPr sz="900"/>
+            </a:lvl6pPr>
+            <a:lvl7pPr marL="2743200" indent="0">
+              <a:buNone/>
+              <a:defRPr sz="900"/>
+            </a:lvl7pPr>
+            <a:lvl8pPr marL="3200400" indent="0">
+              <a:buNone/>
+              <a:defRPr sz="900"/>
+            </a:lvl8pPr>
+            <a:lvl9pPr marL="3657600" indent="0">
+              <a:buNone/>
+              <a:defRPr sz="900"/>
+            </a:lvl9pPr>
+          </a:lstStyle>
+          <a:p>
             <a:pPr lvl="0"/>
             <a:r>
               <a:rPr lang="en-US" smtClean="0"/>
@@ -2799,7 +5013,7 @@
           <a:p>
             <a:fld id="{FAB45EC3-6C6F-4658-B0D2-509166C41EDB}" type="datetimeFigureOut">
               <a:rPr lang="ru-RU" smtClean="0"/>
-              <a:t>07.05.2023</a:t>
+              <a:t>09.05.2023</a:t>
             </a:fld>
             <a:endParaRPr lang="ru-RU"/>
           </a:p>
@@ -2850,7 +5064,7 @@
     </p:spTree>
     <p:extLst>
       <p:ext uri="{BB962C8B-B14F-4D97-AF65-F5344CB8AC3E}">
-        <p14:creationId xmlns:p14="http://schemas.microsoft.com/office/powerpoint/2010/main" val="1732536754"/>
+        <p14:creationId xmlns:p14="http://schemas.microsoft.com/office/powerpoint/2010/main" val="3703020368"/>
       </p:ext>
     </p:extLst>
   </p:cSld>
@@ -2882,6 +5096,536 @@
           <a:chExt cx="0" cy="0"/>
         </a:xfrm>
       </p:grpSpPr>
+      <p:grpSp>
+        <p:nvGrpSpPr>
+          <p:cNvPr id="7" name="Group 6"/>
+          <p:cNvGrpSpPr/>
+          <p:nvPr/>
+        </p:nvGrpSpPr>
+        <p:grpSpPr>
+          <a:xfrm>
+            <a:off x="0" y="-8467"/>
+            <a:ext cx="12192000" cy="6866467"/>
+            <a:chOff x="0" y="-8467"/>
+            <a:chExt cx="12192000" cy="6866467"/>
+          </a:xfrm>
+        </p:grpSpPr>
+        <p:cxnSp>
+          <p:nvCxnSpPr>
+            <p:cNvPr id="20" name="Straight Connector 19"/>
+            <p:cNvCxnSpPr/>
+            <p:nvPr/>
+          </p:nvCxnSpPr>
+          <p:spPr>
+            <a:xfrm>
+              <a:off x="9371012" y="0"/>
+              <a:ext cx="1219200" cy="6858000"/>
+            </a:xfrm>
+            <a:prstGeom prst="line">
+              <a:avLst/>
+            </a:prstGeom>
+            <a:ln w="9525">
+              <a:solidFill>
+                <a:schemeClr val="bg1">
+                  <a:lumMod val="75000"/>
+                </a:schemeClr>
+              </a:solidFill>
+            </a:ln>
+          </p:spPr>
+          <p:style>
+            <a:lnRef idx="2">
+              <a:schemeClr val="accent1"/>
+            </a:lnRef>
+            <a:fillRef idx="0">
+              <a:schemeClr val="accent1"/>
+            </a:fillRef>
+            <a:effectRef idx="1">
+              <a:schemeClr val="accent1"/>
+            </a:effectRef>
+            <a:fontRef idx="minor">
+              <a:schemeClr val="tx1"/>
+            </a:fontRef>
+          </p:style>
+        </p:cxnSp>
+        <p:cxnSp>
+          <p:nvCxnSpPr>
+            <p:cNvPr id="21" name="Straight Connector 20"/>
+            <p:cNvCxnSpPr/>
+            <p:nvPr/>
+          </p:nvCxnSpPr>
+          <p:spPr>
+            <a:xfrm flipH="1">
+              <a:off x="7425267" y="3681413"/>
+              <a:ext cx="4763558" cy="3176587"/>
+            </a:xfrm>
+            <a:prstGeom prst="line">
+              <a:avLst/>
+            </a:prstGeom>
+            <a:ln w="9525">
+              <a:solidFill>
+                <a:schemeClr val="bg1">
+                  <a:lumMod val="85000"/>
+                </a:schemeClr>
+              </a:solidFill>
+            </a:ln>
+          </p:spPr>
+          <p:style>
+            <a:lnRef idx="2">
+              <a:schemeClr val="accent1"/>
+            </a:lnRef>
+            <a:fillRef idx="0">
+              <a:schemeClr val="accent1"/>
+            </a:fillRef>
+            <a:effectRef idx="1">
+              <a:schemeClr val="accent1"/>
+            </a:effectRef>
+            <a:fontRef idx="minor">
+              <a:schemeClr val="tx1"/>
+            </a:fontRef>
+          </p:style>
+        </p:cxnSp>
+        <p:sp>
+          <p:nvSpPr>
+            <p:cNvPr id="22" name="Rectangle 23"/>
+            <p:cNvSpPr/>
+            <p:nvPr/>
+          </p:nvSpPr>
+          <p:spPr>
+            <a:xfrm>
+              <a:off x="9181476" y="-8467"/>
+              <a:ext cx="3007349" cy="6866467"/>
+            </a:xfrm>
+            <a:custGeom>
+              <a:avLst/>
+              <a:gdLst/>
+              <a:ahLst/>
+              <a:cxnLst/>
+              <a:rect l="l" t="t" r="r" b="b"/>
+              <a:pathLst>
+                <a:path w="3007349" h="6866467">
+                  <a:moveTo>
+                    <a:pt x="2045532" y="0"/>
+                  </a:moveTo>
+                  <a:lnTo>
+                    <a:pt x="3007349" y="0"/>
+                  </a:lnTo>
+                  <a:lnTo>
+                    <a:pt x="3007349" y="6866467"/>
+                  </a:lnTo>
+                  <a:lnTo>
+                    <a:pt x="0" y="6866467"/>
+                  </a:lnTo>
+                  <a:lnTo>
+                    <a:pt x="2045532" y="0"/>
+                  </a:lnTo>
+                  <a:close/>
+                </a:path>
+              </a:pathLst>
+            </a:custGeom>
+            <a:solidFill>
+              <a:schemeClr val="accent1">
+                <a:alpha val="30000"/>
+              </a:schemeClr>
+            </a:solidFill>
+            <a:ln>
+              <a:noFill/>
+            </a:ln>
+            <a:effectLst/>
+          </p:spPr>
+          <p:style>
+            <a:lnRef idx="1">
+              <a:schemeClr val="accent1"/>
+            </a:lnRef>
+            <a:fillRef idx="3">
+              <a:schemeClr val="accent1"/>
+            </a:fillRef>
+            <a:effectRef idx="2">
+              <a:schemeClr val="accent1"/>
+            </a:effectRef>
+            <a:fontRef idx="minor">
+              <a:schemeClr val="lt1"/>
+            </a:fontRef>
+          </p:style>
+        </p:sp>
+        <p:sp>
+          <p:nvSpPr>
+            <p:cNvPr id="23" name="Rectangle 25"/>
+            <p:cNvSpPr/>
+            <p:nvPr/>
+          </p:nvSpPr>
+          <p:spPr>
+            <a:xfrm>
+              <a:off x="9603442" y="-8467"/>
+              <a:ext cx="2588558" cy="6866467"/>
+            </a:xfrm>
+            <a:custGeom>
+              <a:avLst/>
+              <a:gdLst/>
+              <a:ahLst/>
+              <a:cxnLst/>
+              <a:rect l="l" t="t" r="r" b="b"/>
+              <a:pathLst>
+                <a:path w="2573311" h="6866467">
+                  <a:moveTo>
+                    <a:pt x="0" y="0"/>
+                  </a:moveTo>
+                  <a:lnTo>
+                    <a:pt x="2573311" y="0"/>
+                  </a:lnTo>
+                  <a:lnTo>
+                    <a:pt x="2573311" y="6866467"/>
+                  </a:lnTo>
+                  <a:lnTo>
+                    <a:pt x="1202336" y="6866467"/>
+                  </a:lnTo>
+                  <a:lnTo>
+                    <a:pt x="0" y="0"/>
+                  </a:lnTo>
+                  <a:close/>
+                </a:path>
+              </a:pathLst>
+            </a:custGeom>
+            <a:solidFill>
+              <a:schemeClr val="accent1">
+                <a:alpha val="20000"/>
+              </a:schemeClr>
+            </a:solidFill>
+            <a:ln>
+              <a:noFill/>
+            </a:ln>
+            <a:effectLst/>
+          </p:spPr>
+          <p:style>
+            <a:lnRef idx="1">
+              <a:schemeClr val="accent1"/>
+            </a:lnRef>
+            <a:fillRef idx="3">
+              <a:schemeClr val="accent1"/>
+            </a:fillRef>
+            <a:effectRef idx="2">
+              <a:schemeClr val="accent1"/>
+            </a:effectRef>
+            <a:fontRef idx="minor">
+              <a:schemeClr val="lt1"/>
+            </a:fontRef>
+          </p:style>
+        </p:sp>
+        <p:sp>
+          <p:nvSpPr>
+            <p:cNvPr id="24" name="Isosceles Triangle 23"/>
+            <p:cNvSpPr/>
+            <p:nvPr/>
+          </p:nvSpPr>
+          <p:spPr>
+            <a:xfrm>
+              <a:off x="8932333" y="3048000"/>
+              <a:ext cx="3259667" cy="3810000"/>
+            </a:xfrm>
+            <a:prstGeom prst="triangle">
+              <a:avLst>
+                <a:gd name="adj" fmla="val 100000"/>
+              </a:avLst>
+            </a:prstGeom>
+            <a:solidFill>
+              <a:schemeClr val="accent2">
+                <a:alpha val="72000"/>
+              </a:schemeClr>
+            </a:solidFill>
+            <a:ln>
+              <a:noFill/>
+            </a:ln>
+            <a:effectLst/>
+          </p:spPr>
+          <p:style>
+            <a:lnRef idx="1">
+              <a:schemeClr val="accent1"/>
+            </a:lnRef>
+            <a:fillRef idx="3">
+              <a:schemeClr val="accent1"/>
+            </a:fillRef>
+            <a:effectRef idx="2">
+              <a:schemeClr val="accent1"/>
+            </a:effectRef>
+            <a:fontRef idx="minor">
+              <a:schemeClr val="lt1"/>
+            </a:fontRef>
+          </p:style>
+        </p:sp>
+        <p:sp>
+          <p:nvSpPr>
+            <p:cNvPr id="25" name="Rectangle 27"/>
+            <p:cNvSpPr/>
+            <p:nvPr/>
+          </p:nvSpPr>
+          <p:spPr>
+            <a:xfrm>
+              <a:off x="9334500" y="-8467"/>
+              <a:ext cx="2854326" cy="6866467"/>
+            </a:xfrm>
+            <a:custGeom>
+              <a:avLst/>
+              <a:gdLst/>
+              <a:ahLst/>
+              <a:cxnLst/>
+              <a:rect l="l" t="t" r="r" b="b"/>
+              <a:pathLst>
+                <a:path w="2858013" h="6866467">
+                  <a:moveTo>
+                    <a:pt x="0" y="0"/>
+                  </a:moveTo>
+                  <a:lnTo>
+                    <a:pt x="2858013" y="0"/>
+                  </a:lnTo>
+                  <a:lnTo>
+                    <a:pt x="2858013" y="6866467"/>
+                  </a:lnTo>
+                  <a:lnTo>
+                    <a:pt x="2473942" y="6866467"/>
+                  </a:lnTo>
+                  <a:lnTo>
+                    <a:pt x="0" y="0"/>
+                  </a:lnTo>
+                  <a:close/>
+                </a:path>
+              </a:pathLst>
+            </a:custGeom>
+            <a:solidFill>
+              <a:schemeClr val="accent2">
+                <a:lumMod val="75000"/>
+                <a:alpha val="70000"/>
+              </a:schemeClr>
+            </a:solidFill>
+            <a:ln>
+              <a:noFill/>
+            </a:ln>
+            <a:effectLst/>
+          </p:spPr>
+          <p:style>
+            <a:lnRef idx="1">
+              <a:schemeClr val="accent1"/>
+            </a:lnRef>
+            <a:fillRef idx="3">
+              <a:schemeClr val="accent1"/>
+            </a:fillRef>
+            <a:effectRef idx="2">
+              <a:schemeClr val="accent1"/>
+            </a:effectRef>
+            <a:fontRef idx="minor">
+              <a:schemeClr val="lt1"/>
+            </a:fontRef>
+          </p:style>
+        </p:sp>
+        <p:sp>
+          <p:nvSpPr>
+            <p:cNvPr id="26" name="Rectangle 28"/>
+            <p:cNvSpPr/>
+            <p:nvPr/>
+          </p:nvSpPr>
+          <p:spPr>
+            <a:xfrm>
+              <a:off x="10898730" y="-8467"/>
+              <a:ext cx="1290094" cy="6866467"/>
+            </a:xfrm>
+            <a:custGeom>
+              <a:avLst/>
+              <a:gdLst/>
+              <a:ahLst/>
+              <a:cxnLst/>
+              <a:rect l="l" t="t" r="r" b="b"/>
+              <a:pathLst>
+                <a:path w="1290094" h="6858000">
+                  <a:moveTo>
+                    <a:pt x="1019735" y="0"/>
+                  </a:moveTo>
+                  <a:lnTo>
+                    <a:pt x="1290094" y="0"/>
+                  </a:lnTo>
+                  <a:lnTo>
+                    <a:pt x="1290094" y="6858000"/>
+                  </a:lnTo>
+                  <a:lnTo>
+                    <a:pt x="0" y="6858000"/>
+                  </a:lnTo>
+                  <a:lnTo>
+                    <a:pt x="1019735" y="0"/>
+                  </a:lnTo>
+                  <a:close/>
+                </a:path>
+              </a:pathLst>
+            </a:custGeom>
+            <a:solidFill>
+              <a:schemeClr val="accent1">
+                <a:lumMod val="60000"/>
+                <a:lumOff val="40000"/>
+                <a:alpha val="70000"/>
+              </a:schemeClr>
+            </a:solidFill>
+            <a:ln>
+              <a:noFill/>
+            </a:ln>
+            <a:effectLst/>
+          </p:spPr>
+          <p:style>
+            <a:lnRef idx="1">
+              <a:schemeClr val="accent1"/>
+            </a:lnRef>
+            <a:fillRef idx="3">
+              <a:schemeClr val="accent1"/>
+            </a:fillRef>
+            <a:effectRef idx="2">
+              <a:schemeClr val="accent1"/>
+            </a:effectRef>
+            <a:fontRef idx="minor">
+              <a:schemeClr val="lt1"/>
+            </a:fontRef>
+          </p:style>
+        </p:sp>
+        <p:sp>
+          <p:nvSpPr>
+            <p:cNvPr id="27" name="Rectangle 29"/>
+            <p:cNvSpPr/>
+            <p:nvPr/>
+          </p:nvSpPr>
+          <p:spPr>
+            <a:xfrm>
+              <a:off x="10938999" y="-8467"/>
+              <a:ext cx="1249825" cy="6866467"/>
+            </a:xfrm>
+            <a:custGeom>
+              <a:avLst/>
+              <a:gdLst/>
+              <a:ahLst/>
+              <a:cxnLst/>
+              <a:rect l="l" t="t" r="r" b="b"/>
+              <a:pathLst>
+                <a:path w="1249825" h="6858000">
+                  <a:moveTo>
+                    <a:pt x="0" y="0"/>
+                  </a:moveTo>
+                  <a:lnTo>
+                    <a:pt x="1249825" y="0"/>
+                  </a:lnTo>
+                  <a:lnTo>
+                    <a:pt x="1249825" y="6858000"/>
+                  </a:lnTo>
+                  <a:lnTo>
+                    <a:pt x="1109382" y="6858000"/>
+                  </a:lnTo>
+                  <a:lnTo>
+                    <a:pt x="0" y="0"/>
+                  </a:lnTo>
+                  <a:close/>
+                </a:path>
+              </a:pathLst>
+            </a:custGeom>
+            <a:solidFill>
+              <a:schemeClr val="accent1">
+                <a:alpha val="65000"/>
+              </a:schemeClr>
+            </a:solidFill>
+            <a:ln>
+              <a:noFill/>
+            </a:ln>
+            <a:effectLst/>
+          </p:spPr>
+          <p:style>
+            <a:lnRef idx="1">
+              <a:schemeClr val="accent1"/>
+            </a:lnRef>
+            <a:fillRef idx="3">
+              <a:schemeClr val="accent1"/>
+            </a:fillRef>
+            <a:effectRef idx="2">
+              <a:schemeClr val="accent1"/>
+            </a:effectRef>
+            <a:fontRef idx="minor">
+              <a:schemeClr val="lt1"/>
+            </a:fontRef>
+          </p:style>
+        </p:sp>
+        <p:sp>
+          <p:nvSpPr>
+            <p:cNvPr id="28" name="Isosceles Triangle 27"/>
+            <p:cNvSpPr/>
+            <p:nvPr/>
+          </p:nvSpPr>
+          <p:spPr>
+            <a:xfrm>
+              <a:off x="10371666" y="3589867"/>
+              <a:ext cx="1817159" cy="3268133"/>
+            </a:xfrm>
+            <a:prstGeom prst="triangle">
+              <a:avLst>
+                <a:gd name="adj" fmla="val 100000"/>
+              </a:avLst>
+            </a:prstGeom>
+            <a:solidFill>
+              <a:schemeClr val="accent1">
+                <a:alpha val="80000"/>
+              </a:schemeClr>
+            </a:solidFill>
+            <a:ln>
+              <a:noFill/>
+            </a:ln>
+            <a:effectLst/>
+          </p:spPr>
+          <p:style>
+            <a:lnRef idx="1">
+              <a:schemeClr val="accent1"/>
+            </a:lnRef>
+            <a:fillRef idx="3">
+              <a:schemeClr val="accent1"/>
+            </a:fillRef>
+            <a:effectRef idx="2">
+              <a:schemeClr val="accent1"/>
+            </a:effectRef>
+            <a:fontRef idx="minor">
+              <a:schemeClr val="lt1"/>
+            </a:fontRef>
+          </p:style>
+        </p:sp>
+        <p:sp>
+          <p:nvSpPr>
+            <p:cNvPr id="29" name="Isosceles Triangle 28"/>
+            <p:cNvSpPr/>
+            <p:nvPr/>
+          </p:nvSpPr>
+          <p:spPr>
+            <a:xfrm>
+              <a:off x="0" y="4013200"/>
+              <a:ext cx="448733" cy="2844800"/>
+            </a:xfrm>
+            <a:prstGeom prst="triangle">
+              <a:avLst>
+                <a:gd name="adj" fmla="val 0"/>
+              </a:avLst>
+            </a:prstGeom>
+            <a:solidFill>
+              <a:schemeClr val="accent1">
+                <a:alpha val="85000"/>
+              </a:schemeClr>
+            </a:solidFill>
+            <a:ln>
+              <a:noFill/>
+            </a:ln>
+            <a:effectLst/>
+          </p:spPr>
+          <p:style>
+            <a:lnRef idx="1">
+              <a:schemeClr val="accent1"/>
+            </a:lnRef>
+            <a:fillRef idx="3">
+              <a:schemeClr val="accent1"/>
+            </a:fillRef>
+            <a:effectRef idx="2">
+              <a:schemeClr val="accent1"/>
+            </a:effectRef>
+            <a:fontRef idx="minor">
+              <a:schemeClr val="lt1"/>
+            </a:fontRef>
+          </p:style>
+        </p:sp>
+      </p:grpSp>
       <p:sp>
         <p:nvSpPr>
           <p:cNvPr id="2" name="Title Placeholder 1"/>
@@ -2894,15 +5638,15 @@
         </p:nvSpPr>
         <p:spPr>
           <a:xfrm>
-            <a:off x="838200" y="365125"/>
-            <a:ext cx="10515600" cy="1325563"/>
+            <a:off x="677334" y="609600"/>
+            <a:ext cx="8596668" cy="1320800"/>
           </a:xfrm>
           <a:prstGeom prst="rect">
             <a:avLst/>
           </a:prstGeom>
         </p:spPr>
         <p:txBody>
-          <a:bodyPr vert="horz" lIns="91440" tIns="45720" rIns="91440" bIns="45720" rtlCol="0" anchor="ctr">
+          <a:bodyPr vert="horz" lIns="91440" tIns="45720" rIns="91440" bIns="45720" rtlCol="0" anchor="t">
             <a:normAutofit/>
           </a:bodyPr>
           <a:lstStyle/>
@@ -2911,7 +5655,7 @@
               <a:rPr lang="en-US" smtClean="0"/>
               <a:t>Click to edit Master title style</a:t>
             </a:r>
-            <a:endParaRPr lang="ru-RU"/>
+            <a:endParaRPr lang="en-US" dirty="0"/>
           </a:p>
         </p:txBody>
       </p:sp>
@@ -2927,8 +5671,8 @@
         </p:nvSpPr>
         <p:spPr>
           <a:xfrm>
-            <a:off x="838200" y="1825625"/>
-            <a:ext cx="10515600" cy="4351338"/>
+            <a:off x="677334" y="2160589"/>
+            <a:ext cx="8596668" cy="3880773"/>
           </a:xfrm>
           <a:prstGeom prst="rect">
             <a:avLst/>
@@ -2973,7 +5717,7 @@
               <a:rPr lang="en-US" smtClean="0"/>
               <a:t>Fifth level</a:t>
             </a:r>
-            <a:endParaRPr lang="ru-RU"/>
+            <a:endParaRPr lang="en-US" dirty="0"/>
           </a:p>
         </p:txBody>
       </p:sp>
@@ -2989,8 +5733,8 @@
         </p:nvSpPr>
         <p:spPr>
           <a:xfrm>
-            <a:off x="838200" y="6356350"/>
-            <a:ext cx="2743200" cy="365125"/>
+            <a:off x="7205133" y="6041362"/>
+            <a:ext cx="911939" cy="365125"/>
           </a:xfrm>
           <a:prstGeom prst="rect">
             <a:avLst/>
@@ -2999,8 +5743,8 @@
         <p:txBody>
           <a:bodyPr vert="horz" lIns="91440" tIns="45720" rIns="91440" bIns="45720" rtlCol="0" anchor="ctr"/>
           <a:lstStyle>
-            <a:lvl1pPr algn="l">
-              <a:defRPr sz="1200">
+            <a:lvl1pPr algn="r">
+              <a:defRPr sz="900">
                 <a:solidFill>
                   <a:schemeClr val="tx1">
                     <a:tint val="75000"/>
@@ -3012,7 +5756,7 @@
           <a:p>
             <a:fld id="{FAB45EC3-6C6F-4658-B0D2-509166C41EDB}" type="datetimeFigureOut">
               <a:rPr lang="ru-RU" smtClean="0"/>
-              <a:t>07.05.2023</a:t>
+              <a:t>09.05.2023</a:t>
             </a:fld>
             <a:endParaRPr lang="ru-RU"/>
           </a:p>
@@ -3030,8 +5774,8 @@
         </p:nvSpPr>
         <p:spPr>
           <a:xfrm>
-            <a:off x="4038600" y="6356350"/>
-            <a:ext cx="4114800" cy="365125"/>
+            <a:off x="677334" y="6041362"/>
+            <a:ext cx="6297612" cy="365125"/>
           </a:xfrm>
           <a:prstGeom prst="rect">
             <a:avLst/>
@@ -3040,8 +5784,8 @@
         <p:txBody>
           <a:bodyPr vert="horz" lIns="91440" tIns="45720" rIns="91440" bIns="45720" rtlCol="0" anchor="ctr"/>
           <a:lstStyle>
-            <a:lvl1pPr algn="ctr">
-              <a:defRPr sz="1200">
+            <a:lvl1pPr algn="l">
+              <a:defRPr sz="900">
                 <a:solidFill>
                   <a:schemeClr val="tx1">
                     <a:tint val="75000"/>
@@ -3067,8 +5811,8 @@
         </p:nvSpPr>
         <p:spPr>
           <a:xfrm>
-            <a:off x="8610600" y="6356350"/>
-            <a:ext cx="2743200" cy="365125"/>
+            <a:off x="8590663" y="6041362"/>
+            <a:ext cx="683339" cy="365125"/>
           </a:xfrm>
           <a:prstGeom prst="rect">
             <a:avLst/>
@@ -3078,11 +5822,9 @@
           <a:bodyPr vert="horz" lIns="91440" tIns="45720" rIns="91440" bIns="45720" rtlCol="0" anchor="ctr"/>
           <a:lstStyle>
             <a:lvl1pPr algn="r">
-              <a:defRPr sz="1200">
+              <a:defRPr sz="900">
                 <a:solidFill>
-                  <a:schemeClr val="tx1">
-                    <a:tint val="75000"/>
-                  </a:schemeClr>
+                  <a:schemeClr val="accent1"/>
                 </a:solidFill>
               </a:defRPr>
             </a:lvl1pPr>
@@ -3099,55 +5841,335 @@
     </p:spTree>
     <p:extLst>
       <p:ext uri="{BB962C8B-B14F-4D97-AF65-F5344CB8AC3E}">
-        <p14:creationId xmlns:p14="http://schemas.microsoft.com/office/powerpoint/2010/main" val="2762110306"/>
+        <p14:creationId xmlns:p14="http://schemas.microsoft.com/office/powerpoint/2010/main" val="4039809353"/>
       </p:ext>
     </p:extLst>
   </p:cSld>
   <p:clrMap bg1="lt1" tx1="dk1" bg2="lt2" tx2="dk2" accent1="accent1" accent2="accent2" accent3="accent3" accent4="accent4" accent5="accent5" accent6="accent6" hlink="hlink" folHlink="folHlink"/>
   <p:sldLayoutIdLst>
-    <p:sldLayoutId id="2147483649" r:id="rId1"/>
-    <p:sldLayoutId id="2147483650" r:id="rId2"/>
-    <p:sldLayoutId id="2147483651" r:id="rId3"/>
-    <p:sldLayoutId id="2147483652" r:id="rId4"/>
-    <p:sldLayoutId id="2147483653" r:id="rId5"/>
-    <p:sldLayoutId id="2147483654" r:id="rId6"/>
-    <p:sldLayoutId id="2147483655" r:id="rId7"/>
-    <p:sldLayoutId id="2147483656" r:id="rId8"/>
-    <p:sldLayoutId id="2147483657" r:id="rId9"/>
-    <p:sldLayoutId id="2147483658" r:id="rId10"/>
-    <p:sldLayoutId id="2147483659" r:id="rId11"/>
+    <p:sldLayoutId id="2147483661" r:id="rId1"/>
+    <p:sldLayoutId id="2147483662" r:id="rId2"/>
+    <p:sldLayoutId id="2147483663" r:id="rId3"/>
+    <p:sldLayoutId id="2147483664" r:id="rId4"/>
+    <p:sldLayoutId id="2147483665" r:id="rId5"/>
+    <p:sldLayoutId id="2147483666" r:id="rId6"/>
+    <p:sldLayoutId id="2147483667" r:id="rId7"/>
+    <p:sldLayoutId id="2147483668" r:id="rId8"/>
+    <p:sldLayoutId id="2147483669" r:id="rId9"/>
+    <p:sldLayoutId id="2147483670" r:id="rId10"/>
+    <p:sldLayoutId id="2147483671" r:id="rId11"/>
+    <p:sldLayoutId id="2147483672" r:id="rId12"/>
+    <p:sldLayoutId id="2147483673" r:id="rId13"/>
+    <p:sldLayoutId id="2147483674" r:id="rId14"/>
+    <p:sldLayoutId id="2147483675" r:id="rId15"/>
+    <p:sldLayoutId id="2147483676" r:id="rId16"/>
   </p:sldLayoutIdLst>
   <p:txStyles>
     <p:titleStyle>
-      <a:lvl1pPr algn="l" defTabSz="914400" rtl="0" eaLnBrk="1" latinLnBrk="0" hangingPunct="1">
-        <a:lnSpc>
-          <a:spcPct val="90000"/>
-        </a:lnSpc>
+      <a:lvl1pPr algn="l" defTabSz="457200" rtl="0" eaLnBrk="1" latinLnBrk="0" hangingPunct="1">
         <a:spcBef>
           <a:spcPct val="0"/>
         </a:spcBef>
         <a:buNone/>
-        <a:defRPr sz="4400" kern="1200">
+        <a:defRPr sz="3600" kern="1200">
           <a:solidFill>
-            <a:schemeClr val="tx1"/>
+            <a:schemeClr val="accent1"/>
           </a:solidFill>
           <a:latin typeface="+mj-lt"/>
           <a:ea typeface="+mj-ea"/>
           <a:cs typeface="+mj-cs"/>
         </a:defRPr>
       </a:lvl1pPr>
+      <a:lvl2pPr eaLnBrk="1" hangingPunct="1">
+        <a:defRPr>
+          <a:solidFill>
+            <a:schemeClr val="tx2"/>
+          </a:solidFill>
+        </a:defRPr>
+      </a:lvl2pPr>
+      <a:lvl3pPr eaLnBrk="1" hangingPunct="1">
+        <a:defRPr>
+          <a:solidFill>
+            <a:schemeClr val="tx2"/>
+          </a:solidFill>
+        </a:defRPr>
+      </a:lvl3pPr>
+      <a:lvl4pPr eaLnBrk="1" hangingPunct="1">
+        <a:defRPr>
+          <a:solidFill>
+            <a:schemeClr val="tx2"/>
+          </a:solidFill>
+        </a:defRPr>
+      </a:lvl4pPr>
+      <a:lvl5pPr eaLnBrk="1" hangingPunct="1">
+        <a:defRPr>
+          <a:solidFill>
+            <a:schemeClr val="tx2"/>
+          </a:solidFill>
+        </a:defRPr>
+      </a:lvl5pPr>
+      <a:lvl6pPr eaLnBrk="1" hangingPunct="1">
+        <a:defRPr>
+          <a:solidFill>
+            <a:schemeClr val="tx2"/>
+          </a:solidFill>
+        </a:defRPr>
+      </a:lvl6pPr>
+      <a:lvl7pPr eaLnBrk="1" hangingPunct="1">
+        <a:defRPr>
+          <a:solidFill>
+            <a:schemeClr val="tx2"/>
+          </a:solidFill>
+        </a:defRPr>
+      </a:lvl7pPr>
+      <a:lvl8pPr eaLnBrk="1" hangingPunct="1">
+        <a:defRPr>
+          <a:solidFill>
+            <a:schemeClr val="tx2"/>
+          </a:solidFill>
+        </a:defRPr>
+      </a:lvl8pPr>
+      <a:lvl9pPr eaLnBrk="1" hangingPunct="1">
+        <a:defRPr>
+          <a:solidFill>
+            <a:schemeClr val="tx2"/>
+          </a:solidFill>
+        </a:defRPr>
+      </a:lvl9pPr>
     </p:titleStyle>
     <p:bodyStyle>
-      <a:lvl1pPr marL="228600" indent="-228600" algn="l" defTabSz="914400" rtl="0" eaLnBrk="1" latinLnBrk="0" hangingPunct="1">
-        <a:lnSpc>
-          <a:spcPct val="90000"/>
-        </a:lnSpc>
+      <a:lvl1pPr marL="342900" indent="-342900" algn="l" defTabSz="457200" rtl="0" eaLnBrk="1" latinLnBrk="0" hangingPunct="1">
         <a:spcBef>
           <a:spcPts val="1000"/>
         </a:spcBef>
-        <a:buFont typeface="Arial" panose="020B0604020202020204" pitchFamily="34" charset="0"/>
-        <a:buChar char="•"/>
-        <a:defRPr sz="2800" kern="1200">
+        <a:spcAft>
+          <a:spcPts val="0"/>
+        </a:spcAft>
+        <a:buClr>
+          <a:schemeClr val="accent1"/>
+        </a:buClr>
+        <a:buSzPct val="80000"/>
+        <a:buFont typeface="Wingdings 3" charset="2"/>
+        <a:buChar char=""/>
+        <a:defRPr sz="1800" kern="1200">
+          <a:solidFill>
+            <a:schemeClr val="tx1">
+              <a:lumMod val="75000"/>
+              <a:lumOff val="25000"/>
+            </a:schemeClr>
+          </a:solidFill>
+          <a:latin typeface="+mn-lt"/>
+          <a:ea typeface="+mn-ea"/>
+          <a:cs typeface="+mn-cs"/>
+        </a:defRPr>
+      </a:lvl1pPr>
+      <a:lvl2pPr marL="742950" indent="-285750" algn="l" defTabSz="457200" rtl="0" eaLnBrk="1" latinLnBrk="0" hangingPunct="1">
+        <a:spcBef>
+          <a:spcPts val="1000"/>
+        </a:spcBef>
+        <a:spcAft>
+          <a:spcPts val="0"/>
+        </a:spcAft>
+        <a:buClr>
+          <a:schemeClr val="accent1"/>
+        </a:buClr>
+        <a:buSzPct val="80000"/>
+        <a:buFont typeface="Wingdings 3" charset="2"/>
+        <a:buChar char=""/>
+        <a:defRPr sz="1600" kern="1200">
+          <a:solidFill>
+            <a:schemeClr val="tx1">
+              <a:lumMod val="75000"/>
+              <a:lumOff val="25000"/>
+            </a:schemeClr>
+          </a:solidFill>
+          <a:latin typeface="+mn-lt"/>
+          <a:ea typeface="+mn-ea"/>
+          <a:cs typeface="+mn-cs"/>
+        </a:defRPr>
+      </a:lvl2pPr>
+      <a:lvl3pPr marL="1143000" indent="-228600" algn="l" defTabSz="457200" rtl="0" eaLnBrk="1" latinLnBrk="0" hangingPunct="1">
+        <a:spcBef>
+          <a:spcPts val="1000"/>
+        </a:spcBef>
+        <a:spcAft>
+          <a:spcPts val="0"/>
+        </a:spcAft>
+        <a:buClr>
+          <a:schemeClr val="accent1"/>
+        </a:buClr>
+        <a:buSzPct val="80000"/>
+        <a:buFont typeface="Wingdings 3" charset="2"/>
+        <a:buChar char=""/>
+        <a:defRPr sz="1400" kern="1200">
+          <a:solidFill>
+            <a:schemeClr val="tx1">
+              <a:lumMod val="75000"/>
+              <a:lumOff val="25000"/>
+            </a:schemeClr>
+          </a:solidFill>
+          <a:latin typeface="+mn-lt"/>
+          <a:ea typeface="+mn-ea"/>
+          <a:cs typeface="+mn-cs"/>
+        </a:defRPr>
+      </a:lvl3pPr>
+      <a:lvl4pPr marL="1600200" indent="-228600" algn="l" defTabSz="457200" rtl="0" eaLnBrk="1" latinLnBrk="0" hangingPunct="1">
+        <a:spcBef>
+          <a:spcPts val="1000"/>
+        </a:spcBef>
+        <a:spcAft>
+          <a:spcPts val="0"/>
+        </a:spcAft>
+        <a:buClr>
+          <a:schemeClr val="accent1"/>
+        </a:buClr>
+        <a:buSzPct val="80000"/>
+        <a:buFont typeface="Wingdings 3" charset="2"/>
+        <a:buChar char=""/>
+        <a:defRPr sz="1200" kern="1200">
+          <a:solidFill>
+            <a:schemeClr val="tx1">
+              <a:lumMod val="75000"/>
+              <a:lumOff val="25000"/>
+            </a:schemeClr>
+          </a:solidFill>
+          <a:latin typeface="+mn-lt"/>
+          <a:ea typeface="+mn-ea"/>
+          <a:cs typeface="+mn-cs"/>
+        </a:defRPr>
+      </a:lvl4pPr>
+      <a:lvl5pPr marL="2057400" indent="-228600" algn="l" defTabSz="457200" rtl="0" eaLnBrk="1" latinLnBrk="0" hangingPunct="1">
+        <a:spcBef>
+          <a:spcPts val="1000"/>
+        </a:spcBef>
+        <a:spcAft>
+          <a:spcPts val="0"/>
+        </a:spcAft>
+        <a:buClr>
+          <a:schemeClr val="accent1"/>
+        </a:buClr>
+        <a:buSzPct val="80000"/>
+        <a:buFont typeface="Wingdings 3" charset="2"/>
+        <a:buChar char=""/>
+        <a:defRPr sz="1200" kern="1200">
+          <a:solidFill>
+            <a:schemeClr val="tx1">
+              <a:lumMod val="75000"/>
+              <a:lumOff val="25000"/>
+            </a:schemeClr>
+          </a:solidFill>
+          <a:latin typeface="+mn-lt"/>
+          <a:ea typeface="+mn-ea"/>
+          <a:cs typeface="+mn-cs"/>
+        </a:defRPr>
+      </a:lvl5pPr>
+      <a:lvl6pPr marL="2514600" indent="-228600" algn="l" defTabSz="457200" rtl="0" eaLnBrk="1" latinLnBrk="0" hangingPunct="1">
+        <a:spcBef>
+          <a:spcPts val="1000"/>
+        </a:spcBef>
+        <a:spcAft>
+          <a:spcPts val="0"/>
+        </a:spcAft>
+        <a:buClr>
+          <a:schemeClr val="accent1"/>
+        </a:buClr>
+        <a:buSzPct val="80000"/>
+        <a:buFont typeface="Wingdings 3" charset="2"/>
+        <a:buChar char=""/>
+        <a:defRPr sz="1200" kern="1200">
+          <a:solidFill>
+            <a:schemeClr val="tx1">
+              <a:lumMod val="75000"/>
+              <a:lumOff val="25000"/>
+            </a:schemeClr>
+          </a:solidFill>
+          <a:latin typeface="+mn-lt"/>
+          <a:ea typeface="+mn-ea"/>
+          <a:cs typeface="+mn-cs"/>
+        </a:defRPr>
+      </a:lvl6pPr>
+      <a:lvl7pPr marL="2971800" indent="-228600" algn="l" defTabSz="457200" rtl="0" eaLnBrk="1" latinLnBrk="0" hangingPunct="1">
+        <a:spcBef>
+          <a:spcPts val="1000"/>
+        </a:spcBef>
+        <a:spcAft>
+          <a:spcPts val="0"/>
+        </a:spcAft>
+        <a:buClr>
+          <a:schemeClr val="accent1"/>
+        </a:buClr>
+        <a:buSzPct val="80000"/>
+        <a:buFont typeface="Wingdings 3" charset="2"/>
+        <a:buChar char=""/>
+        <a:defRPr sz="1200" kern="1200">
+          <a:solidFill>
+            <a:schemeClr val="tx1">
+              <a:lumMod val="75000"/>
+              <a:lumOff val="25000"/>
+            </a:schemeClr>
+          </a:solidFill>
+          <a:latin typeface="+mn-lt"/>
+          <a:ea typeface="+mn-ea"/>
+          <a:cs typeface="+mn-cs"/>
+        </a:defRPr>
+      </a:lvl7pPr>
+      <a:lvl8pPr marL="3429000" indent="-228600" algn="l" defTabSz="457200" rtl="0" eaLnBrk="1" latinLnBrk="0" hangingPunct="1">
+        <a:spcBef>
+          <a:spcPts val="1000"/>
+        </a:spcBef>
+        <a:spcAft>
+          <a:spcPts val="0"/>
+        </a:spcAft>
+        <a:buClr>
+          <a:schemeClr val="accent1"/>
+        </a:buClr>
+        <a:buSzPct val="80000"/>
+        <a:buFont typeface="Wingdings 3" charset="2"/>
+        <a:buChar char=""/>
+        <a:defRPr sz="1200" kern="1200">
+          <a:solidFill>
+            <a:schemeClr val="tx1">
+              <a:lumMod val="75000"/>
+              <a:lumOff val="25000"/>
+            </a:schemeClr>
+          </a:solidFill>
+          <a:latin typeface="+mn-lt"/>
+          <a:ea typeface="+mn-ea"/>
+          <a:cs typeface="+mn-cs"/>
+        </a:defRPr>
+      </a:lvl8pPr>
+      <a:lvl9pPr marL="3886200" indent="-228600" algn="l" defTabSz="457200" rtl="0" eaLnBrk="1" latinLnBrk="0" hangingPunct="1">
+        <a:spcBef>
+          <a:spcPts val="1000"/>
+        </a:spcBef>
+        <a:spcAft>
+          <a:spcPts val="0"/>
+        </a:spcAft>
+        <a:buClr>
+          <a:schemeClr val="accent1"/>
+        </a:buClr>
+        <a:buSzPct val="80000"/>
+        <a:buFont typeface="Wingdings 3" charset="2"/>
+        <a:buChar char=""/>
+        <a:defRPr sz="1200" kern="1200">
+          <a:solidFill>
+            <a:schemeClr val="tx1">
+              <a:lumMod val="75000"/>
+              <a:lumOff val="25000"/>
+            </a:schemeClr>
+          </a:solidFill>
+          <a:latin typeface="+mn-lt"/>
+          <a:ea typeface="+mn-ea"/>
+          <a:cs typeface="+mn-cs"/>
+        </a:defRPr>
+      </a:lvl9pPr>
+    </p:bodyStyle>
+    <p:otherStyle>
+      <a:defPPr>
+        <a:defRPr lang="en-US"/>
+      </a:defPPr>
+      <a:lvl1pPr marL="0" algn="l" defTabSz="457200" rtl="0" eaLnBrk="1" latinLnBrk="0" hangingPunct="1">
+        <a:defRPr sz="1800" kern="1200">
           <a:solidFill>
             <a:schemeClr val="tx1"/>
           </a:solidFill>
@@ -3156,16 +6178,8 @@
           <a:cs typeface="+mn-cs"/>
         </a:defRPr>
       </a:lvl1pPr>
-      <a:lvl2pPr marL="685800" indent="-228600" algn="l" defTabSz="914400" rtl="0" eaLnBrk="1" latinLnBrk="0" hangingPunct="1">
-        <a:lnSpc>
-          <a:spcPct val="90000"/>
-        </a:lnSpc>
-        <a:spcBef>
-          <a:spcPts val="500"/>
-        </a:spcBef>
-        <a:buFont typeface="Arial" panose="020B0604020202020204" pitchFamily="34" charset="0"/>
-        <a:buChar char="•"/>
-        <a:defRPr sz="2400" kern="1200">
+      <a:lvl2pPr marL="457200" algn="l" defTabSz="457200" rtl="0" eaLnBrk="1" latinLnBrk="0" hangingPunct="1">
+        <a:defRPr sz="1800" kern="1200">
           <a:solidFill>
             <a:schemeClr val="tx1"/>
           </a:solidFill>
@@ -3174,16 +6188,8 @@
           <a:cs typeface="+mn-cs"/>
         </a:defRPr>
       </a:lvl2pPr>
-      <a:lvl3pPr marL="1143000" indent="-228600" algn="l" defTabSz="914400" rtl="0" eaLnBrk="1" latinLnBrk="0" hangingPunct="1">
-        <a:lnSpc>
-          <a:spcPct val="90000"/>
-        </a:lnSpc>
-        <a:spcBef>
-          <a:spcPts val="500"/>
-        </a:spcBef>
-        <a:buFont typeface="Arial" panose="020B0604020202020204" pitchFamily="34" charset="0"/>
-        <a:buChar char="•"/>
-        <a:defRPr sz="2000" kern="1200">
+      <a:lvl3pPr marL="914400" algn="l" defTabSz="457200" rtl="0" eaLnBrk="1" latinLnBrk="0" hangingPunct="1">
+        <a:defRPr sz="1800" kern="1200">
           <a:solidFill>
             <a:schemeClr val="tx1"/>
           </a:solidFill>
@@ -3192,15 +6198,7 @@
           <a:cs typeface="+mn-cs"/>
         </a:defRPr>
       </a:lvl3pPr>
-      <a:lvl4pPr marL="1600200" indent="-228600" algn="l" defTabSz="914400" rtl="0" eaLnBrk="1" latinLnBrk="0" hangingPunct="1">
-        <a:lnSpc>
-          <a:spcPct val="90000"/>
-        </a:lnSpc>
-        <a:spcBef>
-          <a:spcPts val="500"/>
-        </a:spcBef>
-        <a:buFont typeface="Arial" panose="020B0604020202020204" pitchFamily="34" charset="0"/>
-        <a:buChar char="•"/>
+      <a:lvl4pPr marL="1371600" algn="l" defTabSz="457200" rtl="0" eaLnBrk="1" latinLnBrk="0" hangingPunct="1">
         <a:defRPr sz="1800" kern="1200">
           <a:solidFill>
             <a:schemeClr val="tx1"/>
@@ -3210,15 +6208,7 @@
           <a:cs typeface="+mn-cs"/>
         </a:defRPr>
       </a:lvl4pPr>
-      <a:lvl5pPr marL="2057400" indent="-228600" algn="l" defTabSz="914400" rtl="0" eaLnBrk="1" latinLnBrk="0" hangingPunct="1">
-        <a:lnSpc>
-          <a:spcPct val="90000"/>
-        </a:lnSpc>
-        <a:spcBef>
-          <a:spcPts val="500"/>
-        </a:spcBef>
-        <a:buFont typeface="Arial" panose="020B0604020202020204" pitchFamily="34" charset="0"/>
-        <a:buChar char="•"/>
+      <a:lvl5pPr marL="1828800" algn="l" defTabSz="457200" rtl="0" eaLnBrk="1" latinLnBrk="0" hangingPunct="1">
         <a:defRPr sz="1800" kern="1200">
           <a:solidFill>
             <a:schemeClr val="tx1"/>
@@ -3228,15 +6218,7 @@
           <a:cs typeface="+mn-cs"/>
         </a:defRPr>
       </a:lvl5pPr>
-      <a:lvl6pPr marL="2514600" indent="-228600" algn="l" defTabSz="914400" rtl="0" eaLnBrk="1" latinLnBrk="0" hangingPunct="1">
-        <a:lnSpc>
-          <a:spcPct val="90000"/>
-        </a:lnSpc>
-        <a:spcBef>
-          <a:spcPts val="500"/>
-        </a:spcBef>
-        <a:buFont typeface="Arial" panose="020B0604020202020204" pitchFamily="34" charset="0"/>
-        <a:buChar char="•"/>
+      <a:lvl6pPr marL="2286000" algn="l" defTabSz="457200" rtl="0" eaLnBrk="1" latinLnBrk="0" hangingPunct="1">
         <a:defRPr sz="1800" kern="1200">
           <a:solidFill>
             <a:schemeClr val="tx1"/>
@@ -3246,15 +6228,7 @@
           <a:cs typeface="+mn-cs"/>
         </a:defRPr>
       </a:lvl6pPr>
-      <a:lvl7pPr marL="2971800" indent="-228600" algn="l" defTabSz="914400" rtl="0" eaLnBrk="1" latinLnBrk="0" hangingPunct="1">
-        <a:lnSpc>
-          <a:spcPct val="90000"/>
-        </a:lnSpc>
-        <a:spcBef>
-          <a:spcPts val="500"/>
-        </a:spcBef>
-        <a:buFont typeface="Arial" panose="020B0604020202020204" pitchFamily="34" charset="0"/>
-        <a:buChar char="•"/>
+      <a:lvl7pPr marL="2743200" algn="l" defTabSz="457200" rtl="0" eaLnBrk="1" latinLnBrk="0" hangingPunct="1">
         <a:defRPr sz="1800" kern="1200">
           <a:solidFill>
             <a:schemeClr val="tx1"/>
@@ -3264,15 +6238,7 @@
           <a:cs typeface="+mn-cs"/>
         </a:defRPr>
       </a:lvl7pPr>
-      <a:lvl8pPr marL="3429000" indent="-228600" algn="l" defTabSz="914400" rtl="0" eaLnBrk="1" latinLnBrk="0" hangingPunct="1">
-        <a:lnSpc>
-          <a:spcPct val="90000"/>
-        </a:lnSpc>
-        <a:spcBef>
-          <a:spcPts val="500"/>
-        </a:spcBef>
-        <a:buFont typeface="Arial" panose="020B0604020202020204" pitchFamily="34" charset="0"/>
-        <a:buChar char="•"/>
+      <a:lvl8pPr marL="3200400" algn="l" defTabSz="457200" rtl="0" eaLnBrk="1" latinLnBrk="0" hangingPunct="1">
         <a:defRPr sz="1800" kern="1200">
           <a:solidFill>
             <a:schemeClr val="tx1"/>
@@ -3282,110 +6248,7 @@
           <a:cs typeface="+mn-cs"/>
         </a:defRPr>
       </a:lvl8pPr>
-      <a:lvl9pPr marL="3886200" indent="-228600" algn="l" defTabSz="914400" rtl="0" eaLnBrk="1" latinLnBrk="0" hangingPunct="1">
-        <a:lnSpc>
-          <a:spcPct val="90000"/>
-        </a:lnSpc>
-        <a:spcBef>
-          <a:spcPts val="500"/>
-        </a:spcBef>
-        <a:buFont typeface="Arial" panose="020B0604020202020204" pitchFamily="34" charset="0"/>
-        <a:buChar char="•"/>
-        <a:defRPr sz="1800" kern="1200">
-          <a:solidFill>
-            <a:schemeClr val="tx1"/>
-          </a:solidFill>
-          <a:latin typeface="+mn-lt"/>
-          <a:ea typeface="+mn-ea"/>
-          <a:cs typeface="+mn-cs"/>
-        </a:defRPr>
-      </a:lvl9pPr>
-    </p:bodyStyle>
-    <p:otherStyle>
-      <a:defPPr>
-        <a:defRPr lang="ru-RU"/>
-      </a:defPPr>
-      <a:lvl1pPr marL="0" algn="l" defTabSz="914400" rtl="0" eaLnBrk="1" latinLnBrk="0" hangingPunct="1">
-        <a:defRPr sz="1800" kern="1200">
-          <a:solidFill>
-            <a:schemeClr val="tx1"/>
-          </a:solidFill>
-          <a:latin typeface="+mn-lt"/>
-          <a:ea typeface="+mn-ea"/>
-          <a:cs typeface="+mn-cs"/>
-        </a:defRPr>
-      </a:lvl1pPr>
-      <a:lvl2pPr marL="457200" algn="l" defTabSz="914400" rtl="0" eaLnBrk="1" latinLnBrk="0" hangingPunct="1">
-        <a:defRPr sz="1800" kern="1200">
-          <a:solidFill>
-            <a:schemeClr val="tx1"/>
-          </a:solidFill>
-          <a:latin typeface="+mn-lt"/>
-          <a:ea typeface="+mn-ea"/>
-          <a:cs typeface="+mn-cs"/>
-        </a:defRPr>
-      </a:lvl2pPr>
-      <a:lvl3pPr marL="914400" algn="l" defTabSz="914400" rtl="0" eaLnBrk="1" latinLnBrk="0" hangingPunct="1">
-        <a:defRPr sz="1800" kern="1200">
-          <a:solidFill>
-            <a:schemeClr val="tx1"/>
-          </a:solidFill>
-          <a:latin typeface="+mn-lt"/>
-          <a:ea typeface="+mn-ea"/>
-          <a:cs typeface="+mn-cs"/>
-        </a:defRPr>
-      </a:lvl3pPr>
-      <a:lvl4pPr marL="1371600" algn="l" defTabSz="914400" rtl="0" eaLnBrk="1" latinLnBrk="0" hangingPunct="1">
-        <a:defRPr sz="1800" kern="1200">
-          <a:solidFill>
-            <a:schemeClr val="tx1"/>
-          </a:solidFill>
-          <a:latin typeface="+mn-lt"/>
-          <a:ea typeface="+mn-ea"/>
-          <a:cs typeface="+mn-cs"/>
-        </a:defRPr>
-      </a:lvl4pPr>
-      <a:lvl5pPr marL="1828800" algn="l" defTabSz="914400" rtl="0" eaLnBrk="1" latinLnBrk="0" hangingPunct="1">
-        <a:defRPr sz="1800" kern="1200">
-          <a:solidFill>
-            <a:schemeClr val="tx1"/>
-          </a:solidFill>
-          <a:latin typeface="+mn-lt"/>
-          <a:ea typeface="+mn-ea"/>
-          <a:cs typeface="+mn-cs"/>
-        </a:defRPr>
-      </a:lvl5pPr>
-      <a:lvl6pPr marL="2286000" algn="l" defTabSz="914400" rtl="0" eaLnBrk="1" latinLnBrk="0" hangingPunct="1">
-        <a:defRPr sz="1800" kern="1200">
-          <a:solidFill>
-            <a:schemeClr val="tx1"/>
-          </a:solidFill>
-          <a:latin typeface="+mn-lt"/>
-          <a:ea typeface="+mn-ea"/>
-          <a:cs typeface="+mn-cs"/>
-        </a:defRPr>
-      </a:lvl6pPr>
-      <a:lvl7pPr marL="2743200" algn="l" defTabSz="914400" rtl="0" eaLnBrk="1" latinLnBrk="0" hangingPunct="1">
-        <a:defRPr sz="1800" kern="1200">
-          <a:solidFill>
-            <a:schemeClr val="tx1"/>
-          </a:solidFill>
-          <a:latin typeface="+mn-lt"/>
-          <a:ea typeface="+mn-ea"/>
-          <a:cs typeface="+mn-cs"/>
-        </a:defRPr>
-      </a:lvl7pPr>
-      <a:lvl8pPr marL="3200400" algn="l" defTabSz="914400" rtl="0" eaLnBrk="1" latinLnBrk="0" hangingPunct="1">
-        <a:defRPr sz="1800" kern="1200">
-          <a:solidFill>
-            <a:schemeClr val="tx1"/>
-          </a:solidFill>
-          <a:latin typeface="+mn-lt"/>
-          <a:ea typeface="+mn-ea"/>
-          <a:cs typeface="+mn-cs"/>
-        </a:defRPr>
-      </a:lvl8pPr>
-      <a:lvl9pPr marL="3657600" algn="l" defTabSz="914400" rtl="0" eaLnBrk="1" latinLnBrk="0" hangingPunct="1">
+      <a:lvl9pPr marL="3657600" algn="l" defTabSz="457200" rtl="0" eaLnBrk="1" latinLnBrk="0" hangingPunct="1">
         <a:defRPr sz="1800" kern="1200">
           <a:solidFill>
             <a:schemeClr val="tx1"/>
@@ -3424,45 +6287,142 @@
             <a:spLocks noGrp="1"/>
           </p:cNvSpPr>
           <p:nvPr>
-            <p:ph type="ctrTitle"/>
-          </p:nvPr>
-        </p:nvSpPr>
-        <p:spPr/>
+            <p:ph type="title"/>
+          </p:nvPr>
+        </p:nvSpPr>
+        <p:spPr>
+          <a:xfrm>
+            <a:off x="677334" y="566928"/>
+            <a:ext cx="3854528" cy="1078992"/>
+          </a:xfrm>
+        </p:spPr>
         <p:txBody>
           <a:bodyPr>
-            <a:normAutofit fontScale="90000"/>
+            <a:normAutofit/>
           </a:bodyPr>
           <a:lstStyle/>
           <a:p>
             <a:r>
-              <a:rPr lang="ru-RU" b="1" dirty="0"/>
+              <a:rPr lang="ru-RU" b="1" dirty="0" smtClean="0"/>
               <a:t>Детализация и чёткое прописывание бизнес-целей:</a:t>
             </a:r>
             <a:r>
-              <a:rPr lang="ru-RU" dirty="0"/>
+              <a:rPr lang="ru-RU" dirty="0" smtClean="0"/>
               <a:t/>
             </a:r>
             <a:br>
-              <a:rPr lang="ru-RU" dirty="0"/>
+              <a:rPr lang="ru-RU" dirty="0" smtClean="0"/>
             </a:br>
             <a:endParaRPr lang="ru-RU" dirty="0"/>
           </a:p>
         </p:txBody>
       </p:sp>
-      <p:sp>
-        <p:nvSpPr>
-          <p:cNvPr id="3" name="Subtitle 2"/>
-          <p:cNvSpPr>
-            <a:spLocks noGrp="1"/>
-          </p:cNvSpPr>
-          <p:nvPr>
-            <p:ph type="subTitle" idx="1"/>
-          </p:nvPr>
-        </p:nvSpPr>
-        <p:spPr/>
+      <p:pic>
+        <p:nvPicPr>
+          <p:cNvPr id="17" name="Content Placeholder 16"/>
+          <p:cNvPicPr>
+            <a:picLocks noGrp="1" noChangeAspect="1"/>
+          </p:cNvPicPr>
+          <p:nvPr>
+            <p:ph idx="1"/>
+          </p:nvPr>
+        </p:nvPicPr>
+        <p:blipFill>
+          <a:blip r:embed="rId3"/>
+          <a:stretch>
+            <a:fillRect/>
+          </a:stretch>
+        </p:blipFill>
+        <p:spPr>
+          <a:xfrm>
+            <a:off x="4334256" y="1993393"/>
+            <a:ext cx="5058791" cy="3368125"/>
+          </a:xfrm>
+          <a:prstGeom prst="rect">
+            <a:avLst/>
+          </a:prstGeom>
+        </p:spPr>
+      </p:pic>
+      <p:sp>
+        <p:nvSpPr>
+          <p:cNvPr id="14" name="Text Placeholder 13"/>
+          <p:cNvSpPr>
+            <a:spLocks noGrp="1"/>
+          </p:cNvSpPr>
+          <p:nvPr>
+            <p:ph type="body" sz="half" idx="2"/>
+          </p:nvPr>
+        </p:nvSpPr>
+        <p:spPr>
+          <a:xfrm>
+            <a:off x="677334" y="1993393"/>
+            <a:ext cx="3854528" cy="3368126"/>
+          </a:xfrm>
+          <a:ln>
+            <a:noFill/>
+          </a:ln>
+          <a:effectLst>
+            <a:outerShdw blurRad="149987" dist="250190" dir="8460000" algn="ctr">
+              <a:srgbClr val="000000">
+                <a:alpha val="28000"/>
+              </a:srgbClr>
+            </a:outerShdw>
+          </a:effectLst>
+          <a:scene3d>
+            <a:camera prst="orthographicFront">
+              <a:rot lat="0" lon="0" rev="0"/>
+            </a:camera>
+            <a:lightRig rig="contrasting" dir="t">
+              <a:rot lat="0" lon="0" rev="1500000"/>
+            </a:lightRig>
+          </a:scene3d>
+          <a:sp3d prstMaterial="metal">
+            <a:bevelT w="88900" h="88900"/>
+          </a:sp3d>
+        </p:spPr>
+        <p:style>
+          <a:lnRef idx="0">
+            <a:scrgbClr r="0" g="0" b="0"/>
+          </a:lnRef>
+          <a:fillRef idx="1001">
+            <a:schemeClr val="lt1"/>
+          </a:fillRef>
+          <a:effectRef idx="0">
+            <a:scrgbClr r="0" g="0" b="0"/>
+          </a:effectRef>
+          <a:fontRef idx="major"/>
+        </p:style>
         <p:txBody>
           <a:bodyPr/>
           <a:lstStyle/>
+          <a:p>
+            <a:pPr marL="285750" lvl="0" indent="-285750">
+              <a:buFont typeface="Arial" panose="020B0604020202020204" pitchFamily="34" charset="0"/>
+              <a:buChar char="•"/>
+            </a:pPr>
+            <a:r>
+              <a:rPr lang="ru-RU" dirty="0"/>
+              <a:t>Освоить новые каналы для информирования покупателей о выходе новых товаров и стимулировать спрос на новые вещи. </a:t>
+            </a:r>
+          </a:p>
+          <a:p>
+            <a:pPr marL="285750" lvl="0" indent="-285750">
+              <a:buFont typeface="Arial" panose="020B0604020202020204" pitchFamily="34" charset="0"/>
+              <a:buChar char="•"/>
+            </a:pPr>
+            <a:r>
+              <a:rPr lang="ru-RU" dirty="0"/>
+              <a:t>Приложение должно стимулировать людей по всему миру соревноваться с собой и другими, повышая </a:t>
+            </a:r>
+            <a:r>
+              <a:rPr lang="ru-RU" dirty="0" err="1"/>
+              <a:t>вовлечённость</a:t>
+            </a:r>
+            <a:r>
+              <a:rPr lang="ru-RU" dirty="0"/>
+              <a:t> в здоровый образ жизни и повышая качество жизни. </a:t>
+            </a:r>
+          </a:p>
           <a:p>
             <a:endParaRPr lang="ru-RU" dirty="0"/>
           </a:p>
@@ -3500,49 +6460,211 @@
       </p:grpSpPr>
       <p:sp>
         <p:nvSpPr>
-          <p:cNvPr id="2" name="Rectangle 1"/>
-          <p:cNvSpPr/>
-          <p:nvPr/>
+          <p:cNvPr id="3" name="Title 2"/>
+          <p:cNvSpPr>
+            <a:spLocks noGrp="1"/>
+          </p:cNvSpPr>
+          <p:nvPr>
+            <p:ph type="title"/>
+          </p:nvPr>
         </p:nvSpPr>
         <p:spPr>
           <a:xfrm>
-            <a:off x="3048000" y="3064285"/>
-            <a:ext cx="6096000" cy="729430"/>
+            <a:off x="677334" y="514924"/>
+            <a:ext cx="3854528" cy="993836"/>
+          </a:xfrm>
+        </p:spPr>
+        <p:txBody>
+          <a:bodyPr>
+            <a:normAutofit fontScale="90000"/>
+          </a:bodyPr>
+          <a:lstStyle/>
+          <a:p>
+            <a:r>
+              <a:rPr lang="ru-RU" b="1" dirty="0"/>
+              <a:t>Анализ и описание архитектурных опций и обоснование выбора</a:t>
+            </a:r>
+            <a:endParaRPr lang="ru-RU" dirty="0"/>
+          </a:p>
+        </p:txBody>
+      </p:sp>
+      <p:pic>
+        <p:nvPicPr>
+          <p:cNvPr id="6" name="Content Placeholder 5"/>
+          <p:cNvPicPr>
+            <a:picLocks noGrp="1" noChangeAspect="1"/>
+          </p:cNvPicPr>
+          <p:nvPr>
+            <p:ph idx="1"/>
+          </p:nvPr>
+        </p:nvPicPr>
+        <p:blipFill>
+          <a:blip r:embed="rId2"/>
+          <a:stretch>
+            <a:fillRect/>
+          </a:stretch>
+        </p:blipFill>
+        <p:spPr>
+          <a:xfrm>
+            <a:off x="4294162" y="1508760"/>
+            <a:ext cx="5078438" cy="3084188"/>
           </a:xfrm>
           <a:prstGeom prst="rect">
             <a:avLst/>
           </a:prstGeom>
         </p:spPr>
-        <p:txBody>
-          <a:bodyPr>
-            <a:spAutoFit/>
-          </a:bodyPr>
+      </p:pic>
+      <p:sp>
+        <p:nvSpPr>
+          <p:cNvPr id="5" name="Text Placeholder 4"/>
+          <p:cNvSpPr>
+            <a:spLocks noGrp="1"/>
+          </p:cNvSpPr>
+          <p:nvPr>
+            <p:ph type="body" sz="half" idx="2"/>
+          </p:nvPr>
+        </p:nvSpPr>
+        <p:spPr>
+          <a:xfrm>
+            <a:off x="677334" y="1508761"/>
+            <a:ext cx="3854528" cy="4532600"/>
+          </a:xfrm>
+        </p:spPr>
+        <p:txBody>
+          <a:bodyPr/>
           <a:lstStyle/>
           <a:p>
-            <a:pPr marL="342900" marR="0" lvl="0" indent="-342900">
-              <a:lnSpc>
-                <a:spcPct val="115000"/>
-              </a:lnSpc>
-              <a:spcBef>
-                <a:spcPts val="0"/>
-              </a:spcBef>
-              <a:spcAft>
-                <a:spcPts val="0"/>
-              </a:spcAft>
-              <a:buFont typeface="+mj-lt"/>
-              <a:buAutoNum type="arabicPeriod"/>
-            </a:pPr>
-            <a:r>
-              <a:rPr lang="ru-RU" b="1" dirty="0">
-                <a:latin typeface="Arial" panose="020B0604020202020204" pitchFamily="34" charset="0"/>
-                <a:ea typeface="Arial" panose="020B0604020202020204" pitchFamily="34" charset="0"/>
-              </a:rPr>
-              <a:t>Анализ и описание архитектурных опций и обоснование выбора. </a:t>
-            </a:r>
-            <a:endParaRPr lang="ru-RU" dirty="0">
-              <a:latin typeface="Arial" panose="020B0604020202020204" pitchFamily="34" charset="0"/>
-              <a:ea typeface="Arial" panose="020B0604020202020204" pitchFamily="34" charset="0"/>
-            </a:endParaRPr>
+            <a:pPr marL="285750" lvl="0" indent="-285750">
+              <a:buFont typeface="Arial" panose="020B0604020202020204" pitchFamily="34" charset="0"/>
+              <a:buChar char="•"/>
+            </a:pPr>
+            <a:r>
+              <a:rPr lang="ru-RU" dirty="0" err="1"/>
+              <a:t>Микросервисная</a:t>
+            </a:r>
+            <a:r>
+              <a:rPr lang="ru-RU" dirty="0"/>
+              <a:t> архитектура.(группы сервисов  объединены в независимые модули, внутри модуля также  слабосвязанные).</a:t>
+            </a:r>
+          </a:p>
+          <a:p>
+            <a:pPr marL="285750" lvl="0" indent="-285750">
+              <a:buFont typeface="Arial" panose="020B0604020202020204" pitchFamily="34" charset="0"/>
+              <a:buChar char="•"/>
+            </a:pPr>
+            <a:r>
+              <a:rPr lang="ru-RU" dirty="0"/>
+              <a:t>Использования оркестратора </a:t>
+            </a:r>
+            <a:r>
+              <a:rPr lang="en-US" dirty="0"/>
+              <a:t>bpm </a:t>
+            </a:r>
+            <a:r>
+              <a:rPr lang="en-US" dirty="0" err="1"/>
+              <a:t>camunda</a:t>
+            </a:r>
+            <a:endParaRPr lang="ru-RU" dirty="0"/>
+          </a:p>
+          <a:p>
+            <a:pPr marL="285750" lvl="0" indent="-285750">
+              <a:buFont typeface="Arial" panose="020B0604020202020204" pitchFamily="34" charset="0"/>
+              <a:buChar char="•"/>
+            </a:pPr>
+            <a:r>
+              <a:rPr lang="ru-RU" dirty="0"/>
+              <a:t>Общий</a:t>
+            </a:r>
+            <a:r>
+              <a:rPr lang="en-US" dirty="0"/>
+              <a:t> backend(</a:t>
+            </a:r>
+            <a:r>
+              <a:rPr lang="en-US" dirty="0" err="1"/>
+              <a:t>Spring,C#,GO</a:t>
+            </a:r>
+            <a:r>
+              <a:rPr lang="en-US" dirty="0"/>
+              <a:t>).</a:t>
+            </a:r>
+            <a:endParaRPr lang="ru-RU" dirty="0"/>
+          </a:p>
+          <a:p>
+            <a:pPr marL="285750" lvl="0" indent="-285750">
+              <a:buFont typeface="Arial" panose="020B0604020202020204" pitchFamily="34" charset="0"/>
+              <a:buChar char="•"/>
+            </a:pPr>
+            <a:r>
+              <a:rPr lang="ru-RU" dirty="0" err="1"/>
+              <a:t>Front</a:t>
+            </a:r>
+            <a:r>
+              <a:rPr lang="ru-RU" dirty="0"/>
+              <a:t> версия для </a:t>
+            </a:r>
+            <a:r>
+              <a:rPr lang="ru-RU" dirty="0" err="1"/>
+              <a:t>андроид</a:t>
+            </a:r>
+            <a:r>
+              <a:rPr lang="ru-RU" dirty="0"/>
+              <a:t> и  </a:t>
+            </a:r>
+            <a:r>
+              <a:rPr lang="ru-RU" dirty="0" err="1"/>
+              <a:t>apple</a:t>
+            </a:r>
+            <a:r>
+              <a:rPr lang="ru-RU" dirty="0"/>
+              <a:t>.</a:t>
+            </a:r>
+          </a:p>
+          <a:p>
+            <a:pPr marL="285750" lvl="0" indent="-285750">
+              <a:buFont typeface="Arial" panose="020B0604020202020204" pitchFamily="34" charset="0"/>
+              <a:buChar char="•"/>
+            </a:pPr>
+            <a:r>
+              <a:rPr lang="ru-RU" dirty="0"/>
+              <a:t>Общая база данных </a:t>
+            </a:r>
+            <a:r>
+              <a:rPr lang="ru-RU" dirty="0" err="1"/>
+              <a:t>oracle,MySql,Posgres</a:t>
+            </a:r>
+            <a:r>
+              <a:rPr lang="ru-RU" dirty="0"/>
+              <a:t>.</a:t>
+            </a:r>
+          </a:p>
+          <a:p>
+            <a:pPr marL="285750" lvl="0" indent="-285750">
+              <a:buFont typeface="Arial" panose="020B0604020202020204" pitchFamily="34" charset="0"/>
+              <a:buChar char="•"/>
+            </a:pPr>
+            <a:r>
+              <a:rPr lang="ru-RU" dirty="0"/>
+              <a:t>Два </a:t>
+            </a:r>
+            <a:r>
+              <a:rPr lang="ru-RU" dirty="0" err="1"/>
+              <a:t>StandBy</a:t>
+            </a:r>
+            <a:r>
+              <a:rPr lang="ru-RU" dirty="0"/>
+              <a:t> </a:t>
+            </a:r>
+            <a:r>
+              <a:rPr lang="ru-RU" dirty="0" err="1"/>
+              <a:t>сервира</a:t>
+            </a:r>
+            <a:r>
+              <a:rPr lang="ru-RU" dirty="0"/>
+              <a:t>  в разных ЦОД.</a:t>
+            </a:r>
+          </a:p>
+          <a:p>
+            <a:endParaRPr lang="ru-RU" dirty="0"/>
           </a:p>
         </p:txBody>
       </p:sp>
@@ -3578,49 +6700,89 @@
       </p:grpSpPr>
       <p:sp>
         <p:nvSpPr>
-          <p:cNvPr id="2" name="Rectangle 1"/>
-          <p:cNvSpPr/>
-          <p:nvPr/>
+          <p:cNvPr id="3" name="Title 2"/>
+          <p:cNvSpPr>
+            <a:spLocks noGrp="1"/>
+          </p:cNvSpPr>
+          <p:nvPr>
+            <p:ph type="title"/>
+          </p:nvPr>
         </p:nvSpPr>
         <p:spPr>
           <a:xfrm>
-            <a:off x="5071809" y="3223559"/>
-            <a:ext cx="2048381" cy="410882"/>
+            <a:off x="595038" y="514924"/>
+            <a:ext cx="3854528" cy="522220"/>
+          </a:xfrm>
+        </p:spPr>
+        <p:txBody>
+          <a:bodyPr/>
+          <a:lstStyle/>
+          <a:p>
+            <a:r>
+              <a:rPr lang="ru-RU" b="1" dirty="0"/>
+              <a:t>Список ADR</a:t>
+            </a:r>
+            <a:endParaRPr lang="ru-RU" dirty="0"/>
+          </a:p>
+        </p:txBody>
+      </p:sp>
+      <p:pic>
+        <p:nvPicPr>
+          <p:cNvPr id="6" name="Content Placeholder 5"/>
+          <p:cNvPicPr>
+            <a:picLocks noGrp="1" noChangeAspect="1"/>
+          </p:cNvPicPr>
+          <p:nvPr>
+            <p:ph idx="1"/>
+          </p:nvPr>
+        </p:nvPicPr>
+        <p:blipFill>
+          <a:blip r:embed="rId2"/>
+          <a:stretch>
+            <a:fillRect/>
+          </a:stretch>
+        </p:blipFill>
+        <p:spPr>
+          <a:xfrm>
+            <a:off x="3926763" y="1335024"/>
+            <a:ext cx="5347412" cy="3361899"/>
           </a:xfrm>
           <a:prstGeom prst="rect">
             <a:avLst/>
           </a:prstGeom>
         </p:spPr>
-        <p:txBody>
-          <a:bodyPr wrap="none">
-            <a:spAutoFit/>
-          </a:bodyPr>
+      </p:pic>
+      <p:sp>
+        <p:nvSpPr>
+          <p:cNvPr id="5" name="Text Placeholder 4"/>
+          <p:cNvSpPr>
+            <a:spLocks noGrp="1"/>
+          </p:cNvSpPr>
+          <p:nvPr>
+            <p:ph type="body" sz="half" idx="2"/>
+          </p:nvPr>
+        </p:nvSpPr>
+        <p:spPr>
+          <a:xfrm>
+            <a:off x="677334" y="1335024"/>
+            <a:ext cx="3854528" cy="4544567"/>
+          </a:xfrm>
+        </p:spPr>
+        <p:txBody>
+          <a:bodyPr/>
           <a:lstStyle/>
           <a:p>
-            <a:pPr marL="342900" marR="0" lvl="0" indent="-342900">
-              <a:lnSpc>
-                <a:spcPct val="115000"/>
-              </a:lnSpc>
-              <a:spcBef>
-                <a:spcPts val="0"/>
-              </a:spcBef>
-              <a:spcAft>
-                <a:spcPts val="0"/>
-              </a:spcAft>
-              <a:buFont typeface="+mj-lt"/>
-              <a:buAutoNum type="arabicPeriod"/>
-            </a:pPr>
-            <a:r>
-              <a:rPr lang="ru-RU" b="1" dirty="0">
-                <a:latin typeface="Arial" panose="020B0604020202020204" pitchFamily="34" charset="0"/>
-                <a:ea typeface="Arial" panose="020B0604020202020204" pitchFamily="34" charset="0"/>
-              </a:rPr>
-              <a:t>Список ADR. </a:t>
-            </a:r>
-            <a:endParaRPr lang="ru-RU" dirty="0">
-              <a:latin typeface="Arial" panose="020B0604020202020204" pitchFamily="34" charset="0"/>
-              <a:ea typeface="Arial" panose="020B0604020202020204" pitchFamily="34" charset="0"/>
-            </a:endParaRPr>
+            <a:r>
+              <a:rPr lang="ru-RU" dirty="0" err="1"/>
+              <a:t>Jira</a:t>
+            </a:r>
+            <a:r>
+              <a:rPr lang="ru-RU" dirty="0"/>
+              <a:t> фиксация задач  изменений  и принятых решений.</a:t>
+            </a:r>
+          </a:p>
+          <a:p>
+            <a:endParaRPr lang="ru-RU" dirty="0"/>
           </a:p>
         </p:txBody>
       </p:sp>
@@ -3654,6 +6816,178 @@
           <a:chExt cx="0" cy="0"/>
         </a:xfrm>
       </p:grpSpPr>
+      <p:sp>
+        <p:nvSpPr>
+          <p:cNvPr id="2" name="Title 1"/>
+          <p:cNvSpPr>
+            <a:spLocks noGrp="1"/>
+          </p:cNvSpPr>
+          <p:nvPr>
+            <p:ph type="title"/>
+          </p:nvPr>
+        </p:nvSpPr>
+        <p:spPr>
+          <a:xfrm>
+            <a:off x="677334" y="484632"/>
+            <a:ext cx="3854528" cy="704088"/>
+          </a:xfrm>
+        </p:spPr>
+        <p:txBody>
+          <a:bodyPr/>
+          <a:lstStyle/>
+          <a:p>
+            <a:r>
+              <a:rPr lang="ru-RU" b="1" dirty="0"/>
+              <a:t>Описание сценариев использования приложения</a:t>
+            </a:r>
+            <a:endParaRPr lang="ru-RU" dirty="0"/>
+          </a:p>
+        </p:txBody>
+      </p:sp>
+      <p:sp>
+        <p:nvSpPr>
+          <p:cNvPr id="4" name="Text Placeholder 3"/>
+          <p:cNvSpPr>
+            <a:spLocks noGrp="1"/>
+          </p:cNvSpPr>
+          <p:nvPr>
+            <p:ph type="body" sz="half" idx="2"/>
+          </p:nvPr>
+        </p:nvSpPr>
+        <p:spPr>
+          <a:xfrm>
+            <a:off x="677334" y="1344169"/>
+            <a:ext cx="3854528" cy="4697192"/>
+          </a:xfrm>
+        </p:spPr>
+        <p:txBody>
+          <a:bodyPr/>
+          <a:lstStyle/>
+          <a:p>
+            <a:pPr marL="285750" lvl="0" indent="-285750">
+              <a:buFont typeface="Arial" panose="020B0604020202020204" pitchFamily="34" charset="0"/>
+              <a:buChar char="•"/>
+            </a:pPr>
+            <a:r>
+              <a:rPr lang="ru-RU" dirty="0"/>
+              <a:t>Выбор спортивного оборудования</a:t>
+            </a:r>
+          </a:p>
+          <a:p>
+            <a:pPr marL="285750" lvl="0" indent="-285750">
+              <a:buFont typeface="Arial" panose="020B0604020202020204" pitchFamily="34" charset="0"/>
+              <a:buChar char="•"/>
+            </a:pPr>
+            <a:r>
+              <a:rPr lang="ru-RU" dirty="0"/>
+              <a:t>Продажа спортивного оборудования</a:t>
+            </a:r>
+          </a:p>
+          <a:p>
+            <a:pPr marL="285750" lvl="0" indent="-285750">
+              <a:buFont typeface="Arial" panose="020B0604020202020204" pitchFamily="34" charset="0"/>
+              <a:buChar char="•"/>
+            </a:pPr>
+            <a:r>
+              <a:rPr lang="ru-RU" dirty="0" err="1"/>
+              <a:t>Отслежевание</a:t>
+            </a:r>
+            <a:r>
+              <a:rPr lang="ru-RU" dirty="0"/>
+              <a:t> заказов.</a:t>
+            </a:r>
+          </a:p>
+          <a:p>
+            <a:pPr marL="285750" lvl="0" indent="-285750">
+              <a:buFont typeface="Arial" panose="020B0604020202020204" pitchFamily="34" charset="0"/>
+              <a:buChar char="•"/>
+            </a:pPr>
+            <a:r>
+              <a:rPr lang="ru-RU" dirty="0"/>
+              <a:t>Реклама спортивного оборудование.</a:t>
+            </a:r>
+          </a:p>
+          <a:p>
+            <a:pPr marL="285750" lvl="0" indent="-285750">
+              <a:buFont typeface="Arial" panose="020B0604020202020204" pitchFamily="34" charset="0"/>
+              <a:buChar char="•"/>
+            </a:pPr>
+            <a:r>
+              <a:rPr lang="ru-RU" dirty="0"/>
+              <a:t>Продвижение бренда компании.</a:t>
+            </a:r>
+          </a:p>
+          <a:p>
+            <a:pPr marL="285750" lvl="0" indent="-285750">
+              <a:buFont typeface="Arial" panose="020B0604020202020204" pitchFamily="34" charset="0"/>
+              <a:buChar char="•"/>
+            </a:pPr>
+            <a:r>
+              <a:rPr lang="ru-RU" dirty="0"/>
+              <a:t>Индивидуальное использования для спорта и мониторинга результатов.</a:t>
+            </a:r>
+          </a:p>
+          <a:p>
+            <a:pPr marL="285750" lvl="0" indent="-285750">
+              <a:buFont typeface="Arial" panose="020B0604020202020204" pitchFamily="34" charset="0"/>
+              <a:buChar char="•"/>
+            </a:pPr>
+            <a:r>
+              <a:rPr lang="ru-RU" dirty="0"/>
+              <a:t>Групповое использование для  создание спортивных групп.</a:t>
+            </a:r>
+          </a:p>
+          <a:p>
+            <a:pPr marL="285750" lvl="0" indent="-285750">
+              <a:buFont typeface="Arial" panose="020B0604020202020204" pitchFamily="34" charset="0"/>
+              <a:buChar char="•"/>
+            </a:pPr>
+            <a:r>
+              <a:rPr lang="ru-RU" dirty="0"/>
+              <a:t>Чат.</a:t>
+            </a:r>
+          </a:p>
+          <a:p>
+            <a:pPr marL="285750" lvl="0" indent="-285750">
+              <a:buFont typeface="Arial" panose="020B0604020202020204" pitchFamily="34" charset="0"/>
+              <a:buChar char="•"/>
+            </a:pPr>
+            <a:r>
+              <a:rPr lang="ru-RU" dirty="0"/>
+              <a:t>Поиск людей со схожими интересами.</a:t>
+            </a:r>
+          </a:p>
+          <a:p>
+            <a:endParaRPr lang="ru-RU" dirty="0"/>
+          </a:p>
+        </p:txBody>
+      </p:sp>
+      <p:pic>
+        <p:nvPicPr>
+          <p:cNvPr id="8" name="Content Placeholder 7"/>
+          <p:cNvPicPr>
+            <a:picLocks noGrp="1" noChangeAspect="1"/>
+          </p:cNvPicPr>
+          <p:nvPr>
+            <p:ph idx="1"/>
+          </p:nvPr>
+        </p:nvPicPr>
+        <p:blipFill>
+          <a:blip r:embed="rId2"/>
+          <a:stretch>
+            <a:fillRect/>
+          </a:stretch>
+        </p:blipFill>
+        <p:spPr>
+          <a:xfrm>
+            <a:off x="4448901" y="1490472"/>
+            <a:ext cx="5170587" cy="3340365"/>
+          </a:xfrm>
+          <a:prstGeom prst="rect">
+            <a:avLst/>
+          </a:prstGeom>
+        </p:spPr>
+      </p:pic>
     </p:spTree>
     <p:extLst>
       <p:ext uri="{BB962C8B-B14F-4D97-AF65-F5344CB8AC3E}">
@@ -3686,52 +7020,246 @@
       </p:grpSpPr>
       <p:sp>
         <p:nvSpPr>
-          <p:cNvPr id="2" name="Rectangle 1"/>
-          <p:cNvSpPr/>
-          <p:nvPr/>
+          <p:cNvPr id="3" name="Title 2"/>
+          <p:cNvSpPr>
+            <a:spLocks noGrp="1"/>
+          </p:cNvSpPr>
+          <p:nvPr>
+            <p:ph type="title"/>
+          </p:nvPr>
         </p:nvSpPr>
         <p:spPr>
           <a:xfrm>
-            <a:off x="3048000" y="3064285"/>
-            <a:ext cx="6096000" cy="729430"/>
+            <a:off x="677334" y="514924"/>
+            <a:ext cx="3854528" cy="1606484"/>
+          </a:xfrm>
+        </p:spPr>
+        <p:txBody>
+          <a:bodyPr>
+            <a:normAutofit fontScale="90000"/>
+          </a:bodyPr>
+          <a:lstStyle/>
+          <a:p>
+            <a:pPr lvl="0"/>
+            <a:r>
+              <a:rPr lang="ru-RU" b="1" dirty="0"/>
+              <a:t>Базовая архитектура с учётом ограничений бизнес-требований, НФТ, выбранной архитектуры, адресация атрибутов качества.</a:t>
+            </a:r>
+            <a:r>
+              <a:rPr lang="ru-RU" dirty="0"/>
+              <a:t/>
+            </a:r>
+            <a:br>
+              <a:rPr lang="ru-RU" dirty="0"/>
+            </a:br>
+            <a:endParaRPr lang="ru-RU" dirty="0"/>
+          </a:p>
+        </p:txBody>
+      </p:sp>
+      <p:sp>
+        <p:nvSpPr>
+          <p:cNvPr id="5" name="Text Placeholder 4"/>
+          <p:cNvSpPr>
+            <a:spLocks noGrp="1"/>
+          </p:cNvSpPr>
+          <p:nvPr>
+            <p:ph type="body" sz="half" idx="2"/>
+          </p:nvPr>
+        </p:nvSpPr>
+        <p:spPr>
+          <a:xfrm>
+            <a:off x="677334" y="1911096"/>
+            <a:ext cx="4150698" cy="4946904"/>
+          </a:xfrm>
+        </p:spPr>
+        <p:txBody>
+          <a:bodyPr/>
+          <a:lstStyle/>
+          <a:p>
+            <a:pPr marL="285750" lvl="0" indent="-285750">
+              <a:buFont typeface="Arial" panose="020B0604020202020204" pitchFamily="34" charset="0"/>
+              <a:buChar char="•"/>
+            </a:pPr>
+            <a:r>
+              <a:rPr lang="en-US" dirty="0" smtClean="0"/>
+              <a:t> </a:t>
+            </a:r>
+            <a:r>
+              <a:rPr lang="ru-RU" dirty="0" smtClean="0"/>
+              <a:t>Модуль </a:t>
+            </a:r>
+            <a:r>
+              <a:rPr lang="ru-RU" dirty="0"/>
+              <a:t>магазин. </a:t>
+            </a:r>
+          </a:p>
+          <a:p>
+            <a:pPr marL="285750" lvl="0" indent="-285750">
+              <a:buFont typeface="Arial" panose="020B0604020202020204" pitchFamily="34" charset="0"/>
+              <a:buChar char="•"/>
+            </a:pPr>
+            <a:r>
+              <a:rPr lang="ru-RU" dirty="0"/>
+              <a:t> Модуль заказа.</a:t>
+            </a:r>
+          </a:p>
+          <a:p>
+            <a:pPr marL="285750" lvl="0" indent="-285750">
+              <a:buFont typeface="Arial" panose="020B0604020202020204" pitchFamily="34" charset="0"/>
+              <a:buChar char="•"/>
+            </a:pPr>
+            <a:r>
+              <a:rPr lang="ru-RU" dirty="0"/>
+              <a:t> Модуль склад.</a:t>
+            </a:r>
+          </a:p>
+          <a:p>
+            <a:pPr marL="285750" lvl="0" indent="-285750">
+              <a:buFont typeface="Arial" panose="020B0604020202020204" pitchFamily="34" charset="0"/>
+              <a:buChar char="•"/>
+            </a:pPr>
+            <a:r>
+              <a:rPr lang="ru-RU" dirty="0"/>
+              <a:t> Модуль доставки.</a:t>
+            </a:r>
+          </a:p>
+          <a:p>
+            <a:pPr marL="285750" lvl="0" indent="-285750">
+              <a:buFont typeface="Arial" panose="020B0604020202020204" pitchFamily="34" charset="0"/>
+              <a:buChar char="•"/>
+            </a:pPr>
+            <a:r>
+              <a:rPr lang="ru-RU" dirty="0"/>
+              <a:t> Модуль оплаты.</a:t>
+            </a:r>
+          </a:p>
+          <a:p>
+            <a:pPr marL="285750" lvl="0" indent="-285750">
+              <a:buFont typeface="Arial" panose="020B0604020202020204" pitchFamily="34" charset="0"/>
+              <a:buChar char="•"/>
+            </a:pPr>
+            <a:r>
+              <a:rPr lang="ru-RU" dirty="0"/>
+              <a:t> Модуль трекинга доставки.</a:t>
+            </a:r>
+          </a:p>
+          <a:p>
+            <a:pPr marL="285750" lvl="0" indent="-285750">
+              <a:buFont typeface="Arial" panose="020B0604020202020204" pitchFamily="34" charset="0"/>
+              <a:buChar char="•"/>
+            </a:pPr>
+            <a:r>
+              <a:rPr lang="ru-RU" dirty="0"/>
+              <a:t> Модуль регистрации.</a:t>
+            </a:r>
+          </a:p>
+          <a:p>
+            <a:pPr marL="285750" lvl="0" indent="-285750">
+              <a:buFont typeface="Arial" panose="020B0604020202020204" pitchFamily="34" charset="0"/>
+              <a:buChar char="•"/>
+            </a:pPr>
+            <a:r>
+              <a:rPr lang="ru-RU" dirty="0"/>
+              <a:t> Модуль авторизации.</a:t>
+            </a:r>
+          </a:p>
+          <a:p>
+            <a:pPr marL="285750" lvl="0" indent="-285750">
+              <a:buFont typeface="Arial" panose="020B0604020202020204" pitchFamily="34" charset="0"/>
+              <a:buChar char="•"/>
+            </a:pPr>
+            <a:r>
+              <a:rPr lang="ru-RU" dirty="0"/>
+              <a:t> Модуль пользователя(Обширный </a:t>
+            </a:r>
+            <a:r>
+              <a:rPr lang="en-US" dirty="0" smtClean="0"/>
+              <a:t> </a:t>
+            </a:r>
+            <a:r>
+              <a:rPr lang="ru-RU" dirty="0" smtClean="0"/>
+              <a:t>модуль </a:t>
+            </a:r>
+            <a:r>
+              <a:rPr lang="ru-RU" dirty="0"/>
+              <a:t>здесь собраны  все  личные данные и    показатели, также  история тренировок).</a:t>
+            </a:r>
+          </a:p>
+          <a:p>
+            <a:pPr marL="285750" lvl="0" indent="-285750">
+              <a:buFont typeface="Arial" panose="020B0604020202020204" pitchFamily="34" charset="0"/>
+              <a:buChar char="•"/>
+            </a:pPr>
+            <a:r>
+              <a:rPr lang="ru-RU" dirty="0"/>
+              <a:t> Модуль чат.</a:t>
+            </a:r>
+          </a:p>
+          <a:p>
+            <a:pPr marL="285750" lvl="0" indent="-285750">
+              <a:buFont typeface="Arial" panose="020B0604020202020204" pitchFamily="34" charset="0"/>
+              <a:buChar char="•"/>
+            </a:pPr>
+            <a:r>
+              <a:rPr lang="ru-RU" dirty="0"/>
+              <a:t> Модуль группа.</a:t>
+            </a:r>
+          </a:p>
+          <a:p>
+            <a:pPr marL="285750" lvl="0" indent="-285750">
+              <a:buFont typeface="Arial" panose="020B0604020202020204" pitchFamily="34" charset="0"/>
+              <a:buChar char="•"/>
+            </a:pPr>
+            <a:r>
+              <a:rPr lang="en-US" dirty="0" smtClean="0"/>
+              <a:t> </a:t>
+            </a:r>
+            <a:r>
+              <a:rPr lang="ru-RU" dirty="0" smtClean="0"/>
+              <a:t>Модуль </a:t>
+            </a:r>
+            <a:r>
+              <a:rPr lang="ru-RU" dirty="0"/>
+              <a:t>интеграции.</a:t>
+            </a:r>
+          </a:p>
+          <a:p>
+            <a:endParaRPr lang="ru-RU" dirty="0"/>
+          </a:p>
+        </p:txBody>
+      </p:sp>
+      <p:pic>
+        <p:nvPicPr>
+          <p:cNvPr id="6" name="Content Placeholder 5"/>
+          <p:cNvPicPr>
+            <a:picLocks noGrp="1"/>
+          </p:cNvPicPr>
+          <p:nvPr>
+            <p:ph idx="1"/>
+          </p:nvPr>
+        </p:nvPicPr>
+        <p:blipFill>
+          <a:blip r:embed="rId2">
+            <a:extLst>
+              <a:ext uri="{28A0092B-C50C-407E-A947-70E740481C1C}">
+                <a14:useLocalDpi xmlns:a14="http://schemas.microsoft.com/office/drawing/2010/main" val="0"/>
+              </a:ext>
+            </a:extLst>
+          </a:blip>
+          <a:stretch>
+            <a:fillRect/>
+          </a:stretch>
+        </p:blipFill>
+        <p:spPr>
+          <a:xfrm>
+            <a:off x="5010912" y="514350"/>
+            <a:ext cx="4654296" cy="6041898"/>
           </a:xfrm>
           <a:prstGeom prst="rect">
             <a:avLst/>
           </a:prstGeom>
         </p:spPr>
-        <p:txBody>
-          <a:bodyPr>
-            <a:spAutoFit/>
-          </a:bodyPr>
-          <a:lstStyle/>
-          <a:p>
-            <a:pPr marL="342900" marR="0" lvl="0" indent="-342900">
-              <a:lnSpc>
-                <a:spcPct val="115000"/>
-              </a:lnSpc>
-              <a:spcBef>
-                <a:spcPts val="0"/>
-              </a:spcBef>
-              <a:spcAft>
-                <a:spcPts val="0"/>
-              </a:spcAft>
-              <a:buFont typeface="+mj-lt"/>
-              <a:buAutoNum type="arabicPeriod"/>
-            </a:pPr>
-            <a:r>
-              <a:rPr lang="ru-RU" b="1" dirty="0">
-                <a:latin typeface="Arial" panose="020B0604020202020204" pitchFamily="34" charset="0"/>
-                <a:ea typeface="Arial" panose="020B0604020202020204" pitchFamily="34" charset="0"/>
-              </a:rPr>
-              <a:t>Описание сценариев использования приложения. </a:t>
-            </a:r>
-            <a:endParaRPr lang="ru-RU" dirty="0">
-              <a:latin typeface="Arial" panose="020B0604020202020204" pitchFamily="34" charset="0"/>
-              <a:ea typeface="Arial" panose="020B0604020202020204" pitchFamily="34" charset="0"/>
-            </a:endParaRPr>
-          </a:p>
-        </p:txBody>
-      </p:sp>
+      </p:pic>
     </p:spTree>
     <p:extLst>
       <p:ext uri="{BB962C8B-B14F-4D97-AF65-F5344CB8AC3E}">
@@ -3764,49 +7292,128 @@
       </p:grpSpPr>
       <p:sp>
         <p:nvSpPr>
-          <p:cNvPr id="2" name="Rectangle 1"/>
-          <p:cNvSpPr/>
-          <p:nvPr/>
+          <p:cNvPr id="3" name="Title 2"/>
+          <p:cNvSpPr>
+            <a:spLocks noGrp="1"/>
+          </p:cNvSpPr>
+          <p:nvPr>
+            <p:ph type="title"/>
+          </p:nvPr>
         </p:nvSpPr>
         <p:spPr>
           <a:xfrm>
-            <a:off x="3048000" y="2905011"/>
-            <a:ext cx="6096000" cy="1047979"/>
+            <a:off x="677334" y="514924"/>
+            <a:ext cx="3854528" cy="1048700"/>
+          </a:xfrm>
+        </p:spPr>
+        <p:txBody>
+          <a:bodyPr/>
+          <a:lstStyle/>
+          <a:p>
+            <a:r>
+              <a:rPr lang="ru-RU" b="1" dirty="0"/>
+              <a:t>Анализ рисков созданной архитектуры, компромиссов.</a:t>
+            </a:r>
+            <a:r>
+              <a:rPr lang="ru-RU" dirty="0"/>
+              <a:t/>
+            </a:r>
+            <a:br>
+              <a:rPr lang="ru-RU" dirty="0"/>
+            </a:br>
+            <a:endParaRPr lang="ru-RU" dirty="0"/>
+          </a:p>
+        </p:txBody>
+      </p:sp>
+      <p:pic>
+        <p:nvPicPr>
+          <p:cNvPr id="6" name="Content Placeholder 5"/>
+          <p:cNvPicPr>
+            <a:picLocks noGrp="1" noChangeAspect="1"/>
+          </p:cNvPicPr>
+          <p:nvPr>
+            <p:ph idx="1"/>
+          </p:nvPr>
+        </p:nvPicPr>
+        <p:blipFill>
+          <a:blip r:embed="rId2"/>
+          <a:stretch>
+            <a:fillRect/>
+          </a:stretch>
+        </p:blipFill>
+        <p:spPr>
+          <a:xfrm>
+            <a:off x="4742625" y="1167592"/>
+            <a:ext cx="4513262" cy="4193927"/>
           </a:xfrm>
           <a:prstGeom prst="rect">
             <a:avLst/>
           </a:prstGeom>
         </p:spPr>
-        <p:txBody>
-          <a:bodyPr>
-            <a:spAutoFit/>
-          </a:bodyPr>
+      </p:pic>
+      <p:sp>
+        <p:nvSpPr>
+          <p:cNvPr id="5" name="Text Placeholder 4"/>
+          <p:cNvSpPr>
+            <a:spLocks noGrp="1"/>
+          </p:cNvSpPr>
+          <p:nvPr>
+            <p:ph type="body" sz="half" idx="2"/>
+          </p:nvPr>
+        </p:nvSpPr>
+        <p:spPr>
+          <a:xfrm>
+            <a:off x="677334" y="1563625"/>
+            <a:ext cx="3854528" cy="3797894"/>
+          </a:xfrm>
+        </p:spPr>
+        <p:txBody>
+          <a:bodyPr/>
           <a:lstStyle/>
           <a:p>
-            <a:pPr marL="342900" marR="0" lvl="0" indent="-342900">
-              <a:lnSpc>
-                <a:spcPct val="115000"/>
-              </a:lnSpc>
-              <a:spcBef>
-                <a:spcPts val="0"/>
-              </a:spcBef>
-              <a:spcAft>
-                <a:spcPts val="0"/>
-              </a:spcAft>
-              <a:buFont typeface="+mj-lt"/>
-              <a:buAutoNum type="arabicPeriod"/>
-            </a:pPr>
-            <a:r>
-              <a:rPr lang="ru-RU" b="1" dirty="0">
-                <a:latin typeface="Arial" panose="020B0604020202020204" pitchFamily="34" charset="0"/>
-                <a:ea typeface="Arial" panose="020B0604020202020204" pitchFamily="34" charset="0"/>
-              </a:rPr>
-              <a:t>Базовая архитектура с учётом ограничений бизнес-требований, НФТ, выбранной архитектуры, адресация атрибутов качества.</a:t>
-            </a:r>
-            <a:endParaRPr lang="ru-RU" dirty="0">
-              <a:latin typeface="Arial" panose="020B0604020202020204" pitchFamily="34" charset="0"/>
-              <a:ea typeface="Arial" panose="020B0604020202020204" pitchFamily="34" charset="0"/>
-            </a:endParaRPr>
+            <a:pPr marL="285750" lvl="0" indent="-285750">
+              <a:buFont typeface="Arial" panose="020B0604020202020204" pitchFamily="34" charset="0"/>
+              <a:buChar char="•"/>
+            </a:pPr>
+            <a:r>
+              <a:rPr lang="ru-RU" dirty="0"/>
+              <a:t>Сложная поддержка так  как мы создали  12  модулей  в  каждом  модуле  от одного до  1000(поставим такое ограничения) сервисов  при этом  может быть до 10 копий одного сервиса.</a:t>
+            </a:r>
+          </a:p>
+          <a:p>
+            <a:pPr marL="285750" lvl="0" indent="-285750">
+              <a:buFont typeface="Arial" panose="020B0604020202020204" pitchFamily="34" charset="0"/>
+              <a:buChar char="•"/>
+            </a:pPr>
+            <a:r>
+              <a:rPr lang="ru-RU" dirty="0"/>
+              <a:t>База данных </a:t>
+            </a:r>
+            <a:r>
+              <a:rPr lang="ru-RU" dirty="0" err="1"/>
+              <a:t>оракле</a:t>
+            </a:r>
+            <a:r>
+              <a:rPr lang="ru-RU" dirty="0"/>
+              <a:t>  стоит очень дорого,  риск  что это будет необоснованно дорого.</a:t>
+            </a:r>
+          </a:p>
+          <a:p>
+            <a:pPr marL="285750" lvl="0" indent="-285750">
+              <a:buFont typeface="Arial" panose="020B0604020202020204" pitchFamily="34" charset="0"/>
+              <a:buChar char="•"/>
+            </a:pPr>
+            <a:r>
+              <a:rPr lang="ru-RU" dirty="0"/>
+              <a:t>Если не обеспечить слабую связанность тогда при отключении одного сервиса может произойти каскадное отключения зависимы компонентов.</a:t>
+            </a:r>
+          </a:p>
+          <a:p>
+            <a:pPr marL="285750" indent="-285750">
+              <a:buFont typeface="Arial" panose="020B0604020202020204" pitchFamily="34" charset="0"/>
+              <a:buChar char="•"/>
+            </a:pPr>
+            <a:endParaRPr lang="ru-RU" dirty="0"/>
           </a:p>
         </p:txBody>
       </p:sp>
@@ -3842,49 +7449,193 @@
       </p:grpSpPr>
       <p:sp>
         <p:nvSpPr>
-          <p:cNvPr id="2" name="Rectangle 1"/>
-          <p:cNvSpPr/>
-          <p:nvPr/>
+          <p:cNvPr id="3" name="Title 2"/>
+          <p:cNvSpPr>
+            <a:spLocks noGrp="1"/>
+          </p:cNvSpPr>
+          <p:nvPr>
+            <p:ph type="title"/>
+          </p:nvPr>
         </p:nvSpPr>
         <p:spPr>
           <a:xfrm>
-            <a:off x="4255304" y="3223559"/>
-            <a:ext cx="3681392" cy="410882"/>
+            <a:off x="677333" y="514924"/>
+            <a:ext cx="8722699" cy="746948"/>
           </a:xfrm>
-          <a:prstGeom prst="rect">
-            <a:avLst/>
-          </a:prstGeom>
         </p:spPr>
         <p:txBody>
-          <a:bodyPr wrap="none">
-            <a:spAutoFit/>
+          <a:bodyPr>
+            <a:normAutofit/>
           </a:bodyPr>
           <a:lstStyle/>
           <a:p>
-            <a:pPr marL="342900" marR="0" lvl="0" indent="-342900">
-              <a:lnSpc>
-                <a:spcPct val="115000"/>
-              </a:lnSpc>
-              <a:spcBef>
-                <a:spcPts val="0"/>
-              </a:spcBef>
-              <a:spcAft>
-                <a:spcPts val="0"/>
-              </a:spcAft>
-              <a:buFont typeface="+mj-lt"/>
-              <a:buAutoNum type="arabicPeriod"/>
-            </a:pPr>
-            <a:r>
-              <a:rPr lang="ru-RU" b="1" dirty="0">
-                <a:latin typeface="Arial" panose="020B0604020202020204" pitchFamily="34" charset="0"/>
-                <a:ea typeface="Arial" panose="020B0604020202020204" pitchFamily="34" charset="0"/>
-              </a:rPr>
-              <a:t>Основные представления: </a:t>
-            </a:r>
-            <a:endParaRPr lang="ru-RU" dirty="0">
-              <a:latin typeface="Arial" panose="020B0604020202020204" pitchFamily="34" charset="0"/>
-              <a:ea typeface="Arial" panose="020B0604020202020204" pitchFamily="34" charset="0"/>
-            </a:endParaRPr>
+            <a:r>
+              <a:rPr lang="ru-RU" b="1" dirty="0"/>
+              <a:t>Стоимость владения системой в первый, второй и пятый годы с учётом роста данных и базы пользователей</a:t>
+            </a:r>
+            <a:endParaRPr lang="ru-RU" dirty="0"/>
+          </a:p>
+        </p:txBody>
+      </p:sp>
+      <p:sp>
+        <p:nvSpPr>
+          <p:cNvPr id="5" name="Text Placeholder 4"/>
+          <p:cNvSpPr>
+            <a:spLocks noGrp="1"/>
+          </p:cNvSpPr>
+          <p:nvPr>
+            <p:ph type="body" sz="half" idx="2"/>
+          </p:nvPr>
+        </p:nvSpPr>
+        <p:spPr>
+          <a:xfrm>
+            <a:off x="677334" y="1472184"/>
+            <a:ext cx="9042738" cy="4928615"/>
+          </a:xfrm>
+        </p:spPr>
+        <p:txBody>
+          <a:bodyPr>
+            <a:normAutofit/>
+          </a:bodyPr>
+          <a:lstStyle/>
+          <a:p>
+            <a:pPr marL="285750" indent="-285750">
+              <a:buFont typeface="Arial" panose="020B0604020202020204" pitchFamily="34" charset="0"/>
+              <a:buChar char="•"/>
+            </a:pPr>
+            <a:r>
+              <a:rPr lang="ru-RU" dirty="0"/>
+              <a:t>Система  представляет собой надежную платформу предназначенную для охвата большого количества пользователей. Окупаемость будет зависит от многих факторов,  один  из них  сколько будет затрачено на рекламу приложения.</a:t>
+            </a:r>
+          </a:p>
+          <a:p>
+            <a:pPr marL="285750" indent="-285750">
+              <a:buFont typeface="Arial" panose="020B0604020202020204" pitchFamily="34" charset="0"/>
+              <a:buChar char="•"/>
+            </a:pPr>
+            <a:r>
+              <a:rPr lang="ru-RU" dirty="0"/>
+              <a:t>Самые  большие  вложения  в  первых год,  мы  говорим о затратах на  само приложения  и  его рекламу.</a:t>
+            </a:r>
+          </a:p>
+          <a:p>
+            <a:pPr marL="285750" indent="-285750">
+              <a:buFont typeface="Arial" panose="020B0604020202020204" pitchFamily="34" charset="0"/>
+              <a:buChar char="•"/>
+            </a:pPr>
+            <a:r>
+              <a:rPr lang="ru-RU" dirty="0"/>
+              <a:t>Первый год</a:t>
+            </a:r>
+            <a:r>
+              <a:rPr lang="en-US" dirty="0"/>
+              <a:t>:</a:t>
+            </a:r>
+            <a:endParaRPr lang="ru-RU" dirty="0"/>
+          </a:p>
+          <a:p>
+            <a:pPr marL="285750" lvl="0" indent="-285750">
+              <a:buFont typeface="Arial" panose="020B0604020202020204" pitchFamily="34" charset="0"/>
+              <a:buChar char="•"/>
+            </a:pPr>
+            <a:r>
+              <a:rPr lang="ru-RU" dirty="0"/>
+              <a:t>Закупка сервисного оборудования</a:t>
+            </a:r>
+          </a:p>
+          <a:p>
+            <a:pPr marL="285750" lvl="0" indent="-285750">
+              <a:buFont typeface="Arial" panose="020B0604020202020204" pitchFamily="34" charset="0"/>
+              <a:buChar char="•"/>
+            </a:pPr>
+            <a:r>
+              <a:rPr lang="ru-RU" dirty="0"/>
+              <a:t>Оплата труда Разработчиков, аналитиков, архитекторов, </a:t>
+            </a:r>
+            <a:r>
+              <a:rPr lang="ru-RU" dirty="0" err="1"/>
+              <a:t>тестировщиков</a:t>
+            </a:r>
+            <a:r>
+              <a:rPr lang="ru-RU" dirty="0"/>
+              <a:t>, администраторов.</a:t>
+            </a:r>
+          </a:p>
+          <a:p>
+            <a:pPr marL="285750" lvl="0" indent="-285750">
+              <a:buFont typeface="Arial" panose="020B0604020202020204" pitchFamily="34" charset="0"/>
+              <a:buChar char="•"/>
+            </a:pPr>
+            <a:r>
+              <a:rPr lang="ru-RU" dirty="0"/>
+              <a:t>Аренда ЦОД.</a:t>
+            </a:r>
+          </a:p>
+          <a:p>
+            <a:pPr marL="285750" lvl="0" indent="-285750">
+              <a:buFont typeface="Arial" panose="020B0604020202020204" pitchFamily="34" charset="0"/>
+              <a:buChar char="•"/>
+            </a:pPr>
+            <a:r>
+              <a:rPr lang="ru-RU" dirty="0"/>
+              <a:t>Закупка лицензий.</a:t>
+            </a:r>
+          </a:p>
+          <a:p>
+            <a:pPr marL="285750" lvl="0" indent="-285750">
+              <a:buFont typeface="Arial" panose="020B0604020202020204" pitchFamily="34" charset="0"/>
+              <a:buChar char="•"/>
+            </a:pPr>
+            <a:r>
+              <a:rPr lang="ru-RU" dirty="0"/>
+              <a:t>Реклама.</a:t>
+            </a:r>
+          </a:p>
+          <a:p>
+            <a:pPr marL="285750" indent="-285750">
+              <a:buFont typeface="Arial" panose="020B0604020202020204" pitchFamily="34" charset="0"/>
+              <a:buChar char="•"/>
+            </a:pPr>
+            <a:r>
+              <a:rPr lang="ru-RU" dirty="0"/>
+              <a:t>Второй и последующие годы</a:t>
+            </a:r>
+            <a:r>
+              <a:rPr lang="en-US" dirty="0"/>
+              <a:t>:</a:t>
+            </a:r>
+            <a:endParaRPr lang="ru-RU" dirty="0"/>
+          </a:p>
+          <a:p>
+            <a:pPr marL="285750" lvl="0" indent="-285750">
+              <a:buFont typeface="Arial" panose="020B0604020202020204" pitchFamily="34" charset="0"/>
+              <a:buChar char="•"/>
+            </a:pPr>
+            <a:r>
+              <a:rPr lang="ru-RU" dirty="0"/>
+              <a:t>Оплата труда Разработчиков, аналитиков, архитекторов,  </a:t>
+            </a:r>
+            <a:r>
+              <a:rPr lang="ru-RU" dirty="0" err="1"/>
+              <a:t>тестировщиков</a:t>
+            </a:r>
+            <a:r>
+              <a:rPr lang="ru-RU" dirty="0"/>
+              <a:t>, администраторов.(так  как  любое приложение нужно дорабатывать и поддерживать,  остаются  все  специалисты но их количество и объём  средств на оплату сокращается.)</a:t>
+            </a:r>
+          </a:p>
+          <a:p>
+            <a:pPr marL="285750" lvl="0" indent="-285750">
+              <a:buFont typeface="Arial" panose="020B0604020202020204" pitchFamily="34" charset="0"/>
+              <a:buChar char="•"/>
+            </a:pPr>
+            <a:r>
+              <a:rPr lang="ru-RU" dirty="0"/>
+              <a:t>Аренда ЦОД.</a:t>
+            </a:r>
+          </a:p>
+          <a:p>
+            <a:endParaRPr lang="ru-RU" dirty="0"/>
           </a:p>
         </p:txBody>
       </p:sp>
@@ -3892,162 +7643,6 @@
     <p:extLst>
       <p:ext uri="{BB962C8B-B14F-4D97-AF65-F5344CB8AC3E}">
         <p14:creationId xmlns:p14="http://schemas.microsoft.com/office/powerpoint/2010/main" val="1115022892"/>
-      </p:ext>
-    </p:extLst>
-  </p:cSld>
-  <p:clrMapOvr>
-    <a:masterClrMapping/>
-  </p:clrMapOvr>
-</p:sld>
-</file>
-
-<file path=ppt/slides/slide16.xml><?xml version="1.0" encoding="utf-8"?>
-<p:sld xmlns:a="http://schemas.openxmlformats.org/drawingml/2006/main" xmlns:r="http://schemas.openxmlformats.org/officeDocument/2006/relationships" xmlns:p="http://schemas.openxmlformats.org/presentationml/2006/main">
-  <p:cSld>
-    <p:spTree>
-      <p:nvGrpSpPr>
-        <p:cNvPr id="1" name=""/>
-        <p:cNvGrpSpPr/>
-        <p:nvPr/>
-      </p:nvGrpSpPr>
-      <p:grpSpPr>
-        <a:xfrm>
-          <a:off x="0" y="0"/>
-          <a:ext cx="0" cy="0"/>
-          <a:chOff x="0" y="0"/>
-          <a:chExt cx="0" cy="0"/>
-        </a:xfrm>
-      </p:grpSpPr>
-      <p:sp>
-        <p:nvSpPr>
-          <p:cNvPr id="2" name="Rectangle 1"/>
-          <p:cNvSpPr/>
-          <p:nvPr/>
-        </p:nvSpPr>
-        <p:spPr>
-          <a:xfrm>
-            <a:off x="3048000" y="3064285"/>
-            <a:ext cx="6096000" cy="729430"/>
-          </a:xfrm>
-          <a:prstGeom prst="rect">
-            <a:avLst/>
-          </a:prstGeom>
-        </p:spPr>
-        <p:txBody>
-          <a:bodyPr>
-            <a:spAutoFit/>
-          </a:bodyPr>
-          <a:lstStyle/>
-          <a:p>
-            <a:pPr marL="342900" marR="0" lvl="0" indent="-342900">
-              <a:lnSpc>
-                <a:spcPct val="115000"/>
-              </a:lnSpc>
-              <a:spcBef>
-                <a:spcPts val="0"/>
-              </a:spcBef>
-              <a:spcAft>
-                <a:spcPts val="0"/>
-              </a:spcAft>
-              <a:buFont typeface="+mj-lt"/>
-              <a:buAutoNum type="arabicPeriod"/>
-            </a:pPr>
-            <a:r>
-              <a:rPr lang="ru-RU" b="1" dirty="0">
-                <a:latin typeface="Arial" panose="020B0604020202020204" pitchFamily="34" charset="0"/>
-                <a:ea typeface="Arial" panose="020B0604020202020204" pitchFamily="34" charset="0"/>
-              </a:rPr>
-              <a:t>Анализ рисков созданной архитектуры, компромиссов.</a:t>
-            </a:r>
-            <a:endParaRPr lang="ru-RU" dirty="0">
-              <a:latin typeface="Arial" panose="020B0604020202020204" pitchFamily="34" charset="0"/>
-              <a:ea typeface="Arial" panose="020B0604020202020204" pitchFamily="34" charset="0"/>
-            </a:endParaRPr>
-          </a:p>
-        </p:txBody>
-      </p:sp>
-    </p:spTree>
-    <p:extLst>
-      <p:ext uri="{BB962C8B-B14F-4D97-AF65-F5344CB8AC3E}">
-        <p14:creationId xmlns:p14="http://schemas.microsoft.com/office/powerpoint/2010/main" val="198777705"/>
-      </p:ext>
-    </p:extLst>
-  </p:cSld>
-  <p:clrMapOvr>
-    <a:masterClrMapping/>
-  </p:clrMapOvr>
-</p:sld>
-</file>
-
-<file path=ppt/slides/slide17.xml><?xml version="1.0" encoding="utf-8"?>
-<p:sld xmlns:a="http://schemas.openxmlformats.org/drawingml/2006/main" xmlns:r="http://schemas.openxmlformats.org/officeDocument/2006/relationships" xmlns:p="http://schemas.openxmlformats.org/presentationml/2006/main">
-  <p:cSld>
-    <p:spTree>
-      <p:nvGrpSpPr>
-        <p:cNvPr id="1" name=""/>
-        <p:cNvGrpSpPr/>
-        <p:nvPr/>
-      </p:nvGrpSpPr>
-      <p:grpSpPr>
-        <a:xfrm>
-          <a:off x="0" y="0"/>
-          <a:ext cx="0" cy="0"/>
-          <a:chOff x="0" y="0"/>
-          <a:chExt cx="0" cy="0"/>
-        </a:xfrm>
-      </p:grpSpPr>
-      <p:sp>
-        <p:nvSpPr>
-          <p:cNvPr id="2" name="Rectangle 1"/>
-          <p:cNvSpPr/>
-          <p:nvPr/>
-        </p:nvSpPr>
-        <p:spPr>
-          <a:xfrm>
-            <a:off x="3048000" y="2905011"/>
-            <a:ext cx="6096000" cy="1047979"/>
-          </a:xfrm>
-          <a:prstGeom prst="rect">
-            <a:avLst/>
-          </a:prstGeom>
-        </p:spPr>
-        <p:txBody>
-          <a:bodyPr>
-            <a:spAutoFit/>
-          </a:bodyPr>
-          <a:lstStyle/>
-          <a:p>
-            <a:pPr marL="342900" marR="0" lvl="0" indent="-342900">
-              <a:lnSpc>
-                <a:spcPct val="115000"/>
-              </a:lnSpc>
-              <a:spcBef>
-                <a:spcPts val="0"/>
-              </a:spcBef>
-              <a:spcAft>
-                <a:spcPts val="0"/>
-              </a:spcAft>
-              <a:buFont typeface="+mj-lt"/>
-              <a:buAutoNum type="arabicPeriod"/>
-            </a:pPr>
-            <a:r>
-              <a:rPr lang="ru-RU" b="1" dirty="0">
-                <a:latin typeface="Arial" panose="020B0604020202020204" pitchFamily="34" charset="0"/>
-                <a:ea typeface="Arial" panose="020B0604020202020204" pitchFamily="34" charset="0"/>
-              </a:rPr>
-              <a:t>Стоимость владения системой в первый, второй и пятый годы с учётом роста данных и базы пользователей. </a:t>
-            </a:r>
-            <a:endParaRPr lang="ru-RU" dirty="0">
-              <a:latin typeface="Arial" panose="020B0604020202020204" pitchFamily="34" charset="0"/>
-              <a:ea typeface="Arial" panose="020B0604020202020204" pitchFamily="34" charset="0"/>
-            </a:endParaRPr>
-          </a:p>
-        </p:txBody>
-      </p:sp>
-    </p:spTree>
-    <p:extLst>
-      <p:ext uri="{BB962C8B-B14F-4D97-AF65-F5344CB8AC3E}">
-        <p14:creationId xmlns:p14="http://schemas.microsoft.com/office/powerpoint/2010/main" val="3270600420"/>
       </p:ext>
     </p:extLst>
   </p:cSld>
@@ -4076,26 +7671,30 @@
       </p:grpSpPr>
       <p:sp>
         <p:nvSpPr>
-          <p:cNvPr id="2" name="Rectangle 1"/>
-          <p:cNvSpPr/>
-          <p:nvPr/>
+          <p:cNvPr id="17" name="Title 16"/>
+          <p:cNvSpPr>
+            <a:spLocks noGrp="1"/>
+          </p:cNvSpPr>
+          <p:nvPr>
+            <p:ph type="title"/>
+          </p:nvPr>
         </p:nvSpPr>
         <p:spPr>
           <a:xfrm>
-            <a:off x="3089119" y="3223559"/>
-            <a:ext cx="6013762" cy="410882"/>
+            <a:off x="839788" y="299706"/>
+            <a:ext cx="10773092" cy="605550"/>
           </a:xfrm>
           <a:prstGeom prst="rect">
             <a:avLst/>
           </a:prstGeom>
         </p:spPr>
         <p:txBody>
-          <a:bodyPr wrap="none">
+          <a:bodyPr wrap="square">
             <a:spAutoFit/>
           </a:bodyPr>
           <a:lstStyle/>
           <a:p>
-            <a:pPr marL="342900" marR="0" lvl="0" indent="-342900">
+            <a:pPr marR="0" lvl="0">
               <a:lnSpc>
                 <a:spcPct val="115000"/>
               </a:lnSpc>
@@ -4105,20 +7704,252 @@
               <a:spcAft>
                 <a:spcPts val="0"/>
               </a:spcAft>
-              <a:buFont typeface="+mj-lt"/>
-              <a:buAutoNum type="arabicPeriod"/>
-            </a:pPr>
-            <a:r>
-              <a:rPr lang="ru-RU" b="1" dirty="0">
-                <a:latin typeface="Arial" panose="020B0604020202020204" pitchFamily="34" charset="0"/>
+            </a:pPr>
+            <a:r>
+              <a:rPr lang="ru-RU" sz="2900" dirty="0" smtClean="0">
+                <a:latin typeface="+mn-lt"/>
                 <a:ea typeface="Arial" panose="020B0604020202020204" pitchFamily="34" charset="0"/>
               </a:rPr>
               <a:t>Анализ и список функциональных требований.</a:t>
             </a:r>
-            <a:endParaRPr lang="ru-RU" dirty="0">
-              <a:latin typeface="Arial" panose="020B0604020202020204" pitchFamily="34" charset="0"/>
+            <a:endParaRPr lang="ru-RU" sz="2900" dirty="0">
+              <a:latin typeface="+mn-lt"/>
               <a:ea typeface="Arial" panose="020B0604020202020204" pitchFamily="34" charset="0"/>
             </a:endParaRPr>
+          </a:p>
+        </p:txBody>
+      </p:sp>
+      <p:sp>
+        <p:nvSpPr>
+          <p:cNvPr id="16" name="Text Placeholder 15"/>
+          <p:cNvSpPr>
+            <a:spLocks noGrp="1"/>
+          </p:cNvSpPr>
+          <p:nvPr>
+            <p:ph type="body" sz="half" idx="2"/>
+          </p:nvPr>
+        </p:nvSpPr>
+        <p:spPr>
+          <a:xfrm>
+            <a:off x="766636" y="905256"/>
+            <a:ext cx="11074843" cy="5797296"/>
+          </a:xfrm>
+        </p:spPr>
+        <p:txBody>
+          <a:bodyPr>
+            <a:normAutofit fontScale="25000" lnSpcReduction="20000"/>
+          </a:bodyPr>
+          <a:lstStyle/>
+          <a:p>
+            <a:pPr marL="857250" lvl="0" indent="-857250">
+              <a:buFont typeface="Arial" panose="020B0604020202020204" pitchFamily="34" charset="0"/>
+              <a:buChar char="•"/>
+            </a:pPr>
+            <a:r>
+              <a:rPr lang="ru-RU" sz="5600" dirty="0"/>
+              <a:t>Приложение должно формировать социальные группы по интересам.</a:t>
+            </a:r>
+          </a:p>
+          <a:p>
+            <a:pPr marL="857250" lvl="0" indent="-857250">
+              <a:buFont typeface="Arial" panose="020B0604020202020204" pitchFamily="34" charset="0"/>
+              <a:buChar char="•"/>
+            </a:pPr>
+            <a:r>
+              <a:rPr lang="ru-RU" sz="5600" dirty="0"/>
+              <a:t>Приложение должно само поддерживаться.</a:t>
+            </a:r>
+          </a:p>
+          <a:p>
+            <a:pPr marL="857250" lvl="0" indent="-857250">
+              <a:buFont typeface="Arial" panose="020B0604020202020204" pitchFamily="34" charset="0"/>
+              <a:buChar char="•"/>
+            </a:pPr>
+            <a:r>
+              <a:rPr lang="ru-RU" sz="5600" dirty="0"/>
+              <a:t>Участники будут общаться и влиять друг на друга.</a:t>
+            </a:r>
+          </a:p>
+          <a:p>
+            <a:pPr marL="857250" lvl="0" indent="-857250">
+              <a:buFont typeface="Arial" panose="020B0604020202020204" pitchFamily="34" charset="0"/>
+              <a:buChar char="•"/>
+            </a:pPr>
+            <a:r>
+              <a:rPr lang="ru-RU" sz="5600" dirty="0"/>
+              <a:t>Формирование такого образа бренда в глазах участников.</a:t>
+            </a:r>
+          </a:p>
+          <a:p>
+            <a:pPr marL="857250" lvl="0" indent="-857250">
+              <a:buFont typeface="Arial" panose="020B0604020202020204" pitchFamily="34" charset="0"/>
+              <a:buChar char="•"/>
+            </a:pPr>
+            <a:r>
+              <a:rPr lang="ru-RU" sz="5600" dirty="0"/>
+              <a:t>Предоставление информации о характеристиках тренировки, сравнение с прошлыми тренировками, сравнение с людьми в регионе, с профессиональными спортсменами.</a:t>
+            </a:r>
+          </a:p>
+          <a:p>
+            <a:pPr marL="857250" lvl="0" indent="-857250">
+              <a:buFont typeface="Arial" panose="020B0604020202020204" pitchFamily="34" charset="0"/>
+              <a:buChar char="•"/>
+            </a:pPr>
+            <a:r>
+              <a:rPr lang="ru-RU" sz="5600" dirty="0"/>
+              <a:t>Основное сравнение — с самим собой для стимулирования результатов.</a:t>
+            </a:r>
+          </a:p>
+          <a:p>
+            <a:pPr marL="857250" lvl="0" indent="-857250">
+              <a:buFont typeface="Arial" panose="020B0604020202020204" pitchFamily="34" charset="0"/>
+              <a:buChar char="•"/>
+            </a:pPr>
+            <a:r>
+              <a:rPr lang="ru-RU" sz="5600" dirty="0"/>
+              <a:t>Возможность поиска людей по схожим интересам.</a:t>
+            </a:r>
+          </a:p>
+          <a:p>
+            <a:pPr marL="857250" lvl="0" indent="-857250">
+              <a:buFont typeface="Arial" panose="020B0604020202020204" pitchFamily="34" charset="0"/>
+              <a:buChar char="•"/>
+            </a:pPr>
+            <a:r>
+              <a:rPr lang="ru-RU" sz="5600" dirty="0"/>
+              <a:t>Формирования групп для совместных занятий.</a:t>
+            </a:r>
+          </a:p>
+          <a:p>
+            <a:pPr marL="857250" lvl="0" indent="-857250">
+              <a:buFont typeface="Arial" panose="020B0604020202020204" pitchFamily="34" charset="0"/>
+              <a:buChar char="•"/>
+            </a:pPr>
+            <a:r>
+              <a:rPr lang="ru-RU" sz="5600" dirty="0"/>
+              <a:t>Возможность указания своего спортивного инвентаря (обувь, снаряды) для подсказок по составлению тренировок или своевременного обновления обуви. </a:t>
+            </a:r>
+          </a:p>
+          <a:p>
+            <a:pPr marL="857250" lvl="0" indent="-857250">
+              <a:buFont typeface="Arial" panose="020B0604020202020204" pitchFamily="34" charset="0"/>
+              <a:buChar char="•"/>
+            </a:pPr>
+            <a:r>
+              <a:rPr lang="ru-RU" sz="5600" dirty="0"/>
+              <a:t>Формирование и подсказки по составлению тренировок и их расписания. </a:t>
+            </a:r>
+          </a:p>
+          <a:p>
+            <a:pPr marL="857250" lvl="0" indent="-857250">
+              <a:buFont typeface="Arial" panose="020B0604020202020204" pitchFamily="34" charset="0"/>
+              <a:buChar char="•"/>
+            </a:pPr>
+            <a:r>
+              <a:rPr lang="ru-RU" sz="5600" dirty="0"/>
+              <a:t>Уведомление друзей о ваших новых успехах.</a:t>
+            </a:r>
+          </a:p>
+          <a:p>
+            <a:pPr marL="857250" lvl="0" indent="-857250">
+              <a:buFont typeface="Arial" panose="020B0604020202020204" pitchFamily="34" charset="0"/>
+              <a:buChar char="•"/>
+            </a:pPr>
+            <a:r>
+              <a:rPr lang="ru-RU" sz="5600" dirty="0" err="1"/>
+              <a:t>Геймификация</a:t>
+            </a:r>
+            <a:r>
+              <a:rPr lang="ru-RU" sz="5600" dirty="0"/>
+              <a:t>.</a:t>
+            </a:r>
+          </a:p>
+          <a:p>
+            <a:pPr marL="857250" lvl="0" indent="-857250">
+              <a:buFont typeface="Arial" panose="020B0604020202020204" pitchFamily="34" charset="0"/>
+              <a:buChar char="•"/>
+            </a:pPr>
+            <a:r>
+              <a:rPr lang="ru-RU" sz="5600" dirty="0"/>
+              <a:t>Внедрение </a:t>
+            </a:r>
+            <a:r>
+              <a:rPr lang="ru-RU" sz="5600" dirty="0" err="1"/>
+              <a:t>промоакций</a:t>
+            </a:r>
+            <a:r>
+              <a:rPr lang="ru-RU" sz="5600" dirty="0"/>
+              <a:t> и новостей спорта в зависимости от характера тренировок для </a:t>
+            </a:r>
+            <a:r>
+              <a:rPr lang="ru-RU" sz="5600" dirty="0" err="1"/>
+              <a:t>вовлечённости</a:t>
+            </a:r>
+            <a:r>
+              <a:rPr lang="ru-RU" sz="5600" dirty="0"/>
+              <a:t>.</a:t>
+            </a:r>
+          </a:p>
+          <a:p>
+            <a:pPr marL="857250" lvl="0" indent="-857250">
+              <a:buFont typeface="Arial" panose="020B0604020202020204" pitchFamily="34" charset="0"/>
+              <a:buChar char="•"/>
+            </a:pPr>
+            <a:r>
+              <a:rPr lang="ru-RU" sz="5600" dirty="0"/>
+              <a:t>Возможность подключения сторонних устройств для отслеживания тренировок (датчик сердцебиения, кислорода и так далее). </a:t>
+            </a:r>
+          </a:p>
+          <a:p>
+            <a:pPr marL="857250" lvl="0" indent="-857250">
+              <a:buFont typeface="Arial" panose="020B0604020202020204" pitchFamily="34" charset="0"/>
+              <a:buChar char="•"/>
+            </a:pPr>
+            <a:r>
+              <a:rPr lang="ru-RU" sz="5600" dirty="0"/>
+              <a:t>Лёгкая интеграция существующих приложений компании для облегчения продаж. </a:t>
+            </a:r>
+          </a:p>
+          <a:p>
+            <a:pPr marL="857250" lvl="0" indent="-857250">
+              <a:buFont typeface="Arial" panose="020B0604020202020204" pitchFamily="34" charset="0"/>
+              <a:buChar char="•"/>
+            </a:pPr>
+            <a:r>
+              <a:rPr lang="ru-RU" sz="5600" dirty="0"/>
+              <a:t>Возможность вставки региональных </a:t>
+            </a:r>
+            <a:r>
+              <a:rPr lang="ru-RU" sz="5600" dirty="0" err="1"/>
+              <a:t>промоакций</a:t>
+            </a:r>
+            <a:r>
+              <a:rPr lang="ru-RU" sz="5600" dirty="0"/>
+              <a:t>.</a:t>
+            </a:r>
+          </a:p>
+          <a:p>
+            <a:pPr marL="857250" lvl="0" indent="-857250">
+              <a:buFont typeface="Arial" panose="020B0604020202020204" pitchFamily="34" charset="0"/>
+              <a:buChar char="•"/>
+            </a:pPr>
+            <a:r>
+              <a:rPr lang="ru-RU" sz="5600" dirty="0"/>
+              <a:t>Интеграция с фитнес-функциями телефона.</a:t>
+            </a:r>
+          </a:p>
+          <a:p>
+            <a:pPr marL="857250" lvl="0" indent="-857250">
+              <a:buFont typeface="Arial" panose="020B0604020202020204" pitchFamily="34" charset="0"/>
+              <a:buChar char="•"/>
+            </a:pPr>
+            <a:r>
+              <a:rPr lang="ru-RU" sz="5600" dirty="0"/>
+              <a:t>Особое внимание охране пользовательских данных.</a:t>
+            </a:r>
+          </a:p>
+          <a:p>
+            <a:endParaRPr lang="ru-RU" dirty="0"/>
           </a:p>
         </p:txBody>
       </p:sp>
@@ -4154,63 +7985,130 @@
       </p:grpSpPr>
       <p:sp>
         <p:nvSpPr>
-          <p:cNvPr id="2" name="Rectangle 1"/>
-          <p:cNvSpPr/>
-          <p:nvPr/>
-        </p:nvSpPr>
+          <p:cNvPr id="3" name="Title 2"/>
+          <p:cNvSpPr>
+            <a:spLocks noGrp="1"/>
+          </p:cNvSpPr>
+          <p:nvPr>
+            <p:ph type="title"/>
+          </p:nvPr>
+        </p:nvSpPr>
+        <p:spPr/>
+        <p:txBody>
+          <a:bodyPr/>
+          <a:lstStyle/>
+          <a:p>
+            <a:pPr lvl="0"/>
+            <a:r>
+              <a:rPr lang="ru-RU" b="1" dirty="0"/>
+              <a:t>Анализ </a:t>
+            </a:r>
+            <a:r>
+              <a:rPr lang="ru-RU" b="1" dirty="0" err="1"/>
+              <a:t>стейкхолдеров</a:t>
+            </a:r>
+            <a:r>
+              <a:rPr lang="ru-RU" b="1" dirty="0"/>
+              <a:t> и их интересов.</a:t>
+            </a:r>
+            <a:endParaRPr lang="ru-RU" dirty="0"/>
+          </a:p>
+        </p:txBody>
+      </p:sp>
+      <p:pic>
+        <p:nvPicPr>
+          <p:cNvPr id="6" name="Content Placeholder 5"/>
+          <p:cNvPicPr>
+            <a:picLocks noGrp="1" noChangeAspect="1"/>
+          </p:cNvPicPr>
+          <p:nvPr>
+            <p:ph idx="1"/>
+          </p:nvPr>
+        </p:nvPicPr>
+        <p:blipFill>
+          <a:blip r:embed="rId2"/>
+          <a:stretch>
+            <a:fillRect/>
+          </a:stretch>
+        </p:blipFill>
         <p:spPr>
           <a:xfrm>
-            <a:off x="3577586" y="3223559"/>
-            <a:ext cx="5036828" cy="410882"/>
+            <a:off x="4971225" y="2213734"/>
+            <a:ext cx="4513262" cy="3147784"/>
           </a:xfrm>
           <a:prstGeom prst="rect">
             <a:avLst/>
           </a:prstGeom>
         </p:spPr>
-        <p:txBody>
-          <a:bodyPr wrap="none">
-            <a:spAutoFit/>
-          </a:bodyPr>
+      </p:pic>
+      <p:sp>
+        <p:nvSpPr>
+          <p:cNvPr id="5" name="Text Placeholder 4"/>
+          <p:cNvSpPr>
+            <a:spLocks noGrp="1"/>
+          </p:cNvSpPr>
+          <p:nvPr>
+            <p:ph type="body" sz="half" idx="2"/>
+          </p:nvPr>
+        </p:nvSpPr>
+        <p:spPr/>
+        <p:txBody>
+          <a:bodyPr/>
           <a:lstStyle/>
           <a:p>
-            <a:pPr marL="342900" marR="0" lvl="0" indent="-342900">
-              <a:lnSpc>
-                <a:spcPct val="115000"/>
-              </a:lnSpc>
-              <a:spcBef>
-                <a:spcPts val="0"/>
-              </a:spcBef>
-              <a:spcAft>
-                <a:spcPts val="0"/>
-              </a:spcAft>
-              <a:buFont typeface="+mj-lt"/>
-              <a:buAutoNum type="arabicPeriod"/>
-            </a:pPr>
-            <a:r>
-              <a:rPr lang="ru-RU" b="1" dirty="0">
-                <a:latin typeface="Arial" panose="020B0604020202020204" pitchFamily="34" charset="0"/>
-                <a:ea typeface="Arial" panose="020B0604020202020204" pitchFamily="34" charset="0"/>
-              </a:rPr>
-              <a:t>Анализ </a:t>
-            </a:r>
-            <a:r>
-              <a:rPr lang="ru-RU" b="1" dirty="0" err="1">
-                <a:latin typeface="Arial" panose="020B0604020202020204" pitchFamily="34" charset="0"/>
-                <a:ea typeface="Arial" panose="020B0604020202020204" pitchFamily="34" charset="0"/>
-              </a:rPr>
-              <a:t>стейкхолдеров</a:t>
-            </a:r>
-            <a:r>
-              <a:rPr lang="ru-RU" b="1" dirty="0">
-                <a:latin typeface="Arial" panose="020B0604020202020204" pitchFamily="34" charset="0"/>
-                <a:ea typeface="Arial" panose="020B0604020202020204" pitchFamily="34" charset="0"/>
-              </a:rPr>
-              <a:t> и их интересов.</a:t>
-            </a:r>
-            <a:endParaRPr lang="ru-RU" dirty="0">
-              <a:latin typeface="Arial" panose="020B0604020202020204" pitchFamily="34" charset="0"/>
-              <a:ea typeface="Arial" panose="020B0604020202020204" pitchFamily="34" charset="0"/>
-            </a:endParaRPr>
+            <a:pPr marL="285750" lvl="0" indent="-285750">
+              <a:buFont typeface="Arial" panose="020B0604020202020204" pitchFamily="34" charset="0"/>
+              <a:buChar char="•"/>
+            </a:pPr>
+            <a:r>
+              <a:rPr lang="ru-RU" dirty="0" smtClean="0"/>
+              <a:t>Поручить </a:t>
+            </a:r>
+            <a:r>
+              <a:rPr lang="ru-RU" dirty="0"/>
+              <a:t>отделу аналитиков изучить аналогичные приложения.</a:t>
+            </a:r>
+          </a:p>
+          <a:p>
+            <a:pPr marL="285750" lvl="0" indent="-285750">
+              <a:buFont typeface="Arial" panose="020B0604020202020204" pitchFamily="34" charset="0"/>
+              <a:buChar char="•"/>
+            </a:pPr>
+            <a:r>
+              <a:rPr lang="ru-RU" dirty="0"/>
+              <a:t>Собрать плюсы и минусы существующих приложений.</a:t>
+            </a:r>
+          </a:p>
+          <a:p>
+            <a:pPr marL="285750" lvl="0" indent="-285750">
+              <a:buFont typeface="Arial" panose="020B0604020202020204" pitchFamily="34" charset="0"/>
+              <a:buChar char="•"/>
+            </a:pPr>
+            <a:r>
+              <a:rPr lang="ru-RU" dirty="0"/>
+              <a:t>Определить целевую аудиторию.</a:t>
+            </a:r>
+          </a:p>
+          <a:p>
+            <a:pPr marL="285750" lvl="0" indent="-285750">
+              <a:buFont typeface="Arial" panose="020B0604020202020204" pitchFamily="34" charset="0"/>
+              <a:buChar char="•"/>
+            </a:pPr>
+            <a:r>
+              <a:rPr lang="ru-RU" dirty="0"/>
+              <a:t>Наем компании для  проведения опроса по стране в </a:t>
+            </a:r>
+            <a:r>
+              <a:rPr lang="ru-RU" dirty="0" err="1"/>
+              <a:t>online</a:t>
+            </a:r>
+            <a:r>
+              <a:rPr lang="ru-RU" dirty="0"/>
+              <a:t> формате.</a:t>
+            </a:r>
+          </a:p>
+          <a:p>
+            <a:endParaRPr lang="ru-RU" dirty="0"/>
           </a:p>
         </p:txBody>
       </p:sp>
@@ -4246,52 +8144,217 @@
       </p:grpSpPr>
       <p:sp>
         <p:nvSpPr>
-          <p:cNvPr id="2" name="Rectangle 1"/>
-          <p:cNvSpPr/>
-          <p:nvPr/>
+          <p:cNvPr id="3" name="Title 2"/>
+          <p:cNvSpPr>
+            <a:spLocks noGrp="1"/>
+          </p:cNvSpPr>
+          <p:nvPr>
+            <p:ph type="title"/>
+          </p:nvPr>
         </p:nvSpPr>
         <p:spPr>
           <a:xfrm>
-            <a:off x="3400422" y="3223559"/>
-            <a:ext cx="5391156" cy="410882"/>
+            <a:off x="559140" y="374904"/>
+            <a:ext cx="3354492" cy="1278466"/>
+          </a:xfrm>
+        </p:spPr>
+        <p:txBody>
+          <a:bodyPr>
+            <a:normAutofit fontScale="90000"/>
+          </a:bodyPr>
+          <a:lstStyle/>
+          <a:p>
+            <a:r>
+              <a:rPr lang="ru-RU" b="1" dirty="0"/>
+              <a:t>Разработка концептуальной архитектуры.</a:t>
+            </a:r>
+            <a:r>
+              <a:rPr lang="ru-RU" dirty="0"/>
+              <a:t/>
+            </a:r>
+            <a:br>
+              <a:rPr lang="ru-RU" dirty="0"/>
+            </a:br>
+            <a:endParaRPr lang="ru-RU" dirty="0"/>
+          </a:p>
+        </p:txBody>
+      </p:sp>
+      <p:sp>
+        <p:nvSpPr>
+          <p:cNvPr id="5" name="Text Placeholder 4"/>
+          <p:cNvSpPr>
+            <a:spLocks noGrp="1"/>
+          </p:cNvSpPr>
+          <p:nvPr>
+            <p:ph type="body" sz="half" idx="2"/>
+          </p:nvPr>
+        </p:nvSpPr>
+        <p:spPr>
+          <a:xfrm>
+            <a:off x="677334" y="1920241"/>
+            <a:ext cx="3236298" cy="4718304"/>
+          </a:xfrm>
+        </p:spPr>
+        <p:txBody>
+          <a:bodyPr>
+            <a:normAutofit lnSpcReduction="10000"/>
+          </a:bodyPr>
+          <a:lstStyle/>
+          <a:p>
+            <a:pPr marL="285750" lvl="0" indent="-285750">
+              <a:buFont typeface="Arial" panose="020B0604020202020204" pitchFamily="34" charset="0"/>
+              <a:buChar char="•"/>
+            </a:pPr>
+            <a:r>
+              <a:rPr lang="ru-RU" dirty="0"/>
+              <a:t>Модуль магазин. </a:t>
+            </a:r>
+          </a:p>
+          <a:p>
+            <a:pPr marL="285750" lvl="0" indent="-285750">
+              <a:buFont typeface="Arial" panose="020B0604020202020204" pitchFamily="34" charset="0"/>
+              <a:buChar char="•"/>
+            </a:pPr>
+            <a:r>
+              <a:rPr lang="ru-RU" dirty="0"/>
+              <a:t> Модуль заказа.</a:t>
+            </a:r>
+          </a:p>
+          <a:p>
+            <a:pPr marL="285750" lvl="0" indent="-285750">
+              <a:buFont typeface="Arial" panose="020B0604020202020204" pitchFamily="34" charset="0"/>
+              <a:buChar char="•"/>
+            </a:pPr>
+            <a:r>
+              <a:rPr lang="ru-RU" dirty="0"/>
+              <a:t> Модуль склад.</a:t>
+            </a:r>
+          </a:p>
+          <a:p>
+            <a:pPr marL="285750" lvl="0" indent="-285750">
+              <a:buFont typeface="Arial" panose="020B0604020202020204" pitchFamily="34" charset="0"/>
+              <a:buChar char="•"/>
+            </a:pPr>
+            <a:r>
+              <a:rPr lang="ru-RU" dirty="0"/>
+              <a:t> Модуль доставки.</a:t>
+            </a:r>
+          </a:p>
+          <a:p>
+            <a:pPr marL="285750" lvl="0" indent="-285750">
+              <a:buFont typeface="Arial" panose="020B0604020202020204" pitchFamily="34" charset="0"/>
+              <a:buChar char="•"/>
+            </a:pPr>
+            <a:r>
+              <a:rPr lang="ru-RU" dirty="0"/>
+              <a:t> Модуль оплаты.</a:t>
+            </a:r>
+          </a:p>
+          <a:p>
+            <a:pPr marL="285750" lvl="0" indent="-285750">
+              <a:buFont typeface="Arial" panose="020B0604020202020204" pitchFamily="34" charset="0"/>
+              <a:buChar char="•"/>
+            </a:pPr>
+            <a:r>
+              <a:rPr lang="ru-RU" dirty="0"/>
+              <a:t> Модуль трекинга доставки.</a:t>
+            </a:r>
+          </a:p>
+          <a:p>
+            <a:pPr marL="285750" lvl="0" indent="-285750">
+              <a:buFont typeface="Arial" panose="020B0604020202020204" pitchFamily="34" charset="0"/>
+              <a:buChar char="•"/>
+            </a:pPr>
+            <a:r>
+              <a:rPr lang="ru-RU" dirty="0"/>
+              <a:t> Модуль регистрации.</a:t>
+            </a:r>
+          </a:p>
+          <a:p>
+            <a:pPr marL="285750" lvl="0" indent="-285750">
+              <a:buFont typeface="Arial" panose="020B0604020202020204" pitchFamily="34" charset="0"/>
+              <a:buChar char="•"/>
+            </a:pPr>
+            <a:r>
+              <a:rPr lang="ru-RU" dirty="0"/>
+              <a:t> Модуль авторизации.</a:t>
+            </a:r>
+          </a:p>
+          <a:p>
+            <a:pPr marL="285750" lvl="0" indent="-285750">
+              <a:buFont typeface="Arial" panose="020B0604020202020204" pitchFamily="34" charset="0"/>
+              <a:buChar char="•"/>
+            </a:pPr>
+            <a:r>
+              <a:rPr lang="ru-RU" dirty="0"/>
+              <a:t> Модуль пользователя(Обширный модуль здесь собраны  все  личные данные и    показатели, также  история тренировок).</a:t>
+            </a:r>
+          </a:p>
+          <a:p>
+            <a:pPr marL="285750" lvl="0" indent="-285750">
+              <a:buFont typeface="Arial" panose="020B0604020202020204" pitchFamily="34" charset="0"/>
+              <a:buChar char="•"/>
+            </a:pPr>
+            <a:r>
+              <a:rPr lang="ru-RU" dirty="0"/>
+              <a:t> Модуль чат.</a:t>
+            </a:r>
+          </a:p>
+          <a:p>
+            <a:pPr marL="285750" lvl="0" indent="-285750">
+              <a:buFont typeface="Arial" panose="020B0604020202020204" pitchFamily="34" charset="0"/>
+              <a:buChar char="•"/>
+            </a:pPr>
+            <a:r>
+              <a:rPr lang="ru-RU" dirty="0"/>
+              <a:t> Модуль группа.</a:t>
+            </a:r>
+          </a:p>
+          <a:p>
+            <a:pPr marL="285750" lvl="0" indent="-285750">
+              <a:buFont typeface="Arial" panose="020B0604020202020204" pitchFamily="34" charset="0"/>
+              <a:buChar char="•"/>
+            </a:pPr>
+            <a:r>
+              <a:rPr lang="ru-RU" dirty="0"/>
+              <a:t>Модуль интеграции.</a:t>
+            </a:r>
+            <a:endParaRPr lang="ru-RU" dirty="0"/>
+          </a:p>
+        </p:txBody>
+      </p:sp>
+      <p:pic>
+        <p:nvPicPr>
+          <p:cNvPr id="6" name="Content Placeholder 5"/>
+          <p:cNvPicPr>
+            <a:picLocks noGrp="1"/>
+          </p:cNvPicPr>
+          <p:nvPr>
+            <p:ph idx="1"/>
+          </p:nvPr>
+        </p:nvPicPr>
+        <p:blipFill>
+          <a:blip r:embed="rId2">
+            <a:extLst>
+              <a:ext uri="{28A0092B-C50C-407E-A947-70E740481C1C}">
+                <a14:useLocalDpi xmlns:a14="http://schemas.microsoft.com/office/drawing/2010/main" val="0"/>
+              </a:ext>
+            </a:extLst>
+          </a:blip>
+          <a:stretch>
+            <a:fillRect/>
+          </a:stretch>
+        </p:blipFill>
+        <p:spPr>
+          <a:xfrm>
+            <a:off x="4050792" y="374904"/>
+            <a:ext cx="5650992" cy="6337046"/>
           </a:xfrm>
           <a:prstGeom prst="rect">
             <a:avLst/>
           </a:prstGeom>
         </p:spPr>
-        <p:txBody>
-          <a:bodyPr wrap="none">
-            <a:spAutoFit/>
-          </a:bodyPr>
-          <a:lstStyle/>
-          <a:p>
-            <a:pPr marL="342900" marR="0" lvl="0" indent="-342900">
-              <a:lnSpc>
-                <a:spcPct val="115000"/>
-              </a:lnSpc>
-              <a:spcBef>
-                <a:spcPts val="0"/>
-              </a:spcBef>
-              <a:spcAft>
-                <a:spcPts val="0"/>
-              </a:spcAft>
-              <a:buFont typeface="+mj-lt"/>
-              <a:buAutoNum type="arabicPeriod"/>
-            </a:pPr>
-            <a:r>
-              <a:rPr lang="ru-RU" b="1" dirty="0">
-                <a:latin typeface="Arial" panose="020B0604020202020204" pitchFamily="34" charset="0"/>
-                <a:ea typeface="Arial" panose="020B0604020202020204" pitchFamily="34" charset="0"/>
-              </a:rPr>
-              <a:t>Разработка концептуальной архитектуры.</a:t>
-            </a:r>
-            <a:endParaRPr lang="ru-RU" dirty="0">
-              <a:latin typeface="Arial" panose="020B0604020202020204" pitchFamily="34" charset="0"/>
-              <a:ea typeface="Arial" panose="020B0604020202020204" pitchFamily="34" charset="0"/>
-            </a:endParaRPr>
-          </a:p>
-        </p:txBody>
-      </p:sp>
+      </p:pic>
     </p:spTree>
     <p:extLst>
       <p:ext uri="{BB962C8B-B14F-4D97-AF65-F5344CB8AC3E}">
@@ -4324,49 +8387,126 @@
       </p:grpSpPr>
       <p:sp>
         <p:nvSpPr>
-          <p:cNvPr id="2" name="Rectangle 1"/>
-          <p:cNvSpPr/>
-          <p:nvPr/>
+          <p:cNvPr id="3" name="Title 2"/>
+          <p:cNvSpPr>
+            <a:spLocks noGrp="1"/>
+          </p:cNvSpPr>
+          <p:nvPr>
+            <p:ph type="title"/>
+          </p:nvPr>
         </p:nvSpPr>
         <p:spPr>
           <a:xfrm>
-            <a:off x="3048000" y="3064285"/>
-            <a:ext cx="6096000" cy="729430"/>
+            <a:off x="791634" y="514924"/>
+            <a:ext cx="3854528" cy="1278466"/>
+          </a:xfrm>
+        </p:spPr>
+        <p:txBody>
+          <a:bodyPr/>
+          <a:lstStyle/>
+          <a:p>
+            <a:r>
+              <a:rPr lang="ru-RU" b="1" dirty="0"/>
+              <a:t>Описание рисков реализации (бизнес и технические).</a:t>
+            </a:r>
+            <a:r>
+              <a:rPr lang="ru-RU" dirty="0"/>
+              <a:t/>
+            </a:r>
+            <a:br>
+              <a:rPr lang="ru-RU" dirty="0"/>
+            </a:br>
+            <a:endParaRPr lang="ru-RU" dirty="0"/>
+          </a:p>
+        </p:txBody>
+      </p:sp>
+      <p:pic>
+        <p:nvPicPr>
+          <p:cNvPr id="6" name="Content Placeholder 5"/>
+          <p:cNvPicPr>
+            <a:picLocks noGrp="1" noChangeAspect="1"/>
+          </p:cNvPicPr>
+          <p:nvPr>
+            <p:ph idx="1"/>
+          </p:nvPr>
+        </p:nvPicPr>
+        <p:blipFill>
+          <a:blip r:embed="rId2"/>
+          <a:stretch>
+            <a:fillRect/>
+          </a:stretch>
+        </p:blipFill>
+        <p:spPr>
+          <a:xfrm>
+            <a:off x="4443984" y="2048256"/>
+            <a:ext cx="4974336" cy="2918100"/>
           </a:xfrm>
           <a:prstGeom prst="rect">
             <a:avLst/>
           </a:prstGeom>
         </p:spPr>
+      </p:pic>
+      <p:sp>
+        <p:nvSpPr>
+          <p:cNvPr id="5" name="Text Placeholder 4"/>
+          <p:cNvSpPr>
+            <a:spLocks noGrp="1"/>
+          </p:cNvSpPr>
+          <p:nvPr>
+            <p:ph type="body" sz="half" idx="2"/>
+          </p:nvPr>
+        </p:nvSpPr>
+        <p:spPr>
+          <a:xfrm>
+            <a:off x="677335" y="1793389"/>
+            <a:ext cx="3854528" cy="4247971"/>
+          </a:xfrm>
+        </p:spPr>
         <p:txBody>
           <a:bodyPr>
-            <a:spAutoFit/>
+            <a:normAutofit/>
           </a:bodyPr>
           <a:lstStyle/>
           <a:p>
-            <a:pPr marL="342900" marR="0" lvl="0" indent="-342900">
-              <a:lnSpc>
-                <a:spcPct val="115000"/>
-              </a:lnSpc>
-              <a:spcBef>
-                <a:spcPts val="0"/>
-              </a:spcBef>
-              <a:spcAft>
-                <a:spcPts val="0"/>
-              </a:spcAft>
-              <a:buFont typeface="+mj-lt"/>
-              <a:buAutoNum type="arabicPeriod"/>
-            </a:pPr>
-            <a:r>
-              <a:rPr lang="ru-RU" b="1" dirty="0">
-                <a:latin typeface="Arial" panose="020B0604020202020204" pitchFamily="34" charset="0"/>
-                <a:ea typeface="Arial" panose="020B0604020202020204" pitchFamily="34" charset="0"/>
-              </a:rPr>
-              <a:t>Описание рисков реализации (бизнес и технические).</a:t>
-            </a:r>
-            <a:endParaRPr lang="ru-RU" dirty="0">
-              <a:latin typeface="Arial" panose="020B0604020202020204" pitchFamily="34" charset="0"/>
-              <a:ea typeface="Arial" panose="020B0604020202020204" pitchFamily="34" charset="0"/>
-            </a:endParaRPr>
+            <a:pPr marL="285750" lvl="0" indent="-285750">
+              <a:buFont typeface="Arial" panose="020B0604020202020204" pitchFamily="34" charset="0"/>
+              <a:buChar char="•"/>
+            </a:pPr>
+            <a:r>
+              <a:rPr lang="ru-RU" dirty="0"/>
+              <a:t>Сложная поддержка так  как мы создали  12  модулей  в  каждом  модуле  от одного до  1000(поставим такое ограничения) сервисов  при этом  может быть до 10 копий одного сервиса.</a:t>
+            </a:r>
+          </a:p>
+          <a:p>
+            <a:pPr marL="285750" lvl="0" indent="-285750">
+              <a:buFont typeface="Arial" panose="020B0604020202020204" pitchFamily="34" charset="0"/>
+              <a:buChar char="•"/>
+            </a:pPr>
+            <a:r>
+              <a:rPr lang="ru-RU" dirty="0"/>
+              <a:t>База данных </a:t>
+            </a:r>
+            <a:r>
+              <a:rPr lang="ru-RU" dirty="0" err="1"/>
+              <a:t>оракле</a:t>
+            </a:r>
+            <a:r>
+              <a:rPr lang="ru-RU" dirty="0"/>
+              <a:t>  стоит очень дорого,  риск  что это будет необоснованно дорого.</a:t>
+            </a:r>
+          </a:p>
+          <a:p>
+            <a:pPr marL="285750" lvl="0" indent="-285750">
+              <a:buFont typeface="Arial" panose="020B0604020202020204" pitchFamily="34" charset="0"/>
+              <a:buChar char="•"/>
+            </a:pPr>
+            <a:r>
+              <a:rPr lang="ru-RU" dirty="0"/>
+              <a:t>Если не обеспечить слабую связанность тогда при отключении одного сервиса может произойти каскадное отключения зависимы компонентов.</a:t>
+            </a:r>
+          </a:p>
+          <a:p>
+            <a:endParaRPr lang="ru-RU" dirty="0"/>
           </a:p>
         </p:txBody>
       </p:sp>
@@ -4402,49 +8542,195 @@
       </p:grpSpPr>
       <p:sp>
         <p:nvSpPr>
-          <p:cNvPr id="2" name="Rectangle 1"/>
-          <p:cNvSpPr/>
-          <p:nvPr/>
+          <p:cNvPr id="3" name="Title 2"/>
+          <p:cNvSpPr>
+            <a:spLocks noGrp="1"/>
+          </p:cNvSpPr>
+          <p:nvPr>
+            <p:ph type="title"/>
+          </p:nvPr>
         </p:nvSpPr>
         <p:spPr>
           <a:xfrm>
-            <a:off x="3048000" y="2905011"/>
-            <a:ext cx="6096000" cy="1047979"/>
+            <a:off x="677334" y="514924"/>
+            <a:ext cx="3854528" cy="1533332"/>
+          </a:xfrm>
+        </p:spPr>
+        <p:txBody>
+          <a:bodyPr>
+            <a:normAutofit fontScale="90000"/>
+          </a:bodyPr>
+          <a:lstStyle/>
+          <a:p>
+            <a:r>
+              <a:rPr lang="ru-RU" b="1" dirty="0"/>
+              <a:t>План поэтапной разработки и расширения системы, анализ критически важных компонентов. </a:t>
+            </a:r>
+            <a:r>
+              <a:rPr lang="ru-RU" dirty="0"/>
+              <a:t/>
+            </a:r>
+            <a:br>
+              <a:rPr lang="ru-RU" dirty="0"/>
+            </a:br>
+            <a:endParaRPr lang="ru-RU" dirty="0"/>
+          </a:p>
+        </p:txBody>
+      </p:sp>
+      <p:pic>
+        <p:nvPicPr>
+          <p:cNvPr id="6" name="Content Placeholder 5"/>
+          <p:cNvPicPr>
+            <a:picLocks noGrp="1" noChangeAspect="1"/>
+          </p:cNvPicPr>
+          <p:nvPr>
+            <p:ph idx="1"/>
+          </p:nvPr>
+        </p:nvPicPr>
+        <p:blipFill>
+          <a:blip r:embed="rId2"/>
+          <a:stretch>
+            <a:fillRect/>
+          </a:stretch>
+        </p:blipFill>
+        <p:spPr>
+          <a:xfrm>
+            <a:off x="4861497" y="2266301"/>
+            <a:ext cx="4437951" cy="3299849"/>
           </a:xfrm>
           <a:prstGeom prst="rect">
             <a:avLst/>
           </a:prstGeom>
         </p:spPr>
+      </p:pic>
+      <p:sp>
+        <p:nvSpPr>
+          <p:cNvPr id="5" name="Text Placeholder 4"/>
+          <p:cNvSpPr>
+            <a:spLocks noGrp="1"/>
+          </p:cNvSpPr>
+          <p:nvPr>
+            <p:ph type="body" sz="half" idx="2"/>
+          </p:nvPr>
+        </p:nvSpPr>
+        <p:spPr>
+          <a:xfrm>
+            <a:off x="677334" y="1847089"/>
+            <a:ext cx="3854528" cy="4194272"/>
+          </a:xfrm>
+        </p:spPr>
         <p:txBody>
           <a:bodyPr>
-            <a:spAutoFit/>
+            <a:normAutofit fontScale="92500" lnSpcReduction="10000"/>
           </a:bodyPr>
           <a:lstStyle/>
           <a:p>
-            <a:pPr marL="342900" marR="0" lvl="0" indent="-342900">
-              <a:lnSpc>
-                <a:spcPct val="115000"/>
-              </a:lnSpc>
-              <a:spcBef>
-                <a:spcPts val="0"/>
-              </a:spcBef>
-              <a:spcAft>
-                <a:spcPts val="0"/>
-              </a:spcAft>
-              <a:buFont typeface="+mj-lt"/>
-              <a:buAutoNum type="arabicPeriod"/>
-            </a:pPr>
-            <a:r>
-              <a:rPr lang="ru-RU" b="1" dirty="0">
-                <a:latin typeface="Arial" panose="020B0604020202020204" pitchFamily="34" charset="0"/>
-                <a:ea typeface="Arial" panose="020B0604020202020204" pitchFamily="34" charset="0"/>
-              </a:rPr>
-              <a:t>План поэтапной разработки и расширения системы, анализ критически важных компонентов. </a:t>
-            </a:r>
-            <a:endParaRPr lang="ru-RU" dirty="0">
-              <a:latin typeface="Arial" panose="020B0604020202020204" pitchFamily="34" charset="0"/>
-              <a:ea typeface="Arial" panose="020B0604020202020204" pitchFamily="34" charset="0"/>
-            </a:endParaRPr>
+            <a:pPr marL="285750" lvl="0" indent="-285750">
+              <a:buFont typeface="Arial" panose="020B0604020202020204" pitchFamily="34" charset="0"/>
+              <a:buChar char="•"/>
+            </a:pPr>
+            <a:r>
+              <a:rPr lang="ru-RU" dirty="0"/>
+              <a:t>Сбор требований.</a:t>
+            </a:r>
+          </a:p>
+          <a:p>
+            <a:pPr marL="285750" lvl="0" indent="-285750">
+              <a:buFont typeface="Arial" panose="020B0604020202020204" pitchFamily="34" charset="0"/>
+              <a:buChar char="•"/>
+            </a:pPr>
+            <a:r>
+              <a:rPr lang="ru-RU" dirty="0"/>
+              <a:t>Анализ рынка.</a:t>
+            </a:r>
+          </a:p>
+          <a:p>
+            <a:pPr marL="285750" lvl="0" indent="-285750">
+              <a:buFont typeface="Arial" panose="020B0604020202020204" pitchFamily="34" charset="0"/>
+              <a:buChar char="•"/>
+            </a:pPr>
+            <a:r>
+              <a:rPr lang="ru-RU" dirty="0"/>
+              <a:t>Составление функциональных требований.</a:t>
+            </a:r>
+          </a:p>
+          <a:p>
+            <a:pPr marL="285750" lvl="0" indent="-285750">
+              <a:buFont typeface="Arial" panose="020B0604020202020204" pitchFamily="34" charset="0"/>
+              <a:buChar char="•"/>
+            </a:pPr>
+            <a:r>
+              <a:rPr lang="ru-RU" dirty="0"/>
+              <a:t>Составление не функциональных требований.</a:t>
+            </a:r>
+          </a:p>
+          <a:p>
+            <a:pPr marL="285750" lvl="0" indent="-285750">
+              <a:buFont typeface="Arial" panose="020B0604020202020204" pitchFamily="34" charset="0"/>
+              <a:buChar char="•"/>
+            </a:pPr>
+            <a:r>
+              <a:rPr lang="ru-RU" dirty="0"/>
+              <a:t>Составление Технического задания отделом аналитиков.</a:t>
+            </a:r>
+          </a:p>
+          <a:p>
+            <a:pPr marL="285750" lvl="0" indent="-285750">
+              <a:buFont typeface="Arial" panose="020B0604020202020204" pitchFamily="34" charset="0"/>
+              <a:buChar char="•"/>
+            </a:pPr>
+            <a:r>
+              <a:rPr lang="ru-RU" dirty="0"/>
+              <a:t>Формирование будущей архитектуры приложения.</a:t>
+            </a:r>
+          </a:p>
+          <a:p>
+            <a:pPr marL="285750" lvl="0" indent="-285750">
+              <a:buFont typeface="Arial" panose="020B0604020202020204" pitchFamily="34" charset="0"/>
+              <a:buChar char="•"/>
+            </a:pPr>
+            <a:r>
+              <a:rPr lang="ru-RU" dirty="0"/>
+              <a:t>Разработка</a:t>
+            </a:r>
+          </a:p>
+          <a:p>
+            <a:pPr marL="285750" lvl="0" indent="-285750">
+              <a:buFont typeface="Arial" panose="020B0604020202020204" pitchFamily="34" charset="0"/>
+              <a:buChar char="•"/>
+            </a:pPr>
+            <a:r>
+              <a:rPr lang="ru-RU" dirty="0"/>
+              <a:t>Внутренние тестирования разработчиком.</a:t>
+            </a:r>
+          </a:p>
+          <a:p>
+            <a:pPr marL="285750" lvl="0" indent="-285750">
+              <a:buFont typeface="Arial" panose="020B0604020202020204" pitchFamily="34" charset="0"/>
+              <a:buChar char="•"/>
+            </a:pPr>
+            <a:r>
+              <a:rPr lang="ru-RU" dirty="0"/>
+              <a:t>Тестирование отделом аналитиков и бизнес заказчиком.</a:t>
+            </a:r>
+          </a:p>
+          <a:p>
+            <a:pPr marL="285750" lvl="0" indent="-285750">
+              <a:buFont typeface="Arial" panose="020B0604020202020204" pitchFamily="34" charset="0"/>
+              <a:buChar char="•"/>
+            </a:pPr>
+            <a:r>
+              <a:rPr lang="ru-RU" dirty="0"/>
+              <a:t>Подписание акта и протокола накат на </a:t>
+            </a:r>
+            <a:r>
+              <a:rPr lang="ru-RU" dirty="0" err="1"/>
+              <a:t>prod</a:t>
+            </a:r>
+            <a:r>
+              <a:rPr lang="ru-RU" dirty="0"/>
+              <a:t>.</a:t>
+            </a:r>
           </a:p>
         </p:txBody>
       </p:sp>
@@ -4480,49 +8766,130 @@
       </p:grpSpPr>
       <p:sp>
         <p:nvSpPr>
-          <p:cNvPr id="2" name="Rectangle 1"/>
-          <p:cNvSpPr/>
-          <p:nvPr/>
+          <p:cNvPr id="3" name="Title 2"/>
+          <p:cNvSpPr>
+            <a:spLocks noGrp="1"/>
+          </p:cNvSpPr>
+          <p:nvPr>
+            <p:ph type="title"/>
+          </p:nvPr>
         </p:nvSpPr>
         <p:spPr>
           <a:xfrm>
-            <a:off x="3313539" y="3223559"/>
-            <a:ext cx="5564921" cy="410882"/>
+            <a:off x="677334" y="514924"/>
+            <a:ext cx="3854528" cy="1278466"/>
+          </a:xfrm>
+        </p:spPr>
+        <p:txBody>
+          <a:bodyPr/>
+          <a:lstStyle/>
+          <a:p>
+            <a:r>
+              <a:rPr lang="ru-RU" b="1" dirty="0"/>
+              <a:t>Выделение критических бизнес-сценариев.</a:t>
+            </a:r>
+            <a:r>
+              <a:rPr lang="ru-RU" dirty="0"/>
+              <a:t/>
+            </a:r>
+            <a:br>
+              <a:rPr lang="ru-RU" dirty="0"/>
+            </a:br>
+            <a:endParaRPr lang="ru-RU" dirty="0"/>
+          </a:p>
+        </p:txBody>
+      </p:sp>
+      <p:pic>
+        <p:nvPicPr>
+          <p:cNvPr id="6" name="Content Placeholder 5"/>
+          <p:cNvPicPr>
+            <a:picLocks noGrp="1" noChangeAspect="1"/>
+          </p:cNvPicPr>
+          <p:nvPr>
+            <p:ph idx="1"/>
+          </p:nvPr>
+        </p:nvPicPr>
+        <p:blipFill>
+          <a:blip r:embed="rId2"/>
+          <a:stretch>
+            <a:fillRect/>
+          </a:stretch>
+        </p:blipFill>
+        <p:spPr>
+          <a:xfrm>
+            <a:off x="4360771" y="1908389"/>
+            <a:ext cx="4913404" cy="2533289"/>
           </a:xfrm>
           <a:prstGeom prst="rect">
             <a:avLst/>
           </a:prstGeom>
         </p:spPr>
-        <p:txBody>
-          <a:bodyPr wrap="none">
-            <a:spAutoFit/>
-          </a:bodyPr>
+      </p:pic>
+      <p:sp>
+        <p:nvSpPr>
+          <p:cNvPr id="5" name="Text Placeholder 4"/>
+          <p:cNvSpPr>
+            <a:spLocks noGrp="1"/>
+          </p:cNvSpPr>
+          <p:nvPr>
+            <p:ph type="body" sz="half" idx="2"/>
+          </p:nvPr>
+        </p:nvSpPr>
+        <p:spPr>
+          <a:xfrm>
+            <a:off x="677334" y="1908389"/>
+            <a:ext cx="3854528" cy="4132972"/>
+          </a:xfrm>
+        </p:spPr>
+        <p:txBody>
+          <a:bodyPr/>
           <a:lstStyle/>
           <a:p>
-            <a:pPr marL="342900" marR="0" lvl="0" indent="-342900">
-              <a:lnSpc>
-                <a:spcPct val="115000"/>
-              </a:lnSpc>
-              <a:spcBef>
-                <a:spcPts val="0"/>
-              </a:spcBef>
-              <a:spcAft>
-                <a:spcPts val="0"/>
-              </a:spcAft>
-              <a:buFont typeface="+mj-lt"/>
-              <a:buAutoNum type="arabicPeriod"/>
-            </a:pPr>
-            <a:r>
-              <a:rPr lang="ru-RU" b="1" dirty="0">
-                <a:latin typeface="Arial" panose="020B0604020202020204" pitchFamily="34" charset="0"/>
-                <a:ea typeface="Arial" panose="020B0604020202020204" pitchFamily="34" charset="0"/>
-              </a:rPr>
-              <a:t>Выделение критических бизнес-сценариев.</a:t>
-            </a:r>
-            <a:endParaRPr lang="ru-RU" dirty="0">
-              <a:latin typeface="Arial" panose="020B0604020202020204" pitchFamily="34" charset="0"/>
-              <a:ea typeface="Arial" panose="020B0604020202020204" pitchFamily="34" charset="0"/>
-            </a:endParaRPr>
+            <a:pPr marL="285750" lvl="0" indent="-285750">
+              <a:buFont typeface="Arial" panose="020B0604020202020204" pitchFamily="34" charset="0"/>
+              <a:buChar char="•"/>
+            </a:pPr>
+            <a:r>
+              <a:rPr lang="ru-RU" dirty="0"/>
+              <a:t>Отсутствие интернета.</a:t>
+            </a:r>
+          </a:p>
+          <a:p>
+            <a:pPr marL="285750" lvl="0" indent="-285750">
+              <a:buFont typeface="Arial" panose="020B0604020202020204" pitchFamily="34" charset="0"/>
+              <a:buChar char="•"/>
+            </a:pPr>
+            <a:r>
+              <a:rPr lang="ru-RU" dirty="0"/>
+              <a:t>Хакерская атака.</a:t>
+            </a:r>
+          </a:p>
+          <a:p>
+            <a:pPr marL="285750" lvl="0" indent="-285750">
+              <a:buFont typeface="Arial" panose="020B0604020202020204" pitchFamily="34" charset="0"/>
+              <a:buChar char="•"/>
+            </a:pPr>
+            <a:r>
+              <a:rPr lang="ru-RU" dirty="0"/>
+              <a:t>Авария на ЦОД.</a:t>
+            </a:r>
+          </a:p>
+          <a:p>
+            <a:pPr marL="285750" lvl="0" indent="-285750">
+              <a:buFont typeface="Arial" panose="020B0604020202020204" pitchFamily="34" charset="0"/>
+              <a:buChar char="•"/>
+            </a:pPr>
+            <a:r>
+              <a:rPr lang="ru-RU" dirty="0"/>
+              <a:t>Переключения на  второй ЦОД</a:t>
+            </a:r>
+          </a:p>
+          <a:p>
+            <a:pPr marL="285750" indent="-285750">
+              <a:buFont typeface="Arial" panose="020B0604020202020204" pitchFamily="34" charset="0"/>
+              <a:buChar char="•"/>
+            </a:pPr>
+            <a:endParaRPr lang="ru-RU" dirty="0"/>
           </a:p>
         </p:txBody>
       </p:sp>
@@ -4558,49 +8925,276 @@
       </p:grpSpPr>
       <p:sp>
         <p:nvSpPr>
-          <p:cNvPr id="2" name="Rectangle 1"/>
-          <p:cNvSpPr/>
-          <p:nvPr/>
+          <p:cNvPr id="3" name="Title 2"/>
+          <p:cNvSpPr>
+            <a:spLocks noGrp="1"/>
+          </p:cNvSpPr>
+          <p:nvPr>
+            <p:ph type="title"/>
+          </p:nvPr>
         </p:nvSpPr>
         <p:spPr>
           <a:xfrm>
-            <a:off x="4691096" y="3223559"/>
-            <a:ext cx="2809808" cy="410882"/>
+            <a:off x="677334" y="130876"/>
+            <a:ext cx="3854528" cy="993836"/>
+          </a:xfrm>
+        </p:spPr>
+        <p:txBody>
+          <a:bodyPr/>
+          <a:lstStyle/>
+          <a:p>
+            <a:r>
+              <a:rPr lang="ru-RU" b="1" dirty="0"/>
+              <a:t>Атрибуты качества </a:t>
+            </a:r>
+            <a:r>
+              <a:rPr lang="ru-RU" dirty="0"/>
+              <a:t/>
+            </a:r>
+            <a:br>
+              <a:rPr lang="ru-RU" dirty="0"/>
+            </a:br>
+            <a:endParaRPr lang="ru-RU" dirty="0"/>
+          </a:p>
+        </p:txBody>
+      </p:sp>
+      <p:pic>
+        <p:nvPicPr>
+          <p:cNvPr id="6" name="Content Placeholder 5"/>
+          <p:cNvPicPr>
+            <a:picLocks noGrp="1" noChangeAspect="1"/>
+          </p:cNvPicPr>
+          <p:nvPr>
+            <p:ph idx="1"/>
+          </p:nvPr>
+        </p:nvPicPr>
+        <p:blipFill>
+          <a:blip r:embed="rId2"/>
+          <a:stretch>
+            <a:fillRect/>
+          </a:stretch>
+        </p:blipFill>
+        <p:spPr>
+          <a:xfrm>
+            <a:off x="4014215" y="1005840"/>
+            <a:ext cx="5236287" cy="4599431"/>
           </a:xfrm>
           <a:prstGeom prst="rect">
             <a:avLst/>
           </a:prstGeom>
         </p:spPr>
-        <p:txBody>
-          <a:bodyPr wrap="none">
-            <a:spAutoFit/>
+      </p:pic>
+      <p:sp>
+        <p:nvSpPr>
+          <p:cNvPr id="5" name="Text Placeholder 4"/>
+          <p:cNvSpPr>
+            <a:spLocks noGrp="1"/>
+          </p:cNvSpPr>
+          <p:nvPr>
+            <p:ph type="body" sz="half" idx="2"/>
+          </p:nvPr>
+        </p:nvSpPr>
+        <p:spPr>
+          <a:xfrm>
+            <a:off x="677333" y="1005840"/>
+            <a:ext cx="4083127" cy="5852160"/>
+          </a:xfrm>
+        </p:spPr>
+        <p:txBody>
+          <a:bodyPr>
+            <a:normAutofit lnSpcReduction="10000"/>
           </a:bodyPr>
           <a:lstStyle/>
           <a:p>
-            <a:pPr marL="342900" marR="0" lvl="0" indent="-342900">
-              <a:lnSpc>
-                <a:spcPct val="115000"/>
-              </a:lnSpc>
-              <a:spcBef>
-                <a:spcPts val="0"/>
-              </a:spcBef>
-              <a:spcAft>
-                <a:spcPts val="0"/>
-              </a:spcAft>
-              <a:buFont typeface="+mj-lt"/>
-              <a:buAutoNum type="arabicPeriod"/>
-            </a:pPr>
-            <a:r>
-              <a:rPr lang="ru-RU" b="1" dirty="0">
-                <a:latin typeface="Arial" panose="020B0604020202020204" pitchFamily="34" charset="0"/>
-                <a:ea typeface="Arial" panose="020B0604020202020204" pitchFamily="34" charset="0"/>
-              </a:rPr>
-              <a:t>Атрибуты качества </a:t>
-            </a:r>
-            <a:endParaRPr lang="ru-RU" dirty="0">
-              <a:latin typeface="Arial" panose="020B0604020202020204" pitchFamily="34" charset="0"/>
-              <a:ea typeface="Arial" panose="020B0604020202020204" pitchFamily="34" charset="0"/>
-            </a:endParaRPr>
+            <a:pPr marL="285750" indent="-285750">
+              <a:buFont typeface="Arial" panose="020B0604020202020204" pitchFamily="34" charset="0"/>
+              <a:buChar char="•"/>
+            </a:pPr>
+            <a:r>
+              <a:rPr lang="ru-RU" dirty="0" err="1"/>
+              <a:t>Runtime</a:t>
+            </a:r>
+            <a:endParaRPr lang="ru-RU" dirty="0"/>
+          </a:p>
+          <a:p>
+            <a:pPr marL="285750" lvl="0" indent="-285750">
+              <a:buFont typeface="Arial" panose="020B0604020202020204" pitchFamily="34" charset="0"/>
+              <a:buChar char="•"/>
+            </a:pPr>
+            <a:r>
+              <a:rPr lang="ru-RU" dirty="0"/>
+              <a:t>Доступность </a:t>
+            </a:r>
+          </a:p>
+          <a:p>
+            <a:pPr marL="285750" lvl="0" indent="-285750">
+              <a:buFont typeface="Arial" panose="020B0604020202020204" pitchFamily="34" charset="0"/>
+              <a:buChar char="•"/>
+            </a:pPr>
+            <a:r>
+              <a:rPr lang="ru-RU" dirty="0"/>
+              <a:t>Надёжность </a:t>
+            </a:r>
+          </a:p>
+          <a:p>
+            <a:pPr marL="285750" lvl="0" indent="-285750">
+              <a:buFont typeface="Arial" panose="020B0604020202020204" pitchFamily="34" charset="0"/>
+              <a:buChar char="•"/>
+            </a:pPr>
+            <a:r>
+              <a:rPr lang="ru-RU" dirty="0"/>
+              <a:t>Скорость </a:t>
+            </a:r>
+          </a:p>
+          <a:p>
+            <a:pPr marL="285750" lvl="0" indent="-285750">
+              <a:buFont typeface="Arial" panose="020B0604020202020204" pitchFamily="34" charset="0"/>
+              <a:buChar char="•"/>
+            </a:pPr>
+            <a:r>
+              <a:rPr lang="ru-RU" dirty="0"/>
+              <a:t>Масштабируемость </a:t>
+            </a:r>
+          </a:p>
+          <a:p>
+            <a:pPr marL="285750" lvl="0" indent="-285750">
+              <a:buFont typeface="Arial" panose="020B0604020202020204" pitchFamily="34" charset="0"/>
+              <a:buChar char="•"/>
+            </a:pPr>
+            <a:r>
+              <a:rPr lang="ru-RU" dirty="0"/>
+              <a:t>Время хранения данных </a:t>
+            </a:r>
+          </a:p>
+          <a:p>
+            <a:pPr marL="285750" lvl="0" indent="-285750">
+              <a:buFont typeface="Arial" panose="020B0604020202020204" pitchFamily="34" charset="0"/>
+              <a:buChar char="•"/>
+            </a:pPr>
+            <a:r>
+              <a:rPr lang="ru-RU" dirty="0"/>
+              <a:t>Удобство использования </a:t>
+            </a:r>
+          </a:p>
+          <a:p>
+            <a:pPr marL="285750" lvl="0" indent="-285750">
+              <a:buFont typeface="Arial" panose="020B0604020202020204" pitchFamily="34" charset="0"/>
+              <a:buChar char="•"/>
+            </a:pPr>
+            <a:r>
+              <a:rPr lang="ru-RU" dirty="0"/>
+              <a:t>Безопасность </a:t>
+            </a:r>
+          </a:p>
+          <a:p>
+            <a:pPr marL="285750" lvl="0" indent="-285750">
+              <a:buFont typeface="Arial" panose="020B0604020202020204" pitchFamily="34" charset="0"/>
+              <a:buChar char="•"/>
+            </a:pPr>
+            <a:r>
+              <a:rPr lang="ru-RU" dirty="0" err="1"/>
+              <a:t>Конфигурируемость</a:t>
+            </a:r>
+            <a:r>
+              <a:rPr lang="ru-RU" dirty="0"/>
+              <a:t> </a:t>
+            </a:r>
+          </a:p>
+          <a:p>
+            <a:pPr marL="285750" lvl="0" indent="-285750">
+              <a:buFont typeface="Arial" panose="020B0604020202020204" pitchFamily="34" charset="0"/>
+              <a:buChar char="•"/>
+            </a:pPr>
+            <a:r>
+              <a:rPr lang="ru-RU" dirty="0"/>
+              <a:t>Производительность</a:t>
+            </a:r>
+          </a:p>
+          <a:p>
+            <a:pPr marL="285750" indent="-285750">
+              <a:buFont typeface="Arial" panose="020B0604020202020204" pitchFamily="34" charset="0"/>
+              <a:buChar char="•"/>
+            </a:pPr>
+            <a:r>
+              <a:rPr lang="ru-RU" dirty="0" err="1"/>
+              <a:t>Design</a:t>
+            </a:r>
+            <a:endParaRPr lang="ru-RU" dirty="0"/>
+          </a:p>
+          <a:p>
+            <a:pPr marL="285750" lvl="0" indent="-285750">
+              <a:buFont typeface="Arial" panose="020B0604020202020204" pitchFamily="34" charset="0"/>
+              <a:buChar char="•"/>
+            </a:pPr>
+            <a:r>
+              <a:rPr lang="ru-RU" dirty="0"/>
+              <a:t>Расширяемость </a:t>
+            </a:r>
+          </a:p>
+          <a:p>
+            <a:pPr marL="285750" lvl="0" indent="-285750">
+              <a:buFont typeface="Arial" panose="020B0604020202020204" pitchFamily="34" charset="0"/>
+              <a:buChar char="•"/>
+            </a:pPr>
+            <a:r>
+              <a:rPr lang="ru-RU" dirty="0"/>
+              <a:t>Переносимость </a:t>
+            </a:r>
+          </a:p>
+          <a:p>
+            <a:pPr marL="285750" lvl="0" indent="-285750">
+              <a:buFont typeface="Arial" panose="020B0604020202020204" pitchFamily="34" charset="0"/>
+              <a:buChar char="•"/>
+            </a:pPr>
+            <a:r>
+              <a:rPr lang="ru-RU" dirty="0"/>
+              <a:t>Взаимодействие с другими системами </a:t>
+            </a:r>
+          </a:p>
+          <a:p>
+            <a:pPr marL="285750" lvl="0" indent="-285750">
+              <a:buFont typeface="Arial" panose="020B0604020202020204" pitchFamily="34" charset="0"/>
+              <a:buChar char="•"/>
+            </a:pPr>
+            <a:r>
+              <a:rPr lang="ru-RU" dirty="0" err="1"/>
+              <a:t>Поддерживаемость</a:t>
+            </a:r>
+            <a:r>
+              <a:rPr lang="ru-RU" dirty="0"/>
+              <a:t> </a:t>
+            </a:r>
+          </a:p>
+          <a:p>
+            <a:pPr marL="285750" lvl="0" indent="-285750">
+              <a:buFont typeface="Arial" panose="020B0604020202020204" pitchFamily="34" charset="0"/>
+              <a:buChar char="•"/>
+            </a:pPr>
+            <a:r>
+              <a:rPr lang="ru-RU" dirty="0"/>
+              <a:t>Модульность </a:t>
+            </a:r>
+          </a:p>
+          <a:p>
+            <a:pPr marL="285750" lvl="0" indent="-285750">
+              <a:buFont typeface="Arial" panose="020B0604020202020204" pitchFamily="34" charset="0"/>
+              <a:buChar char="•"/>
+            </a:pPr>
+            <a:r>
+              <a:rPr lang="ru-RU" dirty="0"/>
+              <a:t>Тестируемость </a:t>
+            </a:r>
+          </a:p>
+          <a:p>
+            <a:pPr marL="285750" indent="-285750">
+              <a:buFont typeface="Arial" panose="020B0604020202020204" pitchFamily="34" charset="0"/>
+              <a:buChar char="•"/>
+            </a:pPr>
+            <a:r>
+              <a:rPr lang="ru-RU" dirty="0"/>
+              <a:t>Локализация</a:t>
+            </a:r>
+            <a:endParaRPr lang="ru-RU" dirty="0"/>
           </a:p>
         </p:txBody>
       </p:sp>
@@ -4636,49 +9230,198 @@
       </p:grpSpPr>
       <p:sp>
         <p:nvSpPr>
-          <p:cNvPr id="2" name="Rectangle 1"/>
-          <p:cNvSpPr/>
-          <p:nvPr/>
+          <p:cNvPr id="3" name="Title 2"/>
+          <p:cNvSpPr>
+            <a:spLocks noGrp="1"/>
+          </p:cNvSpPr>
+          <p:nvPr>
+            <p:ph type="title"/>
+          </p:nvPr>
         </p:nvSpPr>
         <p:spPr>
           <a:xfrm>
-            <a:off x="3048000" y="3064285"/>
-            <a:ext cx="6096000" cy="729430"/>
+            <a:off x="677334" y="514924"/>
+            <a:ext cx="3854528" cy="1002980"/>
+          </a:xfrm>
+        </p:spPr>
+        <p:txBody>
+          <a:bodyPr>
+            <a:normAutofit fontScale="90000"/>
+          </a:bodyPr>
+          <a:lstStyle/>
+          <a:p>
+            <a:r>
+              <a:rPr lang="ru-RU" b="1" dirty="0"/>
+              <a:t>Анализ и список нефункциональных требований.</a:t>
+            </a:r>
+            <a:r>
+              <a:rPr lang="ru-RU" dirty="0"/>
+              <a:t/>
+            </a:r>
+            <a:br>
+              <a:rPr lang="ru-RU" dirty="0"/>
+            </a:br>
+            <a:endParaRPr lang="ru-RU" dirty="0"/>
+          </a:p>
+        </p:txBody>
+      </p:sp>
+      <p:pic>
+        <p:nvPicPr>
+          <p:cNvPr id="6" name="Content Placeholder 5"/>
+          <p:cNvPicPr>
+            <a:picLocks noGrp="1" noChangeAspect="1"/>
+          </p:cNvPicPr>
+          <p:nvPr>
+            <p:ph idx="1"/>
+          </p:nvPr>
+        </p:nvPicPr>
+        <p:blipFill>
+          <a:blip r:embed="rId2"/>
+          <a:stretch>
+            <a:fillRect/>
+          </a:stretch>
+        </p:blipFill>
+        <p:spPr>
+          <a:xfrm>
+            <a:off x="4822412" y="2349309"/>
+            <a:ext cx="4371975" cy="3009900"/>
           </a:xfrm>
           <a:prstGeom prst="rect">
             <a:avLst/>
           </a:prstGeom>
         </p:spPr>
+      </p:pic>
+      <p:sp>
+        <p:nvSpPr>
+          <p:cNvPr id="5" name="Text Placeholder 4"/>
+          <p:cNvSpPr>
+            <a:spLocks noGrp="1"/>
+          </p:cNvSpPr>
+          <p:nvPr>
+            <p:ph type="body" sz="half" idx="2"/>
+          </p:nvPr>
+        </p:nvSpPr>
+        <p:spPr>
+          <a:xfrm>
+            <a:off x="677334" y="1316736"/>
+            <a:ext cx="3854528" cy="5541264"/>
+          </a:xfrm>
+        </p:spPr>
         <p:txBody>
           <a:bodyPr>
-            <a:spAutoFit/>
+            <a:normAutofit lnSpcReduction="10000"/>
           </a:bodyPr>
           <a:lstStyle/>
           <a:p>
-            <a:pPr marL="342900" marR="0" lvl="0" indent="-342900">
-              <a:lnSpc>
-                <a:spcPct val="115000"/>
-              </a:lnSpc>
-              <a:spcBef>
-                <a:spcPts val="0"/>
-              </a:spcBef>
-              <a:spcAft>
-                <a:spcPts val="0"/>
-              </a:spcAft>
-              <a:buFont typeface="+mj-lt"/>
-              <a:buAutoNum type="arabicPeriod"/>
-            </a:pPr>
-            <a:r>
-              <a:rPr lang="ru-RU" b="1" dirty="0">
-                <a:latin typeface="Arial" panose="020B0604020202020204" pitchFamily="34" charset="0"/>
-                <a:ea typeface="Arial" panose="020B0604020202020204" pitchFamily="34" charset="0"/>
-              </a:rPr>
-              <a:t>Анализ и список нефункциональных требований.</a:t>
-            </a:r>
-            <a:endParaRPr lang="ru-RU" dirty="0">
-              <a:latin typeface="Arial" panose="020B0604020202020204" pitchFamily="34" charset="0"/>
-              <a:ea typeface="Arial" panose="020B0604020202020204" pitchFamily="34" charset="0"/>
-            </a:endParaRPr>
+            <a:pPr marL="285750" lvl="0" indent="-285750">
+              <a:buFont typeface="Arial" panose="020B0604020202020204" pitchFamily="34" charset="0"/>
+              <a:buChar char="•"/>
+            </a:pPr>
+            <a:r>
+              <a:rPr lang="ru-RU" dirty="0"/>
+              <a:t>Удобство клиента</a:t>
+            </a:r>
+          </a:p>
+          <a:p>
+            <a:pPr marL="285750" lvl="0" indent="-285750">
+              <a:buFont typeface="Arial" panose="020B0604020202020204" pitchFamily="34" charset="0"/>
+              <a:buChar char="•"/>
+            </a:pPr>
+            <a:r>
+              <a:rPr lang="ru-RU" dirty="0"/>
+              <a:t>Удобство сопровождения</a:t>
+            </a:r>
+          </a:p>
+          <a:p>
+            <a:pPr marL="285750" lvl="0" indent="-285750">
+              <a:buFont typeface="Arial" panose="020B0604020202020204" pitchFamily="34" charset="0"/>
+              <a:buChar char="•"/>
+            </a:pPr>
+            <a:r>
+              <a:rPr lang="ru-RU" dirty="0"/>
+              <a:t>Красивый дизайн</a:t>
+            </a:r>
+          </a:p>
+          <a:p>
+            <a:pPr marL="285750" lvl="0" indent="-285750">
+              <a:buFont typeface="Arial" panose="020B0604020202020204" pitchFamily="34" charset="0"/>
+              <a:buChar char="•"/>
+            </a:pPr>
+            <a:r>
+              <a:rPr lang="ru-RU" dirty="0"/>
+              <a:t>Заказ должен формироваться без задержек время добавление товара в корзину не более 2 секунд.</a:t>
+            </a:r>
+          </a:p>
+          <a:p>
+            <a:pPr marL="285750" lvl="0" indent="-285750">
+              <a:buFont typeface="Arial" panose="020B0604020202020204" pitchFamily="34" charset="0"/>
+              <a:buChar char="•"/>
+            </a:pPr>
+            <a:r>
+              <a:rPr lang="ru-RU" dirty="0"/>
+              <a:t>Подтверждение заказа не более 5 секунд</a:t>
+            </a:r>
+          </a:p>
+          <a:p>
+            <a:pPr marL="285750" lvl="0" indent="-285750">
+              <a:buFont typeface="Arial" panose="020B0604020202020204" pitchFamily="34" charset="0"/>
+              <a:buChar char="•"/>
+            </a:pPr>
+            <a:r>
+              <a:rPr lang="ru-RU" dirty="0"/>
+              <a:t>Смс  по  подтверждению заказа должна приходить в течении 30 секунд после оплаты.</a:t>
+            </a:r>
+          </a:p>
+          <a:p>
+            <a:pPr marL="285750" lvl="0" indent="-285750">
+              <a:buFont typeface="Arial" panose="020B0604020202020204" pitchFamily="34" charset="0"/>
+              <a:buChar char="•"/>
+            </a:pPr>
+            <a:r>
+              <a:rPr lang="ru-RU" dirty="0"/>
+              <a:t>Возможность одновременной работы 5 000 000 пользователей в  приложении</a:t>
+            </a:r>
+          </a:p>
+          <a:p>
+            <a:pPr marL="285750" lvl="0" indent="-285750">
+              <a:buFont typeface="Arial" panose="020B0604020202020204" pitchFamily="34" charset="0"/>
+              <a:buChar char="•"/>
+            </a:pPr>
+            <a:r>
+              <a:rPr lang="ru-RU" dirty="0"/>
+              <a:t>Задержка обновления  странице при большой загрузки не более 1 секунды.</a:t>
+            </a:r>
+          </a:p>
+          <a:p>
+            <a:pPr marL="285750" lvl="0" indent="-285750">
+              <a:buFont typeface="Arial" panose="020B0604020202020204" pitchFamily="34" charset="0"/>
+              <a:buChar char="•"/>
+            </a:pPr>
+            <a:r>
+              <a:rPr lang="ru-RU" dirty="0"/>
+              <a:t>Пароли сохраняются в </a:t>
+            </a:r>
+            <a:r>
+              <a:rPr lang="ru-RU" dirty="0" err="1"/>
+              <a:t>бд</a:t>
+            </a:r>
+            <a:r>
+              <a:rPr lang="ru-RU" dirty="0"/>
+              <a:t> в зашифрованном виде.</a:t>
+            </a:r>
+          </a:p>
+          <a:p>
+            <a:pPr marL="285750" lvl="0" indent="-285750">
+              <a:buFont typeface="Arial" panose="020B0604020202020204" pitchFamily="34" charset="0"/>
+              <a:buChar char="•"/>
+            </a:pPr>
+            <a:r>
+              <a:rPr lang="ru-RU" dirty="0"/>
+              <a:t>Восстановления пароля возможно только при подтверждении с  номера телефона который был указан при регистрации.</a:t>
+            </a:r>
+          </a:p>
+          <a:p>
+            <a:endParaRPr lang="ru-RU" dirty="0"/>
           </a:p>
         </p:txBody>
       </p:sp>
@@ -4696,9 +9439,9 @@
 </file>
 
 <file path=ppt/theme/theme1.xml><?xml version="1.0" encoding="utf-8"?>
-<a:theme xmlns:a="http://schemas.openxmlformats.org/drawingml/2006/main" name="Office Theme">
+<a:theme xmlns:a="http://schemas.openxmlformats.org/drawingml/2006/main" name="Facet">
   <a:themeElements>
-    <a:clrScheme name="Office">
+    <a:clrScheme name="Facet">
       <a:dk1>
         <a:sysClr val="windowText" lastClr="000000"/>
       </a:dk1>
@@ -4706,52 +9449,52 @@
         <a:sysClr val="window" lastClr="FFFFFF"/>
       </a:lt1>
       <a:dk2>
-        <a:srgbClr val="44546A"/>
+        <a:srgbClr val="2C3C43"/>
       </a:dk2>
       <a:lt2>
-        <a:srgbClr val="E7E6E6"/>
+        <a:srgbClr val="EBEBEB"/>
       </a:lt2>
       <a:accent1>
-        <a:srgbClr val="5B9BD5"/>
+        <a:srgbClr val="90C226"/>
       </a:accent1>
       <a:accent2>
-        <a:srgbClr val="ED7D31"/>
+        <a:srgbClr val="54A021"/>
       </a:accent2>
       <a:accent3>
-        <a:srgbClr val="A5A5A5"/>
+        <a:srgbClr val="E6B91E"/>
       </a:accent3>
       <a:accent4>
-        <a:srgbClr val="FFC000"/>
+        <a:srgbClr val="E76618"/>
       </a:accent4>
       <a:accent5>
-        <a:srgbClr val="4472C4"/>
+        <a:srgbClr val="C42F1A"/>
       </a:accent5>
       <a:accent6>
-        <a:srgbClr val="70AD47"/>
+        <a:srgbClr val="918655"/>
       </a:accent6>
       <a:hlink>
-        <a:srgbClr val="0563C1"/>
+        <a:srgbClr val="99CA3C"/>
       </a:hlink>
       <a:folHlink>
-        <a:srgbClr val="954F72"/>
+        <a:srgbClr val="B9D181"/>
       </a:folHlink>
     </a:clrScheme>
-    <a:fontScheme name="Office">
+    <a:fontScheme name="Facet">
       <a:majorFont>
-        <a:latin typeface="Calibri Light" panose="020F0302020204030204"/>
+        <a:latin typeface="Trebuchet MS" panose="020B0603020202020204"/>
         <a:ea typeface=""/>
         <a:cs typeface=""/>
-        <a:font script="Jpan" typeface="游ゴシック Light"/>
+        <a:font script="Jpan" typeface="メイリオ"/>
         <a:font script="Hang" typeface="맑은 고딕"/>
-        <a:font script="Hans" typeface="等线 Light"/>
-        <a:font script="Hant" typeface="新細明體"/>
-        <a:font script="Arab" typeface="Times New Roman"/>
-        <a:font script="Hebr" typeface="Times New Roman"/>
-        <a:font script="Thai" typeface="Angsana New"/>
+        <a:font script="Hans" typeface="方正姚体"/>
+        <a:font script="Hant" typeface="微軟正黑體"/>
+        <a:font script="Arab" typeface="Tahoma"/>
+        <a:font script="Hebr" typeface="Arial"/>
+        <a:font script="Thai" typeface="Cordia New"/>
         <a:font script="Ethi" typeface="Nyala"/>
         <a:font script="Beng" typeface="Vrinda"/>
         <a:font script="Gujr" typeface="Shruti"/>
-        <a:font script="Khmr" typeface="MoolBoran"/>
+        <a:font script="Khmr" typeface="DaunPenh"/>
         <a:font script="Knda" typeface="Tunga"/>
         <a:font script="Guru" typeface="Raavi"/>
         <a:font script="Cans" typeface="Euphemia"/>
@@ -4768,21 +9511,21 @@
         <a:font script="Laoo" typeface="DokChampa"/>
         <a:font script="Sinh" typeface="Iskoola Pota"/>
         <a:font script="Mong" typeface="Mongolian Baiti"/>
-        <a:font script="Viet" typeface="Times New Roman"/>
+        <a:font script="Viet" typeface="Tahoma"/>
         <a:font script="Uigh" typeface="Microsoft Uighur"/>
         <a:font script="Geor" typeface="Sylfaen"/>
       </a:majorFont>
       <a:minorFont>
-        <a:latin typeface="Calibri" panose="020F0502020204030204"/>
+        <a:latin typeface="Trebuchet MS" panose="020B0603020202020204"/>
         <a:ea typeface=""/>
         <a:cs typeface=""/>
-        <a:font script="Jpan" typeface="游ゴシック"/>
-        <a:font script="Hang" typeface="맑은 고딕"/>
-        <a:font script="Hans" typeface="等线"/>
-        <a:font script="Hant" typeface="新細明體"/>
-        <a:font script="Arab" typeface="Arial"/>
-        <a:font script="Hebr" typeface="Arial"/>
-        <a:font script="Thai" typeface="Cordia New"/>
+        <a:font script="Jpan" typeface="メイリオ"/>
+        <a:font script="Hang" typeface="HY그래픽M"/>
+        <a:font script="Hans" typeface="华文新魏"/>
+        <a:font script="Hant" typeface="微軟正黑體"/>
+        <a:font script="Arab" typeface="Tahoma"/>
+        <a:font script="Hebr" typeface="Gisha"/>
+        <a:font script="Thai" typeface="IrisUPC"/>
         <a:font script="Ethi" typeface="Nyala"/>
         <a:font script="Beng" typeface="Vrinda"/>
         <a:font script="Gujr" typeface="Shruti"/>
@@ -4808,7 +9551,7 @@
         <a:font script="Geor" typeface="Sylfaen"/>
       </a:minorFont>
     </a:fontScheme>
-    <a:fmtScheme name="Office">
+    <a:fmtScheme name="Facet">
       <a:fillStyleLst>
         <a:solidFill>
           <a:schemeClr val="phClr"/>
@@ -4817,23 +9560,13 @@
           <a:gsLst>
             <a:gs pos="0">
               <a:schemeClr val="phClr">
+                <a:tint val="65000"/>
                 <a:lumMod val="110000"/>
-                <a:satMod val="105000"/>
-                <a:tint val="67000"/>
               </a:schemeClr>
             </a:gs>
-            <a:gs pos="50000">
+            <a:gs pos="88000">
               <a:schemeClr val="phClr">
-                <a:lumMod val="105000"/>
-                <a:satMod val="103000"/>
-                <a:tint val="73000"/>
-              </a:schemeClr>
-            </a:gs>
-            <a:gs pos="100000">
-              <a:schemeClr val="phClr">
-                <a:lumMod val="105000"/>
-                <a:satMod val="109000"/>
-                <a:tint val="81000"/>
+                <a:tint val="90000"/>
               </a:schemeClr>
             </a:gs>
           </a:gsLst>
@@ -4843,23 +9576,14 @@
           <a:gsLst>
             <a:gs pos="0">
               <a:schemeClr val="phClr">
-                <a:satMod val="103000"/>
-                <a:lumMod val="102000"/>
-                <a:tint val="94000"/>
+                <a:tint val="96000"/>
+                <a:lumMod val="100000"/>
               </a:schemeClr>
             </a:gs>
-            <a:gs pos="50000">
+            <a:gs pos="78000">
               <a:schemeClr val="phClr">
-                <a:satMod val="110000"/>
-                <a:lumMod val="100000"/>
-                <a:shade val="100000"/>
-              </a:schemeClr>
-            </a:gs>
-            <a:gs pos="100000">
-              <a:schemeClr val="phClr">
-                <a:lumMod val="99000"/>
-                <a:satMod val="120000"/>
-                <a:shade val="78000"/>
+                <a:shade val="94000"/>
+                <a:lumMod val="94000"/>
               </a:schemeClr>
             </a:gs>
           </a:gsLst>
@@ -4867,26 +9591,23 @@
         </a:gradFill>
       </a:fillStyleLst>
       <a:lnStyleLst>
-        <a:ln w="6350" cap="flat" cmpd="sng" algn="ctr">
+        <a:ln w="12700" cap="rnd" cmpd="sng" algn="ctr">
           <a:solidFill>
             <a:schemeClr val="phClr"/>
           </a:solidFill>
           <a:prstDash val="solid"/>
-          <a:miter lim="800000"/>
         </a:ln>
-        <a:ln w="12700" cap="flat" cmpd="sng" algn="ctr">
+        <a:ln w="19050" cap="rnd" cmpd="sng" algn="ctr">
           <a:solidFill>
             <a:schemeClr val="phClr"/>
           </a:solidFill>
           <a:prstDash val="solid"/>
-          <a:miter lim="800000"/>
         </a:ln>
-        <a:ln w="19050" cap="flat" cmpd="sng" algn="ctr">
+        <a:ln w="25400" cap="rnd" cmpd="sng" algn="ctr">
           <a:solidFill>
             <a:schemeClr val="phClr"/>
           </a:solidFill>
           <a:prstDash val="solid"/>
-          <a:miter lim="800000"/>
         </a:ln>
       </a:lnStyleLst>
       <a:effectStyleLst>
@@ -4894,54 +9615,72 @@
           <a:effectLst/>
         </a:effectStyle>
         <a:effectStyle>
-          <a:effectLst/>
+          <a:effectLst>
+            <a:outerShdw blurRad="38100" dist="25400" dir="5400000" rotWithShape="0">
+              <a:srgbClr val="000000">
+                <a:alpha val="35000"/>
+              </a:srgbClr>
+            </a:outerShdw>
+          </a:effectLst>
         </a:effectStyle>
         <a:effectStyle>
           <a:effectLst>
-            <a:outerShdw blurRad="57150" dist="19050" dir="5400000" algn="ctr" rotWithShape="0">
+            <a:outerShdw blurRad="50800" dist="38100" dir="5400000" rotWithShape="0">
               <a:srgbClr val="000000">
-                <a:alpha val="63000"/>
+                <a:alpha val="35000"/>
               </a:srgbClr>
             </a:outerShdw>
           </a:effectLst>
+          <a:scene3d>
+            <a:camera prst="orthographicFront">
+              <a:rot lat="0" lon="0" rev="0"/>
+            </a:camera>
+            <a:lightRig rig="threePt" dir="tl"/>
+          </a:scene3d>
+          <a:sp3d prstMaterial="plastic">
+            <a:bevelT w="0" h="0"/>
+          </a:sp3d>
         </a:effectStyle>
       </a:effectStyleLst>
       <a:bgFillStyleLst>
         <a:solidFill>
           <a:schemeClr val="phClr"/>
         </a:solidFill>
-        <a:solidFill>
-          <a:schemeClr val="phClr">
-            <a:tint val="95000"/>
-            <a:satMod val="170000"/>
-          </a:schemeClr>
-        </a:solidFill>
         <a:gradFill rotWithShape="1">
           <a:gsLst>
             <a:gs pos="0">
               <a:schemeClr val="phClr">
-                <a:tint val="93000"/>
-                <a:satMod val="150000"/>
-                <a:shade val="98000"/>
-                <a:lumMod val="102000"/>
+                <a:tint val="90000"/>
+                <a:lumMod val="104000"/>
               </a:schemeClr>
             </a:gs>
-            <a:gs pos="50000">
+            <a:gs pos="94000">
               <a:schemeClr val="phClr">
-                <a:tint val="98000"/>
-                <a:satMod val="130000"/>
-                <a:shade val="90000"/>
-                <a:lumMod val="103000"/>
+                <a:shade val="96000"/>
+                <a:lumMod val="82000"/>
+              </a:schemeClr>
+            </a:gs>
+          </a:gsLst>
+          <a:lin ang="5400000" scaled="0"/>
+        </a:gradFill>
+        <a:gradFill rotWithShape="1">
+          <a:gsLst>
+            <a:gs pos="0">
+              <a:schemeClr val="phClr">
+                <a:tint val="90000"/>
+                <a:lumMod val="110000"/>
               </a:schemeClr>
             </a:gs>
             <a:gs pos="100000">
               <a:schemeClr val="phClr">
-                <a:shade val="63000"/>
-                <a:satMod val="120000"/>
+                <a:shade val="94000"/>
+                <a:lumMod val="96000"/>
               </a:schemeClr>
             </a:gs>
           </a:gsLst>
-          <a:lin ang="5400000" scaled="0"/>
+          <a:path path="circle">
+            <a:fillToRect l="50000" t="50000" r="100000" b="100000"/>
+          </a:path>
         </a:gradFill>
       </a:bgFillStyleLst>
     </a:fmtScheme>
@@ -4950,7 +9689,7 @@
   <a:extraClrSchemeLst/>
   <a:extLst>
     <a:ext uri="{05A4C25C-085E-4340-85A3-A5531E510DB2}">
-      <thm15:themeFamily xmlns:thm15="http://schemas.microsoft.com/office/thememl/2012/main" name="Office Theme" id="{62F939B6-93AF-4DB8-9C6B-D6C7DFDC589F}" vid="{4A3C46E8-61CC-4603-A589-7422A47A8E4A}"/>
+      <thm15:themeFamily xmlns:thm15="http://schemas.microsoft.com/office/thememl/2012/main" name="Facet" id="{C0C680CD-088A-49FC-A102-D699147F32B2}" vid="{CFBC31BA-B70F-4F30-BCAA-4F3011E16C4D}"/>
     </a:ext>
   </a:extLst>
 </a:theme>

--- a/diplom/diplom_prezentation.pptx
+++ b/diplom/diplom_prezentation.pptx
@@ -5,11 +5,11 @@
     <p:sldMasterId id="2147483660" r:id="rId1"/>
   </p:sldMasterIdLst>
   <p:notesMasterIdLst>
-    <p:notesMasterId r:id="rId17"/>
+    <p:notesMasterId r:id="rId21"/>
   </p:notesMasterIdLst>
   <p:sldIdLst>
     <p:sldId id="256" r:id="rId2"/>
-    <p:sldId id="257" r:id="rId3"/>
+    <p:sldId id="275" r:id="rId3"/>
     <p:sldId id="258" r:id="rId4"/>
     <p:sldId id="259" r:id="rId5"/>
     <p:sldId id="260" r:id="rId6"/>
@@ -21,8 +21,12 @@
     <p:sldId id="266" r:id="rId12"/>
     <p:sldId id="267" r:id="rId13"/>
     <p:sldId id="268" r:id="rId14"/>
-    <p:sldId id="269" r:id="rId15"/>
-    <p:sldId id="270" r:id="rId16"/>
+    <p:sldId id="271" r:id="rId15"/>
+    <p:sldId id="272" r:id="rId16"/>
+    <p:sldId id="273" r:id="rId17"/>
+    <p:sldId id="274" r:id="rId18"/>
+    <p:sldId id="269" r:id="rId19"/>
+    <p:sldId id="270" r:id="rId20"/>
   </p:sldIdLst>
   <p:sldSz cx="12192000" cy="6858000"/>
   <p:notesSz cx="6858000" cy="9144000"/>
@@ -211,7 +215,7 @@
           <a:p>
             <a:fld id="{CCAF7D9F-B2D0-4828-B492-9B4957A9A668}" type="datetimeFigureOut">
               <a:rPr lang="ru-RU" smtClean="0"/>
-              <a:t>09.05.2023</a:t>
+              <a:t>28.05.2023</a:t>
             </a:fld>
             <a:endParaRPr lang="ru-RU"/>
           </a:p>
@@ -1285,7 +1289,7 @@
           <a:p>
             <a:fld id="{FAB45EC3-6C6F-4658-B0D2-509166C41EDB}" type="datetimeFigureOut">
               <a:rPr lang="ru-RU" smtClean="0"/>
-              <a:t>09.05.2023</a:t>
+              <a:t>28.05.2023</a:t>
             </a:fld>
             <a:endParaRPr lang="ru-RU"/>
           </a:p>
@@ -1536,7 +1540,7 @@
           <a:p>
             <a:fld id="{FAB45EC3-6C6F-4658-B0D2-509166C41EDB}" type="datetimeFigureOut">
               <a:rPr lang="ru-RU" smtClean="0"/>
-              <a:t>09.05.2023</a:t>
+              <a:t>28.05.2023</a:t>
             </a:fld>
             <a:endParaRPr lang="ru-RU"/>
           </a:p>
@@ -1850,7 +1854,7 @@
           <a:p>
             <a:fld id="{FAB45EC3-6C6F-4658-B0D2-509166C41EDB}" type="datetimeFigureOut">
               <a:rPr lang="ru-RU" smtClean="0"/>
-              <a:t>09.05.2023</a:t>
+              <a:t>28.05.2023</a:t>
             </a:fld>
             <a:endParaRPr lang="ru-RU"/>
           </a:p>
@@ -2191,7 +2195,7 @@
           <a:p>
             <a:fld id="{FAB45EC3-6C6F-4658-B0D2-509166C41EDB}" type="datetimeFigureOut">
               <a:rPr lang="ru-RU" smtClean="0"/>
-              <a:t>09.05.2023</a:t>
+              <a:t>28.05.2023</a:t>
             </a:fld>
             <a:endParaRPr lang="ru-RU"/>
           </a:p>
@@ -2505,7 +2509,7 @@
           <a:p>
             <a:fld id="{FAB45EC3-6C6F-4658-B0D2-509166C41EDB}" type="datetimeFigureOut">
               <a:rPr lang="ru-RU" smtClean="0"/>
-              <a:t>09.05.2023</a:t>
+              <a:t>28.05.2023</a:t>
             </a:fld>
             <a:endParaRPr lang="ru-RU"/>
           </a:p>
@@ -2898,7 +2902,7 @@
           <a:p>
             <a:fld id="{FAB45EC3-6C6F-4658-B0D2-509166C41EDB}" type="datetimeFigureOut">
               <a:rPr lang="ru-RU" smtClean="0"/>
-              <a:t>09.05.2023</a:t>
+              <a:t>28.05.2023</a:t>
             </a:fld>
             <a:endParaRPr lang="ru-RU"/>
           </a:p>
@@ -3068,7 +3072,7 @@
           <a:p>
             <a:fld id="{FAB45EC3-6C6F-4658-B0D2-509166C41EDB}" type="datetimeFigureOut">
               <a:rPr lang="ru-RU" smtClean="0"/>
-              <a:t>09.05.2023</a:t>
+              <a:t>28.05.2023</a:t>
             </a:fld>
             <a:endParaRPr lang="ru-RU"/>
           </a:p>
@@ -3248,7 +3252,7 @@
           <a:p>
             <a:fld id="{FAB45EC3-6C6F-4658-B0D2-509166C41EDB}" type="datetimeFigureOut">
               <a:rPr lang="ru-RU" smtClean="0"/>
-              <a:t>09.05.2023</a:t>
+              <a:t>28.05.2023</a:t>
             </a:fld>
             <a:endParaRPr lang="ru-RU"/>
           </a:p>
@@ -3424,7 +3428,7 @@
           <a:p>
             <a:fld id="{FAB45EC3-6C6F-4658-B0D2-509166C41EDB}" type="datetimeFigureOut">
               <a:rPr lang="ru-RU" smtClean="0"/>
-              <a:t>09.05.2023</a:t>
+              <a:t>28.05.2023</a:t>
             </a:fld>
             <a:endParaRPr lang="ru-RU"/>
           </a:p>
@@ -3671,7 +3675,7 @@
           <a:p>
             <a:fld id="{FAB45EC3-6C6F-4658-B0D2-509166C41EDB}" type="datetimeFigureOut">
               <a:rPr lang="ru-RU" smtClean="0"/>
-              <a:t>09.05.2023</a:t>
+              <a:t>28.05.2023</a:t>
             </a:fld>
             <a:endParaRPr lang="ru-RU"/>
           </a:p>
@@ -3903,7 +3907,7 @@
           <a:p>
             <a:fld id="{FAB45EC3-6C6F-4658-B0D2-509166C41EDB}" type="datetimeFigureOut">
               <a:rPr lang="ru-RU" smtClean="0"/>
-              <a:t>09.05.2023</a:t>
+              <a:t>28.05.2023</a:t>
             </a:fld>
             <a:endParaRPr lang="ru-RU"/>
           </a:p>
@@ -4277,7 +4281,7 @@
           <a:p>
             <a:fld id="{FAB45EC3-6C6F-4658-B0D2-509166C41EDB}" type="datetimeFigureOut">
               <a:rPr lang="ru-RU" smtClean="0"/>
-              <a:t>09.05.2023</a:t>
+              <a:t>28.05.2023</a:t>
             </a:fld>
             <a:endParaRPr lang="ru-RU"/>
           </a:p>
@@ -4400,7 +4404,7 @@
           <a:p>
             <a:fld id="{FAB45EC3-6C6F-4658-B0D2-509166C41EDB}" type="datetimeFigureOut">
               <a:rPr lang="ru-RU" smtClean="0"/>
-              <a:t>09.05.2023</a:t>
+              <a:t>28.05.2023</a:t>
             </a:fld>
             <a:endParaRPr lang="ru-RU"/>
           </a:p>
@@ -4495,7 +4499,7 @@
           <a:p>
             <a:fld id="{FAB45EC3-6C6F-4658-B0D2-509166C41EDB}" type="datetimeFigureOut">
               <a:rPr lang="ru-RU" smtClean="0"/>
-              <a:t>09.05.2023</a:t>
+              <a:t>28.05.2023</a:t>
             </a:fld>
             <a:endParaRPr lang="ru-RU"/>
           </a:p>
@@ -4750,7 +4754,7 @@
           <a:p>
             <a:fld id="{FAB45EC3-6C6F-4658-B0D2-509166C41EDB}" type="datetimeFigureOut">
               <a:rPr lang="ru-RU" smtClean="0"/>
-              <a:t>09.05.2023</a:t>
+              <a:t>28.05.2023</a:t>
             </a:fld>
             <a:endParaRPr lang="ru-RU"/>
           </a:p>
@@ -5013,7 +5017,7 @@
           <a:p>
             <a:fld id="{FAB45EC3-6C6F-4658-B0D2-509166C41EDB}" type="datetimeFigureOut">
               <a:rPr lang="ru-RU" smtClean="0"/>
-              <a:t>09.05.2023</a:t>
+              <a:t>28.05.2023</a:t>
             </a:fld>
             <a:endParaRPr lang="ru-RU"/>
           </a:p>
@@ -5756,7 +5760,7 @@
           <a:p>
             <a:fld id="{FAB45EC3-6C6F-4658-B0D2-509166C41EDB}" type="datetimeFigureOut">
               <a:rPr lang="ru-RU" smtClean="0"/>
-              <a:t>09.05.2023</a:t>
+              <a:t>28.05.2023</a:t>
             </a:fld>
             <a:endParaRPr lang="ru-RU"/>
           </a:p>
@@ -7292,6 +7296,548 @@
       </p:grpSpPr>
       <p:sp>
         <p:nvSpPr>
+          <p:cNvPr id="2" name="Title 1"/>
+          <p:cNvSpPr>
+            <a:spLocks noGrp="1"/>
+          </p:cNvSpPr>
+          <p:nvPr>
+            <p:ph type="title"/>
+          </p:nvPr>
+        </p:nvSpPr>
+        <p:spPr>
+          <a:xfrm>
+            <a:off x="791634" y="514924"/>
+            <a:ext cx="3854528" cy="778252"/>
+          </a:xfrm>
+        </p:spPr>
+        <p:txBody>
+          <a:bodyPr/>
+          <a:lstStyle/>
+          <a:p>
+            <a:r>
+              <a:rPr lang="ru-RU" b="1" dirty="0"/>
+              <a:t>Информационное представление:</a:t>
+            </a:r>
+            <a:endParaRPr lang="ru-RU" dirty="0"/>
+          </a:p>
+        </p:txBody>
+      </p:sp>
+      <p:sp>
+        <p:nvSpPr>
+          <p:cNvPr id="4" name="Text Placeholder 3"/>
+          <p:cNvSpPr>
+            <a:spLocks noGrp="1"/>
+          </p:cNvSpPr>
+          <p:nvPr>
+            <p:ph type="body" sz="half" idx="2"/>
+          </p:nvPr>
+        </p:nvSpPr>
+        <p:spPr>
+          <a:xfrm>
+            <a:off x="631614" y="1533485"/>
+            <a:ext cx="3854528" cy="3925483"/>
+          </a:xfrm>
+        </p:spPr>
+        <p:txBody>
+          <a:bodyPr/>
+          <a:lstStyle/>
+          <a:p>
+            <a:pPr marL="285750" indent="-285750">
+              <a:buFont typeface="Arial" panose="020B0604020202020204" pitchFamily="34" charset="0"/>
+              <a:buChar char="•"/>
+            </a:pPr>
+            <a:r>
+              <a:rPr lang="ru-RU" dirty="0" smtClean="0"/>
+              <a:t>Информационное </a:t>
+            </a:r>
+            <a:r>
+              <a:rPr lang="ru-RU" dirty="0"/>
+              <a:t>представление программного обеспечения относится к обработке, передаче, хранению и управлению данными. Оно определяет</a:t>
+            </a:r>
+            <a:r>
+              <a:rPr lang="en-US" dirty="0"/>
+              <a:t>, </a:t>
+            </a:r>
+            <a:r>
+              <a:rPr lang="ru-RU" dirty="0"/>
+              <a:t>как данные организованы</a:t>
+            </a:r>
+            <a:r>
+              <a:rPr lang="en-US" dirty="0"/>
+              <a:t>, </a:t>
+            </a:r>
+            <a:r>
+              <a:rPr lang="ru-RU" dirty="0"/>
+              <a:t>как они взаимодействуют с другими компонентами системы и как они обрабатываются для достижения желаемых результатов</a:t>
+            </a:r>
+            <a:r>
+              <a:rPr lang="en-US" dirty="0"/>
+              <a:t>.</a:t>
+            </a:r>
+            <a:endParaRPr lang="ru-RU" dirty="0"/>
+          </a:p>
+          <a:p>
+            <a:endParaRPr lang="ru-RU" dirty="0"/>
+          </a:p>
+        </p:txBody>
+      </p:sp>
+      <p:pic>
+        <p:nvPicPr>
+          <p:cNvPr id="5" name="Content Placeholder 4"/>
+          <p:cNvPicPr>
+            <a:picLocks noGrp="1"/>
+          </p:cNvPicPr>
+          <p:nvPr>
+            <p:ph idx="1"/>
+          </p:nvPr>
+        </p:nvPicPr>
+        <p:blipFill>
+          <a:blip r:embed="rId2">
+            <a:extLst>
+              <a:ext uri="{28A0092B-C50C-407E-A947-70E740481C1C}">
+                <a14:useLocalDpi xmlns:a14="http://schemas.microsoft.com/office/drawing/2010/main" val="0"/>
+              </a:ext>
+            </a:extLst>
+          </a:blip>
+          <a:stretch>
+            <a:fillRect/>
+          </a:stretch>
+        </p:blipFill>
+        <p:spPr>
+          <a:xfrm>
+            <a:off x="4486142" y="514350"/>
+            <a:ext cx="4509914" cy="5527675"/>
+          </a:xfrm>
+          <a:prstGeom prst="rect">
+            <a:avLst/>
+          </a:prstGeom>
+        </p:spPr>
+      </p:pic>
+    </p:spTree>
+    <p:extLst>
+      <p:ext uri="{BB962C8B-B14F-4D97-AF65-F5344CB8AC3E}">
+        <p14:creationId xmlns:p14="http://schemas.microsoft.com/office/powerpoint/2010/main" val="2176071818"/>
+      </p:ext>
+    </p:extLst>
+  </p:cSld>
+  <p:clrMapOvr>
+    <a:masterClrMapping/>
+  </p:clrMapOvr>
+</p:sld>
+</file>
+
+<file path=ppt/slides/slide15.xml><?xml version="1.0" encoding="utf-8"?>
+<p:sld xmlns:a="http://schemas.openxmlformats.org/drawingml/2006/main" xmlns:r="http://schemas.openxmlformats.org/officeDocument/2006/relationships" xmlns:p="http://schemas.openxmlformats.org/presentationml/2006/main">
+  <p:cSld>
+    <p:spTree>
+      <p:nvGrpSpPr>
+        <p:cNvPr id="1" name=""/>
+        <p:cNvGrpSpPr/>
+        <p:nvPr/>
+      </p:nvGrpSpPr>
+      <p:grpSpPr>
+        <a:xfrm>
+          <a:off x="0" y="0"/>
+          <a:ext cx="0" cy="0"/>
+          <a:chOff x="0" y="0"/>
+          <a:chExt cx="0" cy="0"/>
+        </a:xfrm>
+      </p:grpSpPr>
+      <p:sp>
+        <p:nvSpPr>
+          <p:cNvPr id="2" name="Title 1"/>
+          <p:cNvSpPr>
+            <a:spLocks noGrp="1"/>
+          </p:cNvSpPr>
+          <p:nvPr>
+            <p:ph type="title"/>
+          </p:nvPr>
+        </p:nvSpPr>
+        <p:spPr>
+          <a:xfrm>
+            <a:off x="677334" y="514924"/>
+            <a:ext cx="3854528" cy="710372"/>
+          </a:xfrm>
+        </p:spPr>
+        <p:txBody>
+          <a:bodyPr/>
+          <a:lstStyle/>
+          <a:p>
+            <a:r>
+              <a:rPr lang="ru-RU" b="1" dirty="0"/>
+              <a:t>Многозадачность (</a:t>
+            </a:r>
+            <a:r>
+              <a:rPr lang="ru-RU" b="1" dirty="0" err="1"/>
+              <a:t>concurrency</a:t>
+            </a:r>
+            <a:r>
+              <a:rPr lang="ru-RU" b="1" dirty="0"/>
+              <a:t>):</a:t>
+            </a:r>
+            <a:endParaRPr lang="ru-RU" dirty="0"/>
+          </a:p>
+        </p:txBody>
+      </p:sp>
+      <p:sp>
+        <p:nvSpPr>
+          <p:cNvPr id="4" name="Text Placeholder 3"/>
+          <p:cNvSpPr>
+            <a:spLocks noGrp="1"/>
+          </p:cNvSpPr>
+          <p:nvPr>
+            <p:ph type="body" sz="half" idx="2"/>
+          </p:nvPr>
+        </p:nvSpPr>
+        <p:spPr>
+          <a:xfrm>
+            <a:off x="677334" y="1344169"/>
+            <a:ext cx="3854528" cy="4017350"/>
+          </a:xfrm>
+        </p:spPr>
+        <p:txBody>
+          <a:bodyPr/>
+          <a:lstStyle/>
+          <a:p>
+            <a:r>
+              <a:rPr lang="ru-RU" dirty="0" smtClean="0"/>
+              <a:t>Многозадачность </a:t>
+            </a:r>
+            <a:r>
+              <a:rPr lang="ru-RU" dirty="0"/>
+              <a:t>относится к способности программного обеспечения обрабатывать несколько задач одновременно или параллельно. Это важное представление, особенно в современных информационных системах, где множество операций и запросов выполняются одновременно. Многозадачность позволяет оптимизировать использование ресурсов и повышает эффективность работы системы.</a:t>
+            </a:r>
+          </a:p>
+          <a:p>
+            <a:endParaRPr lang="ru-RU" dirty="0"/>
+          </a:p>
+        </p:txBody>
+      </p:sp>
+      <p:pic>
+        <p:nvPicPr>
+          <p:cNvPr id="5" name="Content Placeholder 4"/>
+          <p:cNvPicPr>
+            <a:picLocks noGrp="1"/>
+          </p:cNvPicPr>
+          <p:nvPr>
+            <p:ph idx="1"/>
+          </p:nvPr>
+        </p:nvPicPr>
+        <p:blipFill>
+          <a:blip r:embed="rId2">
+            <a:extLst>
+              <a:ext uri="{28A0092B-C50C-407E-A947-70E740481C1C}">
+                <a14:useLocalDpi xmlns:a14="http://schemas.microsoft.com/office/drawing/2010/main" val="0"/>
+              </a:ext>
+            </a:extLst>
+          </a:blip>
+          <a:stretch>
+            <a:fillRect/>
+          </a:stretch>
+        </p:blipFill>
+        <p:spPr>
+          <a:xfrm>
+            <a:off x="4215384" y="514924"/>
+            <a:ext cx="5458968" cy="4258243"/>
+          </a:xfrm>
+          <a:prstGeom prst="rect">
+            <a:avLst/>
+          </a:prstGeom>
+        </p:spPr>
+      </p:pic>
+    </p:spTree>
+    <p:extLst>
+      <p:ext uri="{BB962C8B-B14F-4D97-AF65-F5344CB8AC3E}">
+        <p14:creationId xmlns:p14="http://schemas.microsoft.com/office/powerpoint/2010/main" val="3325552598"/>
+      </p:ext>
+    </p:extLst>
+  </p:cSld>
+  <p:clrMapOvr>
+    <a:masterClrMapping/>
+  </p:clrMapOvr>
+</p:sld>
+</file>
+
+<file path=ppt/slides/slide16.xml><?xml version="1.0" encoding="utf-8"?>
+<p:sld xmlns:a="http://schemas.openxmlformats.org/drawingml/2006/main" xmlns:r="http://schemas.openxmlformats.org/officeDocument/2006/relationships" xmlns:p="http://schemas.openxmlformats.org/presentationml/2006/main">
+  <p:cSld>
+    <p:spTree>
+      <p:nvGrpSpPr>
+        <p:cNvPr id="1" name=""/>
+        <p:cNvGrpSpPr/>
+        <p:nvPr/>
+      </p:nvGrpSpPr>
+      <p:grpSpPr>
+        <a:xfrm>
+          <a:off x="0" y="0"/>
+          <a:ext cx="0" cy="0"/>
+          <a:chOff x="0" y="0"/>
+          <a:chExt cx="0" cy="0"/>
+        </a:xfrm>
+      </p:grpSpPr>
+      <p:sp>
+        <p:nvSpPr>
+          <p:cNvPr id="2" name="Title 1"/>
+          <p:cNvSpPr>
+            <a:spLocks noGrp="1"/>
+          </p:cNvSpPr>
+          <p:nvPr>
+            <p:ph type="title"/>
+          </p:nvPr>
+        </p:nvSpPr>
+        <p:spPr>
+          <a:xfrm>
+            <a:off x="677334" y="514924"/>
+            <a:ext cx="3854528" cy="792668"/>
+          </a:xfrm>
+        </p:spPr>
+        <p:txBody>
+          <a:bodyPr/>
+          <a:lstStyle/>
+          <a:p>
+            <a:r>
+              <a:rPr lang="ru-RU" b="1" dirty="0"/>
+              <a:t>Инфраструктурное представление:</a:t>
+            </a:r>
+            <a:endParaRPr lang="ru-RU" dirty="0"/>
+          </a:p>
+        </p:txBody>
+      </p:sp>
+      <p:sp>
+        <p:nvSpPr>
+          <p:cNvPr id="4" name="Text Placeholder 3"/>
+          <p:cNvSpPr>
+            <a:spLocks noGrp="1"/>
+          </p:cNvSpPr>
+          <p:nvPr>
+            <p:ph type="body" sz="half" idx="2"/>
+          </p:nvPr>
+        </p:nvSpPr>
+        <p:spPr>
+          <a:xfrm>
+            <a:off x="677334" y="1380745"/>
+            <a:ext cx="3854528" cy="3980774"/>
+          </a:xfrm>
+        </p:spPr>
+        <p:txBody>
+          <a:bodyPr/>
+          <a:lstStyle/>
+          <a:p>
+            <a:r>
+              <a:rPr lang="ru-RU" dirty="0" smtClean="0"/>
+              <a:t>Инфраструктурное </a:t>
+            </a:r>
+            <a:r>
+              <a:rPr lang="ru-RU" dirty="0"/>
+              <a:t>представление программного обеспечения отражает его взаимодействие с аппаратными и программными компонентами, на которых оно функционирует. Оно описывает, как программное обеспечение использует ресурсы и сервисы операционной системы, сети, базы данных и других компонентов инфраструктуры для выполнения своих задач.</a:t>
+            </a:r>
+          </a:p>
+          <a:p>
+            <a:endParaRPr lang="ru-RU" dirty="0"/>
+          </a:p>
+        </p:txBody>
+      </p:sp>
+      <p:pic>
+        <p:nvPicPr>
+          <p:cNvPr id="5" name="Content Placeholder 4"/>
+          <p:cNvPicPr>
+            <a:picLocks noGrp="1"/>
+          </p:cNvPicPr>
+          <p:nvPr>
+            <p:ph idx="1"/>
+          </p:nvPr>
+        </p:nvPicPr>
+        <p:blipFill>
+          <a:blip r:embed="rId2">
+            <a:extLst>
+              <a:ext uri="{28A0092B-C50C-407E-A947-70E740481C1C}">
+                <a14:useLocalDpi xmlns:a14="http://schemas.microsoft.com/office/drawing/2010/main" val="0"/>
+              </a:ext>
+            </a:extLst>
+          </a:blip>
+          <a:stretch>
+            <a:fillRect/>
+          </a:stretch>
+        </p:blipFill>
+        <p:spPr>
+          <a:xfrm>
+            <a:off x="4531863" y="514350"/>
+            <a:ext cx="5014474" cy="5621274"/>
+          </a:xfrm>
+          <a:prstGeom prst="rect">
+            <a:avLst/>
+          </a:prstGeom>
+        </p:spPr>
+      </p:pic>
+    </p:spTree>
+    <p:extLst>
+      <p:ext uri="{BB962C8B-B14F-4D97-AF65-F5344CB8AC3E}">
+        <p14:creationId xmlns:p14="http://schemas.microsoft.com/office/powerpoint/2010/main" val="1687298909"/>
+      </p:ext>
+    </p:extLst>
+  </p:cSld>
+  <p:clrMapOvr>
+    <a:masterClrMapping/>
+  </p:clrMapOvr>
+</p:sld>
+</file>
+
+<file path=ppt/slides/slide17.xml><?xml version="1.0" encoding="utf-8"?>
+<p:sld xmlns:a="http://schemas.openxmlformats.org/drawingml/2006/main" xmlns:r="http://schemas.openxmlformats.org/officeDocument/2006/relationships" xmlns:p="http://schemas.openxmlformats.org/presentationml/2006/main">
+  <p:cSld>
+    <p:spTree>
+      <p:nvGrpSpPr>
+        <p:cNvPr id="1" name=""/>
+        <p:cNvGrpSpPr/>
+        <p:nvPr/>
+      </p:nvGrpSpPr>
+      <p:grpSpPr>
+        <a:xfrm>
+          <a:off x="0" y="0"/>
+          <a:ext cx="0" cy="0"/>
+          <a:chOff x="0" y="0"/>
+          <a:chExt cx="0" cy="0"/>
+        </a:xfrm>
+      </p:grpSpPr>
+      <p:sp>
+        <p:nvSpPr>
+          <p:cNvPr id="2" name="Title 1"/>
+          <p:cNvSpPr>
+            <a:spLocks noGrp="1"/>
+          </p:cNvSpPr>
+          <p:nvPr>
+            <p:ph type="title"/>
+          </p:nvPr>
+        </p:nvSpPr>
+        <p:spPr>
+          <a:xfrm>
+            <a:off x="677334" y="514924"/>
+            <a:ext cx="3854528" cy="792668"/>
+          </a:xfrm>
+        </p:spPr>
+        <p:txBody>
+          <a:bodyPr>
+            <a:normAutofit fontScale="90000"/>
+          </a:bodyPr>
+          <a:lstStyle/>
+          <a:p>
+            <a:r>
+              <a:rPr lang="ru-RU" b="1" dirty="0"/>
+              <a:t>Представление безопасности</a:t>
+            </a:r>
+            <a:r>
+              <a:rPr lang="ru-RU" b="1" dirty="0" smtClean="0"/>
+              <a:t>:</a:t>
+            </a:r>
+            <a:r>
+              <a:rPr lang="en-US" b="1" dirty="0" smtClean="0"/>
+              <a:t/>
+            </a:r>
+            <a:br>
+              <a:rPr lang="en-US" b="1" dirty="0" smtClean="0"/>
+            </a:br>
+            <a:endParaRPr lang="ru-RU" dirty="0"/>
+          </a:p>
+        </p:txBody>
+      </p:sp>
+      <p:sp>
+        <p:nvSpPr>
+          <p:cNvPr id="4" name="Text Placeholder 3"/>
+          <p:cNvSpPr>
+            <a:spLocks noGrp="1"/>
+          </p:cNvSpPr>
+          <p:nvPr>
+            <p:ph type="body" sz="half" idx="2"/>
+          </p:nvPr>
+        </p:nvSpPr>
+        <p:spPr>
+          <a:xfrm>
+            <a:off x="677334" y="1408177"/>
+            <a:ext cx="3854528" cy="3953342"/>
+          </a:xfrm>
+        </p:spPr>
+        <p:txBody>
+          <a:bodyPr/>
+          <a:lstStyle/>
+          <a:p>
+            <a:r>
+              <a:rPr lang="ru-RU" dirty="0" smtClean="0"/>
+              <a:t>Представление </a:t>
+            </a:r>
+            <a:r>
+              <a:rPr lang="ru-RU" dirty="0"/>
+              <a:t>безопасности программного обеспечения фокусируется на защите данных, информации и системы от несанкционированного доступа, угроз и потенциальных уязвимостей. Оно включает в себя реализацию соответствующих механизмов и политик безопасности, а также обеспечение конфиденциальности, целостности и доступности данных.</a:t>
+            </a:r>
+          </a:p>
+          <a:p>
+            <a:endParaRPr lang="ru-RU" dirty="0"/>
+          </a:p>
+        </p:txBody>
+      </p:sp>
+      <p:pic>
+        <p:nvPicPr>
+          <p:cNvPr id="5" name="Content Placeholder 4"/>
+          <p:cNvPicPr>
+            <a:picLocks noGrp="1"/>
+          </p:cNvPicPr>
+          <p:nvPr>
+            <p:ph idx="1"/>
+          </p:nvPr>
+        </p:nvPicPr>
+        <p:blipFill>
+          <a:blip r:embed="rId2">
+            <a:extLst>
+              <a:ext uri="{28A0092B-C50C-407E-A947-70E740481C1C}">
+                <a14:useLocalDpi xmlns:a14="http://schemas.microsoft.com/office/drawing/2010/main" val="0"/>
+              </a:ext>
+            </a:extLst>
+          </a:blip>
+          <a:stretch>
+            <a:fillRect/>
+          </a:stretch>
+        </p:blipFill>
+        <p:spPr>
+          <a:xfrm>
+            <a:off x="4531862" y="514924"/>
+            <a:ext cx="5342255" cy="4636008"/>
+          </a:xfrm>
+          <a:prstGeom prst="rect">
+            <a:avLst/>
+          </a:prstGeom>
+        </p:spPr>
+      </p:pic>
+    </p:spTree>
+    <p:extLst>
+      <p:ext uri="{BB962C8B-B14F-4D97-AF65-F5344CB8AC3E}">
+        <p14:creationId xmlns:p14="http://schemas.microsoft.com/office/powerpoint/2010/main" val="4287915919"/>
+      </p:ext>
+    </p:extLst>
+  </p:cSld>
+  <p:clrMapOvr>
+    <a:masterClrMapping/>
+  </p:clrMapOvr>
+</p:sld>
+</file>
+
+<file path=ppt/slides/slide18.xml><?xml version="1.0" encoding="utf-8"?>
+<p:sld xmlns:a="http://schemas.openxmlformats.org/drawingml/2006/main" xmlns:r="http://schemas.openxmlformats.org/officeDocument/2006/relationships" xmlns:p="http://schemas.openxmlformats.org/presentationml/2006/main">
+  <p:cSld>
+    <p:spTree>
+      <p:nvGrpSpPr>
+        <p:cNvPr id="1" name=""/>
+        <p:cNvGrpSpPr/>
+        <p:nvPr/>
+      </p:nvGrpSpPr>
+      <p:grpSpPr>
+        <a:xfrm>
+          <a:off x="0" y="0"/>
+          <a:ext cx="0" cy="0"/>
+          <a:chOff x="0" y="0"/>
+          <a:chExt cx="0" cy="0"/>
+        </a:xfrm>
+      </p:grpSpPr>
+      <p:sp>
+        <p:nvSpPr>
           <p:cNvPr id="3" name="Title 2"/>
           <p:cNvSpPr>
             <a:spLocks noGrp="1"/>
@@ -7430,7 +7976,7 @@
 </p:sld>
 </file>
 
-<file path=ppt/slides/slide15.xml><?xml version="1.0" encoding="utf-8"?>
+<file path=ppt/slides/slide19.xml><?xml version="1.0" encoding="utf-8"?>
 <p:sld xmlns:a="http://schemas.openxmlformats.org/drawingml/2006/main" xmlns:r="http://schemas.openxmlformats.org/officeDocument/2006/relationships" xmlns:p="http://schemas.openxmlformats.org/presentationml/2006/main">
   <p:cSld>
     <p:spTree>
@@ -7671,7 +8217,7 @@
       </p:grpSpPr>
       <p:sp>
         <p:nvSpPr>
-          <p:cNvPr id="17" name="Title 16"/>
+          <p:cNvPr id="7" name="Title 6"/>
           <p:cNvSpPr>
             <a:spLocks noGrp="1"/>
           </p:cNvSpPr>
@@ -7681,270 +8227,336 @@
         </p:nvSpPr>
         <p:spPr>
           <a:xfrm>
-            <a:off x="839788" y="299706"/>
-            <a:ext cx="10773092" cy="605550"/>
+            <a:off x="677333" y="1"/>
+            <a:ext cx="9831009" cy="609600"/>
           </a:xfrm>
-          <a:prstGeom prst="rect">
-            <a:avLst/>
-          </a:prstGeom>
         </p:spPr>
         <p:txBody>
-          <a:bodyPr wrap="square">
-            <a:spAutoFit/>
+          <a:bodyPr>
+            <a:normAutofit fontScale="90000"/>
           </a:bodyPr>
           <a:lstStyle/>
           <a:p>
-            <a:pPr marR="0" lvl="0">
-              <a:lnSpc>
-                <a:spcPct val="115000"/>
-              </a:lnSpc>
-              <a:spcBef>
-                <a:spcPts val="0"/>
-              </a:spcBef>
-              <a:spcAft>
-                <a:spcPts val="0"/>
-              </a:spcAft>
-            </a:pPr>
-            <a:r>
-              <a:rPr lang="ru-RU" sz="2900" dirty="0" smtClean="0">
-                <a:latin typeface="+mn-lt"/>
+            <a:r>
+              <a:rPr lang="ru-RU" dirty="0">
                 <a:ea typeface="Arial" panose="020B0604020202020204" pitchFamily="34" charset="0"/>
               </a:rPr>
               <a:t>Анализ и список функциональных требований.</a:t>
             </a:r>
-            <a:endParaRPr lang="ru-RU" sz="2900" dirty="0">
-              <a:latin typeface="+mn-lt"/>
-              <a:ea typeface="Arial" panose="020B0604020202020204" pitchFamily="34" charset="0"/>
-            </a:endParaRPr>
-          </a:p>
-        </p:txBody>
-      </p:sp>
-      <p:sp>
-        <p:nvSpPr>
-          <p:cNvPr id="16" name="Text Placeholder 15"/>
-          <p:cNvSpPr>
-            <a:spLocks noGrp="1"/>
-          </p:cNvSpPr>
-          <p:nvPr>
-            <p:ph type="body" sz="half" idx="2"/>
+            <a:endParaRPr lang="ru-RU" dirty="0"/>
+          </a:p>
+        </p:txBody>
+      </p:sp>
+      <p:sp>
+        <p:nvSpPr>
+          <p:cNvPr id="8" name="Content Placeholder 7"/>
+          <p:cNvSpPr>
+            <a:spLocks noGrp="1"/>
+          </p:cNvSpPr>
+          <p:nvPr>
+            <p:ph sz="half" idx="1"/>
           </p:nvPr>
         </p:nvSpPr>
         <p:spPr>
           <a:xfrm>
-            <a:off x="766636" y="905256"/>
-            <a:ext cx="11074843" cy="5797296"/>
+            <a:off x="174172" y="609600"/>
+            <a:ext cx="5573486" cy="6248399"/>
           </a:xfrm>
         </p:spPr>
         <p:txBody>
           <a:bodyPr>
-            <a:normAutofit fontScale="25000" lnSpcReduction="20000"/>
+            <a:normAutofit fontScale="55000" lnSpcReduction="20000"/>
           </a:bodyPr>
           <a:lstStyle/>
           <a:p>
-            <a:pPr marL="857250" lvl="0" indent="-857250">
-              <a:buFont typeface="Arial" panose="020B0604020202020204" pitchFamily="34" charset="0"/>
-              <a:buChar char="•"/>
-            </a:pPr>
-            <a:r>
-              <a:rPr lang="ru-RU" sz="5600" dirty="0"/>
+            <a:pPr lvl="0"/>
+            <a:r>
+              <a:rPr lang="ru-RU" sz="2500" dirty="0"/>
+              <a:t>Приложение магазин(домен)</a:t>
+            </a:r>
+          </a:p>
+          <a:p>
+            <a:pPr lvl="0"/>
+            <a:r>
+              <a:rPr lang="ru-RU" sz="2500" dirty="0"/>
+              <a:t>Приложение должно само поддерживаться.</a:t>
+            </a:r>
+          </a:p>
+          <a:p>
+            <a:pPr lvl="0"/>
+            <a:r>
+              <a:rPr lang="ru-RU" sz="2500" dirty="0"/>
+              <a:t>Формирование такого образа бренда в глазах участников.</a:t>
+            </a:r>
+          </a:p>
+          <a:p>
+            <a:pPr lvl="0"/>
+            <a:r>
+              <a:rPr lang="ru-RU" sz="2500" dirty="0"/>
+              <a:t>Возможность указания своего спортивного инвентаря (обувь, снаряды) для подсказок по составлению тренировок или своевременного обновления обуви. </a:t>
+            </a:r>
+          </a:p>
+          <a:p>
+            <a:pPr lvl="0"/>
+            <a:r>
+              <a:rPr lang="ru-RU" sz="2500" dirty="0"/>
+              <a:t>Внедрение </a:t>
+            </a:r>
+            <a:r>
+              <a:rPr lang="ru-RU" sz="2500" dirty="0" err="1"/>
+              <a:t>промоакций</a:t>
+            </a:r>
+            <a:r>
+              <a:rPr lang="ru-RU" sz="2500" dirty="0"/>
+              <a:t> и новостей спорта в зависимости от характера тренировок для </a:t>
+            </a:r>
+            <a:r>
+              <a:rPr lang="ru-RU" sz="2500" dirty="0" err="1"/>
+              <a:t>вовлечённости</a:t>
+            </a:r>
+            <a:r>
+              <a:rPr lang="ru-RU" sz="2500" dirty="0"/>
+              <a:t>.</a:t>
+            </a:r>
+          </a:p>
+          <a:p>
+            <a:pPr lvl="0"/>
+            <a:r>
+              <a:rPr lang="ru-RU" sz="2500" dirty="0"/>
+              <a:t>Лёгкая интеграция существующих приложений компании для облегчения продаж. </a:t>
+            </a:r>
+          </a:p>
+          <a:p>
+            <a:pPr lvl="0"/>
+            <a:r>
+              <a:rPr lang="ru-RU" sz="2500" dirty="0"/>
+              <a:t>Возможность вставки региональных </a:t>
+            </a:r>
+            <a:r>
+              <a:rPr lang="ru-RU" sz="2500" dirty="0" err="1"/>
+              <a:t>промоакций</a:t>
+            </a:r>
+            <a:r>
+              <a:rPr lang="ru-RU" sz="2500" dirty="0"/>
+              <a:t>.</a:t>
+            </a:r>
+          </a:p>
+          <a:p>
+            <a:pPr lvl="0"/>
+            <a:r>
+              <a:rPr lang="ru-RU" sz="2500" dirty="0"/>
+              <a:t>Доставка (домен)</a:t>
+            </a:r>
+          </a:p>
+          <a:p>
+            <a:pPr lvl="0"/>
+            <a:r>
+              <a:rPr lang="ru-RU" sz="2500" dirty="0"/>
+              <a:t>Возможность отслеживать доставку.</a:t>
+            </a:r>
+          </a:p>
+          <a:p>
+            <a:pPr lvl="0"/>
+            <a:r>
+              <a:rPr lang="ru-RU" sz="2500" dirty="0"/>
+              <a:t>Возможность перенести доставку.</a:t>
+            </a:r>
+          </a:p>
+          <a:p>
+            <a:pPr lvl="0"/>
+            <a:r>
+              <a:rPr lang="ru-RU" sz="2500" dirty="0"/>
+              <a:t>Уведомление о доставке.</a:t>
+            </a:r>
+          </a:p>
+          <a:p>
+            <a:pPr lvl="0"/>
+            <a:r>
+              <a:rPr lang="ru-RU" sz="2500" dirty="0"/>
+              <a:t>Изменения статуса товара при его доставке.</a:t>
+            </a:r>
+          </a:p>
+          <a:p>
+            <a:pPr lvl="0"/>
+            <a:r>
+              <a:rPr lang="ru-RU" sz="2500" dirty="0"/>
+              <a:t>Возможность связаться с курьером доставляющим товар.</a:t>
+            </a:r>
+          </a:p>
+          <a:p>
+            <a:pPr lvl="0"/>
+            <a:r>
+              <a:rPr lang="ru-RU" sz="2500" dirty="0"/>
+              <a:t>Склад(домен)</a:t>
+            </a:r>
+          </a:p>
+          <a:p>
+            <a:pPr lvl="0"/>
+            <a:r>
+              <a:rPr lang="ru-RU" sz="2500" dirty="0"/>
+              <a:t>Возможность отслеживать статус товара.</a:t>
+            </a:r>
+          </a:p>
+          <a:p>
+            <a:pPr lvl="0"/>
+            <a:r>
+              <a:rPr lang="ru-RU" sz="2500" dirty="0"/>
+              <a:t>Возможность изменения статуса товара.</a:t>
+            </a:r>
+          </a:p>
+          <a:p>
+            <a:pPr lvl="0"/>
+            <a:r>
+              <a:rPr lang="ru-RU" sz="2500" dirty="0"/>
+              <a:t>Перенос  товара с одного склада на другой.</a:t>
+            </a:r>
+          </a:p>
+          <a:p>
+            <a:pPr lvl="0"/>
+            <a:r>
+              <a:rPr lang="ru-RU" sz="2500" dirty="0"/>
+              <a:t>Списание товара при его доставке.</a:t>
+            </a:r>
+          </a:p>
+          <a:p>
+            <a:endParaRPr lang="ru-RU" dirty="0"/>
+          </a:p>
+        </p:txBody>
+      </p:sp>
+      <p:sp>
+        <p:nvSpPr>
+          <p:cNvPr id="9" name="Content Placeholder 8"/>
+          <p:cNvSpPr>
+            <a:spLocks noGrp="1"/>
+          </p:cNvSpPr>
+          <p:nvPr>
+            <p:ph sz="half" idx="2"/>
+          </p:nvPr>
+        </p:nvSpPr>
+        <p:spPr>
+          <a:xfrm>
+            <a:off x="5399314" y="493486"/>
+            <a:ext cx="6125029" cy="6981371"/>
+          </a:xfrm>
+        </p:spPr>
+        <p:txBody>
+          <a:bodyPr>
+            <a:normAutofit fontScale="55000" lnSpcReduction="20000"/>
+          </a:bodyPr>
+          <a:lstStyle/>
+          <a:p>
+            <a:pPr lvl="0"/>
+            <a:r>
+              <a:rPr lang="ru-RU" sz="2500" dirty="0"/>
+              <a:t>Приложение пользователя(личные данные и метрики)(домен)</a:t>
+            </a:r>
+          </a:p>
+          <a:p>
+            <a:pPr lvl="0"/>
+            <a:r>
+              <a:rPr lang="ru-RU" sz="2500" dirty="0"/>
               <a:t>Приложение должно формировать социальные группы по интересам.</a:t>
             </a:r>
           </a:p>
           <a:p>
-            <a:pPr marL="857250" lvl="0" indent="-857250">
-              <a:buFont typeface="Arial" panose="020B0604020202020204" pitchFamily="34" charset="0"/>
-              <a:buChar char="•"/>
-            </a:pPr>
-            <a:r>
-              <a:rPr lang="ru-RU" sz="5600" dirty="0"/>
+            <a:pPr lvl="0"/>
+            <a:r>
+              <a:rPr lang="ru-RU" sz="2500" dirty="0"/>
               <a:t>Приложение должно само поддерживаться.</a:t>
             </a:r>
           </a:p>
           <a:p>
-            <a:pPr marL="857250" lvl="0" indent="-857250">
-              <a:buFont typeface="Arial" panose="020B0604020202020204" pitchFamily="34" charset="0"/>
-              <a:buChar char="•"/>
-            </a:pPr>
-            <a:r>
-              <a:rPr lang="ru-RU" sz="5600" dirty="0"/>
+            <a:pPr lvl="0"/>
+            <a:r>
+              <a:rPr lang="ru-RU" sz="2500" dirty="0"/>
               <a:t>Участники будут общаться и влиять друг на друга.</a:t>
             </a:r>
           </a:p>
           <a:p>
-            <a:pPr marL="857250" lvl="0" indent="-857250">
-              <a:buFont typeface="Arial" panose="020B0604020202020204" pitchFamily="34" charset="0"/>
-              <a:buChar char="•"/>
-            </a:pPr>
-            <a:r>
-              <a:rPr lang="ru-RU" sz="5600" dirty="0"/>
+            <a:pPr lvl="0"/>
+            <a:r>
+              <a:rPr lang="ru-RU" sz="2500" dirty="0"/>
               <a:t>Формирование такого образа бренда в глазах участников.</a:t>
             </a:r>
           </a:p>
           <a:p>
-            <a:pPr marL="857250" lvl="0" indent="-857250">
-              <a:buFont typeface="Arial" panose="020B0604020202020204" pitchFamily="34" charset="0"/>
-              <a:buChar char="•"/>
-            </a:pPr>
-            <a:r>
-              <a:rPr lang="ru-RU" sz="5600" dirty="0"/>
+            <a:pPr lvl="0"/>
+            <a:r>
+              <a:rPr lang="ru-RU" sz="2500" dirty="0"/>
               <a:t>Предоставление информации о характеристиках тренировки, сравнение с прошлыми тренировками, сравнение с людьми в регионе, с профессиональными спортсменами.</a:t>
             </a:r>
           </a:p>
           <a:p>
-            <a:pPr marL="857250" lvl="0" indent="-857250">
-              <a:buFont typeface="Arial" panose="020B0604020202020204" pitchFamily="34" charset="0"/>
-              <a:buChar char="•"/>
-            </a:pPr>
-            <a:r>
-              <a:rPr lang="ru-RU" sz="5600" dirty="0"/>
+            <a:pPr lvl="0"/>
+            <a:r>
+              <a:rPr lang="ru-RU" sz="2500" dirty="0"/>
+              <a:t>Возможность поиска людей по схожим интересам.</a:t>
+            </a:r>
+          </a:p>
+          <a:p>
+            <a:pPr lvl="0"/>
+            <a:r>
+              <a:rPr lang="ru-RU" sz="2500" dirty="0"/>
               <a:t>Основное сравнение — с самим собой для стимулирования результатов.</a:t>
             </a:r>
           </a:p>
           <a:p>
-            <a:pPr marL="857250" lvl="0" indent="-857250">
-              <a:buFont typeface="Arial" panose="020B0604020202020204" pitchFamily="34" charset="0"/>
-              <a:buChar char="•"/>
-            </a:pPr>
-            <a:r>
-              <a:rPr lang="ru-RU" sz="5600" dirty="0"/>
-              <a:t>Возможность поиска людей по схожим интересам.</a:t>
-            </a:r>
-          </a:p>
-          <a:p>
-            <a:pPr marL="857250" lvl="0" indent="-857250">
-              <a:buFont typeface="Arial" panose="020B0604020202020204" pitchFamily="34" charset="0"/>
-              <a:buChar char="•"/>
-            </a:pPr>
-            <a:r>
-              <a:rPr lang="ru-RU" sz="5600" dirty="0"/>
+            <a:pPr lvl="0"/>
+            <a:r>
+              <a:rPr lang="ru-RU" sz="2500" dirty="0"/>
               <a:t>Формирования групп для совместных занятий.</a:t>
             </a:r>
           </a:p>
           <a:p>
-            <a:pPr marL="857250" lvl="0" indent="-857250">
-              <a:buFont typeface="Arial" panose="020B0604020202020204" pitchFamily="34" charset="0"/>
-              <a:buChar char="•"/>
-            </a:pPr>
-            <a:r>
-              <a:rPr lang="ru-RU" sz="5600" dirty="0"/>
+            <a:pPr lvl="0"/>
+            <a:r>
+              <a:rPr lang="ru-RU" sz="2500" dirty="0"/>
               <a:t>Возможность указания своего спортивного инвентаря (обувь, снаряды) для подсказок по составлению тренировок или своевременного обновления обуви. </a:t>
             </a:r>
           </a:p>
           <a:p>
-            <a:pPr marL="857250" lvl="0" indent="-857250">
-              <a:buFont typeface="Arial" panose="020B0604020202020204" pitchFamily="34" charset="0"/>
-              <a:buChar char="•"/>
-            </a:pPr>
-            <a:r>
-              <a:rPr lang="ru-RU" sz="5600" dirty="0"/>
+            <a:pPr lvl="0"/>
+            <a:r>
+              <a:rPr lang="ru-RU" sz="2500" dirty="0"/>
               <a:t>Формирование и подсказки по составлению тренировок и их расписания. </a:t>
             </a:r>
           </a:p>
           <a:p>
-            <a:pPr marL="857250" lvl="0" indent="-857250">
-              <a:buFont typeface="Arial" panose="020B0604020202020204" pitchFamily="34" charset="0"/>
-              <a:buChar char="•"/>
-            </a:pPr>
-            <a:r>
-              <a:rPr lang="ru-RU" sz="5600" dirty="0"/>
+            <a:pPr lvl="0"/>
+            <a:r>
+              <a:rPr lang="ru-RU" sz="2500" dirty="0"/>
               <a:t>Уведомление друзей о ваших новых успехах.</a:t>
             </a:r>
           </a:p>
           <a:p>
-            <a:pPr marL="857250" lvl="0" indent="-857250">
-              <a:buFont typeface="Arial" panose="020B0604020202020204" pitchFamily="34" charset="0"/>
-              <a:buChar char="•"/>
-            </a:pPr>
-            <a:r>
-              <a:rPr lang="ru-RU" sz="5600" dirty="0" err="1"/>
+            <a:pPr lvl="0"/>
+            <a:r>
+              <a:rPr lang="ru-RU" sz="2500" dirty="0" err="1"/>
               <a:t>Геймификация</a:t>
             </a:r>
             <a:r>
-              <a:rPr lang="ru-RU" sz="5600" dirty="0"/>
+              <a:rPr lang="ru-RU" sz="2500" dirty="0"/>
               <a:t>.</a:t>
             </a:r>
           </a:p>
           <a:p>
-            <a:pPr marL="857250" lvl="0" indent="-857250">
-              <a:buFont typeface="Arial" panose="020B0604020202020204" pitchFamily="34" charset="0"/>
-              <a:buChar char="•"/>
-            </a:pPr>
-            <a:r>
-              <a:rPr lang="ru-RU" sz="5600" dirty="0"/>
-              <a:t>Внедрение </a:t>
-            </a:r>
-            <a:r>
-              <a:rPr lang="ru-RU" sz="5600" dirty="0" err="1"/>
-              <a:t>промоакций</a:t>
-            </a:r>
-            <a:r>
-              <a:rPr lang="ru-RU" sz="5600" dirty="0"/>
-              <a:t> и новостей спорта в зависимости от характера тренировок для </a:t>
-            </a:r>
-            <a:r>
-              <a:rPr lang="ru-RU" sz="5600" dirty="0" err="1"/>
-              <a:t>вовлечённости</a:t>
-            </a:r>
-            <a:r>
-              <a:rPr lang="ru-RU" sz="5600" dirty="0"/>
-              <a:t>.</a:t>
-            </a:r>
-          </a:p>
-          <a:p>
-            <a:pPr marL="857250" lvl="0" indent="-857250">
-              <a:buFont typeface="Arial" panose="020B0604020202020204" pitchFamily="34" charset="0"/>
-              <a:buChar char="•"/>
-            </a:pPr>
-            <a:r>
-              <a:rPr lang="ru-RU" sz="5600" dirty="0"/>
+            <a:pPr lvl="0"/>
+            <a:r>
+              <a:rPr lang="ru-RU" sz="2500" dirty="0"/>
               <a:t>Возможность подключения сторонних устройств для отслеживания тренировок (датчик сердцебиения, кислорода и так далее). </a:t>
             </a:r>
           </a:p>
           <a:p>
-            <a:pPr marL="857250" lvl="0" indent="-857250">
-              <a:buFont typeface="Arial" panose="020B0604020202020204" pitchFamily="34" charset="0"/>
-              <a:buChar char="•"/>
-            </a:pPr>
-            <a:r>
-              <a:rPr lang="ru-RU" sz="5600" dirty="0"/>
-              <a:t>Лёгкая интеграция существующих приложений компании для облегчения продаж. </a:t>
-            </a:r>
-          </a:p>
-          <a:p>
-            <a:pPr marL="857250" lvl="0" indent="-857250">
-              <a:buFont typeface="Arial" panose="020B0604020202020204" pitchFamily="34" charset="0"/>
-              <a:buChar char="•"/>
-            </a:pPr>
-            <a:r>
-              <a:rPr lang="ru-RU" sz="5600" dirty="0"/>
-              <a:t>Возможность вставки региональных </a:t>
-            </a:r>
-            <a:r>
-              <a:rPr lang="ru-RU" sz="5600" dirty="0" err="1"/>
-              <a:t>промоакций</a:t>
-            </a:r>
-            <a:r>
-              <a:rPr lang="ru-RU" sz="5600" dirty="0"/>
-              <a:t>.</a:t>
-            </a:r>
-          </a:p>
-          <a:p>
-            <a:pPr marL="857250" lvl="0" indent="-857250">
-              <a:buFont typeface="Arial" panose="020B0604020202020204" pitchFamily="34" charset="0"/>
-              <a:buChar char="•"/>
-            </a:pPr>
-            <a:r>
-              <a:rPr lang="ru-RU" sz="5600" dirty="0"/>
+            <a:pPr lvl="0"/>
+            <a:r>
+              <a:rPr lang="ru-RU" sz="2500" dirty="0"/>
               <a:t>Интеграция с фитнес-функциями телефона.</a:t>
             </a:r>
           </a:p>
           <a:p>
-            <a:pPr marL="857250" lvl="0" indent="-857250">
-              <a:buFont typeface="Arial" panose="020B0604020202020204" pitchFamily="34" charset="0"/>
-              <a:buChar char="•"/>
-            </a:pPr>
-            <a:r>
-              <a:rPr lang="ru-RU" sz="5600" dirty="0"/>
+            <a:pPr lvl="0"/>
+            <a:r>
+              <a:rPr lang="ru-RU" sz="2500" dirty="0"/>
               <a:t>Особое внимание охране пользовательских данных.</a:t>
             </a:r>
           </a:p>
@@ -7956,7 +8568,7 @@
     </p:spTree>
     <p:extLst>
       <p:ext uri="{BB962C8B-B14F-4D97-AF65-F5344CB8AC3E}">
-        <p14:creationId xmlns:p14="http://schemas.microsoft.com/office/powerpoint/2010/main" val="2256099106"/>
+        <p14:creationId xmlns:p14="http://schemas.microsoft.com/office/powerpoint/2010/main" val="1787589485"/>
       </p:ext>
     </p:extLst>
   </p:cSld>
@@ -8319,7 +8931,6 @@
               <a:rPr lang="ru-RU" dirty="0"/>
               <a:t>Модуль интеграции.</a:t>
             </a:r>
-            <a:endParaRPr lang="ru-RU" dirty="0"/>
           </a:p>
         </p:txBody>
       </p:sp>
@@ -9194,7 +9805,6 @@
               <a:rPr lang="ru-RU" dirty="0"/>
               <a:t>Локализация</a:t>
             </a:r>
-            <a:endParaRPr lang="ru-RU" dirty="0"/>
           </a:p>
         </p:txBody>
       </p:sp>
@@ -9240,8 +9850,8 @@
         </p:nvSpPr>
         <p:spPr>
           <a:xfrm>
-            <a:off x="677334" y="514924"/>
-            <a:ext cx="3854528" cy="1002980"/>
+            <a:off x="809625" y="1"/>
+            <a:ext cx="8020050" cy="625281"/>
           </a:xfrm>
         </p:spPr>
         <p:txBody>
@@ -9283,8 +9893,8 @@
         </p:blipFill>
         <p:spPr>
           <a:xfrm>
-            <a:off x="4822412" y="2349309"/>
-            <a:ext cx="4371975" cy="3009900"/>
+            <a:off x="5991825" y="2105025"/>
+            <a:ext cx="4009425" cy="3187508"/>
           </a:xfrm>
           <a:prstGeom prst="rect">
             <a:avLst/>
@@ -9303,121 +9913,423 @@
         </p:nvSpPr>
         <p:spPr>
           <a:xfrm>
-            <a:off x="677334" y="1316736"/>
-            <a:ext cx="3854528" cy="5541264"/>
+            <a:off x="677333" y="295275"/>
+            <a:ext cx="5561542" cy="6429375"/>
           </a:xfrm>
         </p:spPr>
         <p:txBody>
           <a:bodyPr>
-            <a:normAutofit lnSpcReduction="10000"/>
+            <a:normAutofit fontScale="25000" lnSpcReduction="20000"/>
           </a:bodyPr>
           <a:lstStyle/>
           <a:p>
-            <a:pPr marL="285750" lvl="0" indent="-285750">
-              <a:buFont typeface="Arial" panose="020B0604020202020204" pitchFamily="34" charset="0"/>
-              <a:buChar char="•"/>
-            </a:pPr>
-            <a:r>
-              <a:rPr lang="ru-RU" dirty="0"/>
+            <a:pPr lvl="0">
+              <a:spcBef>
+                <a:spcPts val="500"/>
+              </a:spcBef>
+            </a:pPr>
+            <a:r>
+              <a:rPr lang="ru-RU" sz="5600" dirty="0"/>
+              <a:t>Приложение магазин(домен)</a:t>
+            </a:r>
+          </a:p>
+          <a:p>
+            <a:pPr marL="457200" lvl="0" indent="-457200">
+              <a:lnSpc>
+                <a:spcPct val="120000"/>
+              </a:lnSpc>
+              <a:spcBef>
+                <a:spcPts val="500"/>
+              </a:spcBef>
+              <a:buFont typeface="Arial" panose="020B0604020202020204" pitchFamily="34" charset="0"/>
+              <a:buChar char="•"/>
+            </a:pPr>
+            <a:r>
+              <a:rPr lang="ru-RU" sz="4000" dirty="0"/>
               <a:t>Удобство клиента</a:t>
             </a:r>
           </a:p>
           <a:p>
-            <a:pPr marL="285750" lvl="0" indent="-285750">
-              <a:buFont typeface="Arial" panose="020B0604020202020204" pitchFamily="34" charset="0"/>
-              <a:buChar char="•"/>
-            </a:pPr>
-            <a:r>
-              <a:rPr lang="ru-RU" dirty="0"/>
+            <a:pPr marL="457200" lvl="0" indent="-457200">
+              <a:lnSpc>
+                <a:spcPct val="120000"/>
+              </a:lnSpc>
+              <a:spcBef>
+                <a:spcPts val="500"/>
+              </a:spcBef>
+              <a:buFont typeface="Arial" panose="020B0604020202020204" pitchFamily="34" charset="0"/>
+              <a:buChar char="•"/>
+            </a:pPr>
+            <a:r>
+              <a:rPr lang="ru-RU" sz="4000" dirty="0"/>
               <a:t>Удобство сопровождения</a:t>
             </a:r>
           </a:p>
           <a:p>
-            <a:pPr marL="285750" lvl="0" indent="-285750">
-              <a:buFont typeface="Arial" panose="020B0604020202020204" pitchFamily="34" charset="0"/>
-              <a:buChar char="•"/>
-            </a:pPr>
-            <a:r>
-              <a:rPr lang="ru-RU" dirty="0"/>
+            <a:pPr marL="457200" lvl="0" indent="-457200">
+              <a:lnSpc>
+                <a:spcPct val="120000"/>
+              </a:lnSpc>
+              <a:spcBef>
+                <a:spcPts val="500"/>
+              </a:spcBef>
+              <a:buFont typeface="Arial" panose="020B0604020202020204" pitchFamily="34" charset="0"/>
+              <a:buChar char="•"/>
+            </a:pPr>
+            <a:r>
+              <a:rPr lang="ru-RU" sz="4000" dirty="0"/>
               <a:t>Красивый дизайн</a:t>
             </a:r>
           </a:p>
           <a:p>
-            <a:pPr marL="285750" lvl="0" indent="-285750">
-              <a:buFont typeface="Arial" panose="020B0604020202020204" pitchFamily="34" charset="0"/>
-              <a:buChar char="•"/>
-            </a:pPr>
-            <a:r>
-              <a:rPr lang="ru-RU" dirty="0"/>
+            <a:pPr marL="457200" lvl="0" indent="-457200">
+              <a:lnSpc>
+                <a:spcPct val="120000"/>
+              </a:lnSpc>
+              <a:spcBef>
+                <a:spcPts val="500"/>
+              </a:spcBef>
+              <a:buFont typeface="Arial" panose="020B0604020202020204" pitchFamily="34" charset="0"/>
+              <a:buChar char="•"/>
+            </a:pPr>
+            <a:r>
+              <a:rPr lang="ru-RU" sz="4000" dirty="0"/>
               <a:t>Заказ должен формироваться без задержек время добавление товара в корзину не более 2 секунд.</a:t>
             </a:r>
           </a:p>
           <a:p>
-            <a:pPr marL="285750" lvl="0" indent="-285750">
-              <a:buFont typeface="Arial" panose="020B0604020202020204" pitchFamily="34" charset="0"/>
-              <a:buChar char="•"/>
-            </a:pPr>
-            <a:r>
-              <a:rPr lang="ru-RU" dirty="0"/>
-              <a:t>Подтверждение заказа не более 5 секунд</a:t>
-            </a:r>
-          </a:p>
-          <a:p>
-            <a:pPr marL="285750" lvl="0" indent="-285750">
-              <a:buFont typeface="Arial" panose="020B0604020202020204" pitchFamily="34" charset="0"/>
-              <a:buChar char="•"/>
-            </a:pPr>
-            <a:r>
-              <a:rPr lang="ru-RU" dirty="0"/>
-              <a:t>Смс  по  подтверждению заказа должна приходить в течении 30 секунд после оплаты.</a:t>
-            </a:r>
-          </a:p>
-          <a:p>
-            <a:pPr marL="285750" lvl="0" indent="-285750">
-              <a:buFont typeface="Arial" panose="020B0604020202020204" pitchFamily="34" charset="0"/>
-              <a:buChar char="•"/>
-            </a:pPr>
-            <a:r>
-              <a:rPr lang="ru-RU" dirty="0"/>
+            <a:pPr marL="457200" lvl="0" indent="-457200">
+              <a:lnSpc>
+                <a:spcPct val="120000"/>
+              </a:lnSpc>
+              <a:spcBef>
+                <a:spcPts val="500"/>
+              </a:spcBef>
+              <a:buFont typeface="Arial" panose="020B0604020202020204" pitchFamily="34" charset="0"/>
+              <a:buChar char="•"/>
+            </a:pPr>
+            <a:r>
+              <a:rPr lang="ru-RU" sz="4000" dirty="0"/>
+              <a:t>Подтверждение заказа не более 5 секунд.</a:t>
+            </a:r>
+          </a:p>
+          <a:p>
+            <a:pPr marL="457200" lvl="0" indent="-457200">
+              <a:lnSpc>
+                <a:spcPct val="120000"/>
+              </a:lnSpc>
+              <a:spcBef>
+                <a:spcPts val="500"/>
+              </a:spcBef>
+              <a:buFont typeface="Arial" panose="020B0604020202020204" pitchFamily="34" charset="0"/>
+              <a:buChar char="•"/>
+            </a:pPr>
+            <a:r>
+              <a:rPr lang="ru-RU" sz="4000" dirty="0"/>
+              <a:t>Смс  по  подтверждению заказа должна приходить в течении 30 секунд после оплаты.</a:t>
+            </a:r>
+          </a:p>
+          <a:p>
+            <a:pPr marL="457200" lvl="0" indent="-457200">
+              <a:lnSpc>
+                <a:spcPct val="120000"/>
+              </a:lnSpc>
+              <a:spcBef>
+                <a:spcPts val="500"/>
+              </a:spcBef>
+              <a:buFont typeface="Arial" panose="020B0604020202020204" pitchFamily="34" charset="0"/>
+              <a:buChar char="•"/>
+            </a:pPr>
+            <a:r>
+              <a:rPr lang="ru-RU" sz="4000" dirty="0"/>
+              <a:t>Возможность одновременной работы 5 000 000 пользователей в  приложении.</a:t>
+            </a:r>
+          </a:p>
+          <a:p>
+            <a:pPr marL="457200" lvl="0" indent="-457200">
+              <a:lnSpc>
+                <a:spcPct val="120000"/>
+              </a:lnSpc>
+              <a:spcBef>
+                <a:spcPts val="500"/>
+              </a:spcBef>
+              <a:buFont typeface="Arial" panose="020B0604020202020204" pitchFamily="34" charset="0"/>
+              <a:buChar char="•"/>
+            </a:pPr>
+            <a:r>
+              <a:rPr lang="ru-RU" sz="4000" dirty="0"/>
+              <a:t>Задержка обновления  странице при большой загрузки не более 1 секунды.</a:t>
+            </a:r>
+          </a:p>
+          <a:p>
+            <a:pPr lvl="0">
+              <a:lnSpc>
+                <a:spcPct val="120000"/>
+              </a:lnSpc>
+              <a:spcBef>
+                <a:spcPts val="500"/>
+              </a:spcBef>
+            </a:pPr>
+            <a:r>
+              <a:rPr lang="ru-RU" sz="5600" dirty="0"/>
+              <a:t>Доставка (домен)</a:t>
+            </a:r>
+          </a:p>
+          <a:p>
+            <a:pPr marL="457200" lvl="0" indent="-457200">
+              <a:lnSpc>
+                <a:spcPct val="120000"/>
+              </a:lnSpc>
+              <a:spcBef>
+                <a:spcPts val="500"/>
+              </a:spcBef>
+              <a:buFont typeface="Arial" panose="020B0604020202020204" pitchFamily="34" charset="0"/>
+              <a:buChar char="•"/>
+            </a:pPr>
+            <a:r>
+              <a:rPr lang="ru-RU" sz="4000" dirty="0"/>
+              <a:t>.Доставка осуществляется  не более трех </a:t>
+            </a:r>
+            <a:r>
+              <a:rPr lang="ru-RU" sz="4000" dirty="0" err="1"/>
+              <a:t>сутокю</a:t>
+            </a:r>
+            <a:endParaRPr lang="ru-RU" sz="4000" dirty="0"/>
+          </a:p>
+          <a:p>
+            <a:pPr marL="457200" lvl="0" indent="-457200">
+              <a:lnSpc>
+                <a:spcPct val="120000"/>
+              </a:lnSpc>
+              <a:spcBef>
+                <a:spcPts val="500"/>
+              </a:spcBef>
+              <a:buFont typeface="Arial" panose="020B0604020202020204" pitchFamily="34" charset="0"/>
+              <a:buChar char="•"/>
+            </a:pPr>
+            <a:r>
+              <a:rPr lang="ru-RU" sz="4000" dirty="0"/>
+              <a:t>Передача товара курьеру в течение 24 часов.</a:t>
+            </a:r>
+          </a:p>
+          <a:p>
+            <a:pPr marL="457200" lvl="0" indent="-457200">
+              <a:lnSpc>
+                <a:spcPct val="120000"/>
+              </a:lnSpc>
+              <a:spcBef>
+                <a:spcPts val="500"/>
+              </a:spcBef>
+              <a:buFont typeface="Arial" panose="020B0604020202020204" pitchFamily="34" charset="0"/>
+              <a:buChar char="•"/>
+            </a:pPr>
+            <a:r>
+              <a:rPr lang="ru-RU" sz="4000" dirty="0"/>
+              <a:t>Уведомления клиента что товар поступил на доставку.</a:t>
+            </a:r>
+          </a:p>
+          <a:p>
+            <a:pPr marL="457200" lvl="0" indent="-457200">
+              <a:lnSpc>
+                <a:spcPct val="120000"/>
+              </a:lnSpc>
+              <a:spcBef>
+                <a:spcPts val="500"/>
+              </a:spcBef>
+              <a:buFont typeface="Arial" panose="020B0604020202020204" pitchFamily="34" charset="0"/>
+              <a:buChar char="•"/>
+            </a:pPr>
+            <a:r>
+              <a:rPr lang="ru-RU" sz="4000" dirty="0"/>
+              <a:t>Уведомление клиента что товар доставлен.</a:t>
+            </a:r>
+          </a:p>
+          <a:p>
+            <a:pPr lvl="0">
+              <a:lnSpc>
+                <a:spcPct val="120000"/>
+              </a:lnSpc>
+              <a:spcBef>
+                <a:spcPts val="500"/>
+              </a:spcBef>
+            </a:pPr>
+            <a:r>
+              <a:rPr lang="ru-RU" sz="5600" dirty="0"/>
+              <a:t>Склад(домен)</a:t>
+            </a:r>
+          </a:p>
+          <a:p>
+            <a:pPr marL="457200" lvl="0" indent="-457200">
+              <a:lnSpc>
+                <a:spcPct val="120000"/>
+              </a:lnSpc>
+              <a:spcBef>
+                <a:spcPts val="500"/>
+              </a:spcBef>
+              <a:buFont typeface="Arial" panose="020B0604020202020204" pitchFamily="34" charset="0"/>
+              <a:buChar char="•"/>
+            </a:pPr>
+            <a:r>
+              <a:rPr lang="ru-RU" sz="4000" dirty="0"/>
+              <a:t>Сбор товара на доставку в течении 24 часов.</a:t>
+            </a:r>
+          </a:p>
+          <a:p>
+            <a:pPr marL="457200" lvl="0" indent="-457200">
+              <a:lnSpc>
+                <a:spcPct val="120000"/>
+              </a:lnSpc>
+              <a:spcBef>
+                <a:spcPts val="500"/>
+              </a:spcBef>
+              <a:buFont typeface="Arial" panose="020B0604020202020204" pitchFamily="34" charset="0"/>
+              <a:buChar char="•"/>
+            </a:pPr>
+            <a:r>
+              <a:rPr lang="ru-RU" sz="4000" dirty="0"/>
+              <a:t>Передача товара на доставку в течении 28 часов.</a:t>
+            </a:r>
+          </a:p>
+          <a:p>
+            <a:pPr marL="457200" lvl="0" indent="-457200">
+              <a:lnSpc>
+                <a:spcPct val="120000"/>
+              </a:lnSpc>
+              <a:spcBef>
+                <a:spcPts val="500"/>
+              </a:spcBef>
+              <a:buFont typeface="Arial" panose="020B0604020202020204" pitchFamily="34" charset="0"/>
+              <a:buChar char="•"/>
+            </a:pPr>
+            <a:r>
+              <a:rPr lang="ru-RU" sz="4000" dirty="0"/>
+              <a:t>Уведомления клиента что товар </a:t>
+            </a:r>
+            <a:r>
+              <a:rPr lang="ru-RU" sz="4000" dirty="0" err="1"/>
+              <a:t>ущел</a:t>
+            </a:r>
+            <a:r>
+              <a:rPr lang="ru-RU" sz="4000" dirty="0"/>
+              <a:t> со склада на доставку.</a:t>
+            </a:r>
+          </a:p>
+          <a:p>
+            <a:pPr marL="457200" lvl="0" indent="-457200">
+              <a:lnSpc>
+                <a:spcPct val="120000"/>
+              </a:lnSpc>
+              <a:spcBef>
+                <a:spcPts val="500"/>
+              </a:spcBef>
+              <a:buFont typeface="Arial" panose="020B0604020202020204" pitchFamily="34" charset="0"/>
+              <a:buChar char="•"/>
+            </a:pPr>
+            <a:r>
+              <a:rPr lang="ru-RU" sz="4000" dirty="0"/>
+              <a:t>Проверка категории товара и совместимость совместной </a:t>
+            </a:r>
+            <a:r>
+              <a:rPr lang="ru-RU" sz="4000" dirty="0" err="1"/>
+              <a:t>отпраки</a:t>
+            </a:r>
+            <a:r>
+              <a:rPr lang="ru-RU" sz="4000" dirty="0"/>
+              <a:t>.</a:t>
+            </a:r>
+          </a:p>
+          <a:p>
+            <a:pPr lvl="0">
+              <a:lnSpc>
+                <a:spcPct val="120000"/>
+              </a:lnSpc>
+              <a:spcBef>
+                <a:spcPts val="500"/>
+              </a:spcBef>
+            </a:pPr>
+            <a:r>
+              <a:rPr lang="ru-RU" sz="5600" dirty="0"/>
+              <a:t>Приложение пользователя(личные данные и метрики)(домен).</a:t>
+            </a:r>
+          </a:p>
+          <a:p>
+            <a:pPr marL="457200" lvl="0" indent="-457200">
+              <a:lnSpc>
+                <a:spcPct val="120000"/>
+              </a:lnSpc>
+              <a:spcBef>
+                <a:spcPts val="500"/>
+              </a:spcBef>
+              <a:buFont typeface="Arial" panose="020B0604020202020204" pitchFamily="34" charset="0"/>
+              <a:buChar char="•"/>
+            </a:pPr>
+            <a:r>
+              <a:rPr lang="ru-RU" sz="4000" dirty="0"/>
+              <a:t>Удобство клиента</a:t>
+            </a:r>
+          </a:p>
+          <a:p>
+            <a:pPr marL="457200" lvl="0" indent="-457200">
+              <a:lnSpc>
+                <a:spcPct val="120000"/>
+              </a:lnSpc>
+              <a:spcBef>
+                <a:spcPts val="500"/>
+              </a:spcBef>
+              <a:buFont typeface="Arial" panose="020B0604020202020204" pitchFamily="34" charset="0"/>
+              <a:buChar char="•"/>
+            </a:pPr>
+            <a:r>
+              <a:rPr lang="ru-RU" sz="4000" dirty="0"/>
+              <a:t>Красивый дизайн</a:t>
+            </a:r>
+          </a:p>
+          <a:p>
+            <a:pPr marL="457200" lvl="0" indent="-457200">
+              <a:lnSpc>
+                <a:spcPct val="120000"/>
+              </a:lnSpc>
+              <a:spcBef>
+                <a:spcPts val="500"/>
+              </a:spcBef>
+              <a:buFont typeface="Arial" panose="020B0604020202020204" pitchFamily="34" charset="0"/>
+              <a:buChar char="•"/>
+            </a:pPr>
+            <a:r>
+              <a:rPr lang="ru-RU" sz="4000" dirty="0"/>
               <a:t>Возможность одновременной работы 5 000 000 пользователей в  приложении</a:t>
             </a:r>
           </a:p>
           <a:p>
-            <a:pPr marL="285750" lvl="0" indent="-285750">
-              <a:buFont typeface="Arial" panose="020B0604020202020204" pitchFamily="34" charset="0"/>
-              <a:buChar char="•"/>
-            </a:pPr>
-            <a:r>
-              <a:rPr lang="ru-RU" dirty="0"/>
+            <a:pPr marL="457200" lvl="0" indent="-457200">
+              <a:lnSpc>
+                <a:spcPct val="120000"/>
+              </a:lnSpc>
+              <a:spcBef>
+                <a:spcPts val="500"/>
+              </a:spcBef>
+              <a:buFont typeface="Arial" panose="020B0604020202020204" pitchFamily="34" charset="0"/>
+              <a:buChar char="•"/>
+            </a:pPr>
+            <a:r>
+              <a:rPr lang="ru-RU" sz="4000" dirty="0"/>
               <a:t>Задержка обновления  странице при большой загрузки не более 1 секунды.</a:t>
             </a:r>
           </a:p>
           <a:p>
-            <a:pPr marL="285750" lvl="0" indent="-285750">
-              <a:buFont typeface="Arial" panose="020B0604020202020204" pitchFamily="34" charset="0"/>
-              <a:buChar char="•"/>
-            </a:pPr>
-            <a:r>
-              <a:rPr lang="ru-RU" dirty="0"/>
-              <a:t>Пароли сохраняются в </a:t>
-            </a:r>
-            <a:r>
-              <a:rPr lang="ru-RU" dirty="0" err="1"/>
-              <a:t>бд</a:t>
-            </a:r>
-            <a:r>
-              <a:rPr lang="ru-RU" dirty="0"/>
-              <a:t> в зашифрованном виде.</a:t>
-            </a:r>
-          </a:p>
-          <a:p>
-            <a:pPr marL="285750" lvl="0" indent="-285750">
-              <a:buFont typeface="Arial" panose="020B0604020202020204" pitchFamily="34" charset="0"/>
-              <a:buChar char="•"/>
-            </a:pPr>
-            <a:r>
-              <a:rPr lang="ru-RU" dirty="0"/>
-              <a:t>Восстановления пароля возможно только при подтверждении с  номера телефона который был указан при регистрации.</a:t>
+            <a:pPr marL="457200" lvl="0" indent="-457200">
+              <a:lnSpc>
+                <a:spcPct val="120000"/>
+              </a:lnSpc>
+              <a:spcBef>
+                <a:spcPts val="500"/>
+              </a:spcBef>
+              <a:buFont typeface="Arial" panose="020B0604020202020204" pitchFamily="34" charset="0"/>
+              <a:buChar char="•"/>
+            </a:pPr>
+            <a:r>
+              <a:rPr lang="ru-RU" sz="4000" dirty="0"/>
+              <a:t>Восстановления пароля возможно только при подтверждении с  номера телефона который был указан при регистрации.</a:t>
             </a:r>
           </a:p>
           <a:p>
